--- a/Bilder/Microsoft PowerPoint-Präsentation (neu).pptx
+++ b/Bilder/Microsoft PowerPoint-Präsentation (neu).pptx
@@ -5,7 +5,7 @@
     <p:sldMasterId id="2147483648" r:id="rId1"/>
   </p:sldMasterIdLst>
   <p:notesMasterIdLst>
-    <p:notesMasterId r:id="rId20"/>
+    <p:notesMasterId r:id="rId24"/>
   </p:notesMasterIdLst>
   <p:sldIdLst>
     <p:sldId id="256" r:id="rId2"/>
@@ -26,6 +26,10 @@
     <p:sldId id="270" r:id="rId17"/>
     <p:sldId id="271" r:id="rId18"/>
     <p:sldId id="273" r:id="rId19"/>
+    <p:sldId id="274" r:id="rId20"/>
+    <p:sldId id="275" r:id="rId21"/>
+    <p:sldId id="276" r:id="rId22"/>
+    <p:sldId id="277" r:id="rId23"/>
   </p:sldIdLst>
   <p:sldSz cx="12192000" cy="6858000"/>
   <p:notesSz cx="6858000" cy="9144000"/>
@@ -135,7 +139,7 @@
 <file path=ppt/revisionInfo.xml><?xml version="1.0" encoding="utf-8"?>
 <p1510:revInfo xmlns:a="http://schemas.openxmlformats.org/drawingml/2006/main" xmlns:r="http://schemas.openxmlformats.org/officeDocument/2006/relationships" xmlns:p1510="http://schemas.microsoft.com/office/powerpoint/2015/10/main">
   <p1510:revLst>
-    <p1510:client id="{98D96A6D-518D-4AC0-9BA2-40E21862AA9A}" v="169" dt="2023-01-24T12:31:27.886"/>
+    <p1510:client id="{D56AB027-329F-4E97-A5CB-D280E33427F3}" v="47" dt="2023-03-09T09:15:40.121"/>
   </p1510:revLst>
 </p1510:revInfo>
 </file>
@@ -3178,6 +3182,1211 @@
             <ac:picMk id="7" creationId="{54B5FBD9-EE66-9237-69B4-E81756891256}"/>
           </ac:picMkLst>
         </pc:picChg>
+      </pc:sldChg>
+    </pc:docChg>
+  </pc:docChgLst>
+  <pc:docChgLst>
+    <pc:chgData name="Julius Rublack" userId="745d74a4dee6b669" providerId="LiveId" clId="{D56AB027-329F-4E97-A5CB-D280E33427F3}"/>
+    <pc:docChg chg="undo custSel addSld modSld">
+      <pc:chgData name="Julius Rublack" userId="745d74a4dee6b669" providerId="LiveId" clId="{D56AB027-329F-4E97-A5CB-D280E33427F3}" dt="2023-03-09T09:16:01.908" v="920" actId="1076"/>
+      <pc:docMkLst>
+        <pc:docMk/>
+      </pc:docMkLst>
+      <pc:sldChg chg="addSp delSp modSp new mod">
+        <pc:chgData name="Julius Rublack" userId="745d74a4dee6b669" providerId="LiveId" clId="{D56AB027-329F-4E97-A5CB-D280E33427F3}" dt="2023-02-22T14:40:27.053" v="232" actId="1076"/>
+        <pc:sldMkLst>
+          <pc:docMk/>
+          <pc:sldMk cId="1815265686" sldId="274"/>
+        </pc:sldMkLst>
+        <pc:spChg chg="del">
+          <ac:chgData name="Julius Rublack" userId="745d74a4dee6b669" providerId="LiveId" clId="{D56AB027-329F-4E97-A5CB-D280E33427F3}" dt="2023-02-22T14:08:03.912" v="2" actId="478"/>
+          <ac:spMkLst>
+            <pc:docMk/>
+            <pc:sldMk cId="1815265686" sldId="274"/>
+            <ac:spMk id="2" creationId="{483CAD30-8468-1DA5-0949-6A55D952B827}"/>
+          </ac:spMkLst>
+        </pc:spChg>
+        <pc:spChg chg="del">
+          <ac:chgData name="Julius Rublack" userId="745d74a4dee6b669" providerId="LiveId" clId="{D56AB027-329F-4E97-A5CB-D280E33427F3}" dt="2023-02-22T14:08:02.753" v="1" actId="478"/>
+          <ac:spMkLst>
+            <pc:docMk/>
+            <pc:sldMk cId="1815265686" sldId="274"/>
+            <ac:spMk id="3" creationId="{A2180EF2-3838-E6B6-D296-C7498ED2E0E6}"/>
+          </ac:spMkLst>
+        </pc:spChg>
+        <pc:spChg chg="add mod ord">
+          <ac:chgData name="Julius Rublack" userId="745d74a4dee6b669" providerId="LiveId" clId="{D56AB027-329F-4E97-A5CB-D280E33427F3}" dt="2023-02-22T14:40:19.753" v="231" actId="1076"/>
+          <ac:spMkLst>
+            <pc:docMk/>
+            <pc:sldMk cId="1815265686" sldId="274"/>
+            <ac:spMk id="10" creationId="{51225F74-FBAF-FAD8-A634-1F3BDAEEAB23}"/>
+          </ac:spMkLst>
+        </pc:spChg>
+        <pc:spChg chg="add mod ord">
+          <ac:chgData name="Julius Rublack" userId="745d74a4dee6b669" providerId="LiveId" clId="{D56AB027-329F-4E97-A5CB-D280E33427F3}" dt="2023-02-22T14:40:27.053" v="232" actId="1076"/>
+          <ac:spMkLst>
+            <pc:docMk/>
+            <pc:sldMk cId="1815265686" sldId="274"/>
+            <ac:spMk id="13" creationId="{9643423D-364D-FC61-804B-0C896A58BFEE}"/>
+          </ac:spMkLst>
+        </pc:spChg>
+        <pc:spChg chg="add mod">
+          <ac:chgData name="Julius Rublack" userId="745d74a4dee6b669" providerId="LiveId" clId="{D56AB027-329F-4E97-A5CB-D280E33427F3}" dt="2023-02-22T14:17:49.077" v="130" actId="1076"/>
+          <ac:spMkLst>
+            <pc:docMk/>
+            <pc:sldMk cId="1815265686" sldId="274"/>
+            <ac:spMk id="14" creationId="{9EE7507E-DACE-7801-F48D-5D89FB407855}"/>
+          </ac:spMkLst>
+        </pc:spChg>
+        <pc:spChg chg="add mod">
+          <ac:chgData name="Julius Rublack" userId="745d74a4dee6b669" providerId="LiveId" clId="{D56AB027-329F-4E97-A5CB-D280E33427F3}" dt="2023-02-22T14:14:15.811" v="66" actId="1076"/>
+          <ac:spMkLst>
+            <pc:docMk/>
+            <pc:sldMk cId="1815265686" sldId="274"/>
+            <ac:spMk id="15" creationId="{BFB1EDDE-F501-89B9-B8B6-C87504222AA0}"/>
+          </ac:spMkLst>
+        </pc:spChg>
+        <pc:spChg chg="add mod">
+          <ac:chgData name="Julius Rublack" userId="745d74a4dee6b669" providerId="LiveId" clId="{D56AB027-329F-4E97-A5CB-D280E33427F3}" dt="2023-02-22T14:15:12.059" v="85" actId="1076"/>
+          <ac:spMkLst>
+            <pc:docMk/>
+            <pc:sldMk cId="1815265686" sldId="274"/>
+            <ac:spMk id="16" creationId="{E97F135C-1EB6-9215-7321-4105E7E08E6B}"/>
+          </ac:spMkLst>
+        </pc:spChg>
+        <pc:spChg chg="add mod ord">
+          <ac:chgData name="Julius Rublack" userId="745d74a4dee6b669" providerId="LiveId" clId="{D56AB027-329F-4E97-A5CB-D280E33427F3}" dt="2023-02-22T14:20:06.884" v="172" actId="1076"/>
+          <ac:spMkLst>
+            <pc:docMk/>
+            <pc:sldMk cId="1815265686" sldId="274"/>
+            <ac:spMk id="17" creationId="{43943CE9-A39A-5225-A2D0-1568ED0D1355}"/>
+          </ac:spMkLst>
+        </pc:spChg>
+        <pc:spChg chg="add del">
+          <ac:chgData name="Julius Rublack" userId="745d74a4dee6b669" providerId="LiveId" clId="{D56AB027-329F-4E97-A5CB-D280E33427F3}" dt="2023-02-22T14:16:18.993" v="95" actId="478"/>
+          <ac:spMkLst>
+            <pc:docMk/>
+            <pc:sldMk cId="1815265686" sldId="274"/>
+            <ac:spMk id="18" creationId="{D6CB28F0-B304-19A3-9DD6-B809F9177AED}"/>
+          </ac:spMkLst>
+        </pc:spChg>
+        <pc:spChg chg="add mod ord">
+          <ac:chgData name="Julius Rublack" userId="745d74a4dee6b669" providerId="LiveId" clId="{D56AB027-329F-4E97-A5CB-D280E33427F3}" dt="2023-02-22T14:16:46.838" v="102" actId="1076"/>
+          <ac:spMkLst>
+            <pc:docMk/>
+            <pc:sldMk cId="1815265686" sldId="274"/>
+            <ac:spMk id="19" creationId="{928F344C-8AE9-35D1-E10E-BA0CF671DD15}"/>
+          </ac:spMkLst>
+        </pc:spChg>
+        <pc:spChg chg="add mod">
+          <ac:chgData name="Julius Rublack" userId="745d74a4dee6b669" providerId="LiveId" clId="{D56AB027-329F-4E97-A5CB-D280E33427F3}" dt="2023-02-22T14:17:24.326" v="123" actId="1076"/>
+          <ac:spMkLst>
+            <pc:docMk/>
+            <pc:sldMk cId="1815265686" sldId="274"/>
+            <ac:spMk id="20" creationId="{96BDFEE6-AE80-412E-EDDB-176B27DB2AD7}"/>
+          </ac:spMkLst>
+        </pc:spChg>
+        <pc:spChg chg="add mod">
+          <ac:chgData name="Julius Rublack" userId="745d74a4dee6b669" providerId="LiveId" clId="{D56AB027-329F-4E97-A5CB-D280E33427F3}" dt="2023-02-22T14:19:24.488" v="151" actId="20577"/>
+          <ac:spMkLst>
+            <pc:docMk/>
+            <pc:sldMk cId="1815265686" sldId="274"/>
+            <ac:spMk id="21" creationId="{A40F2726-234F-9CEA-196D-9E8B6BB436AC}"/>
+          </ac:spMkLst>
+        </pc:spChg>
+        <pc:spChg chg="add mod">
+          <ac:chgData name="Julius Rublack" userId="745d74a4dee6b669" providerId="LiveId" clId="{D56AB027-329F-4E97-A5CB-D280E33427F3}" dt="2023-02-22T14:19:27.174" v="153" actId="20577"/>
+          <ac:spMkLst>
+            <pc:docMk/>
+            <pc:sldMk cId="1815265686" sldId="274"/>
+            <ac:spMk id="22" creationId="{3FEC69C0-8344-8F61-0E95-AEE8F4BECE03}"/>
+          </ac:spMkLst>
+        </pc:spChg>
+        <pc:spChg chg="add mod">
+          <ac:chgData name="Julius Rublack" userId="745d74a4dee6b669" providerId="LiveId" clId="{D56AB027-329F-4E97-A5CB-D280E33427F3}" dt="2023-02-22T14:19:29.844" v="155" actId="20577"/>
+          <ac:spMkLst>
+            <pc:docMk/>
+            <pc:sldMk cId="1815265686" sldId="274"/>
+            <ac:spMk id="23" creationId="{E03A8FDC-8526-4C0A-E20E-A9788B281F63}"/>
+          </ac:spMkLst>
+        </pc:spChg>
+        <pc:spChg chg="add mod">
+          <ac:chgData name="Julius Rublack" userId="745d74a4dee6b669" providerId="LiveId" clId="{D56AB027-329F-4E97-A5CB-D280E33427F3}" dt="2023-02-22T14:19:33.465" v="157" actId="20577"/>
+          <ac:spMkLst>
+            <pc:docMk/>
+            <pc:sldMk cId="1815265686" sldId="274"/>
+            <ac:spMk id="24" creationId="{7DAF0FA3-4513-D7A1-1201-8B856301EE5C}"/>
+          </ac:spMkLst>
+        </pc:spChg>
+        <pc:spChg chg="add mod">
+          <ac:chgData name="Julius Rublack" userId="745d74a4dee6b669" providerId="LiveId" clId="{D56AB027-329F-4E97-A5CB-D280E33427F3}" dt="2023-02-22T14:19:36.321" v="159" actId="20577"/>
+          <ac:spMkLst>
+            <pc:docMk/>
+            <pc:sldMk cId="1815265686" sldId="274"/>
+            <ac:spMk id="25" creationId="{772118CE-F5C5-52A6-E6FD-C880E2AB0308}"/>
+          </ac:spMkLst>
+        </pc:spChg>
+        <pc:spChg chg="add mod">
+          <ac:chgData name="Julius Rublack" userId="745d74a4dee6b669" providerId="LiveId" clId="{D56AB027-329F-4E97-A5CB-D280E33427F3}" dt="2023-02-22T14:19:40.205" v="161" actId="20577"/>
+          <ac:spMkLst>
+            <pc:docMk/>
+            <pc:sldMk cId="1815265686" sldId="274"/>
+            <ac:spMk id="26" creationId="{5E27DA32-D79C-206A-0BF6-B53D9A5EEB64}"/>
+          </ac:spMkLst>
+        </pc:spChg>
+        <pc:spChg chg="add mod">
+          <ac:chgData name="Julius Rublack" userId="745d74a4dee6b669" providerId="LiveId" clId="{D56AB027-329F-4E97-A5CB-D280E33427F3}" dt="2023-02-22T14:19:43.458" v="163" actId="20577"/>
+          <ac:spMkLst>
+            <pc:docMk/>
+            <pc:sldMk cId="1815265686" sldId="274"/>
+            <ac:spMk id="27" creationId="{7D981D88-0E09-52A7-3262-6E1A996FCDDC}"/>
+          </ac:spMkLst>
+        </pc:spChg>
+        <pc:spChg chg="add mod">
+          <ac:chgData name="Julius Rublack" userId="745d74a4dee6b669" providerId="LiveId" clId="{D56AB027-329F-4E97-A5CB-D280E33427F3}" dt="2023-02-22T14:19:45.674" v="165" actId="20577"/>
+          <ac:spMkLst>
+            <pc:docMk/>
+            <pc:sldMk cId="1815265686" sldId="274"/>
+            <ac:spMk id="28" creationId="{54A382B8-2461-54C0-A61F-8B8C1FEDAE15}"/>
+          </ac:spMkLst>
+        </pc:spChg>
+        <pc:spChg chg="add mod">
+          <ac:chgData name="Julius Rublack" userId="745d74a4dee6b669" providerId="LiveId" clId="{D56AB027-329F-4E97-A5CB-D280E33427F3}" dt="2023-02-22T14:19:57.864" v="170" actId="1076"/>
+          <ac:spMkLst>
+            <pc:docMk/>
+            <pc:sldMk cId="1815265686" sldId="274"/>
+            <ac:spMk id="29" creationId="{2433133F-C342-9573-89C8-763B53CF7369}"/>
+          </ac:spMkLst>
+        </pc:spChg>
+        <pc:spChg chg="add mod">
+          <ac:chgData name="Julius Rublack" userId="745d74a4dee6b669" providerId="LiveId" clId="{D56AB027-329F-4E97-A5CB-D280E33427F3}" dt="2023-02-22T14:40:04.456" v="229" actId="14100"/>
+          <ac:spMkLst>
+            <pc:docMk/>
+            <pc:sldMk cId="1815265686" sldId="274"/>
+            <ac:spMk id="30" creationId="{7BBE1090-8045-36F1-F74F-2247FE19602B}"/>
+          </ac:spMkLst>
+        </pc:spChg>
+        <pc:picChg chg="add mod">
+          <ac:chgData name="Julius Rublack" userId="745d74a4dee6b669" providerId="LiveId" clId="{D56AB027-329F-4E97-A5CB-D280E33427F3}" dt="2023-02-22T14:11:59.810" v="40" actId="14100"/>
+          <ac:picMkLst>
+            <pc:docMk/>
+            <pc:sldMk cId="1815265686" sldId="274"/>
+            <ac:picMk id="5" creationId="{268B7408-7D40-25B5-30D3-7E088F3FBA13}"/>
+          </ac:picMkLst>
+        </pc:picChg>
+        <pc:picChg chg="add del mod">
+          <ac:chgData name="Julius Rublack" userId="745d74a4dee6b669" providerId="LiveId" clId="{D56AB027-329F-4E97-A5CB-D280E33427F3}" dt="2023-02-22T14:09:35.327" v="7" actId="478"/>
+          <ac:picMkLst>
+            <pc:docMk/>
+            <pc:sldMk cId="1815265686" sldId="274"/>
+            <ac:picMk id="7" creationId="{2558DD36-F665-D56B-5D54-3E33D62794D8}"/>
+          </ac:picMkLst>
+        </pc:picChg>
+        <pc:picChg chg="add mod">
+          <ac:chgData name="Julius Rublack" userId="745d74a4dee6b669" providerId="LiveId" clId="{D56AB027-329F-4E97-A5CB-D280E33427F3}" dt="2023-02-22T14:11:59.810" v="40" actId="14100"/>
+          <ac:picMkLst>
+            <pc:docMk/>
+            <pc:sldMk cId="1815265686" sldId="274"/>
+            <ac:picMk id="9" creationId="{67F7C87C-A9CA-0BAD-B0CF-8E3E20F0220F}"/>
+          </ac:picMkLst>
+        </pc:picChg>
+        <pc:picChg chg="add mod ord">
+          <ac:chgData name="Julius Rublack" userId="745d74a4dee6b669" providerId="LiveId" clId="{D56AB027-329F-4E97-A5CB-D280E33427F3}" dt="2023-02-22T14:16:46.838" v="102" actId="1076"/>
+          <ac:picMkLst>
+            <pc:docMk/>
+            <pc:sldMk cId="1815265686" sldId="274"/>
+            <ac:picMk id="12" creationId="{E80698A2-96A3-E0B4-729B-6B640186DB71}"/>
+          </ac:picMkLst>
+        </pc:picChg>
+      </pc:sldChg>
+      <pc:sldChg chg="addSp delSp modSp new mod">
+        <pc:chgData name="Julius Rublack" userId="745d74a4dee6b669" providerId="LiveId" clId="{D56AB027-329F-4E97-A5CB-D280E33427F3}" dt="2023-02-24T10:26:28.688" v="282" actId="1582"/>
+        <pc:sldMkLst>
+          <pc:docMk/>
+          <pc:sldMk cId="1825793501" sldId="275"/>
+        </pc:sldMkLst>
+        <pc:spChg chg="del">
+          <ac:chgData name="Julius Rublack" userId="745d74a4dee6b669" providerId="LiveId" clId="{D56AB027-329F-4E97-A5CB-D280E33427F3}" dt="2023-02-24T10:20:39.634" v="234" actId="478"/>
+          <ac:spMkLst>
+            <pc:docMk/>
+            <pc:sldMk cId="1825793501" sldId="275"/>
+            <ac:spMk id="2" creationId="{621958EF-72B0-6B7F-2B17-E44935BD8FBA}"/>
+          </ac:spMkLst>
+        </pc:spChg>
+        <pc:spChg chg="del">
+          <ac:chgData name="Julius Rublack" userId="745d74a4dee6b669" providerId="LiveId" clId="{D56AB027-329F-4E97-A5CB-D280E33427F3}" dt="2023-02-24T10:20:40.665" v="235" actId="478"/>
+          <ac:spMkLst>
+            <pc:docMk/>
+            <pc:sldMk cId="1825793501" sldId="275"/>
+            <ac:spMk id="3" creationId="{664733C4-127D-DF77-6513-0EE5D80D1D73}"/>
+          </ac:spMkLst>
+        </pc:spChg>
+        <pc:spChg chg="add mod">
+          <ac:chgData name="Julius Rublack" userId="745d74a4dee6b669" providerId="LiveId" clId="{D56AB027-329F-4E97-A5CB-D280E33427F3}" dt="2023-02-24T10:25:24.836" v="272" actId="1076"/>
+          <ac:spMkLst>
+            <pc:docMk/>
+            <pc:sldMk cId="1825793501" sldId="275"/>
+            <ac:spMk id="12" creationId="{34599A49-376F-A26C-B4AC-F1AA585D71EC}"/>
+          </ac:spMkLst>
+        </pc:spChg>
+        <pc:picChg chg="add mod">
+          <ac:chgData name="Julius Rublack" userId="745d74a4dee6b669" providerId="LiveId" clId="{D56AB027-329F-4E97-A5CB-D280E33427F3}" dt="2023-02-24T10:22:25.570" v="238" actId="1076"/>
+          <ac:picMkLst>
+            <pc:docMk/>
+            <pc:sldMk cId="1825793501" sldId="275"/>
+            <ac:picMk id="5" creationId="{5F4D2F5C-F52F-8415-D504-1301AF554331}"/>
+          </ac:picMkLst>
+        </pc:picChg>
+        <pc:picChg chg="add mod">
+          <ac:chgData name="Julius Rublack" userId="745d74a4dee6b669" providerId="LiveId" clId="{D56AB027-329F-4E97-A5CB-D280E33427F3}" dt="2023-02-24T10:22:55.223" v="244" actId="14100"/>
+          <ac:picMkLst>
+            <pc:docMk/>
+            <pc:sldMk cId="1825793501" sldId="275"/>
+            <ac:picMk id="7" creationId="{29C7486A-7A2A-E527-EF28-C8D085806B90}"/>
+          </ac:picMkLst>
+        </pc:picChg>
+        <pc:picChg chg="add mod">
+          <ac:chgData name="Julius Rublack" userId="745d74a4dee6b669" providerId="LiveId" clId="{D56AB027-329F-4E97-A5CB-D280E33427F3}" dt="2023-02-24T10:23:38.193" v="252" actId="1076"/>
+          <ac:picMkLst>
+            <pc:docMk/>
+            <pc:sldMk cId="1825793501" sldId="275"/>
+            <ac:picMk id="9" creationId="{1E19CED6-11F0-31F4-18F8-67B4E2210F9B}"/>
+          </ac:picMkLst>
+        </pc:picChg>
+        <pc:picChg chg="add mod">
+          <ac:chgData name="Julius Rublack" userId="745d74a4dee6b669" providerId="LiveId" clId="{D56AB027-329F-4E97-A5CB-D280E33427F3}" dt="2023-02-24T10:25:20.145" v="271" actId="1076"/>
+          <ac:picMkLst>
+            <pc:docMk/>
+            <pc:sldMk cId="1825793501" sldId="275"/>
+            <ac:picMk id="11" creationId="{02770C44-7FFA-DA89-8BDA-3CCD1D20B52D}"/>
+          </ac:picMkLst>
+        </pc:picChg>
+        <pc:cxnChg chg="add mod">
+          <ac:chgData name="Julius Rublack" userId="745d74a4dee6b669" providerId="LiveId" clId="{D56AB027-329F-4E97-A5CB-D280E33427F3}" dt="2023-02-24T10:26:28.688" v="282" actId="1582"/>
+          <ac:cxnSpMkLst>
+            <pc:docMk/>
+            <pc:sldMk cId="1825793501" sldId="275"/>
+            <ac:cxnSpMk id="14" creationId="{16705DBA-2F69-1084-8874-D2DE8F538098}"/>
+          </ac:cxnSpMkLst>
+        </pc:cxnChg>
+        <pc:cxnChg chg="add mod">
+          <ac:chgData name="Julius Rublack" userId="745d74a4dee6b669" providerId="LiveId" clId="{D56AB027-329F-4E97-A5CB-D280E33427F3}" dt="2023-02-24T10:26:21.741" v="281" actId="1582"/>
+          <ac:cxnSpMkLst>
+            <pc:docMk/>
+            <pc:sldMk cId="1825793501" sldId="275"/>
+            <ac:cxnSpMk id="16" creationId="{51008866-5A20-C40F-A175-E0ABE3C57645}"/>
+          </ac:cxnSpMkLst>
+        </pc:cxnChg>
+      </pc:sldChg>
+      <pc:sldChg chg="addSp delSp modSp new mod">
+        <pc:chgData name="Julius Rublack" userId="745d74a4dee6b669" providerId="LiveId" clId="{D56AB027-329F-4E97-A5CB-D280E33427F3}" dt="2023-03-06T11:31:04.604" v="414" actId="9405"/>
+        <pc:sldMkLst>
+          <pc:docMk/>
+          <pc:sldMk cId="13531797" sldId="276"/>
+        </pc:sldMkLst>
+        <pc:spChg chg="del">
+          <ac:chgData name="Julius Rublack" userId="745d74a4dee6b669" providerId="LiveId" clId="{D56AB027-329F-4E97-A5CB-D280E33427F3}" dt="2023-03-06T11:24:27.411" v="285" actId="478"/>
+          <ac:spMkLst>
+            <pc:docMk/>
+            <pc:sldMk cId="13531797" sldId="276"/>
+            <ac:spMk id="2" creationId="{2C051D04-DE36-B84A-4492-4DBDFD553A9D}"/>
+          </ac:spMkLst>
+        </pc:spChg>
+        <pc:spChg chg="del">
+          <ac:chgData name="Julius Rublack" userId="745d74a4dee6b669" providerId="LiveId" clId="{D56AB027-329F-4E97-A5CB-D280E33427F3}" dt="2023-03-06T11:24:26.014" v="284" actId="478"/>
+          <ac:spMkLst>
+            <pc:docMk/>
+            <pc:sldMk cId="13531797" sldId="276"/>
+            <ac:spMk id="3" creationId="{317ABBAF-78DF-06E5-1A64-4F77F96A7D29}"/>
+          </ac:spMkLst>
+        </pc:spChg>
+        <pc:spChg chg="add mod ord">
+          <ac:chgData name="Julius Rublack" userId="745d74a4dee6b669" providerId="LiveId" clId="{D56AB027-329F-4E97-A5CB-D280E33427F3}" dt="2023-03-06T11:29:51.778" v="368" actId="2711"/>
+          <ac:spMkLst>
+            <pc:docMk/>
+            <pc:sldMk cId="13531797" sldId="276"/>
+            <ac:spMk id="8" creationId="{B2EA315A-2ADE-5A27-E6B9-4F3B485DC9E2}"/>
+          </ac:spMkLst>
+        </pc:spChg>
+        <pc:spChg chg="add mod">
+          <ac:chgData name="Julius Rublack" userId="745d74a4dee6b669" providerId="LiveId" clId="{D56AB027-329F-4E97-A5CB-D280E33427F3}" dt="2023-03-06T11:30:14.669" v="375" actId="14100"/>
+          <ac:spMkLst>
+            <pc:docMk/>
+            <pc:sldMk cId="13531797" sldId="276"/>
+            <ac:spMk id="9" creationId="{7B4CD90B-3C74-D785-D484-4E6DBA7A7D24}"/>
+          </ac:spMkLst>
+        </pc:spChg>
+        <pc:grpChg chg="mod">
+          <ac:chgData name="Julius Rublack" userId="745d74a4dee6b669" providerId="LiveId" clId="{D56AB027-329F-4E97-A5CB-D280E33427F3}" dt="2023-03-06T11:30:40.047" v="385"/>
+          <ac:grpSpMkLst>
+            <pc:docMk/>
+            <pc:sldMk cId="13531797" sldId="276"/>
+            <ac:grpSpMk id="15" creationId="{8F9FE281-3038-BCA3-29C3-B5AD554B8DB6}"/>
+          </ac:grpSpMkLst>
+        </pc:grpChg>
+        <pc:grpChg chg="del mod">
+          <ac:chgData name="Julius Rublack" userId="745d74a4dee6b669" providerId="LiveId" clId="{D56AB027-329F-4E97-A5CB-D280E33427F3}" dt="2023-03-06T11:30:49.215" v="396"/>
+          <ac:grpSpMkLst>
+            <pc:docMk/>
+            <pc:sldMk cId="13531797" sldId="276"/>
+            <ac:grpSpMk id="22" creationId="{E399C0CF-1236-EF88-891C-A8D9172B0E4A}"/>
+          </ac:grpSpMkLst>
+        </pc:grpChg>
+        <pc:grpChg chg="del mod">
+          <ac:chgData name="Julius Rublack" userId="745d74a4dee6b669" providerId="LiveId" clId="{D56AB027-329F-4E97-A5CB-D280E33427F3}" dt="2023-03-06T11:30:53.186" v="404"/>
+          <ac:grpSpMkLst>
+            <pc:docMk/>
+            <pc:sldMk cId="13531797" sldId="276"/>
+            <ac:grpSpMk id="26" creationId="{F271BDA1-5556-6EA7-60F7-644BFC9495C3}"/>
+          </ac:grpSpMkLst>
+        </pc:grpChg>
+        <pc:grpChg chg="del mod">
+          <ac:chgData name="Julius Rublack" userId="745d74a4dee6b669" providerId="LiveId" clId="{D56AB027-329F-4E97-A5CB-D280E33427F3}" dt="2023-03-06T11:30:55.871" v="409"/>
+          <ac:grpSpMkLst>
+            <pc:docMk/>
+            <pc:sldMk cId="13531797" sldId="276"/>
+            <ac:grpSpMk id="34" creationId="{E8116EE9-3FB4-A487-8BA1-648AD18DC408}"/>
+          </ac:grpSpMkLst>
+        </pc:grpChg>
+        <pc:grpChg chg="del mod">
+          <ac:chgData name="Julius Rublack" userId="745d74a4dee6b669" providerId="LiveId" clId="{D56AB027-329F-4E97-A5CB-D280E33427F3}" dt="2023-03-06T11:30:56.982" v="411"/>
+          <ac:grpSpMkLst>
+            <pc:docMk/>
+            <pc:sldMk cId="13531797" sldId="276"/>
+            <ac:grpSpMk id="39" creationId="{54D1819D-3076-F09F-1B30-8B5C91651FBD}"/>
+          </ac:grpSpMkLst>
+        </pc:grpChg>
+        <pc:grpChg chg="del mod">
+          <ac:chgData name="Julius Rublack" userId="745d74a4dee6b669" providerId="LiveId" clId="{D56AB027-329F-4E97-A5CB-D280E33427F3}" dt="2023-03-06T11:30:59.005" v="413"/>
+          <ac:grpSpMkLst>
+            <pc:docMk/>
+            <pc:sldMk cId="13531797" sldId="276"/>
+            <ac:grpSpMk id="41" creationId="{9D06A690-1077-BBAC-8EBE-5A4D45357D35}"/>
+          </ac:grpSpMkLst>
+        </pc:grpChg>
+        <pc:grpChg chg="mod">
+          <ac:chgData name="Julius Rublack" userId="745d74a4dee6b669" providerId="LiveId" clId="{D56AB027-329F-4E97-A5CB-D280E33427F3}" dt="2023-03-06T11:30:59.005" v="413"/>
+          <ac:grpSpMkLst>
+            <pc:docMk/>
+            <pc:sldMk cId="13531797" sldId="276"/>
+            <ac:grpSpMk id="43" creationId="{8CA966BD-7829-6D51-88C7-9D9B089CF25B}"/>
+          </ac:grpSpMkLst>
+        </pc:grpChg>
+        <pc:picChg chg="add del mod">
+          <ac:chgData name="Julius Rublack" userId="745d74a4dee6b669" providerId="LiveId" clId="{D56AB027-329F-4E97-A5CB-D280E33427F3}" dt="2023-03-06T11:24:48.881" v="292" actId="478"/>
+          <ac:picMkLst>
+            <pc:docMk/>
+            <pc:sldMk cId="13531797" sldId="276"/>
+            <ac:picMk id="5" creationId="{4BF32874-2B76-0839-623D-5DD2BCB15D2F}"/>
+          </ac:picMkLst>
+        </pc:picChg>
+        <pc:picChg chg="add mod">
+          <ac:chgData name="Julius Rublack" userId="745d74a4dee6b669" providerId="LiveId" clId="{D56AB027-329F-4E97-A5CB-D280E33427F3}" dt="2023-03-06T11:25:22.898" v="295" actId="1076"/>
+          <ac:picMkLst>
+            <pc:docMk/>
+            <pc:sldMk cId="13531797" sldId="276"/>
+            <ac:picMk id="7" creationId="{EBD280F5-641C-A929-A2DD-32C5C84EA08B}"/>
+          </ac:picMkLst>
+        </pc:picChg>
+        <pc:inkChg chg="add del">
+          <ac:chgData name="Julius Rublack" userId="745d74a4dee6b669" providerId="LiveId" clId="{D56AB027-329F-4E97-A5CB-D280E33427F3}" dt="2023-03-06T11:30:32.631" v="377" actId="9405"/>
+          <ac:inkMkLst>
+            <pc:docMk/>
+            <pc:sldMk cId="13531797" sldId="276"/>
+            <ac:inkMk id="10" creationId="{0C965460-6179-7F66-D02D-EE8D4D9DFCA3}"/>
+          </ac:inkMkLst>
+        </pc:inkChg>
+        <pc:inkChg chg="add del">
+          <ac:chgData name="Julius Rublack" userId="745d74a4dee6b669" providerId="LiveId" clId="{D56AB027-329F-4E97-A5CB-D280E33427F3}" dt="2023-03-06T11:30:34.605" v="379" actId="9405"/>
+          <ac:inkMkLst>
+            <pc:docMk/>
+            <pc:sldMk cId="13531797" sldId="276"/>
+            <ac:inkMk id="11" creationId="{8E16A35E-E06F-AF13-4AC4-5F2506CC8FFE}"/>
+          </ac:inkMkLst>
+        </pc:inkChg>
+        <pc:inkChg chg="add mod">
+          <ac:chgData name="Julius Rublack" userId="745d74a4dee6b669" providerId="LiveId" clId="{D56AB027-329F-4E97-A5CB-D280E33427F3}" dt="2023-03-06T11:30:59.005" v="413"/>
+          <ac:inkMkLst>
+            <pc:docMk/>
+            <pc:sldMk cId="13531797" sldId="276"/>
+            <ac:inkMk id="12" creationId="{1A3FC03D-2333-0715-BCF3-FB1FE2F0BA9A}"/>
+          </ac:inkMkLst>
+        </pc:inkChg>
+        <pc:inkChg chg="add mod">
+          <ac:chgData name="Julius Rublack" userId="745d74a4dee6b669" providerId="LiveId" clId="{D56AB027-329F-4E97-A5CB-D280E33427F3}" dt="2023-03-06T11:30:59.005" v="413"/>
+          <ac:inkMkLst>
+            <pc:docMk/>
+            <pc:sldMk cId="13531797" sldId="276"/>
+            <ac:inkMk id="13" creationId="{A6DFEBA1-34FF-032E-147B-F3383A0325F8}"/>
+          </ac:inkMkLst>
+        </pc:inkChg>
+        <pc:inkChg chg="add del mod">
+          <ac:chgData name="Julius Rublack" userId="745d74a4dee6b669" providerId="LiveId" clId="{D56AB027-329F-4E97-A5CB-D280E33427F3}" dt="2023-03-06T11:30:40.047" v="385"/>
+          <ac:inkMkLst>
+            <pc:docMk/>
+            <pc:sldMk cId="13531797" sldId="276"/>
+            <ac:inkMk id="14" creationId="{A34FBDE5-FFFF-E180-F5E9-733B509900FB}"/>
+          </ac:inkMkLst>
+        </pc:inkChg>
+        <pc:inkChg chg="add mod">
+          <ac:chgData name="Julius Rublack" userId="745d74a4dee6b669" providerId="LiveId" clId="{D56AB027-329F-4E97-A5CB-D280E33427F3}" dt="2023-03-06T11:30:59.005" v="413"/>
+          <ac:inkMkLst>
+            <pc:docMk/>
+            <pc:sldMk cId="13531797" sldId="276"/>
+            <ac:inkMk id="16" creationId="{3BEC4857-EDD8-0E24-9930-F063A3CEF3D4}"/>
+          </ac:inkMkLst>
+        </pc:inkChg>
+        <pc:inkChg chg="add mod">
+          <ac:chgData name="Julius Rublack" userId="745d74a4dee6b669" providerId="LiveId" clId="{D56AB027-329F-4E97-A5CB-D280E33427F3}" dt="2023-03-06T11:30:59.005" v="413"/>
+          <ac:inkMkLst>
+            <pc:docMk/>
+            <pc:sldMk cId="13531797" sldId="276"/>
+            <ac:inkMk id="17" creationId="{A5689C1E-F90A-8F50-5D27-FF6AB8519B47}"/>
+          </ac:inkMkLst>
+        </pc:inkChg>
+        <pc:inkChg chg="add mod">
+          <ac:chgData name="Julius Rublack" userId="745d74a4dee6b669" providerId="LiveId" clId="{D56AB027-329F-4E97-A5CB-D280E33427F3}" dt="2023-03-06T11:30:59.005" v="413"/>
+          <ac:inkMkLst>
+            <pc:docMk/>
+            <pc:sldMk cId="13531797" sldId="276"/>
+            <ac:inkMk id="18" creationId="{DEA0B4EF-7BD6-8DD6-AF0E-A748B71942F8}"/>
+          </ac:inkMkLst>
+        </pc:inkChg>
+        <pc:inkChg chg="add mod">
+          <ac:chgData name="Julius Rublack" userId="745d74a4dee6b669" providerId="LiveId" clId="{D56AB027-329F-4E97-A5CB-D280E33427F3}" dt="2023-03-06T11:30:59.005" v="413"/>
+          <ac:inkMkLst>
+            <pc:docMk/>
+            <pc:sldMk cId="13531797" sldId="276"/>
+            <ac:inkMk id="19" creationId="{B25DFBBE-A6D3-C3FF-2B75-5C973318B068}"/>
+          </ac:inkMkLst>
+        </pc:inkChg>
+        <pc:inkChg chg="add mod">
+          <ac:chgData name="Julius Rublack" userId="745d74a4dee6b669" providerId="LiveId" clId="{D56AB027-329F-4E97-A5CB-D280E33427F3}" dt="2023-03-06T11:30:59.005" v="413"/>
+          <ac:inkMkLst>
+            <pc:docMk/>
+            <pc:sldMk cId="13531797" sldId="276"/>
+            <ac:inkMk id="20" creationId="{477D8A1F-2A8C-8FA3-D1EE-A2A03F081B2D}"/>
+          </ac:inkMkLst>
+        </pc:inkChg>
+        <pc:inkChg chg="add mod">
+          <ac:chgData name="Julius Rublack" userId="745d74a4dee6b669" providerId="LiveId" clId="{D56AB027-329F-4E97-A5CB-D280E33427F3}" dt="2023-03-06T11:30:59.005" v="413"/>
+          <ac:inkMkLst>
+            <pc:docMk/>
+            <pc:sldMk cId="13531797" sldId="276"/>
+            <ac:inkMk id="21" creationId="{92088945-E2C8-88C2-AE7B-AC5C6A41EF89}"/>
+          </ac:inkMkLst>
+        </pc:inkChg>
+        <pc:inkChg chg="add mod">
+          <ac:chgData name="Julius Rublack" userId="745d74a4dee6b669" providerId="LiveId" clId="{D56AB027-329F-4E97-A5CB-D280E33427F3}" dt="2023-03-06T11:30:59.005" v="413"/>
+          <ac:inkMkLst>
+            <pc:docMk/>
+            <pc:sldMk cId="13531797" sldId="276"/>
+            <ac:inkMk id="23" creationId="{7CE4171B-4CE0-B3A1-EE36-72AB75A096AB}"/>
+          </ac:inkMkLst>
+        </pc:inkChg>
+        <pc:inkChg chg="add mod">
+          <ac:chgData name="Julius Rublack" userId="745d74a4dee6b669" providerId="LiveId" clId="{D56AB027-329F-4E97-A5CB-D280E33427F3}" dt="2023-03-06T11:30:59.005" v="413"/>
+          <ac:inkMkLst>
+            <pc:docMk/>
+            <pc:sldMk cId="13531797" sldId="276"/>
+            <ac:inkMk id="24" creationId="{38D2BE9F-1625-69C9-9FA1-5BFEA06EE62D}"/>
+          </ac:inkMkLst>
+        </pc:inkChg>
+        <pc:inkChg chg="add mod">
+          <ac:chgData name="Julius Rublack" userId="745d74a4dee6b669" providerId="LiveId" clId="{D56AB027-329F-4E97-A5CB-D280E33427F3}" dt="2023-03-06T11:30:59.005" v="413"/>
+          <ac:inkMkLst>
+            <pc:docMk/>
+            <pc:sldMk cId="13531797" sldId="276"/>
+            <ac:inkMk id="25" creationId="{29CDC9D9-486E-583C-3A54-36F3D4E3BE4E}"/>
+          </ac:inkMkLst>
+        </pc:inkChg>
+        <pc:inkChg chg="add mod">
+          <ac:chgData name="Julius Rublack" userId="745d74a4dee6b669" providerId="LiveId" clId="{D56AB027-329F-4E97-A5CB-D280E33427F3}" dt="2023-03-06T11:30:59.005" v="413"/>
+          <ac:inkMkLst>
+            <pc:docMk/>
+            <pc:sldMk cId="13531797" sldId="276"/>
+            <ac:inkMk id="27" creationId="{45FA64FA-072F-C608-FDB1-078235930CAA}"/>
+          </ac:inkMkLst>
+        </pc:inkChg>
+        <pc:inkChg chg="add mod">
+          <ac:chgData name="Julius Rublack" userId="745d74a4dee6b669" providerId="LiveId" clId="{D56AB027-329F-4E97-A5CB-D280E33427F3}" dt="2023-03-06T11:30:59.005" v="413"/>
+          <ac:inkMkLst>
+            <pc:docMk/>
+            <pc:sldMk cId="13531797" sldId="276"/>
+            <ac:inkMk id="28" creationId="{5AAF09B9-5D76-F3AF-9B70-C724A046ACFF}"/>
+          </ac:inkMkLst>
+        </pc:inkChg>
+        <pc:inkChg chg="add mod">
+          <ac:chgData name="Julius Rublack" userId="745d74a4dee6b669" providerId="LiveId" clId="{D56AB027-329F-4E97-A5CB-D280E33427F3}" dt="2023-03-06T11:30:59.005" v="413"/>
+          <ac:inkMkLst>
+            <pc:docMk/>
+            <pc:sldMk cId="13531797" sldId="276"/>
+            <ac:inkMk id="29" creationId="{84BDB8D5-43D4-DCD5-E0D4-6EABE3111540}"/>
+          </ac:inkMkLst>
+        </pc:inkChg>
+        <pc:inkChg chg="add mod">
+          <ac:chgData name="Julius Rublack" userId="745d74a4dee6b669" providerId="LiveId" clId="{D56AB027-329F-4E97-A5CB-D280E33427F3}" dt="2023-03-06T11:30:59.005" v="413"/>
+          <ac:inkMkLst>
+            <pc:docMk/>
+            <pc:sldMk cId="13531797" sldId="276"/>
+            <ac:inkMk id="30" creationId="{D9EDC044-E5BE-9CBE-44E6-1730F4586733}"/>
+          </ac:inkMkLst>
+        </pc:inkChg>
+        <pc:inkChg chg="add mod">
+          <ac:chgData name="Julius Rublack" userId="745d74a4dee6b669" providerId="LiveId" clId="{D56AB027-329F-4E97-A5CB-D280E33427F3}" dt="2023-03-06T11:30:59.005" v="413"/>
+          <ac:inkMkLst>
+            <pc:docMk/>
+            <pc:sldMk cId="13531797" sldId="276"/>
+            <ac:inkMk id="31" creationId="{BBEBC06E-AFEF-B360-DD4A-044EADCCEC97}"/>
+          </ac:inkMkLst>
+        </pc:inkChg>
+        <pc:inkChg chg="add mod">
+          <ac:chgData name="Julius Rublack" userId="745d74a4dee6b669" providerId="LiveId" clId="{D56AB027-329F-4E97-A5CB-D280E33427F3}" dt="2023-03-06T11:30:59.005" v="413"/>
+          <ac:inkMkLst>
+            <pc:docMk/>
+            <pc:sldMk cId="13531797" sldId="276"/>
+            <ac:inkMk id="32" creationId="{17E20714-9ECE-8943-7894-700042279024}"/>
+          </ac:inkMkLst>
+        </pc:inkChg>
+        <pc:inkChg chg="add mod">
+          <ac:chgData name="Julius Rublack" userId="745d74a4dee6b669" providerId="LiveId" clId="{D56AB027-329F-4E97-A5CB-D280E33427F3}" dt="2023-03-06T11:30:59.005" v="413"/>
+          <ac:inkMkLst>
+            <pc:docMk/>
+            <pc:sldMk cId="13531797" sldId="276"/>
+            <ac:inkMk id="33" creationId="{16CDB2A6-A3DB-7543-73DB-012A8099F40C}"/>
+          </ac:inkMkLst>
+        </pc:inkChg>
+        <pc:inkChg chg="add mod">
+          <ac:chgData name="Julius Rublack" userId="745d74a4dee6b669" providerId="LiveId" clId="{D56AB027-329F-4E97-A5CB-D280E33427F3}" dt="2023-03-06T11:30:59.005" v="413"/>
+          <ac:inkMkLst>
+            <pc:docMk/>
+            <pc:sldMk cId="13531797" sldId="276"/>
+            <ac:inkMk id="35" creationId="{B4535DAE-F0C9-9324-F2B6-D92451BF92B8}"/>
+          </ac:inkMkLst>
+        </pc:inkChg>
+        <pc:inkChg chg="add mod">
+          <ac:chgData name="Julius Rublack" userId="745d74a4dee6b669" providerId="LiveId" clId="{D56AB027-329F-4E97-A5CB-D280E33427F3}" dt="2023-03-06T11:30:59.005" v="413"/>
+          <ac:inkMkLst>
+            <pc:docMk/>
+            <pc:sldMk cId="13531797" sldId="276"/>
+            <ac:inkMk id="36" creationId="{1F5E24EB-1E50-5EA2-254B-5A67F71AA79B}"/>
+          </ac:inkMkLst>
+        </pc:inkChg>
+        <pc:inkChg chg="add mod">
+          <ac:chgData name="Julius Rublack" userId="745d74a4dee6b669" providerId="LiveId" clId="{D56AB027-329F-4E97-A5CB-D280E33427F3}" dt="2023-03-06T11:30:59.005" v="413"/>
+          <ac:inkMkLst>
+            <pc:docMk/>
+            <pc:sldMk cId="13531797" sldId="276"/>
+            <ac:inkMk id="37" creationId="{AE4AC3EC-4FED-2DE3-472D-C785E89C0B8E}"/>
+          </ac:inkMkLst>
+        </pc:inkChg>
+        <pc:inkChg chg="add mod">
+          <ac:chgData name="Julius Rublack" userId="745d74a4dee6b669" providerId="LiveId" clId="{D56AB027-329F-4E97-A5CB-D280E33427F3}" dt="2023-03-06T11:30:59.005" v="413"/>
+          <ac:inkMkLst>
+            <pc:docMk/>
+            <pc:sldMk cId="13531797" sldId="276"/>
+            <ac:inkMk id="38" creationId="{1F41FA4F-E3A7-7E49-BA1B-37C1AA651AE2}"/>
+          </ac:inkMkLst>
+        </pc:inkChg>
+        <pc:inkChg chg="add mod">
+          <ac:chgData name="Julius Rublack" userId="745d74a4dee6b669" providerId="LiveId" clId="{D56AB027-329F-4E97-A5CB-D280E33427F3}" dt="2023-03-06T11:30:59.005" v="413"/>
+          <ac:inkMkLst>
+            <pc:docMk/>
+            <pc:sldMk cId="13531797" sldId="276"/>
+            <ac:inkMk id="40" creationId="{9537EB1D-4C84-9FAB-6252-9BC0873AF08B}"/>
+          </ac:inkMkLst>
+        </pc:inkChg>
+        <pc:inkChg chg="add mod">
+          <ac:chgData name="Julius Rublack" userId="745d74a4dee6b669" providerId="LiveId" clId="{D56AB027-329F-4E97-A5CB-D280E33427F3}" dt="2023-03-06T11:30:59.005" v="413"/>
+          <ac:inkMkLst>
+            <pc:docMk/>
+            <pc:sldMk cId="13531797" sldId="276"/>
+            <ac:inkMk id="42" creationId="{AE14DD37-8311-861A-F440-35A9BB62FE38}"/>
+          </ac:inkMkLst>
+        </pc:inkChg>
+        <pc:inkChg chg="add">
+          <ac:chgData name="Julius Rublack" userId="745d74a4dee6b669" providerId="LiveId" clId="{D56AB027-329F-4E97-A5CB-D280E33427F3}" dt="2023-03-06T11:31:04.604" v="414" actId="9405"/>
+          <ac:inkMkLst>
+            <pc:docMk/>
+            <pc:sldMk cId="13531797" sldId="276"/>
+            <ac:inkMk id="44" creationId="{42783EA3-A5B5-B7EB-BA8C-F83CEAB437B4}"/>
+          </ac:inkMkLst>
+        </pc:inkChg>
+      </pc:sldChg>
+      <pc:sldChg chg="addSp delSp modSp new mod">
+        <pc:chgData name="Julius Rublack" userId="745d74a4dee6b669" providerId="LiveId" clId="{D56AB027-329F-4E97-A5CB-D280E33427F3}" dt="2023-03-09T09:16:01.908" v="920" actId="1076"/>
+        <pc:sldMkLst>
+          <pc:docMk/>
+          <pc:sldMk cId="2220403896" sldId="277"/>
+        </pc:sldMkLst>
+        <pc:spChg chg="del">
+          <ac:chgData name="Julius Rublack" userId="745d74a4dee6b669" providerId="LiveId" clId="{D56AB027-329F-4E97-A5CB-D280E33427F3}" dt="2023-03-09T08:06:35.946" v="417" actId="478"/>
+          <ac:spMkLst>
+            <pc:docMk/>
+            <pc:sldMk cId="2220403896" sldId="277"/>
+            <ac:spMk id="2" creationId="{062D2B16-A139-7493-DA96-0CD1478AA43D}"/>
+          </ac:spMkLst>
+        </pc:spChg>
+        <pc:spChg chg="del">
+          <ac:chgData name="Julius Rublack" userId="745d74a4dee6b669" providerId="LiveId" clId="{D56AB027-329F-4E97-A5CB-D280E33427F3}" dt="2023-03-09T08:06:34.539" v="416" actId="478"/>
+          <ac:spMkLst>
+            <pc:docMk/>
+            <pc:sldMk cId="2220403896" sldId="277"/>
+            <ac:spMk id="3" creationId="{9B75F52F-5B19-FF15-61EE-107505302927}"/>
+          </ac:spMkLst>
+        </pc:spChg>
+        <pc:spChg chg="add del mod">
+          <ac:chgData name="Julius Rublack" userId="745d74a4dee6b669" providerId="LiveId" clId="{D56AB027-329F-4E97-A5CB-D280E33427F3}" dt="2023-03-09T08:15:13.686" v="610" actId="478"/>
+          <ac:spMkLst>
+            <pc:docMk/>
+            <pc:sldMk cId="2220403896" sldId="277"/>
+            <ac:spMk id="6" creationId="{785F531F-CA05-D518-4958-BCFF24954BAE}"/>
+          </ac:spMkLst>
+        </pc:spChg>
+        <pc:spChg chg="add mod">
+          <ac:chgData name="Julius Rublack" userId="745d74a4dee6b669" providerId="LiveId" clId="{D56AB027-329F-4E97-A5CB-D280E33427F3}" dt="2023-03-09T08:10:23.483" v="484" actId="20577"/>
+          <ac:spMkLst>
+            <pc:docMk/>
+            <pc:sldMk cId="2220403896" sldId="277"/>
+            <ac:spMk id="7" creationId="{0BE6B734-48A2-6241-1CE0-472BF45729A3}"/>
+          </ac:spMkLst>
+        </pc:spChg>
+        <pc:spChg chg="add mod">
+          <ac:chgData name="Julius Rublack" userId="745d74a4dee6b669" providerId="LiveId" clId="{D56AB027-329F-4E97-A5CB-D280E33427F3}" dt="2023-03-09T08:10:38.149" v="490" actId="1076"/>
+          <ac:spMkLst>
+            <pc:docMk/>
+            <pc:sldMk cId="2220403896" sldId="277"/>
+            <ac:spMk id="8" creationId="{78429EA1-6807-5781-C8F6-7F1B9C5D3B22}"/>
+          </ac:spMkLst>
+        </pc:spChg>
+        <pc:spChg chg="add del mod">
+          <ac:chgData name="Julius Rublack" userId="745d74a4dee6b669" providerId="LiveId" clId="{D56AB027-329F-4E97-A5CB-D280E33427F3}" dt="2023-03-09T08:15:15.509" v="611" actId="478"/>
+          <ac:spMkLst>
+            <pc:docMk/>
+            <pc:sldMk cId="2220403896" sldId="277"/>
+            <ac:spMk id="9" creationId="{01F7897C-46D3-525C-710A-0B9A6D06BB21}"/>
+          </ac:spMkLst>
+        </pc:spChg>
+        <pc:spChg chg="add del mod">
+          <ac:chgData name="Julius Rublack" userId="745d74a4dee6b669" providerId="LiveId" clId="{D56AB027-329F-4E97-A5CB-D280E33427F3}" dt="2023-03-09T08:15:16.684" v="612" actId="478"/>
+          <ac:spMkLst>
+            <pc:docMk/>
+            <pc:sldMk cId="2220403896" sldId="277"/>
+            <ac:spMk id="10" creationId="{7ED81E41-B5ED-6849-A6D6-A612563DF52C}"/>
+          </ac:spMkLst>
+        </pc:spChg>
+        <pc:spChg chg="add del mod">
+          <ac:chgData name="Julius Rublack" userId="745d74a4dee6b669" providerId="LiveId" clId="{D56AB027-329F-4E97-A5CB-D280E33427F3}" dt="2023-03-09T08:15:17.724" v="613" actId="478"/>
+          <ac:spMkLst>
+            <pc:docMk/>
+            <pc:sldMk cId="2220403896" sldId="277"/>
+            <ac:spMk id="11" creationId="{18F0F995-13E0-5E9E-FD63-4AC7CD621DD2}"/>
+          </ac:spMkLst>
+        </pc:spChg>
+        <pc:spChg chg="add del mod">
+          <ac:chgData name="Julius Rublack" userId="745d74a4dee6b669" providerId="LiveId" clId="{D56AB027-329F-4E97-A5CB-D280E33427F3}" dt="2023-03-09T08:15:23.215" v="617" actId="478"/>
+          <ac:spMkLst>
+            <pc:docMk/>
+            <pc:sldMk cId="2220403896" sldId="277"/>
+            <ac:spMk id="12" creationId="{91423FC8-0DC7-FDBB-3899-8971BB17C669}"/>
+          </ac:spMkLst>
+        </pc:spChg>
+        <pc:spChg chg="add del mod">
+          <ac:chgData name="Julius Rublack" userId="745d74a4dee6b669" providerId="LiveId" clId="{D56AB027-329F-4E97-A5CB-D280E33427F3}" dt="2023-03-09T08:15:21.216" v="615" actId="478"/>
+          <ac:spMkLst>
+            <pc:docMk/>
+            <pc:sldMk cId="2220403896" sldId="277"/>
+            <ac:spMk id="13" creationId="{77DDB836-9C59-8322-E218-595C8A96C886}"/>
+          </ac:spMkLst>
+        </pc:spChg>
+        <pc:spChg chg="add del mod">
+          <ac:chgData name="Julius Rublack" userId="745d74a4dee6b669" providerId="LiveId" clId="{D56AB027-329F-4E97-A5CB-D280E33427F3}" dt="2023-03-09T08:14:33.460" v="608" actId="478"/>
+          <ac:spMkLst>
+            <pc:docMk/>
+            <pc:sldMk cId="2220403896" sldId="277"/>
+            <ac:spMk id="14" creationId="{5FAD1D39-F7C7-B975-9E3E-E9D6F295AB66}"/>
+          </ac:spMkLst>
+        </pc:spChg>
+        <pc:spChg chg="add mod ord">
+          <ac:chgData name="Julius Rublack" userId="745d74a4dee6b669" providerId="LiveId" clId="{D56AB027-329F-4E97-A5CB-D280E33427F3}" dt="2023-03-09T08:20:49.810" v="649" actId="1076"/>
+          <ac:spMkLst>
+            <pc:docMk/>
+            <pc:sldMk cId="2220403896" sldId="277"/>
+            <ac:spMk id="19" creationId="{53E8F98B-CC3C-DFA9-752E-25AB6402B463}"/>
+          </ac:spMkLst>
+        </pc:spChg>
+        <pc:spChg chg="add mod">
+          <ac:chgData name="Julius Rublack" userId="745d74a4dee6b669" providerId="LiveId" clId="{D56AB027-329F-4E97-A5CB-D280E33427F3}" dt="2023-03-09T08:20:45.364" v="648" actId="1076"/>
+          <ac:spMkLst>
+            <pc:docMk/>
+            <pc:sldMk cId="2220403896" sldId="277"/>
+            <ac:spMk id="20" creationId="{63E9185C-67FA-7C10-CF16-0506EA63D299}"/>
+          </ac:spMkLst>
+        </pc:spChg>
+        <pc:spChg chg="add mod">
+          <ac:chgData name="Julius Rublack" userId="745d74a4dee6b669" providerId="LiveId" clId="{D56AB027-329F-4E97-A5CB-D280E33427F3}" dt="2023-03-09T08:22:51.487" v="722" actId="1076"/>
+          <ac:spMkLst>
+            <pc:docMk/>
+            <pc:sldMk cId="2220403896" sldId="277"/>
+            <ac:spMk id="60" creationId="{FEBF837E-7599-811D-0F1F-4C9A03FB9316}"/>
+          </ac:spMkLst>
+        </pc:spChg>
+        <pc:spChg chg="add mod">
+          <ac:chgData name="Julius Rublack" userId="745d74a4dee6b669" providerId="LiveId" clId="{D56AB027-329F-4E97-A5CB-D280E33427F3}" dt="2023-03-09T08:23:24.518" v="725" actId="208"/>
+          <ac:spMkLst>
+            <pc:docMk/>
+            <pc:sldMk cId="2220403896" sldId="277"/>
+            <ac:spMk id="61" creationId="{7127EA8A-3A05-597B-D2B5-C04CEE4FE7D6}"/>
+          </ac:spMkLst>
+        </pc:spChg>
+        <pc:spChg chg="add del">
+          <ac:chgData name="Julius Rublack" userId="745d74a4dee6b669" providerId="LiveId" clId="{D56AB027-329F-4E97-A5CB-D280E33427F3}" dt="2023-03-09T08:23:34.145" v="727" actId="478"/>
+          <ac:spMkLst>
+            <pc:docMk/>
+            <pc:sldMk cId="2220403896" sldId="277"/>
+            <ac:spMk id="62" creationId="{46C8AB9F-5886-F819-2BFD-BF6A474D9B12}"/>
+          </ac:spMkLst>
+        </pc:spChg>
+        <pc:spChg chg="add mod">
+          <ac:chgData name="Julius Rublack" userId="745d74a4dee6b669" providerId="LiveId" clId="{D56AB027-329F-4E97-A5CB-D280E33427F3}" dt="2023-03-09T08:23:49.583" v="736" actId="1076"/>
+          <ac:spMkLst>
+            <pc:docMk/>
+            <pc:sldMk cId="2220403896" sldId="277"/>
+            <ac:spMk id="63" creationId="{9367044B-BE6C-8145-E990-AF66F1C0BBAC}"/>
+          </ac:spMkLst>
+        </pc:spChg>
+        <pc:spChg chg="add mod">
+          <ac:chgData name="Julius Rublack" userId="745d74a4dee6b669" providerId="LiveId" clId="{D56AB027-329F-4E97-A5CB-D280E33427F3}" dt="2023-03-09T08:24:11.762" v="753" actId="1076"/>
+          <ac:spMkLst>
+            <pc:docMk/>
+            <pc:sldMk cId="2220403896" sldId="277"/>
+            <ac:spMk id="64" creationId="{44CE1DA4-412D-4E5F-B1FA-7AB5551672D0}"/>
+          </ac:spMkLst>
+        </pc:spChg>
+        <pc:spChg chg="add del mod">
+          <ac:chgData name="Julius Rublack" userId="745d74a4dee6b669" providerId="LiveId" clId="{D56AB027-329F-4E97-A5CB-D280E33427F3}" dt="2023-03-09T08:25:26.709" v="766" actId="478"/>
+          <ac:spMkLst>
+            <pc:docMk/>
+            <pc:sldMk cId="2220403896" sldId="277"/>
+            <ac:spMk id="65" creationId="{C6622347-247E-C887-CCBB-4E29A9A8688D}"/>
+          </ac:spMkLst>
+        </pc:spChg>
+        <pc:spChg chg="add mod">
+          <ac:chgData name="Julius Rublack" userId="745d74a4dee6b669" providerId="LiveId" clId="{D56AB027-329F-4E97-A5CB-D280E33427F3}" dt="2023-03-09T09:11:08.904" v="836" actId="688"/>
+          <ac:spMkLst>
+            <pc:docMk/>
+            <pc:sldMk cId="2220403896" sldId="277"/>
+            <ac:spMk id="66" creationId="{03EFFA06-478E-E44D-644D-CB75B5413386}"/>
+          </ac:spMkLst>
+        </pc:spChg>
+        <pc:spChg chg="add mod">
+          <ac:chgData name="Julius Rublack" userId="745d74a4dee6b669" providerId="LiveId" clId="{D56AB027-329F-4E97-A5CB-D280E33427F3}" dt="2023-03-09T09:11:08.904" v="836" actId="688"/>
+          <ac:spMkLst>
+            <pc:docMk/>
+            <pc:sldMk cId="2220403896" sldId="277"/>
+            <ac:spMk id="67" creationId="{312C3938-08D5-6082-BD2C-31E5342B731F}"/>
+          </ac:spMkLst>
+        </pc:spChg>
+        <pc:spChg chg="add mod">
+          <ac:chgData name="Julius Rublack" userId="745d74a4dee6b669" providerId="LiveId" clId="{D56AB027-329F-4E97-A5CB-D280E33427F3}" dt="2023-03-09T09:10:39.405" v="832" actId="207"/>
+          <ac:spMkLst>
+            <pc:docMk/>
+            <pc:sldMk cId="2220403896" sldId="277"/>
+            <ac:spMk id="68" creationId="{B761317F-0F4F-1FE1-36D5-653331C3F4C2}"/>
+          </ac:spMkLst>
+        </pc:spChg>
+        <pc:spChg chg="add mod">
+          <ac:chgData name="Julius Rublack" userId="745d74a4dee6b669" providerId="LiveId" clId="{D56AB027-329F-4E97-A5CB-D280E33427F3}" dt="2023-03-09T09:14:04.364" v="894" actId="14100"/>
+          <ac:spMkLst>
+            <pc:docMk/>
+            <pc:sldMk cId="2220403896" sldId="277"/>
+            <ac:spMk id="69" creationId="{7F4AD27F-E7E5-6A84-AA3C-BFC5118B5255}"/>
+          </ac:spMkLst>
+        </pc:spChg>
+        <pc:spChg chg="add mod">
+          <ac:chgData name="Julius Rublack" userId="745d74a4dee6b669" providerId="LiveId" clId="{D56AB027-329F-4E97-A5CB-D280E33427F3}" dt="2023-03-09T09:12:01.002" v="845" actId="207"/>
+          <ac:spMkLst>
+            <pc:docMk/>
+            <pc:sldMk cId="2220403896" sldId="277"/>
+            <ac:spMk id="70" creationId="{02330BE9-7243-ED6D-55A2-4835BF3A6DCE}"/>
+          </ac:spMkLst>
+        </pc:spChg>
+        <pc:spChg chg="add mod">
+          <ac:chgData name="Julius Rublack" userId="745d74a4dee6b669" providerId="LiveId" clId="{D56AB027-329F-4E97-A5CB-D280E33427F3}" dt="2023-03-09T09:12:01.002" v="845" actId="207"/>
+          <ac:spMkLst>
+            <pc:docMk/>
+            <pc:sldMk cId="2220403896" sldId="277"/>
+            <ac:spMk id="71" creationId="{877F67A1-8818-6BC4-D71D-F0E52AD1FDAE}"/>
+          </ac:spMkLst>
+        </pc:spChg>
+        <pc:spChg chg="add mod">
+          <ac:chgData name="Julius Rublack" userId="745d74a4dee6b669" providerId="LiveId" clId="{D56AB027-329F-4E97-A5CB-D280E33427F3}" dt="2023-03-09T09:12:31.378" v="868" actId="1076"/>
+          <ac:spMkLst>
+            <pc:docMk/>
+            <pc:sldMk cId="2220403896" sldId="277"/>
+            <ac:spMk id="72" creationId="{89F7EF7B-8F2A-B689-A0E7-CAB7A4133F25}"/>
+          </ac:spMkLst>
+        </pc:spChg>
+        <pc:spChg chg="add mod">
+          <ac:chgData name="Julius Rublack" userId="745d74a4dee6b669" providerId="LiveId" clId="{D56AB027-329F-4E97-A5CB-D280E33427F3}" dt="2023-03-09T09:13:59.588" v="893" actId="1076"/>
+          <ac:spMkLst>
+            <pc:docMk/>
+            <pc:sldMk cId="2220403896" sldId="277"/>
+            <ac:spMk id="73" creationId="{CC9E5F9C-C1DA-4D98-395C-4B6219C38789}"/>
+          </ac:spMkLst>
+        </pc:spChg>
+        <pc:spChg chg="add mod">
+          <ac:chgData name="Julius Rublack" userId="745d74a4dee6b669" providerId="LiveId" clId="{D56AB027-329F-4E97-A5CB-D280E33427F3}" dt="2023-03-09T09:14:14.478" v="898" actId="20577"/>
+          <ac:spMkLst>
+            <pc:docMk/>
+            <pc:sldMk cId="2220403896" sldId="277"/>
+            <ac:spMk id="74" creationId="{94092128-CA98-CCCB-A957-02696E81238B}"/>
+          </ac:spMkLst>
+        </pc:spChg>
+        <pc:spChg chg="add mod">
+          <ac:chgData name="Julius Rublack" userId="745d74a4dee6b669" providerId="LiveId" clId="{D56AB027-329F-4E97-A5CB-D280E33427F3}" dt="2023-03-09T09:16:01.908" v="920" actId="1076"/>
+          <ac:spMkLst>
+            <pc:docMk/>
+            <pc:sldMk cId="2220403896" sldId="277"/>
+            <ac:spMk id="75" creationId="{FA6D42F1-D003-8F48-5A07-249C80B20BEA}"/>
+          </ac:spMkLst>
+        </pc:spChg>
+        <pc:grpChg chg="del mod">
+          <ac:chgData name="Julius Rublack" userId="745d74a4dee6b669" providerId="LiveId" clId="{D56AB027-329F-4E97-A5CB-D280E33427F3}" dt="2023-03-09T08:21:56.368" v="692"/>
+          <ac:grpSpMkLst>
+            <pc:docMk/>
+            <pc:sldMk cId="2220403896" sldId="277"/>
+            <ac:grpSpMk id="31" creationId="{CD9EC273-93F5-ABD5-9523-6DB431380918}"/>
+          </ac:grpSpMkLst>
+        </pc:grpChg>
+        <pc:grpChg chg="del mod">
+          <ac:chgData name="Julius Rublack" userId="745d74a4dee6b669" providerId="LiveId" clId="{D56AB027-329F-4E97-A5CB-D280E33427F3}" dt="2023-03-09T08:21:56.368" v="692"/>
+          <ac:grpSpMkLst>
+            <pc:docMk/>
+            <pc:sldMk cId="2220403896" sldId="277"/>
+            <ac:grpSpMk id="37" creationId="{E1E45EC7-0672-6FDA-7785-EBC3A8AF4FEF}"/>
+          </ac:grpSpMkLst>
+        </pc:grpChg>
+        <pc:grpChg chg="mod">
+          <ac:chgData name="Julius Rublack" userId="745d74a4dee6b669" providerId="LiveId" clId="{D56AB027-329F-4E97-A5CB-D280E33427F3}" dt="2023-03-09T08:21:56.368" v="692"/>
+          <ac:grpSpMkLst>
+            <pc:docMk/>
+            <pc:sldMk cId="2220403896" sldId="277"/>
+            <ac:grpSpMk id="59" creationId="{D8D33942-B626-E40C-1ADB-2829B86DB60E}"/>
+          </ac:grpSpMkLst>
+        </pc:grpChg>
+        <pc:picChg chg="add del mod">
+          <ac:chgData name="Julius Rublack" userId="745d74a4dee6b669" providerId="LiveId" clId="{D56AB027-329F-4E97-A5CB-D280E33427F3}" dt="2023-03-09T08:15:18.976" v="614" actId="478"/>
+          <ac:picMkLst>
+            <pc:docMk/>
+            <pc:sldMk cId="2220403896" sldId="277"/>
+            <ac:picMk id="5" creationId="{1147EE2E-2FA8-1A22-F02D-95E02B472C68}"/>
+          </ac:picMkLst>
+        </pc:picChg>
+        <pc:picChg chg="add mod">
+          <ac:chgData name="Julius Rublack" userId="745d74a4dee6b669" providerId="LiveId" clId="{D56AB027-329F-4E97-A5CB-D280E33427F3}" dt="2023-03-09T08:16:37.687" v="627" actId="1076"/>
+          <ac:picMkLst>
+            <pc:docMk/>
+            <pc:sldMk cId="2220403896" sldId="277"/>
+            <ac:picMk id="16" creationId="{C6C32D71-8EA0-3DBA-1F7F-DFCCBA117FF2}"/>
+          </ac:picMkLst>
+        </pc:picChg>
+        <pc:picChg chg="add mod ord">
+          <ac:chgData name="Julius Rublack" userId="745d74a4dee6b669" providerId="LiveId" clId="{D56AB027-329F-4E97-A5CB-D280E33427F3}" dt="2023-03-09T08:26:42.904" v="792" actId="1076"/>
+          <ac:picMkLst>
+            <pc:docMk/>
+            <pc:sldMk cId="2220403896" sldId="277"/>
+            <ac:picMk id="18" creationId="{72E1C79B-AED3-D07A-0AD2-568E24793F4F}"/>
+          </ac:picMkLst>
+        </pc:picChg>
+        <pc:inkChg chg="add mod">
+          <ac:chgData name="Julius Rublack" userId="745d74a4dee6b669" providerId="LiveId" clId="{D56AB027-329F-4E97-A5CB-D280E33427F3}" dt="2023-03-09T08:21:56.368" v="692"/>
+          <ac:inkMkLst>
+            <pc:docMk/>
+            <pc:sldMk cId="2220403896" sldId="277"/>
+            <ac:inkMk id="21" creationId="{5D4BF546-8D22-F96E-12DD-F8256EC9B8DF}"/>
+          </ac:inkMkLst>
+        </pc:inkChg>
+        <pc:inkChg chg="add mod">
+          <ac:chgData name="Julius Rublack" userId="745d74a4dee6b669" providerId="LiveId" clId="{D56AB027-329F-4E97-A5CB-D280E33427F3}" dt="2023-03-09T08:21:56.368" v="692"/>
+          <ac:inkMkLst>
+            <pc:docMk/>
+            <pc:sldMk cId="2220403896" sldId="277"/>
+            <ac:inkMk id="22" creationId="{07CBAB76-1A97-CCFB-8241-0F91703EF5AE}"/>
+          </ac:inkMkLst>
+        </pc:inkChg>
+        <pc:inkChg chg="add mod">
+          <ac:chgData name="Julius Rublack" userId="745d74a4dee6b669" providerId="LiveId" clId="{D56AB027-329F-4E97-A5CB-D280E33427F3}" dt="2023-03-09T08:21:56.368" v="692"/>
+          <ac:inkMkLst>
+            <pc:docMk/>
+            <pc:sldMk cId="2220403896" sldId="277"/>
+            <ac:inkMk id="23" creationId="{1A924CDF-C90D-BAAF-DE74-991C0AD28C9D}"/>
+          </ac:inkMkLst>
+        </pc:inkChg>
+        <pc:inkChg chg="add mod">
+          <ac:chgData name="Julius Rublack" userId="745d74a4dee6b669" providerId="LiveId" clId="{D56AB027-329F-4E97-A5CB-D280E33427F3}" dt="2023-03-09T08:21:56.368" v="692"/>
+          <ac:inkMkLst>
+            <pc:docMk/>
+            <pc:sldMk cId="2220403896" sldId="277"/>
+            <ac:inkMk id="24" creationId="{78191B8D-9BFC-4E91-95D3-407C9F812A99}"/>
+          </ac:inkMkLst>
+        </pc:inkChg>
+        <pc:inkChg chg="add mod">
+          <ac:chgData name="Julius Rublack" userId="745d74a4dee6b669" providerId="LiveId" clId="{D56AB027-329F-4E97-A5CB-D280E33427F3}" dt="2023-03-09T08:21:56.368" v="692"/>
+          <ac:inkMkLst>
+            <pc:docMk/>
+            <pc:sldMk cId="2220403896" sldId="277"/>
+            <ac:inkMk id="25" creationId="{885EEEF1-3418-0BA5-2F64-2F468824440A}"/>
+          </ac:inkMkLst>
+        </pc:inkChg>
+        <pc:inkChg chg="add mod">
+          <ac:chgData name="Julius Rublack" userId="745d74a4dee6b669" providerId="LiveId" clId="{D56AB027-329F-4E97-A5CB-D280E33427F3}" dt="2023-03-09T08:21:56.368" v="692"/>
+          <ac:inkMkLst>
+            <pc:docMk/>
+            <pc:sldMk cId="2220403896" sldId="277"/>
+            <ac:inkMk id="26" creationId="{C4F17CD2-2304-7C9F-DF76-0B85E73A0A76}"/>
+          </ac:inkMkLst>
+        </pc:inkChg>
+        <pc:inkChg chg="add mod">
+          <ac:chgData name="Julius Rublack" userId="745d74a4dee6b669" providerId="LiveId" clId="{D56AB027-329F-4E97-A5CB-D280E33427F3}" dt="2023-03-09T08:21:56.368" v="692"/>
+          <ac:inkMkLst>
+            <pc:docMk/>
+            <pc:sldMk cId="2220403896" sldId="277"/>
+            <ac:inkMk id="27" creationId="{33A48D44-2DF0-2DDE-555B-25812E95A6B3}"/>
+          </ac:inkMkLst>
+        </pc:inkChg>
+        <pc:inkChg chg="add mod">
+          <ac:chgData name="Julius Rublack" userId="745d74a4dee6b669" providerId="LiveId" clId="{D56AB027-329F-4E97-A5CB-D280E33427F3}" dt="2023-03-09T08:21:56.368" v="692"/>
+          <ac:inkMkLst>
+            <pc:docMk/>
+            <pc:sldMk cId="2220403896" sldId="277"/>
+            <ac:inkMk id="28" creationId="{F8B5BC4E-9755-5FE2-7CA0-130C53AE8348}"/>
+          </ac:inkMkLst>
+        </pc:inkChg>
+        <pc:inkChg chg="add mod">
+          <ac:chgData name="Julius Rublack" userId="745d74a4dee6b669" providerId="LiveId" clId="{D56AB027-329F-4E97-A5CB-D280E33427F3}" dt="2023-03-09T08:21:56.368" v="692"/>
+          <ac:inkMkLst>
+            <pc:docMk/>
+            <pc:sldMk cId="2220403896" sldId="277"/>
+            <ac:inkMk id="29" creationId="{145701E6-B973-A6EC-4356-EEF88580074A}"/>
+          </ac:inkMkLst>
+        </pc:inkChg>
+        <pc:inkChg chg="add mod">
+          <ac:chgData name="Julius Rublack" userId="745d74a4dee6b669" providerId="LiveId" clId="{D56AB027-329F-4E97-A5CB-D280E33427F3}" dt="2023-03-09T08:21:56.368" v="692"/>
+          <ac:inkMkLst>
+            <pc:docMk/>
+            <pc:sldMk cId="2220403896" sldId="277"/>
+            <ac:inkMk id="30" creationId="{DCAC67DB-3D08-786C-3559-A5F5BC609CB4}"/>
+          </ac:inkMkLst>
+        </pc:inkChg>
+        <pc:inkChg chg="add mod">
+          <ac:chgData name="Julius Rublack" userId="745d74a4dee6b669" providerId="LiveId" clId="{D56AB027-329F-4E97-A5CB-D280E33427F3}" dt="2023-03-09T08:21:56.368" v="692"/>
+          <ac:inkMkLst>
+            <pc:docMk/>
+            <pc:sldMk cId="2220403896" sldId="277"/>
+            <ac:inkMk id="32" creationId="{671FB32D-1D2F-705D-DF18-87DF1E46953D}"/>
+          </ac:inkMkLst>
+        </pc:inkChg>
+        <pc:inkChg chg="add mod">
+          <ac:chgData name="Julius Rublack" userId="745d74a4dee6b669" providerId="LiveId" clId="{D56AB027-329F-4E97-A5CB-D280E33427F3}" dt="2023-03-09T08:21:56.368" v="692"/>
+          <ac:inkMkLst>
+            <pc:docMk/>
+            <pc:sldMk cId="2220403896" sldId="277"/>
+            <ac:inkMk id="33" creationId="{BD2F74BA-98F5-D595-289F-82F70AC63DEE}"/>
+          </ac:inkMkLst>
+        </pc:inkChg>
+        <pc:inkChg chg="add mod">
+          <ac:chgData name="Julius Rublack" userId="745d74a4dee6b669" providerId="LiveId" clId="{D56AB027-329F-4E97-A5CB-D280E33427F3}" dt="2023-03-09T08:21:56.368" v="692"/>
+          <ac:inkMkLst>
+            <pc:docMk/>
+            <pc:sldMk cId="2220403896" sldId="277"/>
+            <ac:inkMk id="34" creationId="{A416D167-1CC7-D442-BC31-E500DAAF6EE0}"/>
+          </ac:inkMkLst>
+        </pc:inkChg>
+        <pc:inkChg chg="add mod">
+          <ac:chgData name="Julius Rublack" userId="745d74a4dee6b669" providerId="LiveId" clId="{D56AB027-329F-4E97-A5CB-D280E33427F3}" dt="2023-03-09T08:21:56.368" v="692"/>
+          <ac:inkMkLst>
+            <pc:docMk/>
+            <pc:sldMk cId="2220403896" sldId="277"/>
+            <ac:inkMk id="35" creationId="{17416FB8-D9AE-2CE6-F672-A0262E204A7A}"/>
+          </ac:inkMkLst>
+        </pc:inkChg>
+        <pc:inkChg chg="add mod">
+          <ac:chgData name="Julius Rublack" userId="745d74a4dee6b669" providerId="LiveId" clId="{D56AB027-329F-4E97-A5CB-D280E33427F3}" dt="2023-03-09T08:21:56.368" v="692"/>
+          <ac:inkMkLst>
+            <pc:docMk/>
+            <pc:sldMk cId="2220403896" sldId="277"/>
+            <ac:inkMk id="36" creationId="{E65B39DF-D31B-116F-C43D-63BC4B4E49DD}"/>
+          </ac:inkMkLst>
+        </pc:inkChg>
+        <pc:inkChg chg="add mod">
+          <ac:chgData name="Julius Rublack" userId="745d74a4dee6b669" providerId="LiveId" clId="{D56AB027-329F-4E97-A5CB-D280E33427F3}" dt="2023-03-09T08:21:56.368" v="692"/>
+          <ac:inkMkLst>
+            <pc:docMk/>
+            <pc:sldMk cId="2220403896" sldId="277"/>
+            <ac:inkMk id="38" creationId="{D43BEF3F-37C7-33EE-30D8-E69360732339}"/>
+          </ac:inkMkLst>
+        </pc:inkChg>
+        <pc:inkChg chg="add mod">
+          <ac:chgData name="Julius Rublack" userId="745d74a4dee6b669" providerId="LiveId" clId="{D56AB027-329F-4E97-A5CB-D280E33427F3}" dt="2023-03-09T08:21:56.368" v="692"/>
+          <ac:inkMkLst>
+            <pc:docMk/>
+            <pc:sldMk cId="2220403896" sldId="277"/>
+            <ac:inkMk id="39" creationId="{1F73115B-3141-1E5E-4BA8-CF7A530B61DE}"/>
+          </ac:inkMkLst>
+        </pc:inkChg>
+        <pc:inkChg chg="add mod">
+          <ac:chgData name="Julius Rublack" userId="745d74a4dee6b669" providerId="LiveId" clId="{D56AB027-329F-4E97-A5CB-D280E33427F3}" dt="2023-03-09T08:21:56.368" v="692"/>
+          <ac:inkMkLst>
+            <pc:docMk/>
+            <pc:sldMk cId="2220403896" sldId="277"/>
+            <ac:inkMk id="40" creationId="{96687880-8C52-BD10-916F-047D942A0751}"/>
+          </ac:inkMkLst>
+        </pc:inkChg>
+        <pc:inkChg chg="add mod">
+          <ac:chgData name="Julius Rublack" userId="745d74a4dee6b669" providerId="LiveId" clId="{D56AB027-329F-4E97-A5CB-D280E33427F3}" dt="2023-03-09T08:21:56.368" v="692"/>
+          <ac:inkMkLst>
+            <pc:docMk/>
+            <pc:sldMk cId="2220403896" sldId="277"/>
+            <ac:inkMk id="41" creationId="{34974017-AFCD-269B-3F5D-499FA5582B93}"/>
+          </ac:inkMkLst>
+        </pc:inkChg>
+        <pc:inkChg chg="add mod">
+          <ac:chgData name="Julius Rublack" userId="745d74a4dee6b669" providerId="LiveId" clId="{D56AB027-329F-4E97-A5CB-D280E33427F3}" dt="2023-03-09T08:21:56.368" v="692"/>
+          <ac:inkMkLst>
+            <pc:docMk/>
+            <pc:sldMk cId="2220403896" sldId="277"/>
+            <ac:inkMk id="42" creationId="{E903394A-F6DC-515C-7C3E-515A476142D8}"/>
+          </ac:inkMkLst>
+        </pc:inkChg>
+        <pc:inkChg chg="add mod">
+          <ac:chgData name="Julius Rublack" userId="745d74a4dee6b669" providerId="LiveId" clId="{D56AB027-329F-4E97-A5CB-D280E33427F3}" dt="2023-03-09T08:21:56.368" v="692"/>
+          <ac:inkMkLst>
+            <pc:docMk/>
+            <pc:sldMk cId="2220403896" sldId="277"/>
+            <ac:inkMk id="43" creationId="{38A9B75F-24FD-34A8-942D-023C49E0BFCF}"/>
+          </ac:inkMkLst>
+        </pc:inkChg>
+        <pc:inkChg chg="add mod">
+          <ac:chgData name="Julius Rublack" userId="745d74a4dee6b669" providerId="LiveId" clId="{D56AB027-329F-4E97-A5CB-D280E33427F3}" dt="2023-03-09T08:21:56.368" v="692"/>
+          <ac:inkMkLst>
+            <pc:docMk/>
+            <pc:sldMk cId="2220403896" sldId="277"/>
+            <ac:inkMk id="44" creationId="{0AEF95C0-116D-8AB2-C321-AE173F1CBC6F}"/>
+          </ac:inkMkLst>
+        </pc:inkChg>
+        <pc:inkChg chg="add mod">
+          <ac:chgData name="Julius Rublack" userId="745d74a4dee6b669" providerId="LiveId" clId="{D56AB027-329F-4E97-A5CB-D280E33427F3}" dt="2023-03-09T08:21:56.368" v="692"/>
+          <ac:inkMkLst>
+            <pc:docMk/>
+            <pc:sldMk cId="2220403896" sldId="277"/>
+            <ac:inkMk id="45" creationId="{6D9B6E8C-4695-07B7-F565-3401AF879D4F}"/>
+          </ac:inkMkLst>
+        </pc:inkChg>
+        <pc:inkChg chg="add mod">
+          <ac:chgData name="Julius Rublack" userId="745d74a4dee6b669" providerId="LiveId" clId="{D56AB027-329F-4E97-A5CB-D280E33427F3}" dt="2023-03-09T08:21:56.368" v="692"/>
+          <ac:inkMkLst>
+            <pc:docMk/>
+            <pc:sldMk cId="2220403896" sldId="277"/>
+            <ac:inkMk id="46" creationId="{E7F6FD67-2897-7C17-E09A-D1AEF4279593}"/>
+          </ac:inkMkLst>
+        </pc:inkChg>
+        <pc:inkChg chg="add mod">
+          <ac:chgData name="Julius Rublack" userId="745d74a4dee6b669" providerId="LiveId" clId="{D56AB027-329F-4E97-A5CB-D280E33427F3}" dt="2023-03-09T08:21:56.368" v="692"/>
+          <ac:inkMkLst>
+            <pc:docMk/>
+            <pc:sldMk cId="2220403896" sldId="277"/>
+            <ac:inkMk id="47" creationId="{435F5DAE-896A-83E8-0AE1-AA2E1069D3EF}"/>
+          </ac:inkMkLst>
+        </pc:inkChg>
+        <pc:inkChg chg="add mod">
+          <ac:chgData name="Julius Rublack" userId="745d74a4dee6b669" providerId="LiveId" clId="{D56AB027-329F-4E97-A5CB-D280E33427F3}" dt="2023-03-09T08:21:56.368" v="692"/>
+          <ac:inkMkLst>
+            <pc:docMk/>
+            <pc:sldMk cId="2220403896" sldId="277"/>
+            <ac:inkMk id="48" creationId="{E96ABF37-192C-81FD-6420-D95321E5E4BB}"/>
+          </ac:inkMkLst>
+        </pc:inkChg>
+        <pc:inkChg chg="add mod">
+          <ac:chgData name="Julius Rublack" userId="745d74a4dee6b669" providerId="LiveId" clId="{D56AB027-329F-4E97-A5CB-D280E33427F3}" dt="2023-03-09T08:21:56.368" v="692"/>
+          <ac:inkMkLst>
+            <pc:docMk/>
+            <pc:sldMk cId="2220403896" sldId="277"/>
+            <ac:inkMk id="49" creationId="{4E2BF06F-44DC-0E29-2FCB-497121ABBCDE}"/>
+          </ac:inkMkLst>
+        </pc:inkChg>
+        <pc:inkChg chg="add mod">
+          <ac:chgData name="Julius Rublack" userId="745d74a4dee6b669" providerId="LiveId" clId="{D56AB027-329F-4E97-A5CB-D280E33427F3}" dt="2023-03-09T08:21:56.368" v="692"/>
+          <ac:inkMkLst>
+            <pc:docMk/>
+            <pc:sldMk cId="2220403896" sldId="277"/>
+            <ac:inkMk id="50" creationId="{F49E807A-004F-4D0A-7620-98F2D2430908}"/>
+          </ac:inkMkLst>
+        </pc:inkChg>
+        <pc:inkChg chg="add mod">
+          <ac:chgData name="Julius Rublack" userId="745d74a4dee6b669" providerId="LiveId" clId="{D56AB027-329F-4E97-A5CB-D280E33427F3}" dt="2023-03-09T08:21:56.368" v="692"/>
+          <ac:inkMkLst>
+            <pc:docMk/>
+            <pc:sldMk cId="2220403896" sldId="277"/>
+            <ac:inkMk id="51" creationId="{4E248AFD-E3B3-CE62-0340-A160DA7F0712}"/>
+          </ac:inkMkLst>
+        </pc:inkChg>
+        <pc:inkChg chg="add mod">
+          <ac:chgData name="Julius Rublack" userId="745d74a4dee6b669" providerId="LiveId" clId="{D56AB027-329F-4E97-A5CB-D280E33427F3}" dt="2023-03-09T08:21:56.368" v="692"/>
+          <ac:inkMkLst>
+            <pc:docMk/>
+            <pc:sldMk cId="2220403896" sldId="277"/>
+            <ac:inkMk id="52" creationId="{879F4DE1-DF29-2609-1D8D-7F7209FC5440}"/>
+          </ac:inkMkLst>
+        </pc:inkChg>
+        <pc:inkChg chg="add mod">
+          <ac:chgData name="Julius Rublack" userId="745d74a4dee6b669" providerId="LiveId" clId="{D56AB027-329F-4E97-A5CB-D280E33427F3}" dt="2023-03-09T08:21:56.368" v="692"/>
+          <ac:inkMkLst>
+            <pc:docMk/>
+            <pc:sldMk cId="2220403896" sldId="277"/>
+            <ac:inkMk id="53" creationId="{D53A7F26-9904-3165-9532-1FB98BC8CD71}"/>
+          </ac:inkMkLst>
+        </pc:inkChg>
+        <pc:inkChg chg="add mod">
+          <ac:chgData name="Julius Rublack" userId="745d74a4dee6b669" providerId="LiveId" clId="{D56AB027-329F-4E97-A5CB-D280E33427F3}" dt="2023-03-09T08:21:56.368" v="692"/>
+          <ac:inkMkLst>
+            <pc:docMk/>
+            <pc:sldMk cId="2220403896" sldId="277"/>
+            <ac:inkMk id="54" creationId="{DAD7A59F-9BEC-E4B6-297F-3FF8692BCD01}"/>
+          </ac:inkMkLst>
+        </pc:inkChg>
+        <pc:inkChg chg="add mod">
+          <ac:chgData name="Julius Rublack" userId="745d74a4dee6b669" providerId="LiveId" clId="{D56AB027-329F-4E97-A5CB-D280E33427F3}" dt="2023-03-09T08:21:56.368" v="692"/>
+          <ac:inkMkLst>
+            <pc:docMk/>
+            <pc:sldMk cId="2220403896" sldId="277"/>
+            <ac:inkMk id="55" creationId="{3DC64307-CF14-913E-4D3E-901FA9BE5483}"/>
+          </ac:inkMkLst>
+        </pc:inkChg>
+        <pc:inkChg chg="add mod">
+          <ac:chgData name="Julius Rublack" userId="745d74a4dee6b669" providerId="LiveId" clId="{D56AB027-329F-4E97-A5CB-D280E33427F3}" dt="2023-03-09T08:21:56.368" v="692"/>
+          <ac:inkMkLst>
+            <pc:docMk/>
+            <pc:sldMk cId="2220403896" sldId="277"/>
+            <ac:inkMk id="56" creationId="{6A8EE5BD-8E67-A770-2F91-01E640CB1333}"/>
+          </ac:inkMkLst>
+        </pc:inkChg>
+        <pc:inkChg chg="add mod">
+          <ac:chgData name="Julius Rublack" userId="745d74a4dee6b669" providerId="LiveId" clId="{D56AB027-329F-4E97-A5CB-D280E33427F3}" dt="2023-03-09T08:21:56.368" v="692"/>
+          <ac:inkMkLst>
+            <pc:docMk/>
+            <pc:sldMk cId="2220403896" sldId="277"/>
+            <ac:inkMk id="57" creationId="{87618DE7-30BB-8831-DA6B-6C54A8FB0767}"/>
+          </ac:inkMkLst>
+        </pc:inkChg>
+        <pc:inkChg chg="add">
+          <ac:chgData name="Julius Rublack" userId="745d74a4dee6b669" providerId="LiveId" clId="{D56AB027-329F-4E97-A5CB-D280E33427F3}" dt="2023-03-09T08:21:55.857" v="691" actId="9405"/>
+          <ac:inkMkLst>
+            <pc:docMk/>
+            <pc:sldMk cId="2220403896" sldId="277"/>
+            <ac:inkMk id="58" creationId="{5355678C-1EA1-FDE0-44CA-9EBAA051A485}"/>
+          </ac:inkMkLst>
+        </pc:inkChg>
       </pc:sldChg>
     </pc:docChg>
   </pc:docChgLst>
@@ -3242,6 +4451,288 @@
 </inkml:ink>
 </file>
 
+<file path=ppt/ink/ink100.xml><?xml version="1.0" encoding="utf-8"?>
+<inkml:ink xmlns:inkml="http://www.w3.org/2003/InkML">
+  <inkml:definitions>
+    <inkml:context xml:id="ctx0">
+      <inkml:inkSource xml:id="inkSrc0">
+        <inkml:traceFormat>
+          <inkml:channel name="X" type="integer" min="-2.14748E9" max="2.14748E9" units="cm"/>
+          <inkml:channel name="Y" type="integer" min="-2.14748E9" max="2.14748E9" units="cm"/>
+          <inkml:channel name="F" type="integer" max="32767" units="dev"/>
+        </inkml:traceFormat>
+        <inkml:channelProperties>
+          <inkml:channelProperty channel="X" name="resolution" value="1000" units="1/cm"/>
+          <inkml:channelProperty channel="Y" name="resolution" value="1000" units="1/cm"/>
+          <inkml:channelProperty channel="F" name="resolution" value="0" units="1/dev"/>
+        </inkml:channelProperties>
+      </inkml:inkSource>
+      <inkml:timestamp xml:id="ts0" timeString="2023-03-09T08:21:51.948"/>
+    </inkml:context>
+    <inkml:brush xml:id="br0">
+      <inkml:brushProperty name="width" value="0.05" units="cm"/>
+      <inkml:brushProperty name="height" value="0.05" units="cm"/>
+      <inkml:brushProperty name="color" value="#FFFFFF"/>
+    </inkml:brush>
+  </inkml:definitions>
+  <inkml:trace contextRef="#ctx0" brushRef="#br0">0 0 24575</inkml:trace>
+</inkml:ink>
+</file>
+
+<file path=ppt/ink/ink101.xml><?xml version="1.0" encoding="utf-8"?>
+<inkml:ink xmlns:inkml="http://www.w3.org/2003/InkML">
+  <inkml:definitions>
+    <inkml:context xml:id="ctx0">
+      <inkml:inkSource xml:id="inkSrc0">
+        <inkml:traceFormat>
+          <inkml:channel name="X" type="integer" min="-2.14748E9" max="2.14748E9" units="cm"/>
+          <inkml:channel name="Y" type="integer" min="-2.14748E9" max="2.14748E9" units="cm"/>
+          <inkml:channel name="F" type="integer" max="32767" units="dev"/>
+        </inkml:traceFormat>
+        <inkml:channelProperties>
+          <inkml:channelProperty channel="X" name="resolution" value="1000" units="1/cm"/>
+          <inkml:channelProperty channel="Y" name="resolution" value="1000" units="1/cm"/>
+          <inkml:channelProperty channel="F" name="resolution" value="0" units="1/dev"/>
+        </inkml:channelProperties>
+      </inkml:inkSource>
+      <inkml:timestamp xml:id="ts0" timeString="2023-03-09T08:21:52.340"/>
+    </inkml:context>
+    <inkml:brush xml:id="br0">
+      <inkml:brushProperty name="width" value="0.05" units="cm"/>
+      <inkml:brushProperty name="height" value="0.05" units="cm"/>
+      <inkml:brushProperty name="color" value="#FFFFFF"/>
+    </inkml:brush>
+  </inkml:definitions>
+  <inkml:trace contextRef="#ctx0" brushRef="#br0">1 0 24575</inkml:trace>
+  <inkml:trace contextRef="#ctx0" brushRef="#br0" timeOffset="1">43 42 24575</inkml:trace>
+</inkml:ink>
+</file>
+
+<file path=ppt/ink/ink102.xml><?xml version="1.0" encoding="utf-8"?>
+<inkml:ink xmlns:inkml="http://www.w3.org/2003/InkML">
+  <inkml:definitions>
+    <inkml:context xml:id="ctx0">
+      <inkml:inkSource xml:id="inkSrc0">
+        <inkml:traceFormat>
+          <inkml:channel name="X" type="integer" min="-2.14748E9" max="2.14748E9" units="cm"/>
+          <inkml:channel name="Y" type="integer" min="-2.14748E9" max="2.14748E9" units="cm"/>
+          <inkml:channel name="F" type="integer" max="32767" units="dev"/>
+        </inkml:traceFormat>
+        <inkml:channelProperties>
+          <inkml:channelProperty channel="X" name="resolution" value="1000" units="1/cm"/>
+          <inkml:channelProperty channel="Y" name="resolution" value="1000" units="1/cm"/>
+          <inkml:channelProperty channel="F" name="resolution" value="0" units="1/dev"/>
+        </inkml:channelProperties>
+      </inkml:inkSource>
+      <inkml:timestamp xml:id="ts0" timeString="2023-03-09T08:21:52.757"/>
+    </inkml:context>
+    <inkml:brush xml:id="br0">
+      <inkml:brushProperty name="width" value="0.05" units="cm"/>
+      <inkml:brushProperty name="height" value="0.05" units="cm"/>
+      <inkml:brushProperty name="color" value="#FFFFFF"/>
+    </inkml:brush>
+  </inkml:definitions>
+  <inkml:trace contextRef="#ctx0" brushRef="#br0">2 1 24575,'-2'0'0</inkml:trace>
+</inkml:ink>
+</file>
+
+<file path=ppt/ink/ink103.xml><?xml version="1.0" encoding="utf-8"?>
+<inkml:ink xmlns:inkml="http://www.w3.org/2003/InkML">
+  <inkml:definitions>
+    <inkml:context xml:id="ctx0">
+      <inkml:inkSource xml:id="inkSrc0">
+        <inkml:traceFormat>
+          <inkml:channel name="X" type="integer" min="-2.14748E9" max="2.14748E9" units="cm"/>
+          <inkml:channel name="Y" type="integer" min="-2.14748E9" max="2.14748E9" units="cm"/>
+          <inkml:channel name="F" type="integer" max="32767" units="dev"/>
+        </inkml:traceFormat>
+        <inkml:channelProperties>
+          <inkml:channelProperty channel="X" name="resolution" value="1000" units="1/cm"/>
+          <inkml:channelProperty channel="Y" name="resolution" value="1000" units="1/cm"/>
+          <inkml:channelProperty channel="F" name="resolution" value="0" units="1/dev"/>
+        </inkml:channelProperties>
+      </inkml:inkSource>
+      <inkml:timestamp xml:id="ts0" timeString="2023-03-09T08:21:53.131"/>
+    </inkml:context>
+    <inkml:brush xml:id="br0">
+      <inkml:brushProperty name="width" value="0.05" units="cm"/>
+      <inkml:brushProperty name="height" value="0.05" units="cm"/>
+      <inkml:brushProperty name="color" value="#FFFFFF"/>
+    </inkml:brush>
+  </inkml:definitions>
+  <inkml:trace contextRef="#ctx0" brushRef="#br0">1 0 24575</inkml:trace>
+</inkml:ink>
+</file>
+
+<file path=ppt/ink/ink104.xml><?xml version="1.0" encoding="utf-8"?>
+<inkml:ink xmlns:inkml="http://www.w3.org/2003/InkML">
+  <inkml:definitions>
+    <inkml:context xml:id="ctx0">
+      <inkml:inkSource xml:id="inkSrc0">
+        <inkml:traceFormat>
+          <inkml:channel name="X" type="integer" min="-2.14748E9" max="2.14748E9" units="cm"/>
+          <inkml:channel name="Y" type="integer" min="-2.14748E9" max="2.14748E9" units="cm"/>
+          <inkml:channel name="F" type="integer" max="32767" units="dev"/>
+        </inkml:traceFormat>
+        <inkml:channelProperties>
+          <inkml:channelProperty channel="X" name="resolution" value="1000" units="1/cm"/>
+          <inkml:channelProperty channel="Y" name="resolution" value="1000" units="1/cm"/>
+          <inkml:channelProperty channel="F" name="resolution" value="0" units="1/dev"/>
+        </inkml:channelProperties>
+      </inkml:inkSource>
+      <inkml:timestamp xml:id="ts0" timeString="2023-03-09T08:21:53.582"/>
+    </inkml:context>
+    <inkml:brush xml:id="br0">
+      <inkml:brushProperty name="width" value="0.05" units="cm"/>
+      <inkml:brushProperty name="height" value="0.05" units="cm"/>
+      <inkml:brushProperty name="color" value="#FFFFFF"/>
+    </inkml:brush>
+  </inkml:definitions>
+  <inkml:trace contextRef="#ctx0" brushRef="#br0">1 1 24575,'0'0'0,"0"2"0,2 2 0,0 2 0,0 5 0,0 1 0,-1 0 0,0 1 0,0-2 0,-1-4 0</inkml:trace>
+</inkml:ink>
+</file>
+
+<file path=ppt/ink/ink105.xml><?xml version="1.0" encoding="utf-8"?>
+<inkml:ink xmlns:inkml="http://www.w3.org/2003/InkML">
+  <inkml:definitions>
+    <inkml:context xml:id="ctx0">
+      <inkml:inkSource xml:id="inkSrc0">
+        <inkml:traceFormat>
+          <inkml:channel name="X" type="integer" min="-2.14748E9" max="2.14748E9" units="cm"/>
+          <inkml:channel name="Y" type="integer" min="-2.14748E9" max="2.14748E9" units="cm"/>
+          <inkml:channel name="F" type="integer" max="32767" units="dev"/>
+        </inkml:traceFormat>
+        <inkml:channelProperties>
+          <inkml:channelProperty channel="X" name="resolution" value="1000" units="1/cm"/>
+          <inkml:channelProperty channel="Y" name="resolution" value="1000" units="1/cm"/>
+          <inkml:channelProperty channel="F" name="resolution" value="0" units="1/dev"/>
+        </inkml:channelProperties>
+      </inkml:inkSource>
+      <inkml:timestamp xml:id="ts0" timeString="2023-03-09T08:21:53.927"/>
+    </inkml:context>
+    <inkml:brush xml:id="br0">
+      <inkml:brushProperty name="width" value="0.05" units="cm"/>
+      <inkml:brushProperty name="height" value="0.05" units="cm"/>
+      <inkml:brushProperty name="color" value="#FFFFFF"/>
+    </inkml:brush>
+  </inkml:definitions>
+  <inkml:trace contextRef="#ctx0" brushRef="#br0">1 0 24575</inkml:trace>
+</inkml:ink>
+</file>
+
+<file path=ppt/ink/ink106.xml><?xml version="1.0" encoding="utf-8"?>
+<inkml:ink xmlns:inkml="http://www.w3.org/2003/InkML">
+  <inkml:definitions>
+    <inkml:context xml:id="ctx0">
+      <inkml:inkSource xml:id="inkSrc0">
+        <inkml:traceFormat>
+          <inkml:channel name="X" type="integer" min="-2.14748E9" max="2.14748E9" units="cm"/>
+          <inkml:channel name="Y" type="integer" min="-2.14748E9" max="2.14748E9" units="cm"/>
+          <inkml:channel name="F" type="integer" max="32767" units="dev"/>
+        </inkml:traceFormat>
+        <inkml:channelProperties>
+          <inkml:channelProperty channel="X" name="resolution" value="1000" units="1/cm"/>
+          <inkml:channelProperty channel="Y" name="resolution" value="1000" units="1/cm"/>
+          <inkml:channelProperty channel="F" name="resolution" value="0" units="1/dev"/>
+        </inkml:channelProperties>
+      </inkml:inkSource>
+      <inkml:timestamp xml:id="ts0" timeString="2023-03-09T08:21:54.253"/>
+    </inkml:context>
+    <inkml:brush xml:id="br0">
+      <inkml:brushProperty name="width" value="0.05" units="cm"/>
+      <inkml:brushProperty name="height" value="0.05" units="cm"/>
+      <inkml:brushProperty name="color" value="#FFFFFF"/>
+    </inkml:brush>
+  </inkml:definitions>
+  <inkml:trace contextRef="#ctx0" brushRef="#br0">1 0 24575</inkml:trace>
+  <inkml:trace contextRef="#ctx0" brushRef="#br0" timeOffset="1">1 0 24575</inkml:trace>
+</inkml:ink>
+</file>
+
+<file path=ppt/ink/ink107.xml><?xml version="1.0" encoding="utf-8"?>
+<inkml:ink xmlns:inkml="http://www.w3.org/2003/InkML">
+  <inkml:definitions>
+    <inkml:context xml:id="ctx0">
+      <inkml:inkSource xml:id="inkSrc0">
+        <inkml:traceFormat>
+          <inkml:channel name="X" type="integer" min="-2.14748E9" max="2.14748E9" units="cm"/>
+          <inkml:channel name="Y" type="integer" min="-2.14748E9" max="2.14748E9" units="cm"/>
+          <inkml:channel name="F" type="integer" max="32767" units="dev"/>
+        </inkml:traceFormat>
+        <inkml:channelProperties>
+          <inkml:channelProperty channel="X" name="resolution" value="1000" units="1/cm"/>
+          <inkml:channelProperty channel="Y" name="resolution" value="1000" units="1/cm"/>
+          <inkml:channelProperty channel="F" name="resolution" value="0" units="1/dev"/>
+        </inkml:channelProperties>
+      </inkml:inkSource>
+      <inkml:timestamp xml:id="ts0" timeString="2023-03-09T08:21:54.610"/>
+    </inkml:context>
+    <inkml:brush xml:id="br0">
+      <inkml:brushProperty name="width" value="0.05" units="cm"/>
+      <inkml:brushProperty name="height" value="0.05" units="cm"/>
+      <inkml:brushProperty name="color" value="#FFFFFF"/>
+    </inkml:brush>
+  </inkml:definitions>
+  <inkml:trace contextRef="#ctx0" brushRef="#br0">0 0 24575</inkml:trace>
+</inkml:ink>
+</file>
+
+<file path=ppt/ink/ink108.xml><?xml version="1.0" encoding="utf-8"?>
+<inkml:ink xmlns:inkml="http://www.w3.org/2003/InkML">
+  <inkml:definitions>
+    <inkml:context xml:id="ctx0">
+      <inkml:inkSource xml:id="inkSrc0">
+        <inkml:traceFormat>
+          <inkml:channel name="X" type="integer" min="-2.14748E9" max="2.14748E9" units="cm"/>
+          <inkml:channel name="Y" type="integer" min="-2.14748E9" max="2.14748E9" units="cm"/>
+          <inkml:channel name="F" type="integer" max="32767" units="dev"/>
+        </inkml:traceFormat>
+        <inkml:channelProperties>
+          <inkml:channelProperty channel="X" name="resolution" value="1000" units="1/cm"/>
+          <inkml:channelProperty channel="Y" name="resolution" value="1000" units="1/cm"/>
+          <inkml:channelProperty channel="F" name="resolution" value="0" units="1/dev"/>
+        </inkml:channelProperties>
+      </inkml:inkSource>
+      <inkml:timestamp xml:id="ts0" timeString="2023-03-09T08:21:54.970"/>
+    </inkml:context>
+    <inkml:brush xml:id="br0">
+      <inkml:brushProperty name="width" value="0.05" units="cm"/>
+      <inkml:brushProperty name="height" value="0.05" units="cm"/>
+      <inkml:brushProperty name="color" value="#FFFFFF"/>
+    </inkml:brush>
+  </inkml:definitions>
+  <inkml:trace contextRef="#ctx0" brushRef="#br0">1 0 24575</inkml:trace>
+</inkml:ink>
+</file>
+
+<file path=ppt/ink/ink109.xml><?xml version="1.0" encoding="utf-8"?>
+<inkml:ink xmlns:inkml="http://www.w3.org/2003/InkML">
+  <inkml:definitions>
+    <inkml:context xml:id="ctx0">
+      <inkml:inkSource xml:id="inkSrc0">
+        <inkml:traceFormat>
+          <inkml:channel name="X" type="integer" min="-2.14748E9" max="2.14748E9" units="cm"/>
+          <inkml:channel name="Y" type="integer" min="-2.14748E9" max="2.14748E9" units="cm"/>
+          <inkml:channel name="F" type="integer" max="32767" units="dev"/>
+        </inkml:traceFormat>
+        <inkml:channelProperties>
+          <inkml:channelProperty channel="X" name="resolution" value="1000" units="1/cm"/>
+          <inkml:channelProperty channel="Y" name="resolution" value="1000" units="1/cm"/>
+          <inkml:channelProperty channel="F" name="resolution" value="0" units="1/dev"/>
+        </inkml:channelProperties>
+      </inkml:inkSource>
+      <inkml:timestamp xml:id="ts0" timeString="2023-03-09T08:21:55.326"/>
+    </inkml:context>
+    <inkml:brush xml:id="br0">
+      <inkml:brushProperty name="width" value="0.05" units="cm"/>
+      <inkml:brushProperty name="height" value="0.05" units="cm"/>
+      <inkml:brushProperty name="color" value="#FFFFFF"/>
+    </inkml:brush>
+  </inkml:definitions>
+  <inkml:trace contextRef="#ctx0" brushRef="#br0">0 1 24575</inkml:trace>
+</inkml:ink>
+</file>
+
 <file path=ppt/ink/ink11.xml><?xml version="1.0" encoding="utf-8"?>
 <inkml:ink xmlns:inkml="http://www.w3.org/2003/InkML">
   <inkml:definitions>
@@ -3268,6 +4759,34 @@
     </inkml:brush>
   </inkml:definitions>
   <inkml:trace contextRef="#ctx0" brushRef="#br0">0 1</inkml:trace>
+</inkml:ink>
+</file>
+
+<file path=ppt/ink/ink110.xml><?xml version="1.0" encoding="utf-8"?>
+<inkml:ink xmlns:inkml="http://www.w3.org/2003/InkML">
+  <inkml:definitions>
+    <inkml:context xml:id="ctx0">
+      <inkml:inkSource xml:id="inkSrc0">
+        <inkml:traceFormat>
+          <inkml:channel name="X" type="integer" min="-2.14748E9" max="2.14748E9" units="cm"/>
+          <inkml:channel name="Y" type="integer" min="-2.14748E9" max="2.14748E9" units="cm"/>
+          <inkml:channel name="F" type="integer" max="32767" units="dev"/>
+        </inkml:traceFormat>
+        <inkml:channelProperties>
+          <inkml:channelProperty channel="X" name="resolution" value="1000" units="1/cm"/>
+          <inkml:channelProperty channel="Y" name="resolution" value="1000" units="1/cm"/>
+          <inkml:channelProperty channel="F" name="resolution" value="0" units="1/dev"/>
+        </inkml:channelProperties>
+      </inkml:inkSource>
+      <inkml:timestamp xml:id="ts0" timeString="2023-03-09T08:21:55.855"/>
+    </inkml:context>
+    <inkml:brush xml:id="br0">
+      <inkml:brushProperty name="width" value="0.05" units="cm"/>
+      <inkml:brushProperty name="height" value="0.05" units="cm"/>
+      <inkml:brushProperty name="color" value="#FFFFFF"/>
+    </inkml:brush>
+  </inkml:definitions>
+  <inkml:trace contextRef="#ctx0" brushRef="#br0">1 0 24575,'0'6'0,"2"1"0,3 3 0,4 4 0,2 1 0,0 0 0,5-1 0,-5-4 0,-6-8 0,-5-6 0,-4-6 0,0-7 0,1 0-8191</inkml:trace>
 </inkml:ink>
 </file>
 
@@ -4455,6 +5974,286 @@
 </inkml:ink>
 </file>
 
+<file path=ppt/ink/ink50.xml><?xml version="1.0" encoding="utf-8"?>
+<inkml:ink xmlns:inkml="http://www.w3.org/2003/InkML">
+  <inkml:definitions>
+    <inkml:context xml:id="ctx0">
+      <inkml:inkSource xml:id="inkSrc0">
+        <inkml:traceFormat>
+          <inkml:channel name="X" type="integer" min="-2.14748E9" max="2.14748E9" units="cm"/>
+          <inkml:channel name="Y" type="integer" min="-2.14748E9" max="2.14748E9" units="cm"/>
+          <inkml:channel name="F" type="integer" max="32767" units="dev"/>
+        </inkml:traceFormat>
+        <inkml:channelProperties>
+          <inkml:channelProperty channel="X" name="resolution" value="1000" units="1/cm"/>
+          <inkml:channelProperty channel="Y" name="resolution" value="1000" units="1/cm"/>
+          <inkml:channelProperty channel="F" name="resolution" value="0" units="1/dev"/>
+        </inkml:channelProperties>
+      </inkml:inkSource>
+      <inkml:timestamp xml:id="ts0" timeString="2023-03-06T11:30:37.703"/>
+    </inkml:context>
+    <inkml:brush xml:id="br0">
+      <inkml:brushProperty name="width" value="0.05" units="cm"/>
+      <inkml:brushProperty name="height" value="0.05" units="cm"/>
+      <inkml:brushProperty name="color" value="#FFFFFF"/>
+    </inkml:brush>
+  </inkml:definitions>
+  <inkml:trace contextRef="#ctx0" brushRef="#br0">1 1 24575,'3'0'0,"4"0"0,4 1 0,1 1 0,0 0 0,2 0 0,-1-1 0,-1 1 0,0 0 0,-1 0 0,1 0 0,-1-1 0,-1-1 0,0 1 0,-1-1 0,2 0 0,-2-2 0</inkml:trace>
+</inkml:ink>
+</file>
+
+<file path=ppt/ink/ink51.xml><?xml version="1.0" encoding="utf-8"?>
+<inkml:ink xmlns:inkml="http://www.w3.org/2003/InkML">
+  <inkml:definitions>
+    <inkml:context xml:id="ctx0">
+      <inkml:inkSource xml:id="inkSrc0">
+        <inkml:traceFormat>
+          <inkml:channel name="X" type="integer" min="-2.14748E9" max="2.14748E9" units="cm"/>
+          <inkml:channel name="Y" type="integer" min="-2.14748E9" max="2.14748E9" units="cm"/>
+          <inkml:channel name="F" type="integer" max="32767" units="dev"/>
+        </inkml:traceFormat>
+        <inkml:channelProperties>
+          <inkml:channelProperty channel="X" name="resolution" value="1000" units="1/cm"/>
+          <inkml:channelProperty channel="Y" name="resolution" value="1000" units="1/cm"/>
+          <inkml:channelProperty channel="F" name="resolution" value="0" units="1/dev"/>
+        </inkml:channelProperties>
+      </inkml:inkSource>
+      <inkml:timestamp xml:id="ts0" timeString="2023-03-06T11:30:38.472"/>
+    </inkml:context>
+    <inkml:brush xml:id="br0">
+      <inkml:brushProperty name="width" value="0.05" units="cm"/>
+      <inkml:brushProperty name="height" value="0.05" units="cm"/>
+      <inkml:brushProperty name="color" value="#FFFFFF"/>
+    </inkml:brush>
+  </inkml:definitions>
+  <inkml:trace contextRef="#ctx0" brushRef="#br0">1 1 24575</inkml:trace>
+</inkml:ink>
+</file>
+
+<file path=ppt/ink/ink52.xml><?xml version="1.0" encoding="utf-8"?>
+<inkml:ink xmlns:inkml="http://www.w3.org/2003/InkML">
+  <inkml:definitions>
+    <inkml:context xml:id="ctx0">
+      <inkml:inkSource xml:id="inkSrc0">
+        <inkml:traceFormat>
+          <inkml:channel name="X" type="integer" min="-2.14748E9" max="2.14748E9" units="cm"/>
+          <inkml:channel name="Y" type="integer" min="-2.14748E9" max="2.14748E9" units="cm"/>
+          <inkml:channel name="F" type="integer" max="32767" units="dev"/>
+        </inkml:traceFormat>
+        <inkml:channelProperties>
+          <inkml:channelProperty channel="X" name="resolution" value="1000" units="1/cm"/>
+          <inkml:channelProperty channel="Y" name="resolution" value="1000" units="1/cm"/>
+          <inkml:channelProperty channel="F" name="resolution" value="0" units="1/dev"/>
+        </inkml:channelProperties>
+      </inkml:inkSource>
+      <inkml:timestamp xml:id="ts0" timeString="2023-03-06T11:30:41.444"/>
+    </inkml:context>
+    <inkml:brush xml:id="br0">
+      <inkml:brushProperty name="width" value="0.05" units="cm"/>
+      <inkml:brushProperty name="height" value="0.05" units="cm"/>
+      <inkml:brushProperty name="color" value="#FFFFFF"/>
+    </inkml:brush>
+  </inkml:definitions>
+  <inkml:trace contextRef="#ctx0" brushRef="#br0">1 1 24575</inkml:trace>
+</inkml:ink>
+</file>
+
+<file path=ppt/ink/ink53.xml><?xml version="1.0" encoding="utf-8"?>
+<inkml:ink xmlns:inkml="http://www.w3.org/2003/InkML">
+  <inkml:definitions>
+    <inkml:context xml:id="ctx0">
+      <inkml:inkSource xml:id="inkSrc0">
+        <inkml:traceFormat>
+          <inkml:channel name="X" type="integer" min="-2.14748E9" max="2.14748E9" units="cm"/>
+          <inkml:channel name="Y" type="integer" min="-2.14748E9" max="2.14748E9" units="cm"/>
+          <inkml:channel name="F" type="integer" max="32767" units="dev"/>
+        </inkml:traceFormat>
+        <inkml:channelProperties>
+          <inkml:channelProperty channel="X" name="resolution" value="1000" units="1/cm"/>
+          <inkml:channelProperty channel="Y" name="resolution" value="1000" units="1/cm"/>
+          <inkml:channelProperty channel="F" name="resolution" value="0" units="1/dev"/>
+        </inkml:channelProperties>
+      </inkml:inkSource>
+      <inkml:timestamp xml:id="ts0" timeString="2023-03-06T11:30:41.942"/>
+    </inkml:context>
+    <inkml:brush xml:id="br0">
+      <inkml:brushProperty name="width" value="0.05" units="cm"/>
+      <inkml:brushProperty name="height" value="0.05" units="cm"/>
+      <inkml:brushProperty name="color" value="#FFFFFF"/>
+    </inkml:brush>
+  </inkml:definitions>
+  <inkml:trace contextRef="#ctx0" brushRef="#br0">0 1 24575</inkml:trace>
+</inkml:ink>
+</file>
+
+<file path=ppt/ink/ink54.xml><?xml version="1.0" encoding="utf-8"?>
+<inkml:ink xmlns:inkml="http://www.w3.org/2003/InkML">
+  <inkml:definitions>
+    <inkml:context xml:id="ctx0">
+      <inkml:inkSource xml:id="inkSrc0">
+        <inkml:traceFormat>
+          <inkml:channel name="X" type="integer" min="-2.14748E9" max="2.14748E9" units="cm"/>
+          <inkml:channel name="Y" type="integer" min="-2.14748E9" max="2.14748E9" units="cm"/>
+          <inkml:channel name="F" type="integer" max="32767" units="dev"/>
+        </inkml:traceFormat>
+        <inkml:channelProperties>
+          <inkml:channelProperty channel="X" name="resolution" value="1000" units="1/cm"/>
+          <inkml:channelProperty channel="Y" name="resolution" value="1000" units="1/cm"/>
+          <inkml:channelProperty channel="F" name="resolution" value="0" units="1/dev"/>
+        </inkml:channelProperties>
+      </inkml:inkSource>
+      <inkml:timestamp xml:id="ts0" timeString="2023-03-06T11:30:42.505"/>
+    </inkml:context>
+    <inkml:brush xml:id="br0">
+      <inkml:brushProperty name="width" value="0.05" units="cm"/>
+      <inkml:brushProperty name="height" value="0.05" units="cm"/>
+      <inkml:brushProperty name="color" value="#FFFFFF"/>
+    </inkml:brush>
+  </inkml:definitions>
+  <inkml:trace contextRef="#ctx0" brushRef="#br0">0 0 24575,'2'0'0</inkml:trace>
+</inkml:ink>
+</file>
+
+<file path=ppt/ink/ink55.xml><?xml version="1.0" encoding="utf-8"?>
+<inkml:ink xmlns:inkml="http://www.w3.org/2003/InkML">
+  <inkml:definitions>
+    <inkml:context xml:id="ctx0">
+      <inkml:inkSource xml:id="inkSrc0">
+        <inkml:traceFormat>
+          <inkml:channel name="X" type="integer" min="-2.14748E9" max="2.14748E9" units="cm"/>
+          <inkml:channel name="Y" type="integer" min="-2.14748E9" max="2.14748E9" units="cm"/>
+          <inkml:channel name="F" type="integer" max="32767" units="dev"/>
+        </inkml:traceFormat>
+        <inkml:channelProperties>
+          <inkml:channelProperty channel="X" name="resolution" value="1000" units="1/cm"/>
+          <inkml:channelProperty channel="Y" name="resolution" value="1000" units="1/cm"/>
+          <inkml:channelProperty channel="F" name="resolution" value="0" units="1/dev"/>
+        </inkml:channelProperties>
+      </inkml:inkSource>
+      <inkml:timestamp xml:id="ts0" timeString="2023-03-06T11:30:42.864"/>
+    </inkml:context>
+    <inkml:brush xml:id="br0">
+      <inkml:brushProperty name="width" value="0.05" units="cm"/>
+      <inkml:brushProperty name="height" value="0.05" units="cm"/>
+      <inkml:brushProperty name="color" value="#FFFFFF"/>
+    </inkml:brush>
+  </inkml:definitions>
+  <inkml:trace contextRef="#ctx0" brushRef="#br0">0 1 24575</inkml:trace>
+</inkml:ink>
+</file>
+
+<file path=ppt/ink/ink56.xml><?xml version="1.0" encoding="utf-8"?>
+<inkml:ink xmlns:inkml="http://www.w3.org/2003/InkML">
+  <inkml:definitions>
+    <inkml:context xml:id="ctx0">
+      <inkml:inkSource xml:id="inkSrc0">
+        <inkml:traceFormat>
+          <inkml:channel name="X" type="integer" min="-2.14748E9" max="2.14748E9" units="cm"/>
+          <inkml:channel name="Y" type="integer" min="-2.14748E9" max="2.14748E9" units="cm"/>
+          <inkml:channel name="F" type="integer" max="32767" units="dev"/>
+        </inkml:traceFormat>
+        <inkml:channelProperties>
+          <inkml:channelProperty channel="X" name="resolution" value="1000" units="1/cm"/>
+          <inkml:channelProperty channel="Y" name="resolution" value="1000" units="1/cm"/>
+          <inkml:channelProperty channel="F" name="resolution" value="0" units="1/dev"/>
+        </inkml:channelProperties>
+      </inkml:inkSource>
+      <inkml:timestamp xml:id="ts0" timeString="2023-03-06T11:30:43.236"/>
+    </inkml:context>
+    <inkml:brush xml:id="br0">
+      <inkml:brushProperty name="width" value="0.05" units="cm"/>
+      <inkml:brushProperty name="height" value="0.05" units="cm"/>
+      <inkml:brushProperty name="color" value="#FFFFFF"/>
+    </inkml:brush>
+  </inkml:definitions>
+  <inkml:trace contextRef="#ctx0" brushRef="#br0">1 1 24575</inkml:trace>
+</inkml:ink>
+</file>
+
+<file path=ppt/ink/ink57.xml><?xml version="1.0" encoding="utf-8"?>
+<inkml:ink xmlns:inkml="http://www.w3.org/2003/InkML">
+  <inkml:definitions>
+    <inkml:context xml:id="ctx0">
+      <inkml:inkSource xml:id="inkSrc0">
+        <inkml:traceFormat>
+          <inkml:channel name="X" type="integer" min="-2.14748E9" max="2.14748E9" units="cm"/>
+          <inkml:channel name="Y" type="integer" min="-2.14748E9" max="2.14748E9" units="cm"/>
+          <inkml:channel name="F" type="integer" max="32767" units="dev"/>
+        </inkml:traceFormat>
+        <inkml:channelProperties>
+          <inkml:channelProperty channel="X" name="resolution" value="1000" units="1/cm"/>
+          <inkml:channelProperty channel="Y" name="resolution" value="1000" units="1/cm"/>
+          <inkml:channelProperty channel="F" name="resolution" value="0" units="1/dev"/>
+        </inkml:channelProperties>
+      </inkml:inkSource>
+      <inkml:timestamp xml:id="ts0" timeString="2023-03-06T11:30:46.240"/>
+    </inkml:context>
+    <inkml:brush xml:id="br0">
+      <inkml:brushProperty name="width" value="0.05" units="cm"/>
+      <inkml:brushProperty name="height" value="0.05" units="cm"/>
+      <inkml:brushProperty name="color" value="#FFFFFF"/>
+    </inkml:brush>
+  </inkml:definitions>
+  <inkml:trace contextRef="#ctx0" brushRef="#br0">247 10 24575,'-11'1'0,"1"0"0,-1 1 0,0 0 0,0 1 0,1 1 0,0-1 0,-1 1 0,-14 10 0,-33 10 0,55-23 0,0-1 0,0 0 0,0 0 0,0 0 0,0 0 0,0 0 0,0-1 0,0 1 0,0-1 0,0 0 0,0 0 0,0 0 0,0-1 0,0 1 0,1-1 0,-1 1 0,0-1 0,1 0 0,0 0 0,-1 0 0,1 0 0,0 0 0,0-1 0,0 1 0,0 0 0,1-1 0,-1 0 0,1 1 0,-1-1 0,-1-5 0,47 16 0,-33-6 0,0-2 0,1 0 0,-1 0 0,0-1 0,0-1 0,1 1 0,-1-2 0,14-4 0,-10 3 0,0 0 0,0 1 0,29-2 0,-3 6-1365,-31-1-5461</inkml:trace>
+</inkml:ink>
+</file>
+
+<file path=ppt/ink/ink58.xml><?xml version="1.0" encoding="utf-8"?>
+<inkml:ink xmlns:inkml="http://www.w3.org/2003/InkML">
+  <inkml:definitions>
+    <inkml:context xml:id="ctx0">
+      <inkml:inkSource xml:id="inkSrc0">
+        <inkml:traceFormat>
+          <inkml:channel name="X" type="integer" min="-2.14748E9" max="2.14748E9" units="cm"/>
+          <inkml:channel name="Y" type="integer" min="-2.14748E9" max="2.14748E9" units="cm"/>
+          <inkml:channel name="F" type="integer" max="32767" units="dev"/>
+        </inkml:traceFormat>
+        <inkml:channelProperties>
+          <inkml:channelProperty channel="X" name="resolution" value="1000" units="1/cm"/>
+          <inkml:channelProperty channel="Y" name="resolution" value="1000" units="1/cm"/>
+          <inkml:channelProperty channel="F" name="resolution" value="0" units="1/dev"/>
+        </inkml:channelProperties>
+      </inkml:inkSource>
+      <inkml:timestamp xml:id="ts0" timeString="2023-03-06T11:30:47.257"/>
+    </inkml:context>
+    <inkml:brush xml:id="br0">
+      <inkml:brushProperty name="width" value="0.05" units="cm"/>
+      <inkml:brushProperty name="height" value="0.05" units="cm"/>
+      <inkml:brushProperty name="color" value="#FFFFFF"/>
+    </inkml:brush>
+  </inkml:definitions>
+  <inkml:trace contextRef="#ctx0" brushRef="#br0">0 1 24575</inkml:trace>
+</inkml:ink>
+</file>
+
+<file path=ppt/ink/ink59.xml><?xml version="1.0" encoding="utf-8"?>
+<inkml:ink xmlns:inkml="http://www.w3.org/2003/InkML">
+  <inkml:definitions>
+    <inkml:context xml:id="ctx0">
+      <inkml:inkSource xml:id="inkSrc0">
+        <inkml:traceFormat>
+          <inkml:channel name="X" type="integer" min="-2.14748E9" max="2.14748E9" units="cm"/>
+          <inkml:channel name="Y" type="integer" min="-2.14748E9" max="2.14748E9" units="cm"/>
+          <inkml:channel name="F" type="integer" max="32767" units="dev"/>
+        </inkml:traceFormat>
+        <inkml:channelProperties>
+          <inkml:channelProperty channel="X" name="resolution" value="1000" units="1/cm"/>
+          <inkml:channelProperty channel="Y" name="resolution" value="1000" units="1/cm"/>
+          <inkml:channelProperty channel="F" name="resolution" value="0" units="1/dev"/>
+        </inkml:channelProperties>
+      </inkml:inkSource>
+      <inkml:timestamp xml:id="ts0" timeString="2023-03-06T11:30:47.735"/>
+    </inkml:context>
+    <inkml:brush xml:id="br0">
+      <inkml:brushProperty name="width" value="0.05" units="cm"/>
+      <inkml:brushProperty name="height" value="0.05" units="cm"/>
+      <inkml:brushProperty name="color" value="#FFFFFF"/>
+    </inkml:brush>
+  </inkml:definitions>
+  <inkml:trace contextRef="#ctx0" brushRef="#br0">0 0 24575</inkml:trace>
+</inkml:ink>
+</file>
+
 <file path=ppt/ink/ink6.xml><?xml version="1.0" encoding="utf-8"?>
 <inkml:ink xmlns:inkml="http://www.w3.org/2003/InkML">
   <inkml:definitions>
@@ -4481,6 +6280,286 @@
     </inkml:brush>
   </inkml:definitions>
   <inkml:trace contextRef="#ctx0" brushRef="#br0">435 349,'-43'-35,"-112"-85,104 83,-60-55,55 44,37 32</inkml:trace>
+</inkml:ink>
+</file>
+
+<file path=ppt/ink/ink60.xml><?xml version="1.0" encoding="utf-8"?>
+<inkml:ink xmlns:inkml="http://www.w3.org/2003/InkML">
+  <inkml:definitions>
+    <inkml:context xml:id="ctx0">
+      <inkml:inkSource xml:id="inkSrc0">
+        <inkml:traceFormat>
+          <inkml:channel name="X" type="integer" min="-2.14748E9" max="2.14748E9" units="cm"/>
+          <inkml:channel name="Y" type="integer" min="-2.14748E9" max="2.14748E9" units="cm"/>
+          <inkml:channel name="F" type="integer" max="32767" units="dev"/>
+        </inkml:traceFormat>
+        <inkml:channelProperties>
+          <inkml:channelProperty channel="X" name="resolution" value="1000" units="1/cm"/>
+          <inkml:channelProperty channel="Y" name="resolution" value="1000" units="1/cm"/>
+          <inkml:channelProperty channel="F" name="resolution" value="0" units="1/dev"/>
+        </inkml:channelProperties>
+      </inkml:inkSource>
+      <inkml:timestamp xml:id="ts0" timeString="2023-03-06T11:30:48.477"/>
+    </inkml:context>
+    <inkml:brush xml:id="br0">
+      <inkml:brushProperty name="width" value="0.05" units="cm"/>
+      <inkml:brushProperty name="height" value="0.05" units="cm"/>
+      <inkml:brushProperty name="color" value="#FFFFFF"/>
+    </inkml:brush>
+  </inkml:definitions>
+  <inkml:trace contextRef="#ctx0" brushRef="#br0">0 0 24575</inkml:trace>
+</inkml:ink>
+</file>
+
+<file path=ppt/ink/ink61.xml><?xml version="1.0" encoding="utf-8"?>
+<inkml:ink xmlns:inkml="http://www.w3.org/2003/InkML">
+  <inkml:definitions>
+    <inkml:context xml:id="ctx0">
+      <inkml:inkSource xml:id="inkSrc0">
+        <inkml:traceFormat>
+          <inkml:channel name="X" type="integer" min="-2.14748E9" max="2.14748E9" units="cm"/>
+          <inkml:channel name="Y" type="integer" min="-2.14748E9" max="2.14748E9" units="cm"/>
+          <inkml:channel name="F" type="integer" max="32767" units="dev"/>
+        </inkml:traceFormat>
+        <inkml:channelProperties>
+          <inkml:channelProperty channel="X" name="resolution" value="1000" units="1/cm"/>
+          <inkml:channelProperty channel="Y" name="resolution" value="1000" units="1/cm"/>
+          <inkml:channelProperty channel="F" name="resolution" value="0" units="1/dev"/>
+        </inkml:channelProperties>
+      </inkml:inkSource>
+      <inkml:timestamp xml:id="ts0" timeString="2023-03-06T11:30:49.229"/>
+    </inkml:context>
+    <inkml:brush xml:id="br0">
+      <inkml:brushProperty name="width" value="0.05" units="cm"/>
+      <inkml:brushProperty name="height" value="0.05" units="cm"/>
+      <inkml:brushProperty name="color" value="#FFFFFF"/>
+    </inkml:brush>
+  </inkml:definitions>
+  <inkml:trace contextRef="#ctx0" brushRef="#br0">2 4 24575,'0'-1'0,"-1"-1"0</inkml:trace>
+</inkml:ink>
+</file>
+
+<file path=ppt/ink/ink62.xml><?xml version="1.0" encoding="utf-8"?>
+<inkml:ink xmlns:inkml="http://www.w3.org/2003/InkML">
+  <inkml:definitions>
+    <inkml:context xml:id="ctx0">
+      <inkml:inkSource xml:id="inkSrc0">
+        <inkml:traceFormat>
+          <inkml:channel name="X" type="integer" min="-2.14748E9" max="2.14748E9" units="cm"/>
+          <inkml:channel name="Y" type="integer" min="-2.14748E9" max="2.14748E9" units="cm"/>
+          <inkml:channel name="F" type="integer" max="32767" units="dev"/>
+        </inkml:traceFormat>
+        <inkml:channelProperties>
+          <inkml:channelProperty channel="X" name="resolution" value="1000" units="1/cm"/>
+          <inkml:channelProperty channel="Y" name="resolution" value="1000" units="1/cm"/>
+          <inkml:channelProperty channel="F" name="resolution" value="0" units="1/dev"/>
+        </inkml:channelProperties>
+      </inkml:inkSource>
+      <inkml:timestamp xml:id="ts0" timeString="2023-03-06T11:30:50.540"/>
+    </inkml:context>
+    <inkml:brush xml:id="br0">
+      <inkml:brushProperty name="width" value="0.05" units="cm"/>
+      <inkml:brushProperty name="height" value="0.05" units="cm"/>
+      <inkml:brushProperty name="color" value="#FFFFFF"/>
+    </inkml:brush>
+  </inkml:definitions>
+  <inkml:trace contextRef="#ctx0" brushRef="#br0">255 8 24575,'0'0'0,"-10"-1"0,1 1 0,0 0 0,0 1 0,0 0 0,0 0 0,0 1 0,0 0 0,0 1 0,0-1 0,-10 6 0,15-6 8,0 0 0,-1-1 0,1 0 0,-1 0 0,1 0 0,-1 0 0,0-1 0,1 0 0,-1 0 0,0 0 0,1-1 0,-1 1 0,1-1 0,-7-2 0,0 0-305,1 0 0,-1-1 0,1-1 0,-19-10 0</inkml:trace>
+</inkml:ink>
+</file>
+
+<file path=ppt/ink/ink63.xml><?xml version="1.0" encoding="utf-8"?>
+<inkml:ink xmlns:inkml="http://www.w3.org/2003/InkML">
+  <inkml:definitions>
+    <inkml:context xml:id="ctx0">
+      <inkml:inkSource xml:id="inkSrc0">
+        <inkml:traceFormat>
+          <inkml:channel name="X" type="integer" min="-2.14748E9" max="2.14748E9" units="cm"/>
+          <inkml:channel name="Y" type="integer" min="-2.14748E9" max="2.14748E9" units="cm"/>
+          <inkml:channel name="F" type="integer" max="32767" units="dev"/>
+        </inkml:traceFormat>
+        <inkml:channelProperties>
+          <inkml:channelProperty channel="X" name="resolution" value="1000" units="1/cm"/>
+          <inkml:channelProperty channel="Y" name="resolution" value="1000" units="1/cm"/>
+          <inkml:channelProperty channel="F" name="resolution" value="0" units="1/dev"/>
+        </inkml:channelProperties>
+      </inkml:inkSource>
+      <inkml:timestamp xml:id="ts0" timeString="2023-03-06T11:30:51.037"/>
+    </inkml:context>
+    <inkml:brush xml:id="br0">
+      <inkml:brushProperty name="width" value="0.05" units="cm"/>
+      <inkml:brushProperty name="height" value="0.05" units="cm"/>
+      <inkml:brushProperty name="color" value="#FFFFFF"/>
+    </inkml:brush>
+  </inkml:definitions>
+  <inkml:trace contextRef="#ctx0" brushRef="#br0">1 1 24575</inkml:trace>
+</inkml:ink>
+</file>
+
+<file path=ppt/ink/ink64.xml><?xml version="1.0" encoding="utf-8"?>
+<inkml:ink xmlns:inkml="http://www.w3.org/2003/InkML">
+  <inkml:definitions>
+    <inkml:context xml:id="ctx0">
+      <inkml:inkSource xml:id="inkSrc0">
+        <inkml:traceFormat>
+          <inkml:channel name="X" type="integer" min="-2.14748E9" max="2.14748E9" units="cm"/>
+          <inkml:channel name="Y" type="integer" min="-2.14748E9" max="2.14748E9" units="cm"/>
+          <inkml:channel name="F" type="integer" max="32767" units="dev"/>
+        </inkml:traceFormat>
+        <inkml:channelProperties>
+          <inkml:channelProperty channel="X" name="resolution" value="1000" units="1/cm"/>
+          <inkml:channelProperty channel="Y" name="resolution" value="1000" units="1/cm"/>
+          <inkml:channelProperty channel="F" name="resolution" value="0" units="1/dev"/>
+        </inkml:channelProperties>
+      </inkml:inkSource>
+      <inkml:timestamp xml:id="ts0" timeString="2023-03-06T11:30:51.569"/>
+    </inkml:context>
+    <inkml:brush xml:id="br0">
+      <inkml:brushProperty name="width" value="0.05" units="cm"/>
+      <inkml:brushProperty name="height" value="0.05" units="cm"/>
+      <inkml:brushProperty name="color" value="#FFFFFF"/>
+    </inkml:brush>
+  </inkml:definitions>
+  <inkml:trace contextRef="#ctx0" brushRef="#br0">0 0 24575</inkml:trace>
+</inkml:ink>
+</file>
+
+<file path=ppt/ink/ink65.xml><?xml version="1.0" encoding="utf-8"?>
+<inkml:ink xmlns:inkml="http://www.w3.org/2003/InkML">
+  <inkml:definitions>
+    <inkml:context xml:id="ctx0">
+      <inkml:inkSource xml:id="inkSrc0">
+        <inkml:traceFormat>
+          <inkml:channel name="X" type="integer" min="-2.14748E9" max="2.14748E9" units="cm"/>
+          <inkml:channel name="Y" type="integer" min="-2.14748E9" max="2.14748E9" units="cm"/>
+          <inkml:channel name="F" type="integer" max="32767" units="dev"/>
+        </inkml:traceFormat>
+        <inkml:channelProperties>
+          <inkml:channelProperty channel="X" name="resolution" value="1000" units="1/cm"/>
+          <inkml:channelProperty channel="Y" name="resolution" value="1000" units="1/cm"/>
+          <inkml:channelProperty channel="F" name="resolution" value="0" units="1/dev"/>
+        </inkml:channelProperties>
+      </inkml:inkSource>
+      <inkml:timestamp xml:id="ts0" timeString="2023-03-06T11:30:51.904"/>
+    </inkml:context>
+    <inkml:brush xml:id="br0">
+      <inkml:brushProperty name="width" value="0.05" units="cm"/>
+      <inkml:brushProperty name="height" value="0.05" units="cm"/>
+      <inkml:brushProperty name="color" value="#FFFFFF"/>
+    </inkml:brush>
+  </inkml:definitions>
+  <inkml:trace contextRef="#ctx0" brushRef="#br0">0 1 24575</inkml:trace>
+</inkml:ink>
+</file>
+
+<file path=ppt/ink/ink66.xml><?xml version="1.0" encoding="utf-8"?>
+<inkml:ink xmlns:inkml="http://www.w3.org/2003/InkML">
+  <inkml:definitions>
+    <inkml:context xml:id="ctx0">
+      <inkml:inkSource xml:id="inkSrc0">
+        <inkml:traceFormat>
+          <inkml:channel name="X" type="integer" min="-2.14748E9" max="2.14748E9" units="cm"/>
+          <inkml:channel name="Y" type="integer" min="-2.14748E9" max="2.14748E9" units="cm"/>
+          <inkml:channel name="F" type="integer" max="32767" units="dev"/>
+        </inkml:traceFormat>
+        <inkml:channelProperties>
+          <inkml:channelProperty channel="X" name="resolution" value="1000" units="1/cm"/>
+          <inkml:channelProperty channel="Y" name="resolution" value="1000" units="1/cm"/>
+          <inkml:channelProperty channel="F" name="resolution" value="0" units="1/dev"/>
+        </inkml:channelProperties>
+      </inkml:inkSource>
+      <inkml:timestamp xml:id="ts0" timeString="2023-03-06T11:30:52.265"/>
+    </inkml:context>
+    <inkml:brush xml:id="br0">
+      <inkml:brushProperty name="width" value="0.05" units="cm"/>
+      <inkml:brushProperty name="height" value="0.05" units="cm"/>
+      <inkml:brushProperty name="color" value="#FFFFFF"/>
+    </inkml:brush>
+  </inkml:definitions>
+  <inkml:trace contextRef="#ctx0" brushRef="#br0">0 1 24575</inkml:trace>
+</inkml:ink>
+</file>
+
+<file path=ppt/ink/ink67.xml><?xml version="1.0" encoding="utf-8"?>
+<inkml:ink xmlns:inkml="http://www.w3.org/2003/InkML">
+  <inkml:definitions>
+    <inkml:context xml:id="ctx0">
+      <inkml:inkSource xml:id="inkSrc0">
+        <inkml:traceFormat>
+          <inkml:channel name="X" type="integer" min="-2.14748E9" max="2.14748E9" units="cm"/>
+          <inkml:channel name="Y" type="integer" min="-2.14748E9" max="2.14748E9" units="cm"/>
+          <inkml:channel name="F" type="integer" max="32767" units="dev"/>
+        </inkml:traceFormat>
+        <inkml:channelProperties>
+          <inkml:channelProperty channel="X" name="resolution" value="1000" units="1/cm"/>
+          <inkml:channelProperty channel="Y" name="resolution" value="1000" units="1/cm"/>
+          <inkml:channelProperty channel="F" name="resolution" value="0" units="1/dev"/>
+        </inkml:channelProperties>
+      </inkml:inkSource>
+      <inkml:timestamp xml:id="ts0" timeString="2023-03-06T11:30:52.591"/>
+    </inkml:context>
+    <inkml:brush xml:id="br0">
+      <inkml:brushProperty name="width" value="0.05" units="cm"/>
+      <inkml:brushProperty name="height" value="0.05" units="cm"/>
+      <inkml:brushProperty name="color" value="#FFFFFF"/>
+    </inkml:brush>
+  </inkml:definitions>
+  <inkml:trace contextRef="#ctx0" brushRef="#br0">0 1 24575</inkml:trace>
+</inkml:ink>
+</file>
+
+<file path=ppt/ink/ink68.xml><?xml version="1.0" encoding="utf-8"?>
+<inkml:ink xmlns:inkml="http://www.w3.org/2003/InkML">
+  <inkml:definitions>
+    <inkml:context xml:id="ctx0">
+      <inkml:inkSource xml:id="inkSrc0">
+        <inkml:traceFormat>
+          <inkml:channel name="X" type="integer" min="-2.14748E9" max="2.14748E9" units="cm"/>
+          <inkml:channel name="Y" type="integer" min="-2.14748E9" max="2.14748E9" units="cm"/>
+          <inkml:channel name="F" type="integer" max="32767" units="dev"/>
+        </inkml:traceFormat>
+        <inkml:channelProperties>
+          <inkml:channelProperty channel="X" name="resolution" value="1000" units="1/cm"/>
+          <inkml:channelProperty channel="Y" name="resolution" value="1000" units="1/cm"/>
+          <inkml:channelProperty channel="F" name="resolution" value="0" units="1/dev"/>
+        </inkml:channelProperties>
+      </inkml:inkSource>
+      <inkml:timestamp xml:id="ts0" timeString="2023-03-06T11:30:53.871"/>
+    </inkml:context>
+    <inkml:brush xml:id="br0">
+      <inkml:brushProperty name="width" value="0.05" units="cm"/>
+      <inkml:brushProperty name="height" value="0.05" units="cm"/>
+      <inkml:brushProperty name="color" value="#FFFFFF"/>
+    </inkml:brush>
+  </inkml:definitions>
+  <inkml:trace contextRef="#ctx0" brushRef="#br0">0 1 24575</inkml:trace>
+</inkml:ink>
+</file>
+
+<file path=ppt/ink/ink69.xml><?xml version="1.0" encoding="utf-8"?>
+<inkml:ink xmlns:inkml="http://www.w3.org/2003/InkML">
+  <inkml:definitions>
+    <inkml:context xml:id="ctx0">
+      <inkml:inkSource xml:id="inkSrc0">
+        <inkml:traceFormat>
+          <inkml:channel name="X" type="integer" min="-2.14748E9" max="2.14748E9" units="cm"/>
+          <inkml:channel name="Y" type="integer" min="-2.14748E9" max="2.14748E9" units="cm"/>
+          <inkml:channel name="F" type="integer" max="32767" units="dev"/>
+        </inkml:traceFormat>
+        <inkml:channelProperties>
+          <inkml:channelProperty channel="X" name="resolution" value="1000" units="1/cm"/>
+          <inkml:channelProperty channel="Y" name="resolution" value="1000" units="1/cm"/>
+          <inkml:channelProperty channel="F" name="resolution" value="0" units="1/dev"/>
+        </inkml:channelProperties>
+      </inkml:inkSource>
+      <inkml:timestamp xml:id="ts0" timeString="2023-03-06T11:30:54.327"/>
+    </inkml:context>
+    <inkml:brush xml:id="br0">
+      <inkml:brushProperty name="width" value="0.05" units="cm"/>
+      <inkml:brushProperty name="height" value="0.05" units="cm"/>
+      <inkml:brushProperty name="color" value="#FFFFFF"/>
+    </inkml:brush>
+  </inkml:definitions>
+  <inkml:trace contextRef="#ctx0" brushRef="#br0">0 1 24575</inkml:trace>
 </inkml:ink>
 </file>
 
@@ -4513,6 +6592,286 @@
 </inkml:ink>
 </file>
 
+<file path=ppt/ink/ink70.xml><?xml version="1.0" encoding="utf-8"?>
+<inkml:ink xmlns:inkml="http://www.w3.org/2003/InkML">
+  <inkml:definitions>
+    <inkml:context xml:id="ctx0">
+      <inkml:inkSource xml:id="inkSrc0">
+        <inkml:traceFormat>
+          <inkml:channel name="X" type="integer" min="-2.14748E9" max="2.14748E9" units="cm"/>
+          <inkml:channel name="Y" type="integer" min="-2.14748E9" max="2.14748E9" units="cm"/>
+          <inkml:channel name="F" type="integer" max="32767" units="dev"/>
+        </inkml:traceFormat>
+        <inkml:channelProperties>
+          <inkml:channelProperty channel="X" name="resolution" value="1000" units="1/cm"/>
+          <inkml:channelProperty channel="Y" name="resolution" value="1000" units="1/cm"/>
+          <inkml:channelProperty channel="F" name="resolution" value="0" units="1/dev"/>
+        </inkml:channelProperties>
+      </inkml:inkSource>
+      <inkml:timestamp xml:id="ts0" timeString="2023-03-06T11:30:54.949"/>
+    </inkml:context>
+    <inkml:brush xml:id="br0">
+      <inkml:brushProperty name="width" value="0.05" units="cm"/>
+      <inkml:brushProperty name="height" value="0.05" units="cm"/>
+      <inkml:brushProperty name="color" value="#FFFFFF"/>
+    </inkml:brush>
+  </inkml:definitions>
+  <inkml:trace contextRef="#ctx0" brushRef="#br0">0 1 24575</inkml:trace>
+</inkml:ink>
+</file>
+
+<file path=ppt/ink/ink71.xml><?xml version="1.0" encoding="utf-8"?>
+<inkml:ink xmlns:inkml="http://www.w3.org/2003/InkML">
+  <inkml:definitions>
+    <inkml:context xml:id="ctx0">
+      <inkml:inkSource xml:id="inkSrc0">
+        <inkml:traceFormat>
+          <inkml:channel name="X" type="integer" min="-2.14748E9" max="2.14748E9" units="cm"/>
+          <inkml:channel name="Y" type="integer" min="-2.14748E9" max="2.14748E9" units="cm"/>
+          <inkml:channel name="F" type="integer" max="32767" units="dev"/>
+        </inkml:traceFormat>
+        <inkml:channelProperties>
+          <inkml:channelProperty channel="X" name="resolution" value="1000" units="1/cm"/>
+          <inkml:channelProperty channel="Y" name="resolution" value="1000" units="1/cm"/>
+          <inkml:channelProperty channel="F" name="resolution" value="0" units="1/dev"/>
+        </inkml:channelProperties>
+      </inkml:inkSource>
+      <inkml:timestamp xml:id="ts0" timeString="2023-03-06T11:30:55.326"/>
+    </inkml:context>
+    <inkml:brush xml:id="br0">
+      <inkml:brushProperty name="width" value="0.05" units="cm"/>
+      <inkml:brushProperty name="height" value="0.05" units="cm"/>
+      <inkml:brushProperty name="color" value="#FFFFFF"/>
+    </inkml:brush>
+  </inkml:definitions>
+  <inkml:trace contextRef="#ctx0" brushRef="#br0">0 1 24575</inkml:trace>
+</inkml:ink>
+</file>
+
+<file path=ppt/ink/ink72.xml><?xml version="1.0" encoding="utf-8"?>
+<inkml:ink xmlns:inkml="http://www.w3.org/2003/InkML">
+  <inkml:definitions>
+    <inkml:context xml:id="ctx0">
+      <inkml:inkSource xml:id="inkSrc0">
+        <inkml:traceFormat>
+          <inkml:channel name="X" type="integer" min="-2.14748E9" max="2.14748E9" units="cm"/>
+          <inkml:channel name="Y" type="integer" min="-2.14748E9" max="2.14748E9" units="cm"/>
+          <inkml:channel name="F" type="integer" max="32767" units="dev"/>
+        </inkml:traceFormat>
+        <inkml:channelProperties>
+          <inkml:channelProperty channel="X" name="resolution" value="1000" units="1/cm"/>
+          <inkml:channelProperty channel="Y" name="resolution" value="1000" units="1/cm"/>
+          <inkml:channelProperty channel="F" name="resolution" value="0" units="1/dev"/>
+        </inkml:channelProperties>
+      </inkml:inkSource>
+      <inkml:timestamp xml:id="ts0" timeString="2023-03-06T11:30:56.036"/>
+    </inkml:context>
+    <inkml:brush xml:id="br0">
+      <inkml:brushProperty name="width" value="0.05" units="cm"/>
+      <inkml:brushProperty name="height" value="0.05" units="cm"/>
+      <inkml:brushProperty name="color" value="#FFFFFF"/>
+    </inkml:brush>
+  </inkml:definitions>
+  <inkml:trace contextRef="#ctx0" brushRef="#br0">0 1 24575</inkml:trace>
+</inkml:ink>
+</file>
+
+<file path=ppt/ink/ink73.xml><?xml version="1.0" encoding="utf-8"?>
+<inkml:ink xmlns:inkml="http://www.w3.org/2003/InkML">
+  <inkml:definitions>
+    <inkml:context xml:id="ctx0">
+      <inkml:inkSource xml:id="inkSrc0">
+        <inkml:traceFormat>
+          <inkml:channel name="X" type="integer" min="-2.14748E9" max="2.14748E9" units="cm"/>
+          <inkml:channel name="Y" type="integer" min="-2.14748E9" max="2.14748E9" units="cm"/>
+          <inkml:channel name="F" type="integer" max="32767" units="dev"/>
+        </inkml:traceFormat>
+        <inkml:channelProperties>
+          <inkml:channelProperty channel="X" name="resolution" value="1000" units="1/cm"/>
+          <inkml:channelProperty channel="Y" name="resolution" value="1000" units="1/cm"/>
+          <inkml:channelProperty channel="F" name="resolution" value="0" units="1/dev"/>
+        </inkml:channelProperties>
+      </inkml:inkSource>
+      <inkml:timestamp xml:id="ts0" timeString="2023-03-06T11:30:58.001"/>
+    </inkml:context>
+    <inkml:brush xml:id="br0">
+      <inkml:brushProperty name="width" value="0.05" units="cm"/>
+      <inkml:brushProperty name="height" value="0.05" units="cm"/>
+      <inkml:brushProperty name="color" value="#FFFFFF"/>
+    </inkml:brush>
+  </inkml:definitions>
+  <inkml:trace contextRef="#ctx0" brushRef="#br0">1 1 24575</inkml:trace>
+</inkml:ink>
+</file>
+
+<file path=ppt/ink/ink74.xml><?xml version="1.0" encoding="utf-8"?>
+<inkml:ink xmlns:inkml="http://www.w3.org/2003/InkML">
+  <inkml:definitions>
+    <inkml:context xml:id="ctx0">
+      <inkml:inkSource xml:id="inkSrc0">
+        <inkml:traceFormat>
+          <inkml:channel name="X" type="integer" min="-2.14748E9" max="2.14748E9" units="cm"/>
+          <inkml:channel name="Y" type="integer" min="-2.14748E9" max="2.14748E9" units="cm"/>
+          <inkml:channel name="F" type="integer" max="32767" units="dev"/>
+        </inkml:traceFormat>
+        <inkml:channelProperties>
+          <inkml:channelProperty channel="X" name="resolution" value="1000" units="1/cm"/>
+          <inkml:channelProperty channel="Y" name="resolution" value="1000" units="1/cm"/>
+          <inkml:channelProperty channel="F" name="resolution" value="0" units="1/dev"/>
+        </inkml:channelProperties>
+      </inkml:inkSource>
+      <inkml:timestamp xml:id="ts0" timeString="2023-03-06T11:31:04.603"/>
+    </inkml:context>
+    <inkml:brush xml:id="br0">
+      <inkml:brushProperty name="width" value="0.05" units="cm"/>
+      <inkml:brushProperty name="height" value="0.05" units="cm"/>
+      <inkml:brushProperty name="color" value="#FFFFFF"/>
+    </inkml:brush>
+  </inkml:definitions>
+  <inkml:trace contextRef="#ctx0" brushRef="#br0">0 0 24575</inkml:trace>
+</inkml:ink>
+</file>
+
+<file path=ppt/ink/ink75.xml><?xml version="1.0" encoding="utf-8"?>
+<inkml:ink xmlns:inkml="http://www.w3.org/2003/InkML">
+  <inkml:definitions>
+    <inkml:context xml:id="ctx0">
+      <inkml:inkSource xml:id="inkSrc0">
+        <inkml:traceFormat>
+          <inkml:channel name="X" type="integer" min="-2.14748E9" max="2.14748E9" units="cm"/>
+          <inkml:channel name="Y" type="integer" min="-2.14748E9" max="2.14748E9" units="cm"/>
+          <inkml:channel name="F" type="integer" max="32767" units="dev"/>
+        </inkml:traceFormat>
+        <inkml:channelProperties>
+          <inkml:channelProperty channel="X" name="resolution" value="1000" units="1/cm"/>
+          <inkml:channelProperty channel="Y" name="resolution" value="1000" units="1/cm"/>
+          <inkml:channelProperty channel="F" name="resolution" value="0" units="1/dev"/>
+        </inkml:channelProperties>
+      </inkml:inkSource>
+      <inkml:timestamp xml:id="ts0" timeString="2023-03-09T08:21:37.961"/>
+    </inkml:context>
+    <inkml:brush xml:id="br0">
+      <inkml:brushProperty name="width" value="0.05" units="cm"/>
+      <inkml:brushProperty name="height" value="0.05" units="cm"/>
+      <inkml:brushProperty name="color" value="#FFFFFF"/>
+    </inkml:brush>
+  </inkml:definitions>
+  <inkml:trace contextRef="#ctx0" brushRef="#br0">0 1 24575,'4'2'0</inkml:trace>
+</inkml:ink>
+</file>
+
+<file path=ppt/ink/ink76.xml><?xml version="1.0" encoding="utf-8"?>
+<inkml:ink xmlns:inkml="http://www.w3.org/2003/InkML">
+  <inkml:definitions>
+    <inkml:context xml:id="ctx0">
+      <inkml:inkSource xml:id="inkSrc0">
+        <inkml:traceFormat>
+          <inkml:channel name="X" type="integer" min="-2.14748E9" max="2.14748E9" units="cm"/>
+          <inkml:channel name="Y" type="integer" min="-2.14748E9" max="2.14748E9" units="cm"/>
+          <inkml:channel name="F" type="integer" max="32767" units="dev"/>
+        </inkml:traceFormat>
+        <inkml:channelProperties>
+          <inkml:channelProperty channel="X" name="resolution" value="1000" units="1/cm"/>
+          <inkml:channelProperty channel="Y" name="resolution" value="1000" units="1/cm"/>
+          <inkml:channelProperty channel="F" name="resolution" value="0" units="1/dev"/>
+        </inkml:channelProperties>
+      </inkml:inkSource>
+      <inkml:timestamp xml:id="ts0" timeString="2023-03-09T08:21:38.350"/>
+    </inkml:context>
+    <inkml:brush xml:id="br0">
+      <inkml:brushProperty name="width" value="0.05" units="cm"/>
+      <inkml:brushProperty name="height" value="0.05" units="cm"/>
+      <inkml:brushProperty name="color" value="#FFFFFF"/>
+    </inkml:brush>
+  </inkml:definitions>
+  <inkml:trace contextRef="#ctx0" brushRef="#br0">1 0 24575</inkml:trace>
+</inkml:ink>
+</file>
+
+<file path=ppt/ink/ink77.xml><?xml version="1.0" encoding="utf-8"?>
+<inkml:ink xmlns:inkml="http://www.w3.org/2003/InkML">
+  <inkml:definitions>
+    <inkml:context xml:id="ctx0">
+      <inkml:inkSource xml:id="inkSrc0">
+        <inkml:traceFormat>
+          <inkml:channel name="X" type="integer" min="-2.14748E9" max="2.14748E9" units="cm"/>
+          <inkml:channel name="Y" type="integer" min="-2.14748E9" max="2.14748E9" units="cm"/>
+          <inkml:channel name="F" type="integer" max="32767" units="dev"/>
+        </inkml:traceFormat>
+        <inkml:channelProperties>
+          <inkml:channelProperty channel="X" name="resolution" value="1000" units="1/cm"/>
+          <inkml:channelProperty channel="Y" name="resolution" value="1000" units="1/cm"/>
+          <inkml:channelProperty channel="F" name="resolution" value="0" units="1/dev"/>
+        </inkml:channelProperties>
+      </inkml:inkSource>
+      <inkml:timestamp xml:id="ts0" timeString="2023-03-09T08:21:38.706"/>
+    </inkml:context>
+    <inkml:brush xml:id="br0">
+      <inkml:brushProperty name="width" value="0.05" units="cm"/>
+      <inkml:brushProperty name="height" value="0.05" units="cm"/>
+      <inkml:brushProperty name="color" value="#FFFFFF"/>
+    </inkml:brush>
+  </inkml:definitions>
+  <inkml:trace contextRef="#ctx0" brushRef="#br0">1 0 24575</inkml:trace>
+</inkml:ink>
+</file>
+
+<file path=ppt/ink/ink78.xml><?xml version="1.0" encoding="utf-8"?>
+<inkml:ink xmlns:inkml="http://www.w3.org/2003/InkML">
+  <inkml:definitions>
+    <inkml:context xml:id="ctx0">
+      <inkml:inkSource xml:id="inkSrc0">
+        <inkml:traceFormat>
+          <inkml:channel name="X" type="integer" min="-2.14748E9" max="2.14748E9" units="cm"/>
+          <inkml:channel name="Y" type="integer" min="-2.14748E9" max="2.14748E9" units="cm"/>
+          <inkml:channel name="F" type="integer" max="32767" units="dev"/>
+        </inkml:traceFormat>
+        <inkml:channelProperties>
+          <inkml:channelProperty channel="X" name="resolution" value="1000" units="1/cm"/>
+          <inkml:channelProperty channel="Y" name="resolution" value="1000" units="1/cm"/>
+          <inkml:channelProperty channel="F" name="resolution" value="0" units="1/dev"/>
+        </inkml:channelProperties>
+      </inkml:inkSource>
+      <inkml:timestamp xml:id="ts0" timeString="2023-03-09T08:21:39.051"/>
+    </inkml:context>
+    <inkml:brush xml:id="br0">
+      <inkml:brushProperty name="width" value="0.05" units="cm"/>
+      <inkml:brushProperty name="height" value="0.05" units="cm"/>
+      <inkml:brushProperty name="color" value="#FFFFFF"/>
+    </inkml:brush>
+  </inkml:definitions>
+  <inkml:trace contextRef="#ctx0" brushRef="#br0">1 0 24575</inkml:trace>
+</inkml:ink>
+</file>
+
+<file path=ppt/ink/ink79.xml><?xml version="1.0" encoding="utf-8"?>
+<inkml:ink xmlns:inkml="http://www.w3.org/2003/InkML">
+  <inkml:definitions>
+    <inkml:context xml:id="ctx0">
+      <inkml:inkSource xml:id="inkSrc0">
+        <inkml:traceFormat>
+          <inkml:channel name="X" type="integer" min="-2.14748E9" max="2.14748E9" units="cm"/>
+          <inkml:channel name="Y" type="integer" min="-2.14748E9" max="2.14748E9" units="cm"/>
+          <inkml:channel name="F" type="integer" max="32767" units="dev"/>
+        </inkml:traceFormat>
+        <inkml:channelProperties>
+          <inkml:channelProperty channel="X" name="resolution" value="1000" units="1/cm"/>
+          <inkml:channelProperty channel="Y" name="resolution" value="1000" units="1/cm"/>
+          <inkml:channelProperty channel="F" name="resolution" value="0" units="1/dev"/>
+        </inkml:channelProperties>
+      </inkml:inkSource>
+      <inkml:timestamp xml:id="ts0" timeString="2023-03-09T08:21:39.531"/>
+    </inkml:context>
+    <inkml:brush xml:id="br0">
+      <inkml:brushProperty name="width" value="0.05" units="cm"/>
+      <inkml:brushProperty name="height" value="0.05" units="cm"/>
+      <inkml:brushProperty name="color" value="#FFFFFF"/>
+    </inkml:brush>
+  </inkml:definitions>
+  <inkml:trace contextRef="#ctx0" brushRef="#br0">1 0 24575</inkml:trace>
+</inkml:ink>
+</file>
+
 <file path=ppt/ink/ink8.xml><?xml version="1.0" encoding="utf-8"?>
 <inkml:ink xmlns:inkml="http://www.w3.org/2003/InkML">
   <inkml:definitions>
@@ -4542,6 +6901,288 @@
 </inkml:ink>
 </file>
 
+<file path=ppt/ink/ink80.xml><?xml version="1.0" encoding="utf-8"?>
+<inkml:ink xmlns:inkml="http://www.w3.org/2003/InkML">
+  <inkml:definitions>
+    <inkml:context xml:id="ctx0">
+      <inkml:inkSource xml:id="inkSrc0">
+        <inkml:traceFormat>
+          <inkml:channel name="X" type="integer" min="-2.14748E9" max="2.14748E9" units="cm"/>
+          <inkml:channel name="Y" type="integer" min="-2.14748E9" max="2.14748E9" units="cm"/>
+          <inkml:channel name="F" type="integer" max="32767" units="dev"/>
+        </inkml:traceFormat>
+        <inkml:channelProperties>
+          <inkml:channelProperty channel="X" name="resolution" value="1000" units="1/cm"/>
+          <inkml:channelProperty channel="Y" name="resolution" value="1000" units="1/cm"/>
+          <inkml:channelProperty channel="F" name="resolution" value="0" units="1/dev"/>
+        </inkml:channelProperties>
+      </inkml:inkSource>
+      <inkml:timestamp xml:id="ts0" timeString="2023-03-09T08:21:39.966"/>
+    </inkml:context>
+    <inkml:brush xml:id="br0">
+      <inkml:brushProperty name="width" value="0.05" units="cm"/>
+      <inkml:brushProperty name="height" value="0.05" units="cm"/>
+      <inkml:brushProperty name="color" value="#FFFFFF"/>
+    </inkml:brush>
+  </inkml:definitions>
+  <inkml:trace contextRef="#ctx0" brushRef="#br0">1 1 24575</inkml:trace>
+</inkml:ink>
+</file>
+
+<file path=ppt/ink/ink81.xml><?xml version="1.0" encoding="utf-8"?>
+<inkml:ink xmlns:inkml="http://www.w3.org/2003/InkML">
+  <inkml:definitions>
+    <inkml:context xml:id="ctx0">
+      <inkml:inkSource xml:id="inkSrc0">
+        <inkml:traceFormat>
+          <inkml:channel name="X" type="integer" min="-2.14748E9" max="2.14748E9" units="cm"/>
+          <inkml:channel name="Y" type="integer" min="-2.14748E9" max="2.14748E9" units="cm"/>
+          <inkml:channel name="F" type="integer" max="32767" units="dev"/>
+        </inkml:traceFormat>
+        <inkml:channelProperties>
+          <inkml:channelProperty channel="X" name="resolution" value="1000" units="1/cm"/>
+          <inkml:channelProperty channel="Y" name="resolution" value="1000" units="1/cm"/>
+          <inkml:channelProperty channel="F" name="resolution" value="0" units="1/dev"/>
+        </inkml:channelProperties>
+      </inkml:inkSource>
+      <inkml:timestamp xml:id="ts0" timeString="2023-03-09T08:21:40.338"/>
+    </inkml:context>
+    <inkml:brush xml:id="br0">
+      <inkml:brushProperty name="width" value="0.05" units="cm"/>
+      <inkml:brushProperty name="height" value="0.05" units="cm"/>
+      <inkml:brushProperty name="color" value="#FFFFFF"/>
+    </inkml:brush>
+  </inkml:definitions>
+  <inkml:trace contextRef="#ctx0" brushRef="#br0">35 22 24575</inkml:trace>
+  <inkml:trace contextRef="#ctx0" brushRef="#br0" timeOffset="1">3 1 24575,'-2'0'0</inkml:trace>
+</inkml:ink>
+</file>
+
+<file path=ppt/ink/ink82.xml><?xml version="1.0" encoding="utf-8"?>
+<inkml:ink xmlns:inkml="http://www.w3.org/2003/InkML">
+  <inkml:definitions>
+    <inkml:context xml:id="ctx0">
+      <inkml:inkSource xml:id="inkSrc0">
+        <inkml:traceFormat>
+          <inkml:channel name="X" type="integer" min="-2.14748E9" max="2.14748E9" units="cm"/>
+          <inkml:channel name="Y" type="integer" min="-2.14748E9" max="2.14748E9" units="cm"/>
+          <inkml:channel name="F" type="integer" max="32767" units="dev"/>
+        </inkml:traceFormat>
+        <inkml:channelProperties>
+          <inkml:channelProperty channel="X" name="resolution" value="1000" units="1/cm"/>
+          <inkml:channelProperty channel="Y" name="resolution" value="1000" units="1/cm"/>
+          <inkml:channelProperty channel="F" name="resolution" value="0" units="1/dev"/>
+        </inkml:channelProperties>
+      </inkml:inkSource>
+      <inkml:timestamp xml:id="ts0" timeString="2023-03-09T08:21:40.695"/>
+    </inkml:context>
+    <inkml:brush xml:id="br0">
+      <inkml:brushProperty name="width" value="0.05" units="cm"/>
+      <inkml:brushProperty name="height" value="0.05" units="cm"/>
+      <inkml:brushProperty name="color" value="#FFFFFF"/>
+    </inkml:brush>
+  </inkml:definitions>
+  <inkml:trace contextRef="#ctx0" brushRef="#br0">1 0 24575</inkml:trace>
+  <inkml:trace contextRef="#ctx0" brushRef="#br0" timeOffset="1">1 0 24575</inkml:trace>
+</inkml:ink>
+</file>
+
+<file path=ppt/ink/ink83.xml><?xml version="1.0" encoding="utf-8"?>
+<inkml:ink xmlns:inkml="http://www.w3.org/2003/InkML">
+  <inkml:definitions>
+    <inkml:context xml:id="ctx0">
+      <inkml:inkSource xml:id="inkSrc0">
+        <inkml:traceFormat>
+          <inkml:channel name="X" type="integer" min="-2.14748E9" max="2.14748E9" units="cm"/>
+          <inkml:channel name="Y" type="integer" min="-2.14748E9" max="2.14748E9" units="cm"/>
+          <inkml:channel name="F" type="integer" max="32767" units="dev"/>
+        </inkml:traceFormat>
+        <inkml:channelProperties>
+          <inkml:channelProperty channel="X" name="resolution" value="1000" units="1/cm"/>
+          <inkml:channelProperty channel="Y" name="resolution" value="1000" units="1/cm"/>
+          <inkml:channelProperty channel="F" name="resolution" value="0" units="1/dev"/>
+        </inkml:channelProperties>
+      </inkml:inkSource>
+      <inkml:timestamp xml:id="ts0" timeString="2023-03-09T08:21:41.035"/>
+    </inkml:context>
+    <inkml:brush xml:id="br0">
+      <inkml:brushProperty name="width" value="0.05" units="cm"/>
+      <inkml:brushProperty name="height" value="0.05" units="cm"/>
+      <inkml:brushProperty name="color" value="#FFFFFF"/>
+    </inkml:brush>
+  </inkml:definitions>
+  <inkml:trace contextRef="#ctx0" brushRef="#br0">1 0 24575</inkml:trace>
+</inkml:ink>
+</file>
+
+<file path=ppt/ink/ink84.xml><?xml version="1.0" encoding="utf-8"?>
+<inkml:ink xmlns:inkml="http://www.w3.org/2003/InkML">
+  <inkml:definitions>
+    <inkml:context xml:id="ctx0">
+      <inkml:inkSource xml:id="inkSrc0">
+        <inkml:traceFormat>
+          <inkml:channel name="X" type="integer" min="-2.14748E9" max="2.14748E9" units="cm"/>
+          <inkml:channel name="Y" type="integer" min="-2.14748E9" max="2.14748E9" units="cm"/>
+          <inkml:channel name="F" type="integer" max="32767" units="dev"/>
+        </inkml:traceFormat>
+        <inkml:channelProperties>
+          <inkml:channelProperty channel="X" name="resolution" value="1000" units="1/cm"/>
+          <inkml:channelProperty channel="Y" name="resolution" value="1000" units="1/cm"/>
+          <inkml:channelProperty channel="F" name="resolution" value="0" units="1/dev"/>
+        </inkml:channelProperties>
+      </inkml:inkSource>
+      <inkml:timestamp xml:id="ts0" timeString="2023-03-09T08:21:42.668"/>
+    </inkml:context>
+    <inkml:brush xml:id="br0">
+      <inkml:brushProperty name="width" value="0.05" units="cm"/>
+      <inkml:brushProperty name="height" value="0.05" units="cm"/>
+      <inkml:brushProperty name="color" value="#FFFFFF"/>
+    </inkml:brush>
+  </inkml:definitions>
+  <inkml:trace contextRef="#ctx0" brushRef="#br0">116 44 24575,'-21'0'0,"-30"1"0,49-1 0,-1 1 0,0-1 0,0 1 0,1 0 0,-1 0 0,0 0 0,1 0 0,-1 0 0,1 1 0,-1-1 0,1 1 0,-1-1 0,1 1 0,-3 3 0,4-4 0,1 0 0,0 0 0,0-1 0,-1 1 0,1 0 0,0 0 0,0 0 0,0 0 0,0-1 0,0 1 0,0 0 0,0 0 0,0 0 0,0-1 0,0 1 0,1 0 0,-1 0 0,0 0 0,1-1 0,-1 1 0,0 0 0,1-1 0,-1 1 0,1 0 0,-1-1 0,1 1 0,0 1 0,20 20 0,-16-16 0,-4-5 0,-1-1 0,1 1 0,-1 0 0,1 0 0,0 0 0,-1-1 0,1 1 0,0 0 0,-1 0 0,1-1 0,0 1 0,0-1 0,0 1 0,-1-1 0,1 1 0,0-1 0,0 0 0,0 1 0,0-1 0,0 0 0,0 1 0,0-1 0,0 0 0,0 0 0,0 0 0,0 0 0,0 0 0,1-1 0,-1 0 0,0-1 0,0 1 0,0-1 0,0 1 0,0-1 0,-1 0 0,1 1 0,-1-1 0,1 0 0,-1 0 0,0 1 0,0-1 0,1 0 0,-1 0 0,-1-2 0,2-1 0,0 0 0,0 0 0,0 0 0,1 0 0,-1 0 0,1 1 0,1-1 0,-1 1 0,0-1 0,1 1 0,0 0 0,0 0 0,0 0 0,1 0 0,-1 0 0,1 1 0,0 0 0,0 0 0,0 0 0,1 0 0,-1 0 0,0 1 0,1 0 0,5-2 0,-9 4 2,-1 0 0,1 0-1,0 0 1,0 0-1,0 0 1,0 0 0,-1 0-1,1 0 1,0 1 0,0-1-1,0 0 1,-1 0 0,1 1-1,0-1 1,0 1 0,-1-1-1,1 1 1,0-1 0,0 1-1,-1-1 1,1 1-1,-1-1 1,1 1 0,-1 0-1,1-1 1,-1 1 0,1 0-1,-1 0 1,1-1 0,-1 1-1,0 0 1,0 0 0,1 0-1,-1 0 1,5 35-355,-4-24-717,1-1-5756</inkml:trace>
+</inkml:ink>
+</file>
+
+<file path=ppt/ink/ink85.xml><?xml version="1.0" encoding="utf-8"?>
+<inkml:ink xmlns:inkml="http://www.w3.org/2003/InkML">
+  <inkml:definitions>
+    <inkml:context xml:id="ctx0">
+      <inkml:inkSource xml:id="inkSrc0">
+        <inkml:traceFormat>
+          <inkml:channel name="X" type="integer" min="-2.14748E9" max="2.14748E9" units="cm"/>
+          <inkml:channel name="Y" type="integer" min="-2.14748E9" max="2.14748E9" units="cm"/>
+          <inkml:channel name="F" type="integer" max="32767" units="dev"/>
+        </inkml:traceFormat>
+        <inkml:channelProperties>
+          <inkml:channelProperty channel="X" name="resolution" value="1000" units="1/cm"/>
+          <inkml:channelProperty channel="Y" name="resolution" value="1000" units="1/cm"/>
+          <inkml:channelProperty channel="F" name="resolution" value="0" units="1/dev"/>
+        </inkml:channelProperties>
+      </inkml:inkSource>
+      <inkml:timestamp xml:id="ts0" timeString="2023-03-09T08:21:43.899"/>
+    </inkml:context>
+    <inkml:brush xml:id="br0">
+      <inkml:brushProperty name="width" value="0.05" units="cm"/>
+      <inkml:brushProperty name="height" value="0.05" units="cm"/>
+      <inkml:brushProperty name="color" value="#FFFFFF"/>
+    </inkml:brush>
+  </inkml:definitions>
+  <inkml:trace contextRef="#ctx0" brushRef="#br0">1 0 24575</inkml:trace>
+</inkml:ink>
+</file>
+
+<file path=ppt/ink/ink86.xml><?xml version="1.0" encoding="utf-8"?>
+<inkml:ink xmlns:inkml="http://www.w3.org/2003/InkML">
+  <inkml:definitions>
+    <inkml:context xml:id="ctx0">
+      <inkml:inkSource xml:id="inkSrc0">
+        <inkml:traceFormat>
+          <inkml:channel name="X" type="integer" min="-2.14748E9" max="2.14748E9" units="cm"/>
+          <inkml:channel name="Y" type="integer" min="-2.14748E9" max="2.14748E9" units="cm"/>
+          <inkml:channel name="F" type="integer" max="32767" units="dev"/>
+        </inkml:traceFormat>
+        <inkml:channelProperties>
+          <inkml:channelProperty channel="X" name="resolution" value="1000" units="1/cm"/>
+          <inkml:channelProperty channel="Y" name="resolution" value="1000" units="1/cm"/>
+          <inkml:channelProperty channel="F" name="resolution" value="0" units="1/dev"/>
+        </inkml:channelProperties>
+      </inkml:inkSource>
+      <inkml:timestamp xml:id="ts0" timeString="2023-03-09T08:21:44.278"/>
+    </inkml:context>
+    <inkml:brush xml:id="br0">
+      <inkml:brushProperty name="width" value="0.05" units="cm"/>
+      <inkml:brushProperty name="height" value="0.05" units="cm"/>
+      <inkml:brushProperty name="color" value="#FFFFFF"/>
+    </inkml:brush>
+  </inkml:definitions>
+  <inkml:trace contextRef="#ctx0" brushRef="#br0">1 0 24575</inkml:trace>
+</inkml:ink>
+</file>
+
+<file path=ppt/ink/ink87.xml><?xml version="1.0" encoding="utf-8"?>
+<inkml:ink xmlns:inkml="http://www.w3.org/2003/InkML">
+  <inkml:definitions>
+    <inkml:context xml:id="ctx0">
+      <inkml:inkSource xml:id="inkSrc0">
+        <inkml:traceFormat>
+          <inkml:channel name="X" type="integer" min="-2.14748E9" max="2.14748E9" units="cm"/>
+          <inkml:channel name="Y" type="integer" min="-2.14748E9" max="2.14748E9" units="cm"/>
+          <inkml:channel name="F" type="integer" max="32767" units="dev"/>
+        </inkml:traceFormat>
+        <inkml:channelProperties>
+          <inkml:channelProperty channel="X" name="resolution" value="1000" units="1/cm"/>
+          <inkml:channelProperty channel="Y" name="resolution" value="1000" units="1/cm"/>
+          <inkml:channelProperty channel="F" name="resolution" value="0" units="1/dev"/>
+        </inkml:channelProperties>
+      </inkml:inkSource>
+      <inkml:timestamp xml:id="ts0" timeString="2023-03-09T08:21:44.711"/>
+    </inkml:context>
+    <inkml:brush xml:id="br0">
+      <inkml:brushProperty name="width" value="0.05" units="cm"/>
+      <inkml:brushProperty name="height" value="0.05" units="cm"/>
+      <inkml:brushProperty name="color" value="#FFFFFF"/>
+    </inkml:brush>
+  </inkml:definitions>
+  <inkml:trace contextRef="#ctx0" brushRef="#br0">1 0 24575</inkml:trace>
+</inkml:ink>
+</file>
+
+<file path=ppt/ink/ink88.xml><?xml version="1.0" encoding="utf-8"?>
+<inkml:ink xmlns:inkml="http://www.w3.org/2003/InkML">
+  <inkml:definitions>
+    <inkml:context xml:id="ctx0">
+      <inkml:inkSource xml:id="inkSrc0">
+        <inkml:traceFormat>
+          <inkml:channel name="X" type="integer" min="-2.14748E9" max="2.14748E9" units="cm"/>
+          <inkml:channel name="Y" type="integer" min="-2.14748E9" max="2.14748E9" units="cm"/>
+          <inkml:channel name="F" type="integer" max="32767" units="dev"/>
+        </inkml:traceFormat>
+        <inkml:channelProperties>
+          <inkml:channelProperty channel="X" name="resolution" value="1000" units="1/cm"/>
+          <inkml:channelProperty channel="Y" name="resolution" value="1000" units="1/cm"/>
+          <inkml:channelProperty channel="F" name="resolution" value="0" units="1/dev"/>
+        </inkml:channelProperties>
+      </inkml:inkSource>
+      <inkml:timestamp xml:id="ts0" timeString="2023-03-09T08:21:45.075"/>
+    </inkml:context>
+    <inkml:brush xml:id="br0">
+      <inkml:brushProperty name="width" value="0.05" units="cm"/>
+      <inkml:brushProperty name="height" value="0.05" units="cm"/>
+      <inkml:brushProperty name="color" value="#FFFFFF"/>
+    </inkml:brush>
+  </inkml:definitions>
+  <inkml:trace contextRef="#ctx0" brushRef="#br0">1 0 24575</inkml:trace>
+</inkml:ink>
+</file>
+
+<file path=ppt/ink/ink89.xml><?xml version="1.0" encoding="utf-8"?>
+<inkml:ink xmlns:inkml="http://www.w3.org/2003/InkML">
+  <inkml:definitions>
+    <inkml:context xml:id="ctx0">
+      <inkml:inkSource xml:id="inkSrc0">
+        <inkml:traceFormat>
+          <inkml:channel name="X" type="integer" min="-2.14748E9" max="2.14748E9" units="cm"/>
+          <inkml:channel name="Y" type="integer" min="-2.14748E9" max="2.14748E9" units="cm"/>
+          <inkml:channel name="F" type="integer" max="32767" units="dev"/>
+        </inkml:traceFormat>
+        <inkml:channelProperties>
+          <inkml:channelProperty channel="X" name="resolution" value="1000" units="1/cm"/>
+          <inkml:channelProperty channel="Y" name="resolution" value="1000" units="1/cm"/>
+          <inkml:channelProperty channel="F" name="resolution" value="0" units="1/dev"/>
+        </inkml:channelProperties>
+      </inkml:inkSource>
+      <inkml:timestamp xml:id="ts0" timeString="2023-03-09T08:21:45.888"/>
+    </inkml:context>
+    <inkml:brush xml:id="br0">
+      <inkml:brushProperty name="width" value="0.05" units="cm"/>
+      <inkml:brushProperty name="height" value="0.05" units="cm"/>
+      <inkml:brushProperty name="color" value="#FFFFFF"/>
+    </inkml:brush>
+  </inkml:definitions>
+  <inkml:trace contextRef="#ctx0" brushRef="#br0">1 0 24575</inkml:trace>
+</inkml:ink>
+</file>
+
 <file path=ppt/ink/ink9.xml><?xml version="1.0" encoding="utf-8"?>
 <inkml:ink xmlns:inkml="http://www.w3.org/2003/InkML">
   <inkml:definitions>
@@ -4568,6 +7209,286 @@
     </inkml:brush>
   </inkml:definitions>
   <inkml:trace contextRef="#ctx0" brushRef="#br0">1 214,'1'0,"0"-1,1 1,-1-1,0 1,1-1,-1 0,0 1,0-1,1 0,-1 0,0 0,0 1,0-1,0-1,0 1,0 0,1-2,14-24,-14 22,-1 4,3-8,1 0,0 0,0 1,1 0,0 0,0 0,1 1,0 0,0 0,0 1,12-8,-4 5,-8 6,-1 0,0-1,0 0,0 0,-1 0,1 0,-1-1,0 0,8-10,-14 15,1 0,0 0,0 1,0-1,0 0,0 0,0 0,-1 0,1 0,0 0,0 0,0 1,0-1,-1 0,1 0,0 0,0 0,0 0,0 0,-1 0,1 0,0 0,0 0,0 0,-1 0,1 0,0 0,0 0,0 0,-1 0,1 0,0 0,0 0,0-1,0 1,-1 0,1 0,0 0,0 0,0 0,0 0,0 0,-1-1,1 1,0 0,0 0,0 0,0 0,0-1,0 1,0 0,0 0,0 0,0 0,0-1,0 1,0 0,0 0,0 0,0-1,0 1,0 0,0 0,0 0,0-1,0 1,0 0,-15 7,-1 6,0 1,1 0,1 1,0 0,1 1,-18 28,-6 7,21-33,8-12</inkml:trace>
+</inkml:ink>
+</file>
+
+<file path=ppt/ink/ink90.xml><?xml version="1.0" encoding="utf-8"?>
+<inkml:ink xmlns:inkml="http://www.w3.org/2003/InkML">
+  <inkml:definitions>
+    <inkml:context xml:id="ctx0">
+      <inkml:inkSource xml:id="inkSrc0">
+        <inkml:traceFormat>
+          <inkml:channel name="X" type="integer" min="-2.14748E9" max="2.14748E9" units="cm"/>
+          <inkml:channel name="Y" type="integer" min="-2.14748E9" max="2.14748E9" units="cm"/>
+          <inkml:channel name="F" type="integer" max="32767" units="dev"/>
+        </inkml:traceFormat>
+        <inkml:channelProperties>
+          <inkml:channelProperty channel="X" name="resolution" value="1000" units="1/cm"/>
+          <inkml:channelProperty channel="Y" name="resolution" value="1000" units="1/cm"/>
+          <inkml:channelProperty channel="F" name="resolution" value="0" units="1/dev"/>
+        </inkml:channelProperties>
+      </inkml:inkSource>
+      <inkml:timestamp xml:id="ts0" timeString="2023-03-09T08:21:47.909"/>
+    </inkml:context>
+    <inkml:brush xml:id="br0">
+      <inkml:brushProperty name="width" value="0.05" units="cm"/>
+      <inkml:brushProperty name="height" value="0.05" units="cm"/>
+      <inkml:brushProperty name="color" value="#FFFFFF"/>
+    </inkml:brush>
+  </inkml:definitions>
+  <inkml:trace contextRef="#ctx0" brushRef="#br0">1 1 24575</inkml:trace>
+</inkml:ink>
+</file>
+
+<file path=ppt/ink/ink91.xml><?xml version="1.0" encoding="utf-8"?>
+<inkml:ink xmlns:inkml="http://www.w3.org/2003/InkML">
+  <inkml:definitions>
+    <inkml:context xml:id="ctx0">
+      <inkml:inkSource xml:id="inkSrc0">
+        <inkml:traceFormat>
+          <inkml:channel name="X" type="integer" min="-2.14748E9" max="2.14748E9" units="cm"/>
+          <inkml:channel name="Y" type="integer" min="-2.14748E9" max="2.14748E9" units="cm"/>
+          <inkml:channel name="F" type="integer" max="32767" units="dev"/>
+        </inkml:traceFormat>
+        <inkml:channelProperties>
+          <inkml:channelProperty channel="X" name="resolution" value="1000" units="1/cm"/>
+          <inkml:channelProperty channel="Y" name="resolution" value="1000" units="1/cm"/>
+          <inkml:channelProperty channel="F" name="resolution" value="0" units="1/dev"/>
+        </inkml:channelProperties>
+      </inkml:inkSource>
+      <inkml:timestamp xml:id="ts0" timeString="2023-03-09T08:21:48.578"/>
+    </inkml:context>
+    <inkml:brush xml:id="br0">
+      <inkml:brushProperty name="width" value="0.05" units="cm"/>
+      <inkml:brushProperty name="height" value="0.05" units="cm"/>
+      <inkml:brushProperty name="color" value="#FFFFFF"/>
+    </inkml:brush>
+  </inkml:definitions>
+  <inkml:trace contextRef="#ctx0" brushRef="#br0">0 1 24575</inkml:trace>
+</inkml:ink>
+</file>
+
+<file path=ppt/ink/ink92.xml><?xml version="1.0" encoding="utf-8"?>
+<inkml:ink xmlns:inkml="http://www.w3.org/2003/InkML">
+  <inkml:definitions>
+    <inkml:context xml:id="ctx0">
+      <inkml:inkSource xml:id="inkSrc0">
+        <inkml:traceFormat>
+          <inkml:channel name="X" type="integer" min="-2.14748E9" max="2.14748E9" units="cm"/>
+          <inkml:channel name="Y" type="integer" min="-2.14748E9" max="2.14748E9" units="cm"/>
+          <inkml:channel name="F" type="integer" max="32767" units="dev"/>
+        </inkml:traceFormat>
+        <inkml:channelProperties>
+          <inkml:channelProperty channel="X" name="resolution" value="1000" units="1/cm"/>
+          <inkml:channelProperty channel="Y" name="resolution" value="1000" units="1/cm"/>
+          <inkml:channelProperty channel="F" name="resolution" value="0" units="1/dev"/>
+        </inkml:channelProperties>
+      </inkml:inkSource>
+      <inkml:timestamp xml:id="ts0" timeString="2023-03-09T08:21:48.952"/>
+    </inkml:context>
+    <inkml:brush xml:id="br0">
+      <inkml:brushProperty name="width" value="0.05" units="cm"/>
+      <inkml:brushProperty name="height" value="0.05" units="cm"/>
+      <inkml:brushProperty name="color" value="#FFFFFF"/>
+    </inkml:brush>
+  </inkml:definitions>
+  <inkml:trace contextRef="#ctx0" brushRef="#br0">1 0 24575</inkml:trace>
+</inkml:ink>
+</file>
+
+<file path=ppt/ink/ink93.xml><?xml version="1.0" encoding="utf-8"?>
+<inkml:ink xmlns:inkml="http://www.w3.org/2003/InkML">
+  <inkml:definitions>
+    <inkml:context xml:id="ctx0">
+      <inkml:inkSource xml:id="inkSrc0">
+        <inkml:traceFormat>
+          <inkml:channel name="X" type="integer" min="-2.14748E9" max="2.14748E9" units="cm"/>
+          <inkml:channel name="Y" type="integer" min="-2.14748E9" max="2.14748E9" units="cm"/>
+          <inkml:channel name="F" type="integer" max="32767" units="dev"/>
+        </inkml:traceFormat>
+        <inkml:channelProperties>
+          <inkml:channelProperty channel="X" name="resolution" value="1000" units="1/cm"/>
+          <inkml:channelProperty channel="Y" name="resolution" value="1000" units="1/cm"/>
+          <inkml:channelProperty channel="F" name="resolution" value="0" units="1/dev"/>
+        </inkml:channelProperties>
+      </inkml:inkSource>
+      <inkml:timestamp xml:id="ts0" timeString="2023-03-09T08:21:49.373"/>
+    </inkml:context>
+    <inkml:brush xml:id="br0">
+      <inkml:brushProperty name="width" value="0.05" units="cm"/>
+      <inkml:brushProperty name="height" value="0.05" units="cm"/>
+      <inkml:brushProperty name="color" value="#FFFFFF"/>
+    </inkml:brush>
+  </inkml:definitions>
+  <inkml:trace contextRef="#ctx0" brushRef="#br0">0 0 24575</inkml:trace>
+</inkml:ink>
+</file>
+
+<file path=ppt/ink/ink94.xml><?xml version="1.0" encoding="utf-8"?>
+<inkml:ink xmlns:inkml="http://www.w3.org/2003/InkML">
+  <inkml:definitions>
+    <inkml:context xml:id="ctx0">
+      <inkml:inkSource xml:id="inkSrc0">
+        <inkml:traceFormat>
+          <inkml:channel name="X" type="integer" min="-2.14748E9" max="2.14748E9" units="cm"/>
+          <inkml:channel name="Y" type="integer" min="-2.14748E9" max="2.14748E9" units="cm"/>
+          <inkml:channel name="F" type="integer" max="32767" units="dev"/>
+        </inkml:traceFormat>
+        <inkml:channelProperties>
+          <inkml:channelProperty channel="X" name="resolution" value="1000" units="1/cm"/>
+          <inkml:channelProperty channel="Y" name="resolution" value="1000" units="1/cm"/>
+          <inkml:channelProperty channel="F" name="resolution" value="0" units="1/dev"/>
+        </inkml:channelProperties>
+      </inkml:inkSource>
+      <inkml:timestamp xml:id="ts0" timeString="2023-03-09T08:21:49.780"/>
+    </inkml:context>
+    <inkml:brush xml:id="br0">
+      <inkml:brushProperty name="width" value="0.05" units="cm"/>
+      <inkml:brushProperty name="height" value="0.05" units="cm"/>
+      <inkml:brushProperty name="color" value="#FFFFFF"/>
+    </inkml:brush>
+  </inkml:definitions>
+  <inkml:trace contextRef="#ctx0" brushRef="#br0">0 0 24575</inkml:trace>
+</inkml:ink>
+</file>
+
+<file path=ppt/ink/ink95.xml><?xml version="1.0" encoding="utf-8"?>
+<inkml:ink xmlns:inkml="http://www.w3.org/2003/InkML">
+  <inkml:definitions>
+    <inkml:context xml:id="ctx0">
+      <inkml:inkSource xml:id="inkSrc0">
+        <inkml:traceFormat>
+          <inkml:channel name="X" type="integer" min="-2.14748E9" max="2.14748E9" units="cm"/>
+          <inkml:channel name="Y" type="integer" min="-2.14748E9" max="2.14748E9" units="cm"/>
+          <inkml:channel name="F" type="integer" max="32767" units="dev"/>
+        </inkml:traceFormat>
+        <inkml:channelProperties>
+          <inkml:channelProperty channel="X" name="resolution" value="1000" units="1/cm"/>
+          <inkml:channelProperty channel="Y" name="resolution" value="1000" units="1/cm"/>
+          <inkml:channelProperty channel="F" name="resolution" value="0" units="1/dev"/>
+        </inkml:channelProperties>
+      </inkml:inkSource>
+      <inkml:timestamp xml:id="ts0" timeString="2023-03-09T08:21:50.133"/>
+    </inkml:context>
+    <inkml:brush xml:id="br0">
+      <inkml:brushProperty name="width" value="0.05" units="cm"/>
+      <inkml:brushProperty name="height" value="0.05" units="cm"/>
+      <inkml:brushProperty name="color" value="#FFFFFF"/>
+    </inkml:brush>
+  </inkml:definitions>
+  <inkml:trace contextRef="#ctx0" brushRef="#br0">1 0 24575</inkml:trace>
+</inkml:ink>
+</file>
+
+<file path=ppt/ink/ink96.xml><?xml version="1.0" encoding="utf-8"?>
+<inkml:ink xmlns:inkml="http://www.w3.org/2003/InkML">
+  <inkml:definitions>
+    <inkml:context xml:id="ctx0">
+      <inkml:inkSource xml:id="inkSrc0">
+        <inkml:traceFormat>
+          <inkml:channel name="X" type="integer" min="-2.14748E9" max="2.14748E9" units="cm"/>
+          <inkml:channel name="Y" type="integer" min="-2.14748E9" max="2.14748E9" units="cm"/>
+          <inkml:channel name="F" type="integer" max="32767" units="dev"/>
+        </inkml:traceFormat>
+        <inkml:channelProperties>
+          <inkml:channelProperty channel="X" name="resolution" value="1000" units="1/cm"/>
+          <inkml:channelProperty channel="Y" name="resolution" value="1000" units="1/cm"/>
+          <inkml:channelProperty channel="F" name="resolution" value="0" units="1/dev"/>
+        </inkml:channelProperties>
+      </inkml:inkSource>
+      <inkml:timestamp xml:id="ts0" timeString="2023-03-09T08:21:50.538"/>
+    </inkml:context>
+    <inkml:brush xml:id="br0">
+      <inkml:brushProperty name="width" value="0.05" units="cm"/>
+      <inkml:brushProperty name="height" value="0.05" units="cm"/>
+      <inkml:brushProperty name="color" value="#FFFFFF"/>
+    </inkml:brush>
+  </inkml:definitions>
+  <inkml:trace contextRef="#ctx0" brushRef="#br0">0 1 24575</inkml:trace>
+</inkml:ink>
+</file>
+
+<file path=ppt/ink/ink97.xml><?xml version="1.0" encoding="utf-8"?>
+<inkml:ink xmlns:inkml="http://www.w3.org/2003/InkML">
+  <inkml:definitions>
+    <inkml:context xml:id="ctx0">
+      <inkml:inkSource xml:id="inkSrc0">
+        <inkml:traceFormat>
+          <inkml:channel name="X" type="integer" min="-2.14748E9" max="2.14748E9" units="cm"/>
+          <inkml:channel name="Y" type="integer" min="-2.14748E9" max="2.14748E9" units="cm"/>
+          <inkml:channel name="F" type="integer" max="32767" units="dev"/>
+        </inkml:traceFormat>
+        <inkml:channelProperties>
+          <inkml:channelProperty channel="X" name="resolution" value="1000" units="1/cm"/>
+          <inkml:channelProperty channel="Y" name="resolution" value="1000" units="1/cm"/>
+          <inkml:channelProperty channel="F" name="resolution" value="0" units="1/dev"/>
+        </inkml:channelProperties>
+      </inkml:inkSource>
+      <inkml:timestamp xml:id="ts0" timeString="2023-03-09T08:21:50.894"/>
+    </inkml:context>
+    <inkml:brush xml:id="br0">
+      <inkml:brushProperty name="width" value="0.05" units="cm"/>
+      <inkml:brushProperty name="height" value="0.05" units="cm"/>
+      <inkml:brushProperty name="color" value="#FFFFFF"/>
+    </inkml:brush>
+  </inkml:definitions>
+  <inkml:trace contextRef="#ctx0" brushRef="#br0">0 0 24575</inkml:trace>
+</inkml:ink>
+</file>
+
+<file path=ppt/ink/ink98.xml><?xml version="1.0" encoding="utf-8"?>
+<inkml:ink xmlns:inkml="http://www.w3.org/2003/InkML">
+  <inkml:definitions>
+    <inkml:context xml:id="ctx0">
+      <inkml:inkSource xml:id="inkSrc0">
+        <inkml:traceFormat>
+          <inkml:channel name="X" type="integer" min="-2.14748E9" max="2.14748E9" units="cm"/>
+          <inkml:channel name="Y" type="integer" min="-2.14748E9" max="2.14748E9" units="cm"/>
+          <inkml:channel name="F" type="integer" max="32767" units="dev"/>
+        </inkml:traceFormat>
+        <inkml:channelProperties>
+          <inkml:channelProperty channel="X" name="resolution" value="1000" units="1/cm"/>
+          <inkml:channelProperty channel="Y" name="resolution" value="1000" units="1/cm"/>
+          <inkml:channelProperty channel="F" name="resolution" value="0" units="1/dev"/>
+        </inkml:channelProperties>
+      </inkml:inkSource>
+      <inkml:timestamp xml:id="ts0" timeString="2023-03-09T08:21:51.217"/>
+    </inkml:context>
+    <inkml:brush xml:id="br0">
+      <inkml:brushProperty name="width" value="0.05" units="cm"/>
+      <inkml:brushProperty name="height" value="0.05" units="cm"/>
+      <inkml:brushProperty name="color" value="#FFFFFF"/>
+    </inkml:brush>
+  </inkml:definitions>
+  <inkml:trace contextRef="#ctx0" brushRef="#br0">0 0 24575</inkml:trace>
+</inkml:ink>
+</file>
+
+<file path=ppt/ink/ink99.xml><?xml version="1.0" encoding="utf-8"?>
+<inkml:ink xmlns:inkml="http://www.w3.org/2003/InkML">
+  <inkml:definitions>
+    <inkml:context xml:id="ctx0">
+      <inkml:inkSource xml:id="inkSrc0">
+        <inkml:traceFormat>
+          <inkml:channel name="X" type="integer" min="-2.14748E9" max="2.14748E9" units="cm"/>
+          <inkml:channel name="Y" type="integer" min="-2.14748E9" max="2.14748E9" units="cm"/>
+          <inkml:channel name="F" type="integer" max="32767" units="dev"/>
+        </inkml:traceFormat>
+        <inkml:channelProperties>
+          <inkml:channelProperty channel="X" name="resolution" value="1000" units="1/cm"/>
+          <inkml:channelProperty channel="Y" name="resolution" value="1000" units="1/cm"/>
+          <inkml:channelProperty channel="F" name="resolution" value="0" units="1/dev"/>
+        </inkml:channelProperties>
+      </inkml:inkSource>
+      <inkml:timestamp xml:id="ts0" timeString="2023-03-09T08:21:51.556"/>
+    </inkml:context>
+    <inkml:brush xml:id="br0">
+      <inkml:brushProperty name="width" value="0.05" units="cm"/>
+      <inkml:brushProperty name="height" value="0.05" units="cm"/>
+      <inkml:brushProperty name="color" value="#FFFFFF"/>
+    </inkml:brush>
+  </inkml:definitions>
+  <inkml:trace contextRef="#ctx0" brushRef="#br0">0 0 24575</inkml:trace>
 </inkml:ink>
 </file>
 
@@ -4653,7 +7574,7 @@
           <a:p>
             <a:fld id="{58DD7BC2-5202-4A01-B127-AE5D9A25CF15}" type="datetimeFigureOut">
               <a:rPr lang="de-DE" smtClean="0"/>
-              <a:t>24.01.2023</a:t>
+              <a:t>09.03.2023</a:t>
             </a:fld>
             <a:endParaRPr lang="de-DE"/>
           </a:p>
@@ -5151,7 +8072,7 @@
           <a:p>
             <a:fld id="{D89CC3C5-9081-43BE-A79D-C25876F2678F}" type="datetimeFigureOut">
               <a:rPr lang="de-DE" smtClean="0"/>
-              <a:t>24.01.2023</a:t>
+              <a:t>09.03.2023</a:t>
             </a:fld>
             <a:endParaRPr lang="de-DE"/>
           </a:p>
@@ -5349,7 +8270,7 @@
           <a:p>
             <a:fld id="{D89CC3C5-9081-43BE-A79D-C25876F2678F}" type="datetimeFigureOut">
               <a:rPr lang="de-DE" smtClean="0"/>
-              <a:t>24.01.2023</a:t>
+              <a:t>09.03.2023</a:t>
             </a:fld>
             <a:endParaRPr lang="de-DE"/>
           </a:p>
@@ -5557,7 +8478,7 @@
           <a:p>
             <a:fld id="{D89CC3C5-9081-43BE-A79D-C25876F2678F}" type="datetimeFigureOut">
               <a:rPr lang="de-DE" smtClean="0"/>
-              <a:t>24.01.2023</a:t>
+              <a:t>09.03.2023</a:t>
             </a:fld>
             <a:endParaRPr lang="de-DE"/>
           </a:p>
@@ -5755,7 +8676,7 @@
           <a:p>
             <a:fld id="{D89CC3C5-9081-43BE-A79D-C25876F2678F}" type="datetimeFigureOut">
               <a:rPr lang="de-DE" smtClean="0"/>
-              <a:t>24.01.2023</a:t>
+              <a:t>09.03.2023</a:t>
             </a:fld>
             <a:endParaRPr lang="de-DE"/>
           </a:p>
@@ -6030,7 +8951,7 @@
           <a:p>
             <a:fld id="{D89CC3C5-9081-43BE-A79D-C25876F2678F}" type="datetimeFigureOut">
               <a:rPr lang="de-DE" smtClean="0"/>
-              <a:t>24.01.2023</a:t>
+              <a:t>09.03.2023</a:t>
             </a:fld>
             <a:endParaRPr lang="de-DE"/>
           </a:p>
@@ -6295,7 +9216,7 @@
           <a:p>
             <a:fld id="{D89CC3C5-9081-43BE-A79D-C25876F2678F}" type="datetimeFigureOut">
               <a:rPr lang="de-DE" smtClean="0"/>
-              <a:t>24.01.2023</a:t>
+              <a:t>09.03.2023</a:t>
             </a:fld>
             <a:endParaRPr lang="de-DE"/>
           </a:p>
@@ -6707,7 +9628,7 @@
           <a:p>
             <a:fld id="{D89CC3C5-9081-43BE-A79D-C25876F2678F}" type="datetimeFigureOut">
               <a:rPr lang="de-DE" smtClean="0"/>
-              <a:t>24.01.2023</a:t>
+              <a:t>09.03.2023</a:t>
             </a:fld>
             <a:endParaRPr lang="de-DE"/>
           </a:p>
@@ -6848,7 +9769,7 @@
           <a:p>
             <a:fld id="{D89CC3C5-9081-43BE-A79D-C25876F2678F}" type="datetimeFigureOut">
               <a:rPr lang="de-DE" smtClean="0"/>
-              <a:t>24.01.2023</a:t>
+              <a:t>09.03.2023</a:t>
             </a:fld>
             <a:endParaRPr lang="de-DE"/>
           </a:p>
@@ -6961,7 +9882,7 @@
           <a:p>
             <a:fld id="{D89CC3C5-9081-43BE-A79D-C25876F2678F}" type="datetimeFigureOut">
               <a:rPr lang="de-DE" smtClean="0"/>
-              <a:t>24.01.2023</a:t>
+              <a:t>09.03.2023</a:t>
             </a:fld>
             <a:endParaRPr lang="de-DE"/>
           </a:p>
@@ -7272,7 +10193,7 @@
           <a:p>
             <a:fld id="{D89CC3C5-9081-43BE-A79D-C25876F2678F}" type="datetimeFigureOut">
               <a:rPr lang="de-DE" smtClean="0"/>
-              <a:t>24.01.2023</a:t>
+              <a:t>09.03.2023</a:t>
             </a:fld>
             <a:endParaRPr lang="de-DE"/>
           </a:p>
@@ -7560,7 +10481,7 @@
           <a:p>
             <a:fld id="{D89CC3C5-9081-43BE-A79D-C25876F2678F}" type="datetimeFigureOut">
               <a:rPr lang="de-DE" smtClean="0"/>
-              <a:t>24.01.2023</a:t>
+              <a:t>09.03.2023</a:t>
             </a:fld>
             <a:endParaRPr lang="de-DE"/>
           </a:p>
@@ -7801,7 +10722,7 @@
           <a:p>
             <a:fld id="{D89CC3C5-9081-43BE-A79D-C25876F2678F}" type="datetimeFigureOut">
               <a:rPr lang="de-DE" smtClean="0"/>
-              <a:t>24.01.2023</a:t>
+              <a:t>09.03.2023</a:t>
             </a:fld>
             <a:endParaRPr lang="de-DE"/>
           </a:p>
@@ -17923,8 +20844,8 @@
           </a:fontRef>
         </p:style>
       </p:cxnSp>
-      <mc:AlternateContent xmlns:mc="http://schemas.openxmlformats.org/markup-compatibility/2006">
-        <mc:Choice xmlns:p14="http://schemas.microsoft.com/office/powerpoint/2010/main" Requires="p14">
+      <mc:AlternateContent xmlns:mc="http://schemas.openxmlformats.org/markup-compatibility/2006" xmlns:p14="http://schemas.microsoft.com/office/powerpoint/2010/main">
+        <mc:Choice Requires="p14">
           <p:contentPart p14:bwMode="auto" r:id="rId3">
             <p14:nvContentPartPr>
               <p14:cNvPr id="11" name="Freihand 10">
@@ -17943,7 +20864,7 @@
             </p14:xfrm>
           </p:contentPart>
         </mc:Choice>
-        <mc:Fallback>
+        <mc:Fallback xmlns="">
           <p:pic>
             <p:nvPicPr>
               <p:cNvPr id="11" name="Freihand 10">
@@ -17974,8 +20895,8 @@
           </p:pic>
         </mc:Fallback>
       </mc:AlternateContent>
-      <mc:AlternateContent xmlns:mc="http://schemas.openxmlformats.org/markup-compatibility/2006">
-        <mc:Choice xmlns:p14="http://schemas.microsoft.com/office/powerpoint/2010/main" Requires="p14">
+      <mc:AlternateContent xmlns:mc="http://schemas.openxmlformats.org/markup-compatibility/2006" xmlns:p14="http://schemas.microsoft.com/office/powerpoint/2010/main">
+        <mc:Choice Requires="p14">
           <p:contentPart p14:bwMode="auto" r:id="rId5">
             <p14:nvContentPartPr>
               <p14:cNvPr id="12" name="Freihand 11">
@@ -17994,7 +20915,7 @@
             </p14:xfrm>
           </p:contentPart>
         </mc:Choice>
-        <mc:Fallback>
+        <mc:Fallback xmlns="">
           <p:pic>
             <p:nvPicPr>
               <p:cNvPr id="12" name="Freihand 11">
@@ -18025,8 +20946,8 @@
           </p:pic>
         </mc:Fallback>
       </mc:AlternateContent>
-      <mc:AlternateContent xmlns:mc="http://schemas.openxmlformats.org/markup-compatibility/2006">
-        <mc:Choice xmlns:p14="http://schemas.microsoft.com/office/powerpoint/2010/main" Requires="p14">
+      <mc:AlternateContent xmlns:mc="http://schemas.openxmlformats.org/markup-compatibility/2006" xmlns:p14="http://schemas.microsoft.com/office/powerpoint/2010/main">
+        <mc:Choice Requires="p14">
           <p:contentPart p14:bwMode="auto" r:id="rId7">
             <p14:nvContentPartPr>
               <p14:cNvPr id="13" name="Freihand 12">
@@ -18045,7 +20966,7 @@
             </p14:xfrm>
           </p:contentPart>
         </mc:Choice>
-        <mc:Fallback>
+        <mc:Fallback xmlns="">
           <p:pic>
             <p:nvPicPr>
               <p:cNvPr id="13" name="Freihand 12">
@@ -18076,8 +20997,8 @@
           </p:pic>
         </mc:Fallback>
       </mc:AlternateContent>
-      <mc:AlternateContent xmlns:mc="http://schemas.openxmlformats.org/markup-compatibility/2006">
-        <mc:Choice xmlns:p14="http://schemas.microsoft.com/office/powerpoint/2010/main" Requires="p14">
+      <mc:AlternateContent xmlns:mc="http://schemas.openxmlformats.org/markup-compatibility/2006" xmlns:p14="http://schemas.microsoft.com/office/powerpoint/2010/main">
+        <mc:Choice Requires="p14">
           <p:contentPart p14:bwMode="auto" r:id="rId9">
             <p14:nvContentPartPr>
               <p14:cNvPr id="14" name="Freihand 13">
@@ -18096,7 +21017,7 @@
             </p14:xfrm>
           </p:contentPart>
         </mc:Choice>
-        <mc:Fallback>
+        <mc:Fallback xmlns="">
           <p:pic>
             <p:nvPicPr>
               <p:cNvPr id="14" name="Freihand 13">
@@ -18127,8 +21048,8 @@
           </p:pic>
         </mc:Fallback>
       </mc:AlternateContent>
-      <mc:AlternateContent xmlns:mc="http://schemas.openxmlformats.org/markup-compatibility/2006">
-        <mc:Choice xmlns:p14="http://schemas.microsoft.com/office/powerpoint/2010/main" Requires="p14">
+      <mc:AlternateContent xmlns:mc="http://schemas.openxmlformats.org/markup-compatibility/2006" xmlns:p14="http://schemas.microsoft.com/office/powerpoint/2010/main">
+        <mc:Choice Requires="p14">
           <p:contentPart p14:bwMode="auto" r:id="rId11">
             <p14:nvContentPartPr>
               <p14:cNvPr id="15" name="Freihand 14">
@@ -18147,7 +21068,7 @@
             </p14:xfrm>
           </p:contentPart>
         </mc:Choice>
-        <mc:Fallback>
+        <mc:Fallback xmlns="">
           <p:pic>
             <p:nvPicPr>
               <p:cNvPr id="15" name="Freihand 14">
@@ -18589,6 +21510,919 @@
 </p:sld>
 </file>
 
+<file path=ppt/slides/slide19.xml><?xml version="1.0" encoding="utf-8"?>
+<p:sld xmlns:a="http://schemas.openxmlformats.org/drawingml/2006/main" xmlns:r="http://schemas.openxmlformats.org/officeDocument/2006/relationships" xmlns:p="http://schemas.openxmlformats.org/presentationml/2006/main">
+  <p:cSld>
+    <p:spTree>
+      <p:nvGrpSpPr>
+        <p:cNvPr id="1" name=""/>
+        <p:cNvGrpSpPr/>
+        <p:nvPr/>
+      </p:nvGrpSpPr>
+      <p:grpSpPr>
+        <a:xfrm>
+          <a:off x="0" y="0"/>
+          <a:ext cx="0" cy="0"/>
+          <a:chOff x="0" y="0"/>
+          <a:chExt cx="0" cy="0"/>
+        </a:xfrm>
+      </p:grpSpPr>
+      <p:pic>
+        <p:nvPicPr>
+          <p:cNvPr id="5" name="Grafik 4">
+            <a:extLst>
+              <a:ext uri="{FF2B5EF4-FFF2-40B4-BE49-F238E27FC236}">
+                <a16:creationId xmlns:a16="http://schemas.microsoft.com/office/drawing/2014/main" id="{268B7408-7D40-25B5-30D3-7E088F3FBA13}"/>
+              </a:ext>
+            </a:extLst>
+          </p:cNvPr>
+          <p:cNvPicPr>
+            <a:picLocks noChangeAspect="1"/>
+          </p:cNvPicPr>
+          <p:nvPr/>
+        </p:nvPicPr>
+        <p:blipFill>
+          <a:blip r:embed="rId2"/>
+          <a:stretch>
+            <a:fillRect/>
+          </a:stretch>
+        </p:blipFill>
+        <p:spPr>
+          <a:xfrm>
+            <a:off x="1141383" y="1676400"/>
+            <a:ext cx="11050617" cy="2385396"/>
+          </a:xfrm>
+          <a:prstGeom prst="rect">
+            <a:avLst/>
+          </a:prstGeom>
+        </p:spPr>
+      </p:pic>
+      <p:pic>
+        <p:nvPicPr>
+          <p:cNvPr id="9" name="Grafik 8">
+            <a:extLst>
+              <a:ext uri="{FF2B5EF4-FFF2-40B4-BE49-F238E27FC236}">
+                <a16:creationId xmlns:a16="http://schemas.microsoft.com/office/drawing/2014/main" id="{67F7C87C-A9CA-0BAD-B0CF-8E3E20F0220F}"/>
+              </a:ext>
+            </a:extLst>
+          </p:cNvPr>
+          <p:cNvPicPr>
+            <a:picLocks noChangeAspect="1"/>
+          </p:cNvPicPr>
+          <p:nvPr/>
+        </p:nvPicPr>
+        <p:blipFill>
+          <a:blip r:embed="rId3"/>
+          <a:stretch>
+            <a:fillRect/>
+          </a:stretch>
+        </p:blipFill>
+        <p:spPr>
+          <a:xfrm>
+            <a:off x="10257966" y="1660939"/>
+            <a:ext cx="1934034" cy="2400857"/>
+          </a:xfrm>
+          <a:prstGeom prst="rect">
+            <a:avLst/>
+          </a:prstGeom>
+        </p:spPr>
+      </p:pic>
+      <p:sp>
+        <p:nvSpPr>
+          <p:cNvPr id="14" name="Rechteck 13">
+            <a:extLst>
+              <a:ext uri="{FF2B5EF4-FFF2-40B4-BE49-F238E27FC236}">
+                <a16:creationId xmlns:a16="http://schemas.microsoft.com/office/drawing/2014/main" id="{9EE7507E-DACE-7801-F48D-5D89FB407855}"/>
+              </a:ext>
+            </a:extLst>
+          </p:cNvPr>
+          <p:cNvSpPr/>
+          <p:nvPr/>
+        </p:nvSpPr>
+        <p:spPr>
+          <a:xfrm>
+            <a:off x="962025" y="3324225"/>
+            <a:ext cx="11229975" cy="1009650"/>
+          </a:xfrm>
+          <a:prstGeom prst="rect">
+            <a:avLst/>
+          </a:prstGeom>
+          <a:solidFill>
+            <a:schemeClr val="bg1"/>
+          </a:solidFill>
+          <a:ln>
+            <a:noFill/>
+          </a:ln>
+        </p:spPr>
+        <p:style>
+          <a:lnRef idx="2">
+            <a:schemeClr val="accent1">
+              <a:shade val="50000"/>
+            </a:schemeClr>
+          </a:lnRef>
+          <a:fillRef idx="1">
+            <a:schemeClr val="accent1"/>
+          </a:fillRef>
+          <a:effectRef idx="0">
+            <a:schemeClr val="accent1"/>
+          </a:effectRef>
+          <a:fontRef idx="minor">
+            <a:schemeClr val="lt1"/>
+          </a:fontRef>
+        </p:style>
+        <p:txBody>
+          <a:bodyPr rtlCol="0" anchor="ctr"/>
+          <a:lstStyle/>
+          <a:p>
+            <a:pPr algn="ctr"/>
+            <a:endParaRPr lang="de-DE"/>
+          </a:p>
+        </p:txBody>
+      </p:sp>
+      <p:sp>
+        <p:nvSpPr>
+          <p:cNvPr id="15" name="Rechteck 14">
+            <a:extLst>
+              <a:ext uri="{FF2B5EF4-FFF2-40B4-BE49-F238E27FC236}">
+                <a16:creationId xmlns:a16="http://schemas.microsoft.com/office/drawing/2014/main" id="{BFB1EDDE-F501-89B9-B8B6-C87504222AA0}"/>
+              </a:ext>
+            </a:extLst>
+          </p:cNvPr>
+          <p:cNvSpPr/>
+          <p:nvPr/>
+        </p:nvSpPr>
+        <p:spPr>
+          <a:xfrm>
+            <a:off x="962024" y="899496"/>
+            <a:ext cx="11229975" cy="1009650"/>
+          </a:xfrm>
+          <a:prstGeom prst="rect">
+            <a:avLst/>
+          </a:prstGeom>
+          <a:solidFill>
+            <a:schemeClr val="bg1"/>
+          </a:solidFill>
+          <a:ln>
+            <a:noFill/>
+          </a:ln>
+        </p:spPr>
+        <p:style>
+          <a:lnRef idx="2">
+            <a:schemeClr val="accent1">
+              <a:shade val="50000"/>
+            </a:schemeClr>
+          </a:lnRef>
+          <a:fillRef idx="1">
+            <a:schemeClr val="accent1"/>
+          </a:fillRef>
+          <a:effectRef idx="0">
+            <a:schemeClr val="accent1"/>
+          </a:effectRef>
+          <a:fontRef idx="minor">
+            <a:schemeClr val="lt1"/>
+          </a:fontRef>
+        </p:style>
+        <p:txBody>
+          <a:bodyPr rtlCol="0" anchor="ctr"/>
+          <a:lstStyle/>
+          <a:p>
+            <a:pPr algn="ctr"/>
+            <a:endParaRPr lang="de-DE"/>
+          </a:p>
+        </p:txBody>
+      </p:sp>
+      <p:sp>
+        <p:nvSpPr>
+          <p:cNvPr id="16" name="Rechteck 15">
+            <a:extLst>
+              <a:ext uri="{FF2B5EF4-FFF2-40B4-BE49-F238E27FC236}">
+                <a16:creationId xmlns:a16="http://schemas.microsoft.com/office/drawing/2014/main" id="{E97F135C-1EB6-9215-7321-4105E7E08E6B}"/>
+              </a:ext>
+            </a:extLst>
+          </p:cNvPr>
+          <p:cNvSpPr/>
+          <p:nvPr/>
+        </p:nvSpPr>
+        <p:spPr>
+          <a:xfrm>
+            <a:off x="726515" y="1660939"/>
+            <a:ext cx="568884" cy="1880571"/>
+          </a:xfrm>
+          <a:prstGeom prst="rect">
+            <a:avLst/>
+          </a:prstGeom>
+          <a:solidFill>
+            <a:schemeClr val="bg1"/>
+          </a:solidFill>
+          <a:ln>
+            <a:noFill/>
+          </a:ln>
+        </p:spPr>
+        <p:style>
+          <a:lnRef idx="2">
+            <a:schemeClr val="accent1">
+              <a:shade val="50000"/>
+            </a:schemeClr>
+          </a:lnRef>
+          <a:fillRef idx="1">
+            <a:schemeClr val="accent1"/>
+          </a:fillRef>
+          <a:effectRef idx="0">
+            <a:schemeClr val="accent1"/>
+          </a:effectRef>
+          <a:fontRef idx="minor">
+            <a:schemeClr val="lt1"/>
+          </a:fontRef>
+        </p:style>
+        <p:txBody>
+          <a:bodyPr rtlCol="0" anchor="ctr"/>
+          <a:lstStyle/>
+          <a:p>
+            <a:pPr algn="ctr"/>
+            <a:endParaRPr lang="de-DE"/>
+          </a:p>
+        </p:txBody>
+      </p:sp>
+      <p:sp>
+        <p:nvSpPr>
+          <p:cNvPr id="13" name="Textfeld 12">
+            <a:extLst>
+              <a:ext uri="{FF2B5EF4-FFF2-40B4-BE49-F238E27FC236}">
+                <a16:creationId xmlns:a16="http://schemas.microsoft.com/office/drawing/2014/main" id="{9643423D-364D-FC61-804B-0C896A58BFEE}"/>
+              </a:ext>
+            </a:extLst>
+          </p:cNvPr>
+          <p:cNvSpPr txBox="1"/>
+          <p:nvPr/>
+        </p:nvSpPr>
+        <p:spPr>
+          <a:xfrm>
+            <a:off x="111489" y="2795629"/>
+            <a:ext cx="1239442" cy="307777"/>
+          </a:xfrm>
+          <a:prstGeom prst="rect">
+            <a:avLst/>
+          </a:prstGeom>
+          <a:noFill/>
+        </p:spPr>
+        <p:txBody>
+          <a:bodyPr wrap="none" rtlCol="0">
+            <a:spAutoFit/>
+          </a:bodyPr>
+          <a:lstStyle/>
+          <a:p>
+            <a:r>
+              <a:rPr lang="de-DE" sz="1400" b="1" dirty="0">
+                <a:latin typeface="Times New Roman" panose="02020603050405020304" pitchFamily="18" charset="0"/>
+                <a:cs typeface="Times New Roman" panose="02020603050405020304" pitchFamily="18" charset="0"/>
+              </a:rPr>
+              <a:t>H1N1-Subtyp</a:t>
+            </a:r>
+            <a:endParaRPr lang="de-DE" sz="1600" b="1" dirty="0">
+              <a:latin typeface="Times New Roman" panose="02020603050405020304" pitchFamily="18" charset="0"/>
+              <a:cs typeface="Times New Roman" panose="02020603050405020304" pitchFamily="18" charset="0"/>
+            </a:endParaRPr>
+          </a:p>
+        </p:txBody>
+      </p:sp>
+      <p:sp>
+        <p:nvSpPr>
+          <p:cNvPr id="10" name="Textfeld 9">
+            <a:extLst>
+              <a:ext uri="{FF2B5EF4-FFF2-40B4-BE49-F238E27FC236}">
+                <a16:creationId xmlns:a16="http://schemas.microsoft.com/office/drawing/2014/main" id="{51225F74-FBAF-FAD8-A634-1F3BDAEEAB23}"/>
+              </a:ext>
+            </a:extLst>
+          </p:cNvPr>
+          <p:cNvSpPr txBox="1"/>
+          <p:nvPr/>
+        </p:nvSpPr>
+        <p:spPr>
+          <a:xfrm>
+            <a:off x="111489" y="2034186"/>
+            <a:ext cx="1239442" cy="307777"/>
+          </a:xfrm>
+          <a:prstGeom prst="rect">
+            <a:avLst/>
+          </a:prstGeom>
+          <a:noFill/>
+        </p:spPr>
+        <p:txBody>
+          <a:bodyPr wrap="none" rtlCol="0">
+            <a:spAutoFit/>
+          </a:bodyPr>
+          <a:lstStyle/>
+          <a:p>
+            <a:r>
+              <a:rPr lang="de-DE" sz="1400" b="1" dirty="0">
+                <a:latin typeface="Times New Roman" panose="02020603050405020304" pitchFamily="18" charset="0"/>
+                <a:cs typeface="Times New Roman" panose="02020603050405020304" pitchFamily="18" charset="0"/>
+              </a:rPr>
+              <a:t>H3N2-Subtyp</a:t>
+            </a:r>
+            <a:endParaRPr lang="de-DE" b="1" dirty="0">
+              <a:latin typeface="Times New Roman" panose="02020603050405020304" pitchFamily="18" charset="0"/>
+              <a:cs typeface="Times New Roman" panose="02020603050405020304" pitchFamily="18" charset="0"/>
+            </a:endParaRPr>
+          </a:p>
+        </p:txBody>
+      </p:sp>
+      <p:pic>
+        <p:nvPicPr>
+          <p:cNvPr id="12" name="Grafik 11">
+            <a:extLst>
+              <a:ext uri="{FF2B5EF4-FFF2-40B4-BE49-F238E27FC236}">
+                <a16:creationId xmlns:a16="http://schemas.microsoft.com/office/drawing/2014/main" id="{E80698A2-96A3-E0B4-729B-6B640186DB71}"/>
+              </a:ext>
+            </a:extLst>
+          </p:cNvPr>
+          <p:cNvPicPr>
+            <a:picLocks noChangeAspect="1"/>
+          </p:cNvPicPr>
+          <p:nvPr/>
+        </p:nvPicPr>
+        <p:blipFill>
+          <a:blip r:embed="rId4"/>
+          <a:stretch>
+            <a:fillRect/>
+          </a:stretch>
+        </p:blipFill>
+        <p:spPr>
+          <a:xfrm>
+            <a:off x="1141383" y="3276190"/>
+            <a:ext cx="11010900" cy="485775"/>
+          </a:xfrm>
+          <a:prstGeom prst="rect">
+            <a:avLst/>
+          </a:prstGeom>
+        </p:spPr>
+      </p:pic>
+      <p:sp>
+        <p:nvSpPr>
+          <p:cNvPr id="17" name="Rechteck 16">
+            <a:extLst>
+              <a:ext uri="{FF2B5EF4-FFF2-40B4-BE49-F238E27FC236}">
+                <a16:creationId xmlns:a16="http://schemas.microsoft.com/office/drawing/2014/main" id="{43943CE9-A39A-5225-A2D0-1568ED0D1355}"/>
+              </a:ext>
+            </a:extLst>
+          </p:cNvPr>
+          <p:cNvSpPr/>
+          <p:nvPr/>
+        </p:nvSpPr>
+        <p:spPr>
+          <a:xfrm>
+            <a:off x="1141383" y="3513111"/>
+            <a:ext cx="11010900" cy="335028"/>
+          </a:xfrm>
+          <a:prstGeom prst="rect">
+            <a:avLst/>
+          </a:prstGeom>
+          <a:solidFill>
+            <a:schemeClr val="bg1"/>
+          </a:solidFill>
+          <a:ln>
+            <a:noFill/>
+          </a:ln>
+        </p:spPr>
+        <p:style>
+          <a:lnRef idx="2">
+            <a:schemeClr val="accent1">
+              <a:shade val="50000"/>
+            </a:schemeClr>
+          </a:lnRef>
+          <a:fillRef idx="1">
+            <a:schemeClr val="accent1"/>
+          </a:fillRef>
+          <a:effectRef idx="0">
+            <a:schemeClr val="accent1"/>
+          </a:effectRef>
+          <a:fontRef idx="minor">
+            <a:schemeClr val="lt1"/>
+          </a:fontRef>
+        </p:style>
+        <p:txBody>
+          <a:bodyPr rtlCol="0" anchor="ctr"/>
+          <a:lstStyle/>
+          <a:p>
+            <a:pPr algn="ctr"/>
+            <a:r>
+              <a:rPr lang="de-DE" dirty="0"/>
+              <a:t>sdada</a:t>
+            </a:r>
+          </a:p>
+        </p:txBody>
+      </p:sp>
+      <p:sp>
+        <p:nvSpPr>
+          <p:cNvPr id="19" name="Rechteck 18">
+            <a:extLst>
+              <a:ext uri="{FF2B5EF4-FFF2-40B4-BE49-F238E27FC236}">
+                <a16:creationId xmlns:a16="http://schemas.microsoft.com/office/drawing/2014/main" id="{928F344C-8AE9-35D1-E10E-BA0CF671DD15}"/>
+              </a:ext>
+            </a:extLst>
+          </p:cNvPr>
+          <p:cNvSpPr/>
+          <p:nvPr/>
+        </p:nvSpPr>
+        <p:spPr>
+          <a:xfrm>
+            <a:off x="960407" y="3248789"/>
+            <a:ext cx="335280" cy="389321"/>
+          </a:xfrm>
+          <a:prstGeom prst="rect">
+            <a:avLst/>
+          </a:prstGeom>
+          <a:solidFill>
+            <a:schemeClr val="bg1"/>
+          </a:solidFill>
+          <a:ln>
+            <a:noFill/>
+          </a:ln>
+        </p:spPr>
+        <p:style>
+          <a:lnRef idx="2">
+            <a:schemeClr val="accent1">
+              <a:shade val="50000"/>
+            </a:schemeClr>
+          </a:lnRef>
+          <a:fillRef idx="1">
+            <a:schemeClr val="accent1"/>
+          </a:fillRef>
+          <a:effectRef idx="0">
+            <a:schemeClr val="accent1"/>
+          </a:effectRef>
+          <a:fontRef idx="minor">
+            <a:schemeClr val="lt1"/>
+          </a:fontRef>
+        </p:style>
+        <p:txBody>
+          <a:bodyPr rtlCol="0" anchor="ctr"/>
+          <a:lstStyle/>
+          <a:p>
+            <a:pPr algn="ctr"/>
+            <a:endParaRPr lang="de-DE"/>
+          </a:p>
+        </p:txBody>
+      </p:sp>
+      <p:sp>
+        <p:nvSpPr>
+          <p:cNvPr id="20" name="Textfeld 19">
+            <a:extLst>
+              <a:ext uri="{FF2B5EF4-FFF2-40B4-BE49-F238E27FC236}">
+                <a16:creationId xmlns:a16="http://schemas.microsoft.com/office/drawing/2014/main" id="{96BDFEE6-AE80-412E-EDDB-176B27DB2AD7}"/>
+              </a:ext>
+            </a:extLst>
+          </p:cNvPr>
+          <p:cNvSpPr txBox="1"/>
+          <p:nvPr/>
+        </p:nvSpPr>
+        <p:spPr>
+          <a:xfrm>
+            <a:off x="2148840" y="3443449"/>
+            <a:ext cx="607859" cy="276999"/>
+          </a:xfrm>
+          <a:prstGeom prst="rect">
+            <a:avLst/>
+          </a:prstGeom>
+          <a:noFill/>
+        </p:spPr>
+        <p:txBody>
+          <a:bodyPr wrap="none" rtlCol="0">
+            <a:spAutoFit/>
+          </a:bodyPr>
+          <a:lstStyle/>
+          <a:p>
+            <a:r>
+              <a:rPr lang="de-DE" sz="1200" dirty="0">
+                <a:latin typeface="Times New Roman" panose="02020603050405020304" pitchFamily="18" charset="0"/>
+                <a:cs typeface="Times New Roman" panose="02020603050405020304" pitchFamily="18" charset="0"/>
+              </a:rPr>
+              <a:t>100 bp</a:t>
+            </a:r>
+          </a:p>
+        </p:txBody>
+      </p:sp>
+      <p:sp>
+        <p:nvSpPr>
+          <p:cNvPr id="21" name="Textfeld 20">
+            <a:extLst>
+              <a:ext uri="{FF2B5EF4-FFF2-40B4-BE49-F238E27FC236}">
+                <a16:creationId xmlns:a16="http://schemas.microsoft.com/office/drawing/2014/main" id="{A40F2726-234F-9CEA-196D-9E8B6BB436AC}"/>
+              </a:ext>
+            </a:extLst>
+          </p:cNvPr>
+          <p:cNvSpPr txBox="1"/>
+          <p:nvPr/>
+        </p:nvSpPr>
+        <p:spPr>
+          <a:xfrm>
+            <a:off x="3200306" y="3443449"/>
+            <a:ext cx="607859" cy="276999"/>
+          </a:xfrm>
+          <a:prstGeom prst="rect">
+            <a:avLst/>
+          </a:prstGeom>
+          <a:noFill/>
+        </p:spPr>
+        <p:txBody>
+          <a:bodyPr wrap="none" rtlCol="0">
+            <a:spAutoFit/>
+          </a:bodyPr>
+          <a:lstStyle/>
+          <a:p>
+            <a:r>
+              <a:rPr lang="de-DE" sz="1200" dirty="0">
+                <a:latin typeface="Times New Roman" panose="02020603050405020304" pitchFamily="18" charset="0"/>
+                <a:cs typeface="Times New Roman" panose="02020603050405020304" pitchFamily="18" charset="0"/>
+              </a:rPr>
+              <a:t>200 bp</a:t>
+            </a:r>
+          </a:p>
+        </p:txBody>
+      </p:sp>
+      <p:sp>
+        <p:nvSpPr>
+          <p:cNvPr id="22" name="Textfeld 21">
+            <a:extLst>
+              <a:ext uri="{FF2B5EF4-FFF2-40B4-BE49-F238E27FC236}">
+                <a16:creationId xmlns:a16="http://schemas.microsoft.com/office/drawing/2014/main" id="{3FEC69C0-8344-8F61-0E95-AEE8F4BECE03}"/>
+              </a:ext>
+            </a:extLst>
+          </p:cNvPr>
+          <p:cNvSpPr txBox="1"/>
+          <p:nvPr/>
+        </p:nvSpPr>
+        <p:spPr>
+          <a:xfrm>
+            <a:off x="4251772" y="3442169"/>
+            <a:ext cx="607859" cy="276999"/>
+          </a:xfrm>
+          <a:prstGeom prst="rect">
+            <a:avLst/>
+          </a:prstGeom>
+          <a:noFill/>
+        </p:spPr>
+        <p:txBody>
+          <a:bodyPr wrap="none" rtlCol="0">
+            <a:spAutoFit/>
+          </a:bodyPr>
+          <a:lstStyle/>
+          <a:p>
+            <a:r>
+              <a:rPr lang="de-DE" sz="1200" dirty="0">
+                <a:latin typeface="Times New Roman" panose="02020603050405020304" pitchFamily="18" charset="0"/>
+                <a:cs typeface="Times New Roman" panose="02020603050405020304" pitchFamily="18" charset="0"/>
+              </a:rPr>
+              <a:t>300 bp</a:t>
+            </a:r>
+          </a:p>
+        </p:txBody>
+      </p:sp>
+      <p:sp>
+        <p:nvSpPr>
+          <p:cNvPr id="23" name="Textfeld 22">
+            <a:extLst>
+              <a:ext uri="{FF2B5EF4-FFF2-40B4-BE49-F238E27FC236}">
+                <a16:creationId xmlns:a16="http://schemas.microsoft.com/office/drawing/2014/main" id="{E03A8FDC-8526-4C0A-E20E-A9788B281F63}"/>
+              </a:ext>
+            </a:extLst>
+          </p:cNvPr>
+          <p:cNvSpPr txBox="1"/>
+          <p:nvPr/>
+        </p:nvSpPr>
+        <p:spPr>
+          <a:xfrm>
+            <a:off x="5367760" y="3453295"/>
+            <a:ext cx="607859" cy="276999"/>
+          </a:xfrm>
+          <a:prstGeom prst="rect">
+            <a:avLst/>
+          </a:prstGeom>
+          <a:noFill/>
+        </p:spPr>
+        <p:txBody>
+          <a:bodyPr wrap="none" rtlCol="0">
+            <a:spAutoFit/>
+          </a:bodyPr>
+          <a:lstStyle/>
+          <a:p>
+            <a:r>
+              <a:rPr lang="de-DE" sz="1200" dirty="0">
+                <a:latin typeface="Times New Roman" panose="02020603050405020304" pitchFamily="18" charset="0"/>
+                <a:cs typeface="Times New Roman" panose="02020603050405020304" pitchFamily="18" charset="0"/>
+              </a:rPr>
+              <a:t>400 bp</a:t>
+            </a:r>
+          </a:p>
+        </p:txBody>
+      </p:sp>
+      <p:sp>
+        <p:nvSpPr>
+          <p:cNvPr id="24" name="Textfeld 23">
+            <a:extLst>
+              <a:ext uri="{FF2B5EF4-FFF2-40B4-BE49-F238E27FC236}">
+                <a16:creationId xmlns:a16="http://schemas.microsoft.com/office/drawing/2014/main" id="{7DAF0FA3-4513-D7A1-1201-8B856301EE5C}"/>
+              </a:ext>
+            </a:extLst>
+          </p:cNvPr>
+          <p:cNvSpPr txBox="1"/>
+          <p:nvPr/>
+        </p:nvSpPr>
+        <p:spPr>
+          <a:xfrm>
+            <a:off x="6425206" y="3438663"/>
+            <a:ext cx="607859" cy="276999"/>
+          </a:xfrm>
+          <a:prstGeom prst="rect">
+            <a:avLst/>
+          </a:prstGeom>
+          <a:noFill/>
+        </p:spPr>
+        <p:txBody>
+          <a:bodyPr wrap="none" rtlCol="0">
+            <a:spAutoFit/>
+          </a:bodyPr>
+          <a:lstStyle/>
+          <a:p>
+            <a:r>
+              <a:rPr lang="de-DE" sz="1200" dirty="0">
+                <a:latin typeface="Times New Roman" panose="02020603050405020304" pitchFamily="18" charset="0"/>
+                <a:cs typeface="Times New Roman" panose="02020603050405020304" pitchFamily="18" charset="0"/>
+              </a:rPr>
+              <a:t>500 bp</a:t>
+            </a:r>
+          </a:p>
+        </p:txBody>
+      </p:sp>
+      <p:sp>
+        <p:nvSpPr>
+          <p:cNvPr id="25" name="Textfeld 24">
+            <a:extLst>
+              <a:ext uri="{FF2B5EF4-FFF2-40B4-BE49-F238E27FC236}">
+                <a16:creationId xmlns:a16="http://schemas.microsoft.com/office/drawing/2014/main" id="{772118CE-F5C5-52A6-E6FD-C880E2AB0308}"/>
+              </a:ext>
+            </a:extLst>
+          </p:cNvPr>
+          <p:cNvSpPr txBox="1"/>
+          <p:nvPr/>
+        </p:nvSpPr>
+        <p:spPr>
+          <a:xfrm>
+            <a:off x="7496919" y="3438663"/>
+            <a:ext cx="607859" cy="276999"/>
+          </a:xfrm>
+          <a:prstGeom prst="rect">
+            <a:avLst/>
+          </a:prstGeom>
+          <a:noFill/>
+        </p:spPr>
+        <p:txBody>
+          <a:bodyPr wrap="none" rtlCol="0">
+            <a:spAutoFit/>
+          </a:bodyPr>
+          <a:lstStyle/>
+          <a:p>
+            <a:r>
+              <a:rPr lang="de-DE" sz="1200" dirty="0">
+                <a:latin typeface="Times New Roman" panose="02020603050405020304" pitchFamily="18" charset="0"/>
+                <a:cs typeface="Times New Roman" panose="02020603050405020304" pitchFamily="18" charset="0"/>
+              </a:rPr>
+              <a:t>600 bp</a:t>
+            </a:r>
+          </a:p>
+        </p:txBody>
+      </p:sp>
+      <p:sp>
+        <p:nvSpPr>
+          <p:cNvPr id="26" name="Textfeld 25">
+            <a:extLst>
+              <a:ext uri="{FF2B5EF4-FFF2-40B4-BE49-F238E27FC236}">
+                <a16:creationId xmlns:a16="http://schemas.microsoft.com/office/drawing/2014/main" id="{5E27DA32-D79C-206A-0BF6-B53D9A5EEB64}"/>
+              </a:ext>
+            </a:extLst>
+          </p:cNvPr>
+          <p:cNvSpPr txBox="1"/>
+          <p:nvPr/>
+        </p:nvSpPr>
+        <p:spPr>
+          <a:xfrm>
+            <a:off x="8559279" y="3453295"/>
+            <a:ext cx="607859" cy="276999"/>
+          </a:xfrm>
+          <a:prstGeom prst="rect">
+            <a:avLst/>
+          </a:prstGeom>
+          <a:noFill/>
+        </p:spPr>
+        <p:txBody>
+          <a:bodyPr wrap="none" rtlCol="0">
+            <a:spAutoFit/>
+          </a:bodyPr>
+          <a:lstStyle/>
+          <a:p>
+            <a:r>
+              <a:rPr lang="de-DE" sz="1200" dirty="0">
+                <a:latin typeface="Times New Roman" panose="02020603050405020304" pitchFamily="18" charset="0"/>
+                <a:cs typeface="Times New Roman" panose="02020603050405020304" pitchFamily="18" charset="0"/>
+              </a:rPr>
+              <a:t>700 bp</a:t>
+            </a:r>
+          </a:p>
+        </p:txBody>
+      </p:sp>
+      <p:sp>
+        <p:nvSpPr>
+          <p:cNvPr id="27" name="Textfeld 26">
+            <a:extLst>
+              <a:ext uri="{FF2B5EF4-FFF2-40B4-BE49-F238E27FC236}">
+                <a16:creationId xmlns:a16="http://schemas.microsoft.com/office/drawing/2014/main" id="{7D981D88-0E09-52A7-3262-6E1A996FCDDC}"/>
+              </a:ext>
+            </a:extLst>
+          </p:cNvPr>
+          <p:cNvSpPr txBox="1"/>
+          <p:nvPr/>
+        </p:nvSpPr>
+        <p:spPr>
+          <a:xfrm>
+            <a:off x="9624623" y="3438662"/>
+            <a:ext cx="607859" cy="276999"/>
+          </a:xfrm>
+          <a:prstGeom prst="rect">
+            <a:avLst/>
+          </a:prstGeom>
+          <a:noFill/>
+        </p:spPr>
+        <p:txBody>
+          <a:bodyPr wrap="none" rtlCol="0">
+            <a:spAutoFit/>
+          </a:bodyPr>
+          <a:lstStyle/>
+          <a:p>
+            <a:r>
+              <a:rPr lang="de-DE" sz="1200" dirty="0">
+                <a:latin typeface="Times New Roman" panose="02020603050405020304" pitchFamily="18" charset="0"/>
+                <a:cs typeface="Times New Roman" panose="02020603050405020304" pitchFamily="18" charset="0"/>
+              </a:rPr>
+              <a:t>800 bp</a:t>
+            </a:r>
+          </a:p>
+        </p:txBody>
+      </p:sp>
+      <p:sp>
+        <p:nvSpPr>
+          <p:cNvPr id="28" name="Textfeld 27">
+            <a:extLst>
+              <a:ext uri="{FF2B5EF4-FFF2-40B4-BE49-F238E27FC236}">
+                <a16:creationId xmlns:a16="http://schemas.microsoft.com/office/drawing/2014/main" id="{54A382B8-2461-54C0-A61F-8B8C1FEDAE15}"/>
+              </a:ext>
+            </a:extLst>
+          </p:cNvPr>
+          <p:cNvSpPr txBox="1"/>
+          <p:nvPr/>
+        </p:nvSpPr>
+        <p:spPr>
+          <a:xfrm>
+            <a:off x="10623734" y="3455649"/>
+            <a:ext cx="607859" cy="276999"/>
+          </a:xfrm>
+          <a:prstGeom prst="rect">
+            <a:avLst/>
+          </a:prstGeom>
+          <a:noFill/>
+        </p:spPr>
+        <p:txBody>
+          <a:bodyPr wrap="none" rtlCol="0">
+            <a:spAutoFit/>
+          </a:bodyPr>
+          <a:lstStyle/>
+          <a:p>
+            <a:r>
+              <a:rPr lang="de-DE" sz="1200" dirty="0">
+                <a:latin typeface="Times New Roman" panose="02020603050405020304" pitchFamily="18" charset="0"/>
+                <a:cs typeface="Times New Roman" panose="02020603050405020304" pitchFamily="18" charset="0"/>
+              </a:rPr>
+              <a:t>900 bp</a:t>
+            </a:r>
+          </a:p>
+        </p:txBody>
+      </p:sp>
+      <p:sp>
+        <p:nvSpPr>
+          <p:cNvPr id="29" name="Textfeld 28">
+            <a:extLst>
+              <a:ext uri="{FF2B5EF4-FFF2-40B4-BE49-F238E27FC236}">
+                <a16:creationId xmlns:a16="http://schemas.microsoft.com/office/drawing/2014/main" id="{2433133F-C342-9573-89C8-763B53CF7369}"/>
+              </a:ext>
+            </a:extLst>
+          </p:cNvPr>
+          <p:cNvSpPr txBox="1"/>
+          <p:nvPr/>
+        </p:nvSpPr>
+        <p:spPr>
+          <a:xfrm>
+            <a:off x="11705051" y="3435156"/>
+            <a:ext cx="453970" cy="276999"/>
+          </a:xfrm>
+          <a:prstGeom prst="rect">
+            <a:avLst/>
+          </a:prstGeom>
+          <a:noFill/>
+        </p:spPr>
+        <p:txBody>
+          <a:bodyPr wrap="none" rtlCol="0">
+            <a:spAutoFit/>
+          </a:bodyPr>
+          <a:lstStyle/>
+          <a:p>
+            <a:r>
+              <a:rPr lang="de-DE" sz="1200" dirty="0">
+                <a:latin typeface="Times New Roman" panose="02020603050405020304" pitchFamily="18" charset="0"/>
+                <a:cs typeface="Times New Roman" panose="02020603050405020304" pitchFamily="18" charset="0"/>
+              </a:rPr>
+              <a:t>1 kb</a:t>
+            </a:r>
+          </a:p>
+        </p:txBody>
+      </p:sp>
+      <p:sp>
+        <p:nvSpPr>
+          <p:cNvPr id="30" name="Rechteck 29">
+            <a:extLst>
+              <a:ext uri="{FF2B5EF4-FFF2-40B4-BE49-F238E27FC236}">
+                <a16:creationId xmlns:a16="http://schemas.microsoft.com/office/drawing/2014/main" id="{7BBE1090-8045-36F1-F74F-2247FE19602B}"/>
+              </a:ext>
+            </a:extLst>
+          </p:cNvPr>
+          <p:cNvSpPr/>
+          <p:nvPr/>
+        </p:nvSpPr>
+        <p:spPr>
+          <a:xfrm>
+            <a:off x="1474757" y="1965960"/>
+            <a:ext cx="2640042" cy="503396"/>
+          </a:xfrm>
+          <a:prstGeom prst="rect">
+            <a:avLst/>
+          </a:prstGeom>
+          <a:solidFill>
+            <a:schemeClr val="accent2">
+              <a:lumMod val="60000"/>
+              <a:lumOff val="40000"/>
+            </a:schemeClr>
+          </a:solidFill>
+          <a:ln>
+            <a:noFill/>
+          </a:ln>
+        </p:spPr>
+        <p:style>
+          <a:lnRef idx="2">
+            <a:schemeClr val="accent1">
+              <a:shade val="50000"/>
+            </a:schemeClr>
+          </a:lnRef>
+          <a:fillRef idx="1">
+            <a:schemeClr val="accent1"/>
+          </a:fillRef>
+          <a:effectRef idx="0">
+            <a:schemeClr val="accent1"/>
+          </a:effectRef>
+          <a:fontRef idx="minor">
+            <a:schemeClr val="lt1"/>
+          </a:fontRef>
+        </p:style>
+        <p:txBody>
+          <a:bodyPr rtlCol="0" anchor="ctr"/>
+          <a:lstStyle/>
+          <a:p>
+            <a:pPr algn="ctr"/>
+            <a:r>
+              <a:rPr lang="de-DE" sz="1600" dirty="0">
+                <a:solidFill>
+                  <a:schemeClr val="bg1">
+                    <a:lumMod val="50000"/>
+                  </a:schemeClr>
+                </a:solidFill>
+                <a:latin typeface="Times New Roman" panose="02020603050405020304" pitchFamily="18" charset="0"/>
+                <a:cs typeface="Times New Roman" panose="02020603050405020304" pitchFamily="18" charset="0"/>
+              </a:rPr>
+              <a:t>Homologer Bereich</a:t>
+            </a:r>
+          </a:p>
+        </p:txBody>
+      </p:sp>
+    </p:spTree>
+    <p:extLst>
+      <p:ext uri="{BB962C8B-B14F-4D97-AF65-F5344CB8AC3E}">
+        <p14:creationId xmlns:p14="http://schemas.microsoft.com/office/powerpoint/2010/main" val="1815265686"/>
+      </p:ext>
+    </p:extLst>
+  </p:cSld>
+  <p:clrMapOvr>
+    <a:masterClrMapping/>
+  </p:clrMapOvr>
+</p:sld>
+</file>
+
 <file path=ppt/slides/slide2.xml><?xml version="1.0" encoding="utf-8"?>
 <p:sld xmlns:a="http://schemas.openxmlformats.org/drawingml/2006/main" xmlns:r="http://schemas.openxmlformats.org/officeDocument/2006/relationships" xmlns:p="http://schemas.openxmlformats.org/presentationml/2006/main">
   <p:cSld>
@@ -18717,6 +22551,4769 @@
     <p:extLst>
       <p:ext uri="{BB962C8B-B14F-4D97-AF65-F5344CB8AC3E}">
         <p14:creationId xmlns:p14="http://schemas.microsoft.com/office/powerpoint/2010/main" val="1602923604"/>
+      </p:ext>
+    </p:extLst>
+  </p:cSld>
+  <p:clrMapOvr>
+    <a:masterClrMapping/>
+  </p:clrMapOvr>
+</p:sld>
+</file>
+
+<file path=ppt/slides/slide20.xml><?xml version="1.0" encoding="utf-8"?>
+<p:sld xmlns:a="http://schemas.openxmlformats.org/drawingml/2006/main" xmlns:r="http://schemas.openxmlformats.org/officeDocument/2006/relationships" xmlns:p="http://schemas.openxmlformats.org/presentationml/2006/main">
+  <p:cSld>
+    <p:spTree>
+      <p:nvGrpSpPr>
+        <p:cNvPr id="1" name=""/>
+        <p:cNvGrpSpPr/>
+        <p:nvPr/>
+      </p:nvGrpSpPr>
+      <p:grpSpPr>
+        <a:xfrm>
+          <a:off x="0" y="0"/>
+          <a:ext cx="0" cy="0"/>
+          <a:chOff x="0" y="0"/>
+          <a:chExt cx="0" cy="0"/>
+        </a:xfrm>
+      </p:grpSpPr>
+      <p:pic>
+        <p:nvPicPr>
+          <p:cNvPr id="5" name="Grafik 4">
+            <a:extLst>
+              <a:ext uri="{FF2B5EF4-FFF2-40B4-BE49-F238E27FC236}">
+                <a16:creationId xmlns:a16="http://schemas.microsoft.com/office/drawing/2014/main" id="{5F4D2F5C-F52F-8415-D504-1301AF554331}"/>
+              </a:ext>
+            </a:extLst>
+          </p:cNvPr>
+          <p:cNvPicPr>
+            <a:picLocks noChangeAspect="1"/>
+          </p:cNvPicPr>
+          <p:nvPr/>
+        </p:nvPicPr>
+        <p:blipFill>
+          <a:blip r:embed="rId2"/>
+          <a:stretch>
+            <a:fillRect/>
+          </a:stretch>
+        </p:blipFill>
+        <p:spPr>
+          <a:xfrm>
+            <a:off x="726232" y="3505963"/>
+            <a:ext cx="2082282" cy="307438"/>
+          </a:xfrm>
+          <a:prstGeom prst="rect">
+            <a:avLst/>
+          </a:prstGeom>
+        </p:spPr>
+      </p:pic>
+      <p:pic>
+        <p:nvPicPr>
+          <p:cNvPr id="7" name="Grafik 6">
+            <a:extLst>
+              <a:ext uri="{FF2B5EF4-FFF2-40B4-BE49-F238E27FC236}">
+                <a16:creationId xmlns:a16="http://schemas.microsoft.com/office/drawing/2014/main" id="{29C7486A-7A2A-E527-EF28-C8D085806B90}"/>
+              </a:ext>
+            </a:extLst>
+          </p:cNvPr>
+          <p:cNvPicPr>
+            <a:picLocks noChangeAspect="1"/>
+          </p:cNvPicPr>
+          <p:nvPr/>
+        </p:nvPicPr>
+        <p:blipFill>
+          <a:blip r:embed="rId3"/>
+          <a:stretch>
+            <a:fillRect/>
+          </a:stretch>
+        </p:blipFill>
+        <p:spPr>
+          <a:xfrm>
+            <a:off x="726233" y="3162519"/>
+            <a:ext cx="545356" cy="343443"/>
+          </a:xfrm>
+          <a:prstGeom prst="rect">
+            <a:avLst/>
+          </a:prstGeom>
+        </p:spPr>
+      </p:pic>
+      <p:pic>
+        <p:nvPicPr>
+          <p:cNvPr id="9" name="Grafik 8">
+            <a:extLst>
+              <a:ext uri="{FF2B5EF4-FFF2-40B4-BE49-F238E27FC236}">
+                <a16:creationId xmlns:a16="http://schemas.microsoft.com/office/drawing/2014/main" id="{1E19CED6-11F0-31F4-18F8-67B4E2210F9B}"/>
+              </a:ext>
+            </a:extLst>
+          </p:cNvPr>
+          <p:cNvPicPr>
+            <a:picLocks noChangeAspect="1"/>
+          </p:cNvPicPr>
+          <p:nvPr/>
+        </p:nvPicPr>
+        <p:blipFill>
+          <a:blip r:embed="rId4"/>
+          <a:stretch>
+            <a:fillRect/>
+          </a:stretch>
+        </p:blipFill>
+        <p:spPr>
+          <a:xfrm>
+            <a:off x="1637256" y="3132690"/>
+            <a:ext cx="1171258" cy="200787"/>
+          </a:xfrm>
+          <a:prstGeom prst="rect">
+            <a:avLst/>
+          </a:prstGeom>
+        </p:spPr>
+      </p:pic>
+      <p:pic>
+        <p:nvPicPr>
+          <p:cNvPr id="11" name="Grafik 10">
+            <a:extLst>
+              <a:ext uri="{FF2B5EF4-FFF2-40B4-BE49-F238E27FC236}">
+                <a16:creationId xmlns:a16="http://schemas.microsoft.com/office/drawing/2014/main" id="{02770C44-7FFA-DA89-8BDA-3CCD1D20B52D}"/>
+              </a:ext>
+            </a:extLst>
+          </p:cNvPr>
+          <p:cNvPicPr>
+            <a:picLocks noChangeAspect="1"/>
+          </p:cNvPicPr>
+          <p:nvPr/>
+        </p:nvPicPr>
+        <p:blipFill>
+          <a:blip r:embed="rId5"/>
+          <a:stretch>
+            <a:fillRect/>
+          </a:stretch>
+        </p:blipFill>
+        <p:spPr>
+          <a:xfrm>
+            <a:off x="2057400" y="2911179"/>
+            <a:ext cx="208950" cy="200788"/>
+          </a:xfrm>
+          <a:prstGeom prst="rect">
+            <a:avLst/>
+          </a:prstGeom>
+        </p:spPr>
+      </p:pic>
+      <p:sp>
+        <p:nvSpPr>
+          <p:cNvPr id="12" name="Sechseck 11">
+            <a:extLst>
+              <a:ext uri="{FF2B5EF4-FFF2-40B4-BE49-F238E27FC236}">
+                <a16:creationId xmlns:a16="http://schemas.microsoft.com/office/drawing/2014/main" id="{34599A49-376F-A26C-B4AC-F1AA585D71EC}"/>
+              </a:ext>
+            </a:extLst>
+          </p:cNvPr>
+          <p:cNvSpPr/>
+          <p:nvPr/>
+        </p:nvSpPr>
+        <p:spPr>
+          <a:xfrm>
+            <a:off x="2247300" y="2947279"/>
+            <a:ext cx="152400" cy="128587"/>
+          </a:xfrm>
+          <a:prstGeom prst="hexagon">
+            <a:avLst/>
+          </a:prstGeom>
+        </p:spPr>
+        <p:style>
+          <a:lnRef idx="2">
+            <a:schemeClr val="dk1">
+              <a:shade val="50000"/>
+            </a:schemeClr>
+          </a:lnRef>
+          <a:fillRef idx="1">
+            <a:schemeClr val="dk1"/>
+          </a:fillRef>
+          <a:effectRef idx="0">
+            <a:schemeClr val="dk1"/>
+          </a:effectRef>
+          <a:fontRef idx="minor">
+            <a:schemeClr val="lt1"/>
+          </a:fontRef>
+        </p:style>
+        <p:txBody>
+          <a:bodyPr rtlCol="0" anchor="ctr"/>
+          <a:lstStyle/>
+          <a:p>
+            <a:pPr algn="ctr"/>
+            <a:r>
+              <a:rPr lang="de-DE" sz="800" dirty="0"/>
+              <a:t>Q</a:t>
+            </a:r>
+          </a:p>
+        </p:txBody>
+      </p:sp>
+      <p:cxnSp>
+        <p:nvCxnSpPr>
+          <p:cNvPr id="14" name="Gerader Verbinder 13">
+            <a:extLst>
+              <a:ext uri="{FF2B5EF4-FFF2-40B4-BE49-F238E27FC236}">
+                <a16:creationId xmlns:a16="http://schemas.microsoft.com/office/drawing/2014/main" id="{16705DBA-2F69-1084-8874-D2DE8F538098}"/>
+              </a:ext>
+            </a:extLst>
+          </p:cNvPr>
+          <p:cNvCxnSpPr>
+            <a:cxnSpLocks/>
+          </p:cNvCxnSpPr>
+          <p:nvPr/>
+        </p:nvCxnSpPr>
+        <p:spPr>
+          <a:xfrm flipH="1" flipV="1">
+            <a:off x="2288972" y="3073548"/>
+            <a:ext cx="4750" cy="88971"/>
+          </a:xfrm>
+          <a:prstGeom prst="line">
+            <a:avLst/>
+          </a:prstGeom>
+          <a:ln w="12700">
+            <a:solidFill>
+              <a:schemeClr val="tx1"/>
+            </a:solidFill>
+          </a:ln>
+        </p:spPr>
+        <p:style>
+          <a:lnRef idx="1">
+            <a:schemeClr val="accent1"/>
+          </a:lnRef>
+          <a:fillRef idx="0">
+            <a:schemeClr val="accent1"/>
+          </a:fillRef>
+          <a:effectRef idx="0">
+            <a:schemeClr val="accent1"/>
+          </a:effectRef>
+          <a:fontRef idx="minor">
+            <a:schemeClr val="tx1"/>
+          </a:fontRef>
+        </p:style>
+      </p:cxnSp>
+      <p:cxnSp>
+        <p:nvCxnSpPr>
+          <p:cNvPr id="16" name="Gerader Verbinder 15">
+            <a:extLst>
+              <a:ext uri="{FF2B5EF4-FFF2-40B4-BE49-F238E27FC236}">
+                <a16:creationId xmlns:a16="http://schemas.microsoft.com/office/drawing/2014/main" id="{51008866-5A20-C40F-A175-E0ABE3C57645}"/>
+              </a:ext>
+            </a:extLst>
+          </p:cNvPr>
+          <p:cNvCxnSpPr>
+            <a:cxnSpLocks/>
+          </p:cNvCxnSpPr>
+          <p:nvPr/>
+        </p:nvCxnSpPr>
+        <p:spPr>
+          <a:xfrm flipH="1" flipV="1">
+            <a:off x="2180619" y="3073548"/>
+            <a:ext cx="4750" cy="88971"/>
+          </a:xfrm>
+          <a:prstGeom prst="line">
+            <a:avLst/>
+          </a:prstGeom>
+          <a:ln w="12700">
+            <a:solidFill>
+              <a:schemeClr val="tx1"/>
+            </a:solidFill>
+          </a:ln>
+        </p:spPr>
+        <p:style>
+          <a:lnRef idx="1">
+            <a:schemeClr val="accent1"/>
+          </a:lnRef>
+          <a:fillRef idx="0">
+            <a:schemeClr val="accent1"/>
+          </a:fillRef>
+          <a:effectRef idx="0">
+            <a:schemeClr val="accent1"/>
+          </a:effectRef>
+          <a:fontRef idx="minor">
+            <a:schemeClr val="tx1"/>
+          </a:fontRef>
+        </p:style>
+      </p:cxnSp>
+    </p:spTree>
+    <p:extLst>
+      <p:ext uri="{BB962C8B-B14F-4D97-AF65-F5344CB8AC3E}">
+        <p14:creationId xmlns:p14="http://schemas.microsoft.com/office/powerpoint/2010/main" val="1825793501"/>
+      </p:ext>
+    </p:extLst>
+  </p:cSld>
+  <p:clrMapOvr>
+    <a:masterClrMapping/>
+  </p:clrMapOvr>
+</p:sld>
+</file>
+
+<file path=ppt/slides/slide21.xml><?xml version="1.0" encoding="utf-8"?>
+<p:sld xmlns:a="http://schemas.openxmlformats.org/drawingml/2006/main" xmlns:r="http://schemas.openxmlformats.org/officeDocument/2006/relationships" xmlns:p="http://schemas.openxmlformats.org/presentationml/2006/main">
+  <p:cSld>
+    <p:spTree>
+      <p:nvGrpSpPr>
+        <p:cNvPr id="1" name=""/>
+        <p:cNvGrpSpPr/>
+        <p:nvPr/>
+      </p:nvGrpSpPr>
+      <p:grpSpPr>
+        <a:xfrm>
+          <a:off x="0" y="0"/>
+          <a:ext cx="0" cy="0"/>
+          <a:chOff x="0" y="0"/>
+          <a:chExt cx="0" cy="0"/>
+        </a:xfrm>
+      </p:grpSpPr>
+      <p:pic>
+        <p:nvPicPr>
+          <p:cNvPr id="7" name="Grafik 6">
+            <a:extLst>
+              <a:ext uri="{FF2B5EF4-FFF2-40B4-BE49-F238E27FC236}">
+                <a16:creationId xmlns:a16="http://schemas.microsoft.com/office/drawing/2014/main" id="{EBD280F5-641C-A929-A2DD-32C5C84EA08B}"/>
+              </a:ext>
+            </a:extLst>
+          </p:cNvPr>
+          <p:cNvPicPr>
+            <a:picLocks noChangeAspect="1"/>
+          </p:cNvPicPr>
+          <p:nvPr/>
+        </p:nvPicPr>
+        <p:blipFill>
+          <a:blip r:embed="rId2"/>
+          <a:stretch>
+            <a:fillRect/>
+          </a:stretch>
+        </p:blipFill>
+        <p:spPr>
+          <a:xfrm>
+            <a:off x="987293" y="1685245"/>
+            <a:ext cx="10217413" cy="3847809"/>
+          </a:xfrm>
+          <a:prstGeom prst="rect">
+            <a:avLst/>
+          </a:prstGeom>
+        </p:spPr>
+      </p:pic>
+      <p:sp>
+        <p:nvSpPr>
+          <p:cNvPr id="8" name="Rechteck 7">
+            <a:extLst>
+              <a:ext uri="{FF2B5EF4-FFF2-40B4-BE49-F238E27FC236}">
+                <a16:creationId xmlns:a16="http://schemas.microsoft.com/office/drawing/2014/main" id="{B2EA315A-2ADE-5A27-E6B9-4F3B485DC9E2}"/>
+              </a:ext>
+            </a:extLst>
+          </p:cNvPr>
+          <p:cNvSpPr/>
+          <p:nvPr/>
+        </p:nvSpPr>
+        <p:spPr>
+          <a:xfrm>
+            <a:off x="9227976" y="2752531"/>
+            <a:ext cx="242595" cy="419877"/>
+          </a:xfrm>
+          <a:prstGeom prst="rect">
+            <a:avLst/>
+          </a:prstGeom>
+          <a:solidFill>
+            <a:schemeClr val="bg1">
+              <a:lumMod val="85000"/>
+            </a:schemeClr>
+          </a:solidFill>
+          <a:ln>
+            <a:noFill/>
+          </a:ln>
+        </p:spPr>
+        <p:style>
+          <a:lnRef idx="2">
+            <a:schemeClr val="accent1">
+              <a:shade val="50000"/>
+            </a:schemeClr>
+          </a:lnRef>
+          <a:fillRef idx="1">
+            <a:schemeClr val="accent1"/>
+          </a:fillRef>
+          <a:effectRef idx="0">
+            <a:schemeClr val="accent1"/>
+          </a:effectRef>
+          <a:fontRef idx="minor">
+            <a:schemeClr val="lt1"/>
+          </a:fontRef>
+        </p:style>
+        <p:txBody>
+          <a:bodyPr rtlCol="0" anchor="ctr"/>
+          <a:lstStyle/>
+          <a:p>
+            <a:pPr algn="ctr"/>
+            <a:r>
+              <a:rPr lang="de-DE" sz="3600" dirty="0">
+                <a:solidFill>
+                  <a:schemeClr val="tx1"/>
+                </a:solidFill>
+              </a:rPr>
+              <a:t>F</a:t>
+            </a:r>
+          </a:p>
+        </p:txBody>
+      </p:sp>
+      <p:sp>
+        <p:nvSpPr>
+          <p:cNvPr id="9" name="Rechteck 8">
+            <a:extLst>
+              <a:ext uri="{FF2B5EF4-FFF2-40B4-BE49-F238E27FC236}">
+                <a16:creationId xmlns:a16="http://schemas.microsoft.com/office/drawing/2014/main" id="{7B4CD90B-3C74-D785-D484-4E6DBA7A7D24}"/>
+              </a:ext>
+            </a:extLst>
+          </p:cNvPr>
+          <p:cNvSpPr/>
+          <p:nvPr/>
+        </p:nvSpPr>
+        <p:spPr>
+          <a:xfrm>
+            <a:off x="6212304" y="3847040"/>
+            <a:ext cx="271623" cy="355505"/>
+          </a:xfrm>
+          <a:prstGeom prst="rect">
+            <a:avLst/>
+          </a:prstGeom>
+          <a:solidFill>
+            <a:schemeClr val="bg1">
+              <a:lumMod val="85000"/>
+            </a:schemeClr>
+          </a:solidFill>
+          <a:ln>
+            <a:noFill/>
+          </a:ln>
+        </p:spPr>
+        <p:style>
+          <a:lnRef idx="2">
+            <a:schemeClr val="accent1">
+              <a:shade val="50000"/>
+            </a:schemeClr>
+          </a:lnRef>
+          <a:fillRef idx="1">
+            <a:schemeClr val="accent1"/>
+          </a:fillRef>
+          <a:effectRef idx="0">
+            <a:schemeClr val="accent1"/>
+          </a:effectRef>
+          <a:fontRef idx="minor">
+            <a:schemeClr val="lt1"/>
+          </a:fontRef>
+        </p:style>
+        <p:txBody>
+          <a:bodyPr rtlCol="0" anchor="ctr"/>
+          <a:lstStyle/>
+          <a:p>
+            <a:pPr algn="ctr"/>
+            <a:r>
+              <a:rPr lang="de-DE" sz="3600" dirty="0">
+                <a:solidFill>
+                  <a:schemeClr val="tx1"/>
+                </a:solidFill>
+              </a:rPr>
+              <a:t>Q</a:t>
+            </a:r>
+          </a:p>
+        </p:txBody>
+      </p:sp>
+      <p:grpSp>
+        <p:nvGrpSpPr>
+          <p:cNvPr id="43" name="Gruppieren 42">
+            <a:extLst>
+              <a:ext uri="{FF2B5EF4-FFF2-40B4-BE49-F238E27FC236}">
+                <a16:creationId xmlns:a16="http://schemas.microsoft.com/office/drawing/2014/main" id="{8CA966BD-7829-6D51-88C7-9D9B089CF25B}"/>
+              </a:ext>
+            </a:extLst>
+          </p:cNvPr>
+          <p:cNvGrpSpPr/>
+          <p:nvPr/>
+        </p:nvGrpSpPr>
+        <p:grpSpPr>
+          <a:xfrm>
+            <a:off x="6343340" y="4212905"/>
+            <a:ext cx="133920" cy="47880"/>
+            <a:chOff x="6343340" y="4212905"/>
+            <a:chExt cx="133920" cy="47880"/>
+          </a:xfrm>
+        </p:grpSpPr>
+        <mc:AlternateContent xmlns:mc="http://schemas.openxmlformats.org/markup-compatibility/2006" xmlns:p14="http://schemas.microsoft.com/office/powerpoint/2010/main">
+          <mc:Choice Requires="p14">
+            <p:contentPart p14:bwMode="auto" r:id="rId3">
+              <p14:nvContentPartPr>
+                <p14:cNvPr id="12" name="Freihand 11">
+                  <a:extLst>
+                    <a:ext uri="{FF2B5EF4-FFF2-40B4-BE49-F238E27FC236}">
+                      <a16:creationId xmlns:a16="http://schemas.microsoft.com/office/drawing/2014/main" id="{1A3FC03D-2333-0715-BCF3-FB1FE2F0BA9A}"/>
+                    </a:ext>
+                  </a:extLst>
+                </p14:cNvPr>
+                <p14:cNvContentPartPr/>
+                <p14:nvPr/>
+              </p14:nvContentPartPr>
+              <p14:xfrm>
+                <a:off x="6343340" y="4212905"/>
+                <a:ext cx="64800" cy="6840"/>
+              </p14:xfrm>
+            </p:contentPart>
+          </mc:Choice>
+          <mc:Fallback xmlns="">
+            <p:pic>
+              <p:nvPicPr>
+                <p:cNvPr id="12" name="Freihand 11">
+                  <a:extLst>
+                    <a:ext uri="{FF2B5EF4-FFF2-40B4-BE49-F238E27FC236}">
+                      <a16:creationId xmlns:a16="http://schemas.microsoft.com/office/drawing/2014/main" id="{1A3FC03D-2333-0715-BCF3-FB1FE2F0BA9A}"/>
+                    </a:ext>
+                  </a:extLst>
+                </p:cNvPr>
+                <p:cNvPicPr/>
+                <p:nvPr/>
+              </p:nvPicPr>
+              <p:blipFill>
+                <a:blip r:embed="rId4"/>
+                <a:stretch>
+                  <a:fillRect/>
+                </a:stretch>
+              </p:blipFill>
+              <p:spPr>
+                <a:xfrm>
+                  <a:off x="6334700" y="4204265"/>
+                  <a:ext cx="82440" cy="24480"/>
+                </a:xfrm>
+                <a:prstGeom prst="rect">
+                  <a:avLst/>
+                </a:prstGeom>
+              </p:spPr>
+            </p:pic>
+          </mc:Fallback>
+        </mc:AlternateContent>
+        <mc:AlternateContent xmlns:mc="http://schemas.openxmlformats.org/markup-compatibility/2006" xmlns:p14="http://schemas.microsoft.com/office/powerpoint/2010/main">
+          <mc:Choice Requires="p14">
+            <p:contentPart p14:bwMode="auto" r:id="rId5">
+              <p14:nvContentPartPr>
+                <p14:cNvPr id="13" name="Freihand 12">
+                  <a:extLst>
+                    <a:ext uri="{FF2B5EF4-FFF2-40B4-BE49-F238E27FC236}">
+                      <a16:creationId xmlns:a16="http://schemas.microsoft.com/office/drawing/2014/main" id="{A6DFEBA1-34FF-032E-147B-F3383A0325F8}"/>
+                    </a:ext>
+                  </a:extLst>
+                </p14:cNvPr>
+                <p14:cNvContentPartPr/>
+                <p14:nvPr/>
+              </p14:nvContentPartPr>
+              <p14:xfrm>
+                <a:off x="6381500" y="4212905"/>
+                <a:ext cx="360" cy="360"/>
+              </p14:xfrm>
+            </p:contentPart>
+          </mc:Choice>
+          <mc:Fallback xmlns="">
+            <p:pic>
+              <p:nvPicPr>
+                <p:cNvPr id="13" name="Freihand 12">
+                  <a:extLst>
+                    <a:ext uri="{FF2B5EF4-FFF2-40B4-BE49-F238E27FC236}">
+                      <a16:creationId xmlns:a16="http://schemas.microsoft.com/office/drawing/2014/main" id="{A6DFEBA1-34FF-032E-147B-F3383A0325F8}"/>
+                    </a:ext>
+                  </a:extLst>
+                </p:cNvPr>
+                <p:cNvPicPr/>
+                <p:nvPr/>
+              </p:nvPicPr>
+              <p:blipFill>
+                <a:blip r:embed="rId6"/>
+                <a:stretch>
+                  <a:fillRect/>
+                </a:stretch>
+              </p:blipFill>
+              <p:spPr>
+                <a:xfrm>
+                  <a:off x="6372860" y="4204265"/>
+                  <a:ext cx="18000" cy="18000"/>
+                </a:xfrm>
+                <a:prstGeom prst="rect">
+                  <a:avLst/>
+                </a:prstGeom>
+              </p:spPr>
+            </p:pic>
+          </mc:Fallback>
+        </mc:AlternateContent>
+        <mc:AlternateContent xmlns:mc="http://schemas.openxmlformats.org/markup-compatibility/2006" xmlns:p14="http://schemas.microsoft.com/office/powerpoint/2010/main">
+          <mc:Choice Requires="p14">
+            <p:contentPart p14:bwMode="auto" r:id="rId7">
+              <p14:nvContentPartPr>
+                <p14:cNvPr id="16" name="Freihand 15">
+                  <a:extLst>
+                    <a:ext uri="{FF2B5EF4-FFF2-40B4-BE49-F238E27FC236}">
+                      <a16:creationId xmlns:a16="http://schemas.microsoft.com/office/drawing/2014/main" id="{3BEC4857-EDD8-0E24-9930-F063A3CEF3D4}"/>
+                    </a:ext>
+                  </a:extLst>
+                </p14:cNvPr>
+                <p14:cNvContentPartPr/>
+                <p14:nvPr/>
+              </p14:nvContentPartPr>
+              <p14:xfrm>
+                <a:off x="6378260" y="4216145"/>
+                <a:ext cx="360" cy="360"/>
+              </p14:xfrm>
+            </p:contentPart>
+          </mc:Choice>
+          <mc:Fallback xmlns="">
+            <p:pic>
+              <p:nvPicPr>
+                <p:cNvPr id="16" name="Freihand 15">
+                  <a:extLst>
+                    <a:ext uri="{FF2B5EF4-FFF2-40B4-BE49-F238E27FC236}">
+                      <a16:creationId xmlns:a16="http://schemas.microsoft.com/office/drawing/2014/main" id="{3BEC4857-EDD8-0E24-9930-F063A3CEF3D4}"/>
+                    </a:ext>
+                  </a:extLst>
+                </p:cNvPr>
+                <p:cNvPicPr/>
+                <p:nvPr/>
+              </p:nvPicPr>
+              <p:blipFill>
+                <a:blip r:embed="rId6"/>
+                <a:stretch>
+                  <a:fillRect/>
+                </a:stretch>
+              </p:blipFill>
+              <p:spPr>
+                <a:xfrm>
+                  <a:off x="6369620" y="4207505"/>
+                  <a:ext cx="18000" cy="18000"/>
+                </a:xfrm>
+                <a:prstGeom prst="rect">
+                  <a:avLst/>
+                </a:prstGeom>
+              </p:spPr>
+            </p:pic>
+          </mc:Fallback>
+        </mc:AlternateContent>
+        <mc:AlternateContent xmlns:mc="http://schemas.openxmlformats.org/markup-compatibility/2006" xmlns:p14="http://schemas.microsoft.com/office/powerpoint/2010/main">
+          <mc:Choice Requires="p14">
+            <p:contentPart p14:bwMode="auto" r:id="rId8">
+              <p14:nvContentPartPr>
+                <p14:cNvPr id="17" name="Freihand 16">
+                  <a:extLst>
+                    <a:ext uri="{FF2B5EF4-FFF2-40B4-BE49-F238E27FC236}">
+                      <a16:creationId xmlns:a16="http://schemas.microsoft.com/office/drawing/2014/main" id="{A5689C1E-F90A-8F50-5D27-FF6AB8519B47}"/>
+                    </a:ext>
+                  </a:extLst>
+                </p14:cNvPr>
+                <p14:cNvContentPartPr/>
+                <p14:nvPr/>
+              </p14:nvContentPartPr>
+              <p14:xfrm>
+                <a:off x="6368900" y="4212905"/>
+                <a:ext cx="360" cy="360"/>
+              </p14:xfrm>
+            </p:contentPart>
+          </mc:Choice>
+          <mc:Fallback xmlns="">
+            <p:pic>
+              <p:nvPicPr>
+                <p:cNvPr id="17" name="Freihand 16">
+                  <a:extLst>
+                    <a:ext uri="{FF2B5EF4-FFF2-40B4-BE49-F238E27FC236}">
+                      <a16:creationId xmlns:a16="http://schemas.microsoft.com/office/drawing/2014/main" id="{A5689C1E-F90A-8F50-5D27-FF6AB8519B47}"/>
+                    </a:ext>
+                  </a:extLst>
+                </p:cNvPr>
+                <p:cNvPicPr/>
+                <p:nvPr/>
+              </p:nvPicPr>
+              <p:blipFill>
+                <a:blip r:embed="rId6"/>
+                <a:stretch>
+                  <a:fillRect/>
+                </a:stretch>
+              </p:blipFill>
+              <p:spPr>
+                <a:xfrm>
+                  <a:off x="6359900" y="4204265"/>
+                  <a:ext cx="18000" cy="18000"/>
+                </a:xfrm>
+                <a:prstGeom prst="rect">
+                  <a:avLst/>
+                </a:prstGeom>
+              </p:spPr>
+            </p:pic>
+          </mc:Fallback>
+        </mc:AlternateContent>
+        <mc:AlternateContent xmlns:mc="http://schemas.openxmlformats.org/markup-compatibility/2006" xmlns:p14="http://schemas.microsoft.com/office/powerpoint/2010/main">
+          <mc:Choice Requires="p14">
+            <p:contentPart p14:bwMode="auto" r:id="rId9">
+              <p14:nvContentPartPr>
+                <p14:cNvPr id="18" name="Freihand 17">
+                  <a:extLst>
+                    <a:ext uri="{FF2B5EF4-FFF2-40B4-BE49-F238E27FC236}">
+                      <a16:creationId xmlns:a16="http://schemas.microsoft.com/office/drawing/2014/main" id="{DEA0B4EF-7BD6-8DD6-AF0E-A748B71942F8}"/>
+                    </a:ext>
+                  </a:extLst>
+                </p14:cNvPr>
+                <p14:cNvContentPartPr/>
+                <p14:nvPr/>
+              </p14:nvContentPartPr>
+              <p14:xfrm>
+                <a:off x="6384740" y="4222625"/>
+                <a:ext cx="720" cy="360"/>
+              </p14:xfrm>
+            </p:contentPart>
+          </mc:Choice>
+          <mc:Fallback xmlns="">
+            <p:pic>
+              <p:nvPicPr>
+                <p:cNvPr id="18" name="Freihand 17">
+                  <a:extLst>
+                    <a:ext uri="{FF2B5EF4-FFF2-40B4-BE49-F238E27FC236}">
+                      <a16:creationId xmlns:a16="http://schemas.microsoft.com/office/drawing/2014/main" id="{DEA0B4EF-7BD6-8DD6-AF0E-A748B71942F8}"/>
+                    </a:ext>
+                  </a:extLst>
+                </p:cNvPr>
+                <p:cNvPicPr/>
+                <p:nvPr/>
+              </p:nvPicPr>
+              <p:blipFill>
+                <a:blip r:embed="rId6"/>
+                <a:stretch>
+                  <a:fillRect/>
+                </a:stretch>
+              </p:blipFill>
+              <p:spPr>
+                <a:xfrm>
+                  <a:off x="6375740" y="4213625"/>
+                  <a:ext cx="18360" cy="18000"/>
+                </a:xfrm>
+                <a:prstGeom prst="rect">
+                  <a:avLst/>
+                </a:prstGeom>
+              </p:spPr>
+            </p:pic>
+          </mc:Fallback>
+        </mc:AlternateContent>
+        <mc:AlternateContent xmlns:mc="http://schemas.openxmlformats.org/markup-compatibility/2006" xmlns:p14="http://schemas.microsoft.com/office/powerpoint/2010/main">
+          <mc:Choice Requires="p14">
+            <p:contentPart p14:bwMode="auto" r:id="rId10">
+              <p14:nvContentPartPr>
+                <p14:cNvPr id="19" name="Freihand 18">
+                  <a:extLst>
+                    <a:ext uri="{FF2B5EF4-FFF2-40B4-BE49-F238E27FC236}">
+                      <a16:creationId xmlns:a16="http://schemas.microsoft.com/office/drawing/2014/main" id="{B25DFBBE-A6D3-C3FF-2B75-5C973318B068}"/>
+                    </a:ext>
+                  </a:extLst>
+                </p14:cNvPr>
+                <p14:cNvContentPartPr/>
+                <p14:nvPr/>
+              </p14:nvContentPartPr>
+              <p14:xfrm>
+                <a:off x="6397340" y="4216145"/>
+                <a:ext cx="360" cy="360"/>
+              </p14:xfrm>
+            </p:contentPart>
+          </mc:Choice>
+          <mc:Fallback xmlns="">
+            <p:pic>
+              <p:nvPicPr>
+                <p:cNvPr id="19" name="Freihand 18">
+                  <a:extLst>
+                    <a:ext uri="{FF2B5EF4-FFF2-40B4-BE49-F238E27FC236}">
+                      <a16:creationId xmlns:a16="http://schemas.microsoft.com/office/drawing/2014/main" id="{B25DFBBE-A6D3-C3FF-2B75-5C973318B068}"/>
+                    </a:ext>
+                  </a:extLst>
+                </p:cNvPr>
+                <p:cNvPicPr/>
+                <p:nvPr/>
+              </p:nvPicPr>
+              <p:blipFill>
+                <a:blip r:embed="rId6"/>
+                <a:stretch>
+                  <a:fillRect/>
+                </a:stretch>
+              </p:blipFill>
+              <p:spPr>
+                <a:xfrm>
+                  <a:off x="6388340" y="4207505"/>
+                  <a:ext cx="18000" cy="18000"/>
+                </a:xfrm>
+                <a:prstGeom prst="rect">
+                  <a:avLst/>
+                </a:prstGeom>
+              </p:spPr>
+            </p:pic>
+          </mc:Fallback>
+        </mc:AlternateContent>
+        <mc:AlternateContent xmlns:mc="http://schemas.openxmlformats.org/markup-compatibility/2006" xmlns:p14="http://schemas.microsoft.com/office/powerpoint/2010/main">
+          <mc:Choice Requires="p14">
+            <p:contentPart p14:bwMode="auto" r:id="rId11">
+              <p14:nvContentPartPr>
+                <p14:cNvPr id="20" name="Freihand 19">
+                  <a:extLst>
+                    <a:ext uri="{FF2B5EF4-FFF2-40B4-BE49-F238E27FC236}">
+                      <a16:creationId xmlns:a16="http://schemas.microsoft.com/office/drawing/2014/main" id="{477D8A1F-2A8C-8FA3-D1EE-A2A03F081B2D}"/>
+                    </a:ext>
+                  </a:extLst>
+                </p14:cNvPr>
+                <p14:cNvContentPartPr/>
+                <p14:nvPr/>
+              </p14:nvContentPartPr>
+              <p14:xfrm>
+                <a:off x="6419660" y="4225505"/>
+                <a:ext cx="360" cy="360"/>
+              </p14:xfrm>
+            </p:contentPart>
+          </mc:Choice>
+          <mc:Fallback xmlns="">
+            <p:pic>
+              <p:nvPicPr>
+                <p:cNvPr id="20" name="Freihand 19">
+                  <a:extLst>
+                    <a:ext uri="{FF2B5EF4-FFF2-40B4-BE49-F238E27FC236}">
+                      <a16:creationId xmlns:a16="http://schemas.microsoft.com/office/drawing/2014/main" id="{477D8A1F-2A8C-8FA3-D1EE-A2A03F081B2D}"/>
+                    </a:ext>
+                  </a:extLst>
+                </p:cNvPr>
+                <p:cNvPicPr/>
+                <p:nvPr/>
+              </p:nvPicPr>
+              <p:blipFill>
+                <a:blip r:embed="rId6"/>
+                <a:stretch>
+                  <a:fillRect/>
+                </a:stretch>
+              </p:blipFill>
+              <p:spPr>
+                <a:xfrm>
+                  <a:off x="6411020" y="4216865"/>
+                  <a:ext cx="18000" cy="18000"/>
+                </a:xfrm>
+                <a:prstGeom prst="rect">
+                  <a:avLst/>
+                </a:prstGeom>
+              </p:spPr>
+            </p:pic>
+          </mc:Fallback>
+        </mc:AlternateContent>
+        <mc:AlternateContent xmlns:mc="http://schemas.openxmlformats.org/markup-compatibility/2006" xmlns:p14="http://schemas.microsoft.com/office/powerpoint/2010/main">
+          <mc:Choice Requires="p14">
+            <p:contentPart p14:bwMode="auto" r:id="rId12">
+              <p14:nvContentPartPr>
+                <p14:cNvPr id="21" name="Freihand 20">
+                  <a:extLst>
+                    <a:ext uri="{FF2B5EF4-FFF2-40B4-BE49-F238E27FC236}">
+                      <a16:creationId xmlns:a16="http://schemas.microsoft.com/office/drawing/2014/main" id="{92088945-E2C8-88C2-AE7B-AC5C6A41EF89}"/>
+                    </a:ext>
+                  </a:extLst>
+                </p14:cNvPr>
+                <p14:cNvContentPartPr/>
+                <p14:nvPr/>
+              </p14:nvContentPartPr>
+              <p14:xfrm>
+                <a:off x="6368900" y="4228745"/>
+                <a:ext cx="108000" cy="25200"/>
+              </p14:xfrm>
+            </p:contentPart>
+          </mc:Choice>
+          <mc:Fallback xmlns="">
+            <p:pic>
+              <p:nvPicPr>
+                <p:cNvPr id="21" name="Freihand 20">
+                  <a:extLst>
+                    <a:ext uri="{FF2B5EF4-FFF2-40B4-BE49-F238E27FC236}">
+                      <a16:creationId xmlns:a16="http://schemas.microsoft.com/office/drawing/2014/main" id="{92088945-E2C8-88C2-AE7B-AC5C6A41EF89}"/>
+                    </a:ext>
+                  </a:extLst>
+                </p:cNvPr>
+                <p:cNvPicPr/>
+                <p:nvPr/>
+              </p:nvPicPr>
+              <p:blipFill>
+                <a:blip r:embed="rId13"/>
+                <a:stretch>
+                  <a:fillRect/>
+                </a:stretch>
+              </p:blipFill>
+              <p:spPr>
+                <a:xfrm>
+                  <a:off x="6359900" y="4219745"/>
+                  <a:ext cx="125640" cy="42840"/>
+                </a:xfrm>
+                <a:prstGeom prst="rect">
+                  <a:avLst/>
+                </a:prstGeom>
+              </p:spPr>
+            </p:pic>
+          </mc:Fallback>
+        </mc:AlternateContent>
+        <mc:AlternateContent xmlns:mc="http://schemas.openxmlformats.org/markup-compatibility/2006" xmlns:p14="http://schemas.microsoft.com/office/powerpoint/2010/main">
+          <mc:Choice Requires="p14">
+            <p:contentPart p14:bwMode="auto" r:id="rId14">
+              <p14:nvContentPartPr>
+                <p14:cNvPr id="23" name="Freihand 22">
+                  <a:extLst>
+                    <a:ext uri="{FF2B5EF4-FFF2-40B4-BE49-F238E27FC236}">
+                      <a16:creationId xmlns:a16="http://schemas.microsoft.com/office/drawing/2014/main" id="{7CE4171B-4CE0-B3A1-EE36-72AB75A096AB}"/>
+                    </a:ext>
+                  </a:extLst>
+                </p14:cNvPr>
+                <p14:cNvContentPartPr/>
+                <p14:nvPr/>
+              </p14:nvContentPartPr>
+              <p14:xfrm>
+                <a:off x="6454580" y="4216145"/>
+                <a:ext cx="360" cy="360"/>
+              </p14:xfrm>
+            </p:contentPart>
+          </mc:Choice>
+          <mc:Fallback xmlns="">
+            <p:pic>
+              <p:nvPicPr>
+                <p:cNvPr id="23" name="Freihand 22">
+                  <a:extLst>
+                    <a:ext uri="{FF2B5EF4-FFF2-40B4-BE49-F238E27FC236}">
+                      <a16:creationId xmlns:a16="http://schemas.microsoft.com/office/drawing/2014/main" id="{7CE4171B-4CE0-B3A1-EE36-72AB75A096AB}"/>
+                    </a:ext>
+                  </a:extLst>
+                </p:cNvPr>
+                <p:cNvPicPr/>
+                <p:nvPr/>
+              </p:nvPicPr>
+              <p:blipFill>
+                <a:blip r:embed="rId6"/>
+                <a:stretch>
+                  <a:fillRect/>
+                </a:stretch>
+              </p:blipFill>
+              <p:spPr>
+                <a:xfrm>
+                  <a:off x="6445580" y="4207505"/>
+                  <a:ext cx="18000" cy="18000"/>
+                </a:xfrm>
+                <a:prstGeom prst="rect">
+                  <a:avLst/>
+                </a:prstGeom>
+              </p:spPr>
+            </p:pic>
+          </mc:Fallback>
+        </mc:AlternateContent>
+        <mc:AlternateContent xmlns:mc="http://schemas.openxmlformats.org/markup-compatibility/2006" xmlns:p14="http://schemas.microsoft.com/office/powerpoint/2010/main">
+          <mc:Choice Requires="p14">
+            <p:contentPart p14:bwMode="auto" r:id="rId15">
+              <p14:nvContentPartPr>
+                <p14:cNvPr id="24" name="Freihand 23">
+                  <a:extLst>
+                    <a:ext uri="{FF2B5EF4-FFF2-40B4-BE49-F238E27FC236}">
+                      <a16:creationId xmlns:a16="http://schemas.microsoft.com/office/drawing/2014/main" id="{38D2BE9F-1625-69C9-9FA1-5BFEA06EE62D}"/>
+                    </a:ext>
+                  </a:extLst>
+                </p14:cNvPr>
+                <p14:cNvContentPartPr/>
+                <p14:nvPr/>
+              </p14:nvContentPartPr>
+              <p14:xfrm>
+                <a:off x="6435500" y="4222625"/>
+                <a:ext cx="360" cy="360"/>
+              </p14:xfrm>
+            </p:contentPart>
+          </mc:Choice>
+          <mc:Fallback xmlns="">
+            <p:pic>
+              <p:nvPicPr>
+                <p:cNvPr id="24" name="Freihand 23">
+                  <a:extLst>
+                    <a:ext uri="{FF2B5EF4-FFF2-40B4-BE49-F238E27FC236}">
+                      <a16:creationId xmlns:a16="http://schemas.microsoft.com/office/drawing/2014/main" id="{38D2BE9F-1625-69C9-9FA1-5BFEA06EE62D}"/>
+                    </a:ext>
+                  </a:extLst>
+                </p:cNvPr>
+                <p:cNvPicPr/>
+                <p:nvPr/>
+              </p:nvPicPr>
+              <p:blipFill>
+                <a:blip r:embed="rId6"/>
+                <a:stretch>
+                  <a:fillRect/>
+                </a:stretch>
+              </p:blipFill>
+              <p:spPr>
+                <a:xfrm>
+                  <a:off x="6426500" y="4213625"/>
+                  <a:ext cx="18000" cy="18000"/>
+                </a:xfrm>
+                <a:prstGeom prst="rect">
+                  <a:avLst/>
+                </a:prstGeom>
+              </p:spPr>
+            </p:pic>
+          </mc:Fallback>
+        </mc:AlternateContent>
+        <mc:AlternateContent xmlns:mc="http://schemas.openxmlformats.org/markup-compatibility/2006" xmlns:p14="http://schemas.microsoft.com/office/powerpoint/2010/main">
+          <mc:Choice Requires="p14">
+            <p:contentPart p14:bwMode="auto" r:id="rId16">
+              <p14:nvContentPartPr>
+                <p14:cNvPr id="25" name="Freihand 24">
+                  <a:extLst>
+                    <a:ext uri="{FF2B5EF4-FFF2-40B4-BE49-F238E27FC236}">
+                      <a16:creationId xmlns:a16="http://schemas.microsoft.com/office/drawing/2014/main" id="{29CDC9D9-486E-583C-3A54-36F3D4E3BE4E}"/>
+                    </a:ext>
+                  </a:extLst>
+                </p14:cNvPr>
+                <p14:cNvContentPartPr/>
+                <p14:nvPr/>
+              </p14:nvContentPartPr>
+              <p14:xfrm>
+                <a:off x="6461060" y="4222625"/>
+                <a:ext cx="360" cy="360"/>
+              </p14:xfrm>
+            </p:contentPart>
+          </mc:Choice>
+          <mc:Fallback xmlns="">
+            <p:pic>
+              <p:nvPicPr>
+                <p:cNvPr id="25" name="Freihand 24">
+                  <a:extLst>
+                    <a:ext uri="{FF2B5EF4-FFF2-40B4-BE49-F238E27FC236}">
+                      <a16:creationId xmlns:a16="http://schemas.microsoft.com/office/drawing/2014/main" id="{29CDC9D9-486E-583C-3A54-36F3D4E3BE4E}"/>
+                    </a:ext>
+                  </a:extLst>
+                </p:cNvPr>
+                <p:cNvPicPr/>
+                <p:nvPr/>
+              </p:nvPicPr>
+              <p:blipFill>
+                <a:blip r:embed="rId6"/>
+                <a:stretch>
+                  <a:fillRect/>
+                </a:stretch>
+              </p:blipFill>
+              <p:spPr>
+                <a:xfrm>
+                  <a:off x="6452060" y="4213625"/>
+                  <a:ext cx="18000" cy="18000"/>
+                </a:xfrm>
+                <a:prstGeom prst="rect">
+                  <a:avLst/>
+                </a:prstGeom>
+              </p:spPr>
+            </p:pic>
+          </mc:Fallback>
+        </mc:AlternateContent>
+        <mc:AlternateContent xmlns:mc="http://schemas.openxmlformats.org/markup-compatibility/2006" xmlns:p14="http://schemas.microsoft.com/office/powerpoint/2010/main">
+          <mc:Choice Requires="p14">
+            <p:contentPart p14:bwMode="auto" r:id="rId17">
+              <p14:nvContentPartPr>
+                <p14:cNvPr id="27" name="Freihand 26">
+                  <a:extLst>
+                    <a:ext uri="{FF2B5EF4-FFF2-40B4-BE49-F238E27FC236}">
+                      <a16:creationId xmlns:a16="http://schemas.microsoft.com/office/drawing/2014/main" id="{45FA64FA-072F-C608-FDB1-078235930CAA}"/>
+                    </a:ext>
+                  </a:extLst>
+                </p14:cNvPr>
+                <p14:cNvContentPartPr/>
+                <p14:nvPr/>
+              </p14:nvContentPartPr>
+              <p14:xfrm>
+                <a:off x="6469700" y="4237025"/>
+                <a:ext cx="720" cy="1440"/>
+              </p14:xfrm>
+            </p:contentPart>
+          </mc:Choice>
+          <mc:Fallback xmlns="">
+            <p:pic>
+              <p:nvPicPr>
+                <p:cNvPr id="27" name="Freihand 26">
+                  <a:extLst>
+                    <a:ext uri="{FF2B5EF4-FFF2-40B4-BE49-F238E27FC236}">
+                      <a16:creationId xmlns:a16="http://schemas.microsoft.com/office/drawing/2014/main" id="{45FA64FA-072F-C608-FDB1-078235930CAA}"/>
+                    </a:ext>
+                  </a:extLst>
+                </p:cNvPr>
+                <p:cNvPicPr/>
+                <p:nvPr/>
+              </p:nvPicPr>
+              <p:blipFill>
+                <a:blip r:embed="rId6"/>
+                <a:stretch>
+                  <a:fillRect/>
+                </a:stretch>
+              </p:blipFill>
+              <p:spPr>
+                <a:xfrm>
+                  <a:off x="6461060" y="4228385"/>
+                  <a:ext cx="18360" cy="19080"/>
+                </a:xfrm>
+                <a:prstGeom prst="rect">
+                  <a:avLst/>
+                </a:prstGeom>
+              </p:spPr>
+            </p:pic>
+          </mc:Fallback>
+        </mc:AlternateContent>
+        <mc:AlternateContent xmlns:mc="http://schemas.openxmlformats.org/markup-compatibility/2006" xmlns:p14="http://schemas.microsoft.com/office/powerpoint/2010/main">
+          <mc:Choice Requires="p14">
+            <p:contentPart p14:bwMode="auto" r:id="rId18">
+              <p14:nvContentPartPr>
+                <p14:cNvPr id="28" name="Freihand 27">
+                  <a:extLst>
+                    <a:ext uri="{FF2B5EF4-FFF2-40B4-BE49-F238E27FC236}">
+                      <a16:creationId xmlns:a16="http://schemas.microsoft.com/office/drawing/2014/main" id="{5AAF09B9-5D76-F3AF-9B70-C724A046ACFF}"/>
+                    </a:ext>
+                  </a:extLst>
+                </p14:cNvPr>
+                <p14:cNvContentPartPr/>
+                <p14:nvPr/>
+              </p14:nvContentPartPr>
+              <p14:xfrm>
+                <a:off x="6385100" y="4238825"/>
+                <a:ext cx="92160" cy="13320"/>
+              </p14:xfrm>
+            </p:contentPart>
+          </mc:Choice>
+          <mc:Fallback xmlns="">
+            <p:pic>
+              <p:nvPicPr>
+                <p:cNvPr id="28" name="Freihand 27">
+                  <a:extLst>
+                    <a:ext uri="{FF2B5EF4-FFF2-40B4-BE49-F238E27FC236}">
+                      <a16:creationId xmlns:a16="http://schemas.microsoft.com/office/drawing/2014/main" id="{5AAF09B9-5D76-F3AF-9B70-C724A046ACFF}"/>
+                    </a:ext>
+                  </a:extLst>
+                </p:cNvPr>
+                <p:cNvPicPr/>
+                <p:nvPr/>
+              </p:nvPicPr>
+              <p:blipFill>
+                <a:blip r:embed="rId19"/>
+                <a:stretch>
+                  <a:fillRect/>
+                </a:stretch>
+              </p:blipFill>
+              <p:spPr>
+                <a:xfrm>
+                  <a:off x="6376100" y="4230185"/>
+                  <a:ext cx="109800" cy="30960"/>
+                </a:xfrm>
+                <a:prstGeom prst="rect">
+                  <a:avLst/>
+                </a:prstGeom>
+              </p:spPr>
+            </p:pic>
+          </mc:Fallback>
+        </mc:AlternateContent>
+        <mc:AlternateContent xmlns:mc="http://schemas.openxmlformats.org/markup-compatibility/2006" xmlns:p14="http://schemas.microsoft.com/office/powerpoint/2010/main">
+          <mc:Choice Requires="p14">
+            <p:contentPart p14:bwMode="auto" r:id="rId20">
+              <p14:nvContentPartPr>
+                <p14:cNvPr id="29" name="Freihand 28">
+                  <a:extLst>
+                    <a:ext uri="{FF2B5EF4-FFF2-40B4-BE49-F238E27FC236}">
+                      <a16:creationId xmlns:a16="http://schemas.microsoft.com/office/drawing/2014/main" id="{84BDB8D5-43D4-DCD5-E0D4-6EABE3111540}"/>
+                    </a:ext>
+                  </a:extLst>
+                </p14:cNvPr>
+                <p14:cNvContentPartPr/>
+                <p14:nvPr/>
+              </p14:nvContentPartPr>
+              <p14:xfrm>
+                <a:off x="6359180" y="4225505"/>
+                <a:ext cx="360" cy="360"/>
+              </p14:xfrm>
+            </p:contentPart>
+          </mc:Choice>
+          <mc:Fallback xmlns="">
+            <p:pic>
+              <p:nvPicPr>
+                <p:cNvPr id="29" name="Freihand 28">
+                  <a:extLst>
+                    <a:ext uri="{FF2B5EF4-FFF2-40B4-BE49-F238E27FC236}">
+                      <a16:creationId xmlns:a16="http://schemas.microsoft.com/office/drawing/2014/main" id="{84BDB8D5-43D4-DCD5-E0D4-6EABE3111540}"/>
+                    </a:ext>
+                  </a:extLst>
+                </p:cNvPr>
+                <p:cNvPicPr/>
+                <p:nvPr/>
+              </p:nvPicPr>
+              <p:blipFill>
+                <a:blip r:embed="rId6"/>
+                <a:stretch>
+                  <a:fillRect/>
+                </a:stretch>
+              </p:blipFill>
+              <p:spPr>
+                <a:xfrm>
+                  <a:off x="6350540" y="4216865"/>
+                  <a:ext cx="18000" cy="18000"/>
+                </a:xfrm>
+                <a:prstGeom prst="rect">
+                  <a:avLst/>
+                </a:prstGeom>
+              </p:spPr>
+            </p:pic>
+          </mc:Fallback>
+        </mc:AlternateContent>
+        <mc:AlternateContent xmlns:mc="http://schemas.openxmlformats.org/markup-compatibility/2006" xmlns:p14="http://schemas.microsoft.com/office/powerpoint/2010/main">
+          <mc:Choice Requires="p14">
+            <p:contentPart p14:bwMode="auto" r:id="rId21">
+              <p14:nvContentPartPr>
+                <p14:cNvPr id="30" name="Freihand 29">
+                  <a:extLst>
+                    <a:ext uri="{FF2B5EF4-FFF2-40B4-BE49-F238E27FC236}">
+                      <a16:creationId xmlns:a16="http://schemas.microsoft.com/office/drawing/2014/main" id="{D9EDC044-E5BE-9CBE-44E6-1730F4586733}"/>
+                    </a:ext>
+                  </a:extLst>
+                </p14:cNvPr>
+                <p14:cNvContentPartPr/>
+                <p14:nvPr/>
+              </p14:nvContentPartPr>
+              <p14:xfrm>
+                <a:off x="6407060" y="4254305"/>
+                <a:ext cx="360" cy="360"/>
+              </p14:xfrm>
+            </p:contentPart>
+          </mc:Choice>
+          <mc:Fallback xmlns="">
+            <p:pic>
+              <p:nvPicPr>
+                <p:cNvPr id="30" name="Freihand 29">
+                  <a:extLst>
+                    <a:ext uri="{FF2B5EF4-FFF2-40B4-BE49-F238E27FC236}">
+                      <a16:creationId xmlns:a16="http://schemas.microsoft.com/office/drawing/2014/main" id="{D9EDC044-E5BE-9CBE-44E6-1730F4586733}"/>
+                    </a:ext>
+                  </a:extLst>
+                </p:cNvPr>
+                <p:cNvPicPr/>
+                <p:nvPr/>
+              </p:nvPicPr>
+              <p:blipFill>
+                <a:blip r:embed="rId6"/>
+                <a:stretch>
+                  <a:fillRect/>
+                </a:stretch>
+              </p:blipFill>
+              <p:spPr>
+                <a:xfrm>
+                  <a:off x="6398060" y="4245305"/>
+                  <a:ext cx="18000" cy="18000"/>
+                </a:xfrm>
+                <a:prstGeom prst="rect">
+                  <a:avLst/>
+                </a:prstGeom>
+              </p:spPr>
+            </p:pic>
+          </mc:Fallback>
+        </mc:AlternateContent>
+        <mc:AlternateContent xmlns:mc="http://schemas.openxmlformats.org/markup-compatibility/2006" xmlns:p14="http://schemas.microsoft.com/office/powerpoint/2010/main">
+          <mc:Choice Requires="p14">
+            <p:contentPart p14:bwMode="auto" r:id="rId22">
+              <p14:nvContentPartPr>
+                <p14:cNvPr id="31" name="Freihand 30">
+                  <a:extLst>
+                    <a:ext uri="{FF2B5EF4-FFF2-40B4-BE49-F238E27FC236}">
+                      <a16:creationId xmlns:a16="http://schemas.microsoft.com/office/drawing/2014/main" id="{BBEBC06E-AFEF-B360-DD4A-044EADCCEC97}"/>
+                    </a:ext>
+                  </a:extLst>
+                </p14:cNvPr>
+                <p14:cNvContentPartPr/>
+                <p14:nvPr/>
+              </p14:nvContentPartPr>
+              <p14:xfrm>
+                <a:off x="6457820" y="4260425"/>
+                <a:ext cx="360" cy="360"/>
+              </p14:xfrm>
+            </p:contentPart>
+          </mc:Choice>
+          <mc:Fallback xmlns="">
+            <p:pic>
+              <p:nvPicPr>
+                <p:cNvPr id="31" name="Freihand 30">
+                  <a:extLst>
+                    <a:ext uri="{FF2B5EF4-FFF2-40B4-BE49-F238E27FC236}">
+                      <a16:creationId xmlns:a16="http://schemas.microsoft.com/office/drawing/2014/main" id="{BBEBC06E-AFEF-B360-DD4A-044EADCCEC97}"/>
+                    </a:ext>
+                  </a:extLst>
+                </p:cNvPr>
+                <p:cNvPicPr/>
+                <p:nvPr/>
+              </p:nvPicPr>
+              <p:blipFill>
+                <a:blip r:embed="rId6"/>
+                <a:stretch>
+                  <a:fillRect/>
+                </a:stretch>
+              </p:blipFill>
+              <p:spPr>
+                <a:xfrm>
+                  <a:off x="6448820" y="4251785"/>
+                  <a:ext cx="18000" cy="18000"/>
+                </a:xfrm>
+                <a:prstGeom prst="rect">
+                  <a:avLst/>
+                </a:prstGeom>
+              </p:spPr>
+            </p:pic>
+          </mc:Fallback>
+        </mc:AlternateContent>
+        <mc:AlternateContent xmlns:mc="http://schemas.openxmlformats.org/markup-compatibility/2006" xmlns:p14="http://schemas.microsoft.com/office/powerpoint/2010/main">
+          <mc:Choice Requires="p14">
+            <p:contentPart p14:bwMode="auto" r:id="rId23">
+              <p14:nvContentPartPr>
+                <p14:cNvPr id="32" name="Freihand 31">
+                  <a:extLst>
+                    <a:ext uri="{FF2B5EF4-FFF2-40B4-BE49-F238E27FC236}">
+                      <a16:creationId xmlns:a16="http://schemas.microsoft.com/office/drawing/2014/main" id="{17E20714-9ECE-8943-7894-700042279024}"/>
+                    </a:ext>
+                  </a:extLst>
+                </p14:cNvPr>
+                <p14:cNvContentPartPr/>
+                <p14:nvPr/>
+              </p14:nvContentPartPr>
+              <p14:xfrm>
+                <a:off x="6457820" y="4260425"/>
+                <a:ext cx="360" cy="360"/>
+              </p14:xfrm>
+            </p:contentPart>
+          </mc:Choice>
+          <mc:Fallback xmlns="">
+            <p:pic>
+              <p:nvPicPr>
+                <p:cNvPr id="32" name="Freihand 31">
+                  <a:extLst>
+                    <a:ext uri="{FF2B5EF4-FFF2-40B4-BE49-F238E27FC236}">
+                      <a16:creationId xmlns:a16="http://schemas.microsoft.com/office/drawing/2014/main" id="{17E20714-9ECE-8943-7894-700042279024}"/>
+                    </a:ext>
+                  </a:extLst>
+                </p:cNvPr>
+                <p:cNvPicPr/>
+                <p:nvPr/>
+              </p:nvPicPr>
+              <p:blipFill>
+                <a:blip r:embed="rId6"/>
+                <a:stretch>
+                  <a:fillRect/>
+                </a:stretch>
+              </p:blipFill>
+              <p:spPr>
+                <a:xfrm>
+                  <a:off x="6448820" y="4251785"/>
+                  <a:ext cx="18000" cy="18000"/>
+                </a:xfrm>
+                <a:prstGeom prst="rect">
+                  <a:avLst/>
+                </a:prstGeom>
+              </p:spPr>
+            </p:pic>
+          </mc:Fallback>
+        </mc:AlternateContent>
+        <mc:AlternateContent xmlns:mc="http://schemas.openxmlformats.org/markup-compatibility/2006" xmlns:p14="http://schemas.microsoft.com/office/powerpoint/2010/main">
+          <mc:Choice Requires="p14">
+            <p:contentPart p14:bwMode="auto" r:id="rId24">
+              <p14:nvContentPartPr>
+                <p14:cNvPr id="33" name="Freihand 32">
+                  <a:extLst>
+                    <a:ext uri="{FF2B5EF4-FFF2-40B4-BE49-F238E27FC236}">
+                      <a16:creationId xmlns:a16="http://schemas.microsoft.com/office/drawing/2014/main" id="{16CDB2A6-A3DB-7543-73DB-012A8099F40C}"/>
+                    </a:ext>
+                  </a:extLst>
+                </p14:cNvPr>
+                <p14:cNvContentPartPr/>
+                <p14:nvPr/>
+              </p14:nvContentPartPr>
+              <p14:xfrm>
+                <a:off x="6457820" y="4260425"/>
+                <a:ext cx="360" cy="360"/>
+              </p14:xfrm>
+            </p:contentPart>
+          </mc:Choice>
+          <mc:Fallback xmlns="">
+            <p:pic>
+              <p:nvPicPr>
+                <p:cNvPr id="33" name="Freihand 32">
+                  <a:extLst>
+                    <a:ext uri="{FF2B5EF4-FFF2-40B4-BE49-F238E27FC236}">
+                      <a16:creationId xmlns:a16="http://schemas.microsoft.com/office/drawing/2014/main" id="{16CDB2A6-A3DB-7543-73DB-012A8099F40C}"/>
+                    </a:ext>
+                  </a:extLst>
+                </p:cNvPr>
+                <p:cNvPicPr/>
+                <p:nvPr/>
+              </p:nvPicPr>
+              <p:blipFill>
+                <a:blip r:embed="rId6"/>
+                <a:stretch>
+                  <a:fillRect/>
+                </a:stretch>
+              </p:blipFill>
+              <p:spPr>
+                <a:xfrm>
+                  <a:off x="6448820" y="4251785"/>
+                  <a:ext cx="18000" cy="18000"/>
+                </a:xfrm>
+                <a:prstGeom prst="rect">
+                  <a:avLst/>
+                </a:prstGeom>
+              </p:spPr>
+            </p:pic>
+          </mc:Fallback>
+        </mc:AlternateContent>
+        <mc:AlternateContent xmlns:mc="http://schemas.openxmlformats.org/markup-compatibility/2006" xmlns:p14="http://schemas.microsoft.com/office/powerpoint/2010/main">
+          <mc:Choice Requires="p14">
+            <p:contentPart p14:bwMode="auto" r:id="rId25">
+              <p14:nvContentPartPr>
+                <p14:cNvPr id="35" name="Freihand 34">
+                  <a:extLst>
+                    <a:ext uri="{FF2B5EF4-FFF2-40B4-BE49-F238E27FC236}">
+                      <a16:creationId xmlns:a16="http://schemas.microsoft.com/office/drawing/2014/main" id="{B4535DAE-F0C9-9324-F2B6-D92451BF92B8}"/>
+                    </a:ext>
+                  </a:extLst>
+                </p14:cNvPr>
+                <p14:cNvContentPartPr/>
+                <p14:nvPr/>
+              </p14:nvContentPartPr>
+              <p14:xfrm>
+                <a:off x="6470420" y="4241345"/>
+                <a:ext cx="360" cy="360"/>
+              </p14:xfrm>
+            </p:contentPart>
+          </mc:Choice>
+          <mc:Fallback xmlns="">
+            <p:pic>
+              <p:nvPicPr>
+                <p:cNvPr id="35" name="Freihand 34">
+                  <a:extLst>
+                    <a:ext uri="{FF2B5EF4-FFF2-40B4-BE49-F238E27FC236}">
+                      <a16:creationId xmlns:a16="http://schemas.microsoft.com/office/drawing/2014/main" id="{B4535DAE-F0C9-9324-F2B6-D92451BF92B8}"/>
+                    </a:ext>
+                  </a:extLst>
+                </p:cNvPr>
+                <p:cNvPicPr/>
+                <p:nvPr/>
+              </p:nvPicPr>
+              <p:blipFill>
+                <a:blip r:embed="rId6"/>
+                <a:stretch>
+                  <a:fillRect/>
+                </a:stretch>
+              </p:blipFill>
+              <p:spPr>
+                <a:xfrm>
+                  <a:off x="6461420" y="4232705"/>
+                  <a:ext cx="18000" cy="18000"/>
+                </a:xfrm>
+                <a:prstGeom prst="rect">
+                  <a:avLst/>
+                </a:prstGeom>
+              </p:spPr>
+            </p:pic>
+          </mc:Fallback>
+        </mc:AlternateContent>
+        <mc:AlternateContent xmlns:mc="http://schemas.openxmlformats.org/markup-compatibility/2006" xmlns:p14="http://schemas.microsoft.com/office/powerpoint/2010/main">
+          <mc:Choice Requires="p14">
+            <p:contentPart p14:bwMode="auto" r:id="rId26">
+              <p14:nvContentPartPr>
+                <p14:cNvPr id="36" name="Freihand 35">
+                  <a:extLst>
+                    <a:ext uri="{FF2B5EF4-FFF2-40B4-BE49-F238E27FC236}">
+                      <a16:creationId xmlns:a16="http://schemas.microsoft.com/office/drawing/2014/main" id="{1F5E24EB-1E50-5EA2-254B-5A67F71AA79B}"/>
+                    </a:ext>
+                  </a:extLst>
+                </p14:cNvPr>
+                <p14:cNvContentPartPr/>
+                <p14:nvPr/>
+              </p14:nvContentPartPr>
+              <p14:xfrm>
+                <a:off x="6473660" y="4231985"/>
+                <a:ext cx="360" cy="360"/>
+              </p14:xfrm>
+            </p:contentPart>
+          </mc:Choice>
+          <mc:Fallback xmlns="">
+            <p:pic>
+              <p:nvPicPr>
+                <p:cNvPr id="36" name="Freihand 35">
+                  <a:extLst>
+                    <a:ext uri="{FF2B5EF4-FFF2-40B4-BE49-F238E27FC236}">
+                      <a16:creationId xmlns:a16="http://schemas.microsoft.com/office/drawing/2014/main" id="{1F5E24EB-1E50-5EA2-254B-5A67F71AA79B}"/>
+                    </a:ext>
+                  </a:extLst>
+                </p:cNvPr>
+                <p:cNvPicPr/>
+                <p:nvPr/>
+              </p:nvPicPr>
+              <p:blipFill>
+                <a:blip r:embed="rId6"/>
+                <a:stretch>
+                  <a:fillRect/>
+                </a:stretch>
+              </p:blipFill>
+              <p:spPr>
+                <a:xfrm>
+                  <a:off x="6464660" y="4223345"/>
+                  <a:ext cx="18000" cy="18000"/>
+                </a:xfrm>
+                <a:prstGeom prst="rect">
+                  <a:avLst/>
+                </a:prstGeom>
+              </p:spPr>
+            </p:pic>
+          </mc:Fallback>
+        </mc:AlternateContent>
+        <mc:AlternateContent xmlns:mc="http://schemas.openxmlformats.org/markup-compatibility/2006" xmlns:p14="http://schemas.microsoft.com/office/powerpoint/2010/main">
+          <mc:Choice Requires="p14">
+            <p:contentPart p14:bwMode="auto" r:id="rId27">
+              <p14:nvContentPartPr>
+                <p14:cNvPr id="37" name="Freihand 36">
+                  <a:extLst>
+                    <a:ext uri="{FF2B5EF4-FFF2-40B4-BE49-F238E27FC236}">
+                      <a16:creationId xmlns:a16="http://schemas.microsoft.com/office/drawing/2014/main" id="{AE4AC3EC-4FED-2DE3-472D-C785E89C0B8E}"/>
+                    </a:ext>
+                  </a:extLst>
+                </p14:cNvPr>
+                <p14:cNvContentPartPr/>
+                <p14:nvPr/>
+              </p14:nvContentPartPr>
+              <p14:xfrm>
+                <a:off x="6473660" y="4231985"/>
+                <a:ext cx="360" cy="360"/>
+              </p14:xfrm>
+            </p:contentPart>
+          </mc:Choice>
+          <mc:Fallback xmlns="">
+            <p:pic>
+              <p:nvPicPr>
+                <p:cNvPr id="37" name="Freihand 36">
+                  <a:extLst>
+                    <a:ext uri="{FF2B5EF4-FFF2-40B4-BE49-F238E27FC236}">
+                      <a16:creationId xmlns:a16="http://schemas.microsoft.com/office/drawing/2014/main" id="{AE4AC3EC-4FED-2DE3-472D-C785E89C0B8E}"/>
+                    </a:ext>
+                  </a:extLst>
+                </p:cNvPr>
+                <p:cNvPicPr/>
+                <p:nvPr/>
+              </p:nvPicPr>
+              <p:blipFill>
+                <a:blip r:embed="rId6"/>
+                <a:stretch>
+                  <a:fillRect/>
+                </a:stretch>
+              </p:blipFill>
+              <p:spPr>
+                <a:xfrm>
+                  <a:off x="6464660" y="4223345"/>
+                  <a:ext cx="18000" cy="18000"/>
+                </a:xfrm>
+                <a:prstGeom prst="rect">
+                  <a:avLst/>
+                </a:prstGeom>
+              </p:spPr>
+            </p:pic>
+          </mc:Fallback>
+        </mc:AlternateContent>
+        <mc:AlternateContent xmlns:mc="http://schemas.openxmlformats.org/markup-compatibility/2006" xmlns:p14="http://schemas.microsoft.com/office/powerpoint/2010/main">
+          <mc:Choice Requires="p14">
+            <p:contentPart p14:bwMode="auto" r:id="rId28">
+              <p14:nvContentPartPr>
+                <p14:cNvPr id="38" name="Freihand 37">
+                  <a:extLst>
+                    <a:ext uri="{FF2B5EF4-FFF2-40B4-BE49-F238E27FC236}">
+                      <a16:creationId xmlns:a16="http://schemas.microsoft.com/office/drawing/2014/main" id="{1F41FA4F-E3A7-7E49-BA1B-37C1AA651AE2}"/>
+                    </a:ext>
+                  </a:extLst>
+                </p14:cNvPr>
+                <p14:cNvContentPartPr/>
+                <p14:nvPr/>
+              </p14:nvContentPartPr>
+              <p14:xfrm>
+                <a:off x="6473660" y="4231985"/>
+                <a:ext cx="360" cy="360"/>
+              </p14:xfrm>
+            </p:contentPart>
+          </mc:Choice>
+          <mc:Fallback xmlns="">
+            <p:pic>
+              <p:nvPicPr>
+                <p:cNvPr id="38" name="Freihand 37">
+                  <a:extLst>
+                    <a:ext uri="{FF2B5EF4-FFF2-40B4-BE49-F238E27FC236}">
+                      <a16:creationId xmlns:a16="http://schemas.microsoft.com/office/drawing/2014/main" id="{1F41FA4F-E3A7-7E49-BA1B-37C1AA651AE2}"/>
+                    </a:ext>
+                  </a:extLst>
+                </p:cNvPr>
+                <p:cNvPicPr/>
+                <p:nvPr/>
+              </p:nvPicPr>
+              <p:blipFill>
+                <a:blip r:embed="rId6"/>
+                <a:stretch>
+                  <a:fillRect/>
+                </a:stretch>
+              </p:blipFill>
+              <p:spPr>
+                <a:xfrm>
+                  <a:off x="6464660" y="4223345"/>
+                  <a:ext cx="18000" cy="18000"/>
+                </a:xfrm>
+                <a:prstGeom prst="rect">
+                  <a:avLst/>
+                </a:prstGeom>
+              </p:spPr>
+            </p:pic>
+          </mc:Fallback>
+        </mc:AlternateContent>
+        <mc:AlternateContent xmlns:mc="http://schemas.openxmlformats.org/markup-compatibility/2006" xmlns:p14="http://schemas.microsoft.com/office/powerpoint/2010/main">
+          <mc:Choice Requires="p14">
+            <p:contentPart p14:bwMode="auto" r:id="rId29">
+              <p14:nvContentPartPr>
+                <p14:cNvPr id="40" name="Freihand 39">
+                  <a:extLst>
+                    <a:ext uri="{FF2B5EF4-FFF2-40B4-BE49-F238E27FC236}">
+                      <a16:creationId xmlns:a16="http://schemas.microsoft.com/office/drawing/2014/main" id="{9537EB1D-4C84-9FAB-6252-9BC0873AF08B}"/>
+                    </a:ext>
+                  </a:extLst>
+                </p14:cNvPr>
+                <p14:cNvContentPartPr/>
+                <p14:nvPr/>
+              </p14:nvContentPartPr>
+              <p14:xfrm>
+                <a:off x="6473660" y="4225505"/>
+                <a:ext cx="360" cy="360"/>
+              </p14:xfrm>
+            </p:contentPart>
+          </mc:Choice>
+          <mc:Fallback xmlns="">
+            <p:pic>
+              <p:nvPicPr>
+                <p:cNvPr id="40" name="Freihand 39">
+                  <a:extLst>
+                    <a:ext uri="{FF2B5EF4-FFF2-40B4-BE49-F238E27FC236}">
+                      <a16:creationId xmlns:a16="http://schemas.microsoft.com/office/drawing/2014/main" id="{9537EB1D-4C84-9FAB-6252-9BC0873AF08B}"/>
+                    </a:ext>
+                  </a:extLst>
+                </p:cNvPr>
+                <p:cNvPicPr/>
+                <p:nvPr/>
+              </p:nvPicPr>
+              <p:blipFill>
+                <a:blip r:embed="rId6"/>
+                <a:stretch>
+                  <a:fillRect/>
+                </a:stretch>
+              </p:blipFill>
+              <p:spPr>
+                <a:xfrm>
+                  <a:off x="6464660" y="4216865"/>
+                  <a:ext cx="18000" cy="18000"/>
+                </a:xfrm>
+                <a:prstGeom prst="rect">
+                  <a:avLst/>
+                </a:prstGeom>
+              </p:spPr>
+            </p:pic>
+          </mc:Fallback>
+        </mc:AlternateContent>
+        <mc:AlternateContent xmlns:mc="http://schemas.openxmlformats.org/markup-compatibility/2006" xmlns:p14="http://schemas.microsoft.com/office/powerpoint/2010/main">
+          <mc:Choice Requires="p14">
+            <p:contentPart p14:bwMode="auto" r:id="rId30">
+              <p14:nvContentPartPr>
+                <p14:cNvPr id="42" name="Freihand 41">
+                  <a:extLst>
+                    <a:ext uri="{FF2B5EF4-FFF2-40B4-BE49-F238E27FC236}">
+                      <a16:creationId xmlns:a16="http://schemas.microsoft.com/office/drawing/2014/main" id="{AE14DD37-8311-861A-F440-35A9BB62FE38}"/>
+                    </a:ext>
+                  </a:extLst>
+                </p14:cNvPr>
+                <p14:cNvContentPartPr/>
+                <p14:nvPr/>
+              </p14:nvContentPartPr>
+              <p14:xfrm>
+                <a:off x="6463940" y="4216145"/>
+                <a:ext cx="360" cy="360"/>
+              </p14:xfrm>
+            </p:contentPart>
+          </mc:Choice>
+          <mc:Fallback xmlns="">
+            <p:pic>
+              <p:nvPicPr>
+                <p:cNvPr id="42" name="Freihand 41">
+                  <a:extLst>
+                    <a:ext uri="{FF2B5EF4-FFF2-40B4-BE49-F238E27FC236}">
+                      <a16:creationId xmlns:a16="http://schemas.microsoft.com/office/drawing/2014/main" id="{AE14DD37-8311-861A-F440-35A9BB62FE38}"/>
+                    </a:ext>
+                  </a:extLst>
+                </p:cNvPr>
+                <p:cNvPicPr/>
+                <p:nvPr/>
+              </p:nvPicPr>
+              <p:blipFill>
+                <a:blip r:embed="rId6"/>
+                <a:stretch>
+                  <a:fillRect/>
+                </a:stretch>
+              </p:blipFill>
+              <p:spPr>
+                <a:xfrm>
+                  <a:off x="6455300" y="4207505"/>
+                  <a:ext cx="18000" cy="18000"/>
+                </a:xfrm>
+                <a:prstGeom prst="rect">
+                  <a:avLst/>
+                </a:prstGeom>
+              </p:spPr>
+            </p:pic>
+          </mc:Fallback>
+        </mc:AlternateContent>
+      </p:grpSp>
+      <mc:AlternateContent xmlns:mc="http://schemas.openxmlformats.org/markup-compatibility/2006" xmlns:p14="http://schemas.microsoft.com/office/powerpoint/2010/main">
+        <mc:Choice Requires="p14">
+          <p:contentPart p14:bwMode="auto" r:id="rId31">
+            <p14:nvContentPartPr>
+              <p14:cNvPr id="44" name="Freihand 43">
+                <a:extLst>
+                  <a:ext uri="{FF2B5EF4-FFF2-40B4-BE49-F238E27FC236}">
+                    <a16:creationId xmlns:a16="http://schemas.microsoft.com/office/drawing/2014/main" id="{42783EA3-A5B5-B7EB-BA8C-F83CEAB437B4}"/>
+                  </a:ext>
+                </a:extLst>
+              </p14:cNvPr>
+              <p14:cNvContentPartPr/>
+              <p14:nvPr/>
+            </p14:nvContentPartPr>
+            <p14:xfrm>
+              <a:off x="6152805" y="-371865"/>
+              <a:ext cx="360" cy="360"/>
+            </p14:xfrm>
+          </p:contentPart>
+        </mc:Choice>
+        <mc:Fallback xmlns="">
+          <p:pic>
+            <p:nvPicPr>
+              <p:cNvPr id="44" name="Freihand 43">
+                <a:extLst>
+                  <a:ext uri="{FF2B5EF4-FFF2-40B4-BE49-F238E27FC236}">
+                    <a16:creationId xmlns:a16="http://schemas.microsoft.com/office/drawing/2014/main" id="{42783EA3-A5B5-B7EB-BA8C-F83CEAB437B4}"/>
+                  </a:ext>
+                </a:extLst>
+              </p:cNvPr>
+              <p:cNvPicPr/>
+              <p:nvPr/>
+            </p:nvPicPr>
+            <p:blipFill>
+              <a:blip r:embed="rId6"/>
+              <a:stretch>
+                <a:fillRect/>
+              </a:stretch>
+            </p:blipFill>
+            <p:spPr>
+              <a:xfrm>
+                <a:off x="6143805" y="-380865"/>
+                <a:ext cx="18000" cy="18000"/>
+              </a:xfrm>
+              <a:prstGeom prst="rect">
+                <a:avLst/>
+              </a:prstGeom>
+            </p:spPr>
+          </p:pic>
+        </mc:Fallback>
+      </mc:AlternateContent>
+    </p:spTree>
+    <p:extLst>
+      <p:ext uri="{BB962C8B-B14F-4D97-AF65-F5344CB8AC3E}">
+        <p14:creationId xmlns:p14="http://schemas.microsoft.com/office/powerpoint/2010/main" val="13531797"/>
+      </p:ext>
+    </p:extLst>
+  </p:cSld>
+  <p:clrMapOvr>
+    <a:masterClrMapping/>
+  </p:clrMapOvr>
+</p:sld>
+</file>
+
+<file path=ppt/slides/slide22.xml><?xml version="1.0" encoding="utf-8"?>
+<p:sld xmlns:a="http://schemas.openxmlformats.org/drawingml/2006/main" xmlns:r="http://schemas.openxmlformats.org/officeDocument/2006/relationships" xmlns:p="http://schemas.openxmlformats.org/presentationml/2006/main">
+  <p:cSld>
+    <p:spTree>
+      <p:nvGrpSpPr>
+        <p:cNvPr id="1" name=""/>
+        <p:cNvGrpSpPr/>
+        <p:nvPr/>
+      </p:nvGrpSpPr>
+      <p:grpSpPr>
+        <a:xfrm>
+          <a:off x="0" y="0"/>
+          <a:ext cx="0" cy="0"/>
+          <a:chOff x="0" y="0"/>
+          <a:chExt cx="0" cy="0"/>
+        </a:xfrm>
+      </p:grpSpPr>
+      <p:sp>
+        <p:nvSpPr>
+          <p:cNvPr id="7" name="Rechteck 6">
+            <a:extLst>
+              <a:ext uri="{FF2B5EF4-FFF2-40B4-BE49-F238E27FC236}">
+                <a16:creationId xmlns:a16="http://schemas.microsoft.com/office/drawing/2014/main" id="{0BE6B734-48A2-6241-1CE0-472BF45729A3}"/>
+              </a:ext>
+            </a:extLst>
+          </p:cNvPr>
+          <p:cNvSpPr/>
+          <p:nvPr/>
+        </p:nvSpPr>
+        <p:spPr>
+          <a:xfrm>
+            <a:off x="4892351" y="676071"/>
+            <a:ext cx="1371600" cy="378287"/>
+          </a:xfrm>
+          <a:prstGeom prst="rect">
+            <a:avLst/>
+          </a:prstGeom>
+          <a:solidFill>
+            <a:schemeClr val="bg1"/>
+          </a:solidFill>
+          <a:ln>
+            <a:solidFill>
+              <a:schemeClr val="bg1"/>
+            </a:solidFill>
+          </a:ln>
+        </p:spPr>
+        <p:style>
+          <a:lnRef idx="2">
+            <a:schemeClr val="accent1">
+              <a:shade val="50000"/>
+            </a:schemeClr>
+          </a:lnRef>
+          <a:fillRef idx="1">
+            <a:schemeClr val="accent1"/>
+          </a:fillRef>
+          <a:effectRef idx="0">
+            <a:schemeClr val="accent1"/>
+          </a:effectRef>
+          <a:fontRef idx="minor">
+            <a:schemeClr val="lt1"/>
+          </a:fontRef>
+        </p:style>
+        <p:txBody>
+          <a:bodyPr rtlCol="0" anchor="ctr"/>
+          <a:lstStyle/>
+          <a:p>
+            <a:pPr algn="ctr"/>
+            <a:endParaRPr lang="de-DE" sz="2400" b="1" dirty="0"/>
+          </a:p>
+        </p:txBody>
+      </p:sp>
+      <p:sp>
+        <p:nvSpPr>
+          <p:cNvPr id="8" name="Rechteck 7">
+            <a:extLst>
+              <a:ext uri="{FF2B5EF4-FFF2-40B4-BE49-F238E27FC236}">
+                <a16:creationId xmlns:a16="http://schemas.microsoft.com/office/drawing/2014/main" id="{78429EA1-6807-5781-C8F6-7F1B9C5D3B22}"/>
+              </a:ext>
+            </a:extLst>
+          </p:cNvPr>
+          <p:cNvSpPr/>
+          <p:nvPr/>
+        </p:nvSpPr>
+        <p:spPr>
+          <a:xfrm>
+            <a:off x="5044751" y="1239018"/>
+            <a:ext cx="1371600" cy="378287"/>
+          </a:xfrm>
+          <a:prstGeom prst="rect">
+            <a:avLst/>
+          </a:prstGeom>
+          <a:solidFill>
+            <a:schemeClr val="bg1"/>
+          </a:solidFill>
+          <a:ln>
+            <a:solidFill>
+              <a:schemeClr val="bg1"/>
+            </a:solidFill>
+          </a:ln>
+        </p:spPr>
+        <p:style>
+          <a:lnRef idx="2">
+            <a:schemeClr val="accent1">
+              <a:shade val="50000"/>
+            </a:schemeClr>
+          </a:lnRef>
+          <a:fillRef idx="1">
+            <a:schemeClr val="accent1"/>
+          </a:fillRef>
+          <a:effectRef idx="0">
+            <a:schemeClr val="accent1"/>
+          </a:effectRef>
+          <a:fontRef idx="minor">
+            <a:schemeClr val="lt1"/>
+          </a:fontRef>
+        </p:style>
+        <p:txBody>
+          <a:bodyPr rtlCol="0" anchor="ctr"/>
+          <a:lstStyle/>
+          <a:p>
+            <a:pPr algn="ctr"/>
+            <a:endParaRPr lang="de-DE" sz="2400" b="1" dirty="0"/>
+          </a:p>
+        </p:txBody>
+      </p:sp>
+      <p:pic>
+        <p:nvPicPr>
+          <p:cNvPr id="18" name="Grafik 17">
+            <a:extLst>
+              <a:ext uri="{FF2B5EF4-FFF2-40B4-BE49-F238E27FC236}">
+                <a16:creationId xmlns:a16="http://schemas.microsoft.com/office/drawing/2014/main" id="{72E1C79B-AED3-D07A-0AD2-568E24793F4F}"/>
+              </a:ext>
+            </a:extLst>
+          </p:cNvPr>
+          <p:cNvPicPr>
+            <a:picLocks noChangeAspect="1"/>
+          </p:cNvPicPr>
+          <p:nvPr/>
+        </p:nvPicPr>
+        <p:blipFill>
+          <a:blip r:embed="rId2"/>
+          <a:stretch>
+            <a:fillRect/>
+          </a:stretch>
+        </p:blipFill>
+        <p:spPr>
+          <a:xfrm>
+            <a:off x="879818" y="550685"/>
+            <a:ext cx="11073066" cy="5734457"/>
+          </a:xfrm>
+          <a:prstGeom prst="rect">
+            <a:avLst/>
+          </a:prstGeom>
+        </p:spPr>
+      </p:pic>
+      <p:pic>
+        <p:nvPicPr>
+          <p:cNvPr id="16" name="Grafik 15">
+            <a:extLst>
+              <a:ext uri="{FF2B5EF4-FFF2-40B4-BE49-F238E27FC236}">
+                <a16:creationId xmlns:a16="http://schemas.microsoft.com/office/drawing/2014/main" id="{C6C32D71-8EA0-3DBA-1F7F-DFCCBA117FF2}"/>
+              </a:ext>
+            </a:extLst>
+          </p:cNvPr>
+          <p:cNvPicPr>
+            <a:picLocks noChangeAspect="1"/>
+          </p:cNvPicPr>
+          <p:nvPr/>
+        </p:nvPicPr>
+        <p:blipFill>
+          <a:blip r:embed="rId3">
+            <a:extLst>
+              <a:ext uri="{28A0092B-C50C-407E-A947-70E740481C1C}">
+                <a14:useLocalDpi xmlns:a14="http://schemas.microsoft.com/office/drawing/2010/main" val="0"/>
+              </a:ext>
+            </a:extLst>
+          </a:blip>
+          <a:stretch>
+            <a:fillRect/>
+          </a:stretch>
+        </p:blipFill>
+        <p:spPr>
+          <a:xfrm>
+            <a:off x="5044751" y="25118"/>
+            <a:ext cx="6528318" cy="6785592"/>
+          </a:xfrm>
+          <a:prstGeom prst="rect">
+            <a:avLst/>
+          </a:prstGeom>
+        </p:spPr>
+      </p:pic>
+      <p:sp>
+        <p:nvSpPr>
+          <p:cNvPr id="20" name="Rechteck 19">
+            <a:extLst>
+              <a:ext uri="{FF2B5EF4-FFF2-40B4-BE49-F238E27FC236}">
+                <a16:creationId xmlns:a16="http://schemas.microsoft.com/office/drawing/2014/main" id="{63E9185C-67FA-7C10-CF16-0506EA63D299}"/>
+              </a:ext>
+            </a:extLst>
+          </p:cNvPr>
+          <p:cNvSpPr/>
+          <p:nvPr/>
+        </p:nvSpPr>
+        <p:spPr>
+          <a:xfrm>
+            <a:off x="4077478" y="710882"/>
+            <a:ext cx="967273" cy="5022402"/>
+          </a:xfrm>
+          <a:prstGeom prst="rect">
+            <a:avLst/>
+          </a:prstGeom>
+          <a:solidFill>
+            <a:schemeClr val="bg1"/>
+          </a:solidFill>
+          <a:ln>
+            <a:solidFill>
+              <a:schemeClr val="bg1"/>
+            </a:solidFill>
+          </a:ln>
+        </p:spPr>
+        <p:style>
+          <a:lnRef idx="2">
+            <a:schemeClr val="accent1">
+              <a:shade val="50000"/>
+            </a:schemeClr>
+          </a:lnRef>
+          <a:fillRef idx="1">
+            <a:schemeClr val="accent1"/>
+          </a:fillRef>
+          <a:effectRef idx="0">
+            <a:schemeClr val="accent1"/>
+          </a:effectRef>
+          <a:fontRef idx="minor">
+            <a:schemeClr val="lt1"/>
+          </a:fontRef>
+        </p:style>
+        <p:txBody>
+          <a:bodyPr rtlCol="0" anchor="ctr"/>
+          <a:lstStyle/>
+          <a:p>
+            <a:pPr algn="ctr"/>
+            <a:endParaRPr lang="de-DE"/>
+          </a:p>
+        </p:txBody>
+      </p:sp>
+      <p:sp>
+        <p:nvSpPr>
+          <p:cNvPr id="19" name="Geschweifte Klammer links 18">
+            <a:extLst>
+              <a:ext uri="{FF2B5EF4-FFF2-40B4-BE49-F238E27FC236}">
+                <a16:creationId xmlns:a16="http://schemas.microsoft.com/office/drawing/2014/main" id="{53E8F98B-CC3C-DFA9-752E-25AB6402B463}"/>
+              </a:ext>
+            </a:extLst>
+          </p:cNvPr>
+          <p:cNvSpPr/>
+          <p:nvPr/>
+        </p:nvSpPr>
+        <p:spPr>
+          <a:xfrm>
+            <a:off x="4017195" y="647211"/>
+            <a:ext cx="681729" cy="5541406"/>
+          </a:xfrm>
+          <a:prstGeom prst="leftBrace">
+            <a:avLst/>
+          </a:prstGeom>
+          <a:ln w="38100">
+            <a:solidFill>
+              <a:schemeClr val="tx1"/>
+            </a:solidFill>
+          </a:ln>
+        </p:spPr>
+        <p:style>
+          <a:lnRef idx="1">
+            <a:schemeClr val="accent1"/>
+          </a:lnRef>
+          <a:fillRef idx="0">
+            <a:schemeClr val="accent1"/>
+          </a:fillRef>
+          <a:effectRef idx="0">
+            <a:schemeClr val="accent1"/>
+          </a:effectRef>
+          <a:fontRef idx="minor">
+            <a:schemeClr val="tx1"/>
+          </a:fontRef>
+        </p:style>
+        <p:txBody>
+          <a:bodyPr rtlCol="0" anchor="ctr"/>
+          <a:lstStyle/>
+          <a:p>
+            <a:pPr algn="ctr"/>
+            <a:endParaRPr lang="de-DE"/>
+          </a:p>
+        </p:txBody>
+      </p:sp>
+      <p:grpSp>
+        <p:nvGrpSpPr>
+          <p:cNvPr id="59" name="Gruppieren 58">
+            <a:extLst>
+              <a:ext uri="{FF2B5EF4-FFF2-40B4-BE49-F238E27FC236}">
+                <a16:creationId xmlns:a16="http://schemas.microsoft.com/office/drawing/2014/main" id="{D8D33942-B626-E40C-1ADB-2829B86DB60E}"/>
+              </a:ext>
+            </a:extLst>
+          </p:cNvPr>
+          <p:cNvGrpSpPr/>
+          <p:nvPr/>
+        </p:nvGrpSpPr>
+        <p:grpSpPr>
+          <a:xfrm>
+            <a:off x="3909240" y="3421230"/>
+            <a:ext cx="171360" cy="72720"/>
+            <a:chOff x="3909240" y="3421230"/>
+            <a:chExt cx="171360" cy="72720"/>
+          </a:xfrm>
+        </p:grpSpPr>
+        <mc:AlternateContent xmlns:mc="http://schemas.openxmlformats.org/markup-compatibility/2006">
+          <mc:Choice xmlns:p14="http://schemas.microsoft.com/office/powerpoint/2010/main" Requires="p14">
+            <p:contentPart p14:bwMode="auto" r:id="rId4">
+              <p14:nvContentPartPr>
+                <p14:cNvPr id="21" name="Freihand 20">
+                  <a:extLst>
+                    <a:ext uri="{FF2B5EF4-FFF2-40B4-BE49-F238E27FC236}">
+                      <a16:creationId xmlns:a16="http://schemas.microsoft.com/office/drawing/2014/main" id="{5D4BF546-8D22-F96E-12DD-F8256EC9B8DF}"/>
+                    </a:ext>
+                  </a:extLst>
+                </p14:cNvPr>
+                <p14:cNvContentPartPr/>
+                <p14:nvPr/>
+              </p14:nvContentPartPr>
+              <p14:xfrm>
+                <a:off x="3916440" y="3432390"/>
+                <a:ext cx="1800" cy="1080"/>
+              </p14:xfrm>
+            </p:contentPart>
+          </mc:Choice>
+          <mc:Fallback>
+            <p:pic>
+              <p:nvPicPr>
+                <p:cNvPr id="21" name="Freihand 20">
+                  <a:extLst>
+                    <a:ext uri="{FF2B5EF4-FFF2-40B4-BE49-F238E27FC236}">
+                      <a16:creationId xmlns:a16="http://schemas.microsoft.com/office/drawing/2014/main" id="{5D4BF546-8D22-F96E-12DD-F8256EC9B8DF}"/>
+                    </a:ext>
+                  </a:extLst>
+                </p:cNvPr>
+                <p:cNvPicPr/>
+                <p:nvPr/>
+              </p:nvPicPr>
+              <p:blipFill>
+                <a:blip r:embed="rId5"/>
+                <a:stretch>
+                  <a:fillRect/>
+                </a:stretch>
+              </p:blipFill>
+              <p:spPr>
+                <a:xfrm>
+                  <a:off x="3907440" y="3423750"/>
+                  <a:ext cx="19440" cy="18720"/>
+                </a:xfrm>
+                <a:prstGeom prst="rect">
+                  <a:avLst/>
+                </a:prstGeom>
+              </p:spPr>
+            </p:pic>
+          </mc:Fallback>
+        </mc:AlternateContent>
+        <mc:AlternateContent xmlns:mc="http://schemas.openxmlformats.org/markup-compatibility/2006">
+          <mc:Choice xmlns:p14="http://schemas.microsoft.com/office/powerpoint/2010/main" Requires="p14">
+            <p:contentPart p14:bwMode="auto" r:id="rId6">
+              <p14:nvContentPartPr>
+                <p14:cNvPr id="22" name="Freihand 21">
+                  <a:extLst>
+                    <a:ext uri="{FF2B5EF4-FFF2-40B4-BE49-F238E27FC236}">
+                      <a16:creationId xmlns:a16="http://schemas.microsoft.com/office/drawing/2014/main" id="{07CBAB76-1A97-CCFB-8241-0F91703EF5AE}"/>
+                    </a:ext>
+                  </a:extLst>
+                </p14:cNvPr>
+                <p14:cNvContentPartPr/>
+                <p14:nvPr/>
+              </p14:nvContentPartPr>
+              <p14:xfrm>
+                <a:off x="3943080" y="3474510"/>
+                <a:ext cx="360" cy="360"/>
+              </p14:xfrm>
+            </p:contentPart>
+          </mc:Choice>
+          <mc:Fallback>
+            <p:pic>
+              <p:nvPicPr>
+                <p:cNvPr id="22" name="Freihand 21">
+                  <a:extLst>
+                    <a:ext uri="{FF2B5EF4-FFF2-40B4-BE49-F238E27FC236}">
+                      <a16:creationId xmlns:a16="http://schemas.microsoft.com/office/drawing/2014/main" id="{07CBAB76-1A97-CCFB-8241-0F91703EF5AE}"/>
+                    </a:ext>
+                  </a:extLst>
+                </p:cNvPr>
+                <p:cNvPicPr/>
+                <p:nvPr/>
+              </p:nvPicPr>
+              <p:blipFill>
+                <a:blip r:embed="rId7"/>
+                <a:stretch>
+                  <a:fillRect/>
+                </a:stretch>
+              </p:blipFill>
+              <p:spPr>
+                <a:xfrm>
+                  <a:off x="3934440" y="3465510"/>
+                  <a:ext cx="18000" cy="18000"/>
+                </a:xfrm>
+                <a:prstGeom prst="rect">
+                  <a:avLst/>
+                </a:prstGeom>
+              </p:spPr>
+            </p:pic>
+          </mc:Fallback>
+        </mc:AlternateContent>
+        <mc:AlternateContent xmlns:mc="http://schemas.openxmlformats.org/markup-compatibility/2006">
+          <mc:Choice xmlns:p14="http://schemas.microsoft.com/office/powerpoint/2010/main" Requires="p14">
+            <p:contentPart p14:bwMode="auto" r:id="rId8">
+              <p14:nvContentPartPr>
+                <p14:cNvPr id="23" name="Freihand 22">
+                  <a:extLst>
+                    <a:ext uri="{FF2B5EF4-FFF2-40B4-BE49-F238E27FC236}">
+                      <a16:creationId xmlns:a16="http://schemas.microsoft.com/office/drawing/2014/main" id="{1A924CDF-C90D-BAAF-DE74-991C0AD28C9D}"/>
+                    </a:ext>
+                  </a:extLst>
+                </p14:cNvPr>
+                <p14:cNvContentPartPr/>
+                <p14:nvPr/>
+              </p14:nvContentPartPr>
+              <p14:xfrm>
+                <a:off x="3939120" y="3447870"/>
+                <a:ext cx="360" cy="360"/>
+              </p14:xfrm>
+            </p:contentPart>
+          </mc:Choice>
+          <mc:Fallback>
+            <p:pic>
+              <p:nvPicPr>
+                <p:cNvPr id="23" name="Freihand 22">
+                  <a:extLst>
+                    <a:ext uri="{FF2B5EF4-FFF2-40B4-BE49-F238E27FC236}">
+                      <a16:creationId xmlns:a16="http://schemas.microsoft.com/office/drawing/2014/main" id="{1A924CDF-C90D-BAAF-DE74-991C0AD28C9D}"/>
+                    </a:ext>
+                  </a:extLst>
+                </p:cNvPr>
+                <p:cNvPicPr/>
+                <p:nvPr/>
+              </p:nvPicPr>
+              <p:blipFill>
+                <a:blip r:embed="rId7"/>
+                <a:stretch>
+                  <a:fillRect/>
+                </a:stretch>
+              </p:blipFill>
+              <p:spPr>
+                <a:xfrm>
+                  <a:off x="3930480" y="3438870"/>
+                  <a:ext cx="18000" cy="18000"/>
+                </a:xfrm>
+                <a:prstGeom prst="rect">
+                  <a:avLst/>
+                </a:prstGeom>
+              </p:spPr>
+            </p:pic>
+          </mc:Fallback>
+        </mc:AlternateContent>
+        <mc:AlternateContent xmlns:mc="http://schemas.openxmlformats.org/markup-compatibility/2006">
+          <mc:Choice xmlns:p14="http://schemas.microsoft.com/office/powerpoint/2010/main" Requires="p14">
+            <p:contentPart p14:bwMode="auto" r:id="rId9">
+              <p14:nvContentPartPr>
+                <p14:cNvPr id="24" name="Freihand 23">
+                  <a:extLst>
+                    <a:ext uri="{FF2B5EF4-FFF2-40B4-BE49-F238E27FC236}">
+                      <a16:creationId xmlns:a16="http://schemas.microsoft.com/office/drawing/2014/main" id="{78191B8D-9BFC-4E91-95D3-407C9F812A99}"/>
+                    </a:ext>
+                  </a:extLst>
+                </p14:cNvPr>
+                <p14:cNvContentPartPr/>
+                <p14:nvPr/>
+              </p14:nvContentPartPr>
+              <p14:xfrm>
+                <a:off x="3950640" y="3455430"/>
+                <a:ext cx="360" cy="360"/>
+              </p14:xfrm>
+            </p:contentPart>
+          </mc:Choice>
+          <mc:Fallback>
+            <p:pic>
+              <p:nvPicPr>
+                <p:cNvPr id="24" name="Freihand 23">
+                  <a:extLst>
+                    <a:ext uri="{FF2B5EF4-FFF2-40B4-BE49-F238E27FC236}">
+                      <a16:creationId xmlns:a16="http://schemas.microsoft.com/office/drawing/2014/main" id="{78191B8D-9BFC-4E91-95D3-407C9F812A99}"/>
+                    </a:ext>
+                  </a:extLst>
+                </p:cNvPr>
+                <p:cNvPicPr/>
+                <p:nvPr/>
+              </p:nvPicPr>
+              <p:blipFill>
+                <a:blip r:embed="rId7"/>
+                <a:stretch>
+                  <a:fillRect/>
+                </a:stretch>
+              </p:blipFill>
+              <p:spPr>
+                <a:xfrm>
+                  <a:off x="3942000" y="3446430"/>
+                  <a:ext cx="18000" cy="18000"/>
+                </a:xfrm>
+                <a:prstGeom prst="rect">
+                  <a:avLst/>
+                </a:prstGeom>
+              </p:spPr>
+            </p:pic>
+          </mc:Fallback>
+        </mc:AlternateContent>
+        <mc:AlternateContent xmlns:mc="http://schemas.openxmlformats.org/markup-compatibility/2006">
+          <mc:Choice xmlns:p14="http://schemas.microsoft.com/office/powerpoint/2010/main" Requires="p14">
+            <p:contentPart p14:bwMode="auto" r:id="rId10">
+              <p14:nvContentPartPr>
+                <p14:cNvPr id="25" name="Freihand 24">
+                  <a:extLst>
+                    <a:ext uri="{FF2B5EF4-FFF2-40B4-BE49-F238E27FC236}">
+                      <a16:creationId xmlns:a16="http://schemas.microsoft.com/office/drawing/2014/main" id="{885EEEF1-3418-0BA5-2F64-2F468824440A}"/>
+                    </a:ext>
+                  </a:extLst>
+                </p14:cNvPr>
+                <p14:cNvContentPartPr/>
+                <p14:nvPr/>
+              </p14:nvContentPartPr>
+              <p14:xfrm>
+                <a:off x="3969720" y="3421230"/>
+                <a:ext cx="360" cy="360"/>
+              </p14:xfrm>
+            </p:contentPart>
+          </mc:Choice>
+          <mc:Fallback>
+            <p:pic>
+              <p:nvPicPr>
+                <p:cNvPr id="25" name="Freihand 24">
+                  <a:extLst>
+                    <a:ext uri="{FF2B5EF4-FFF2-40B4-BE49-F238E27FC236}">
+                      <a16:creationId xmlns:a16="http://schemas.microsoft.com/office/drawing/2014/main" id="{885EEEF1-3418-0BA5-2F64-2F468824440A}"/>
+                    </a:ext>
+                  </a:extLst>
+                </p:cNvPr>
+                <p:cNvPicPr/>
+                <p:nvPr/>
+              </p:nvPicPr>
+              <p:blipFill>
+                <a:blip r:embed="rId7"/>
+                <a:stretch>
+                  <a:fillRect/>
+                </a:stretch>
+              </p:blipFill>
+              <p:spPr>
+                <a:xfrm>
+                  <a:off x="3961080" y="3412230"/>
+                  <a:ext cx="18000" cy="18000"/>
+                </a:xfrm>
+                <a:prstGeom prst="rect">
+                  <a:avLst/>
+                </a:prstGeom>
+              </p:spPr>
+            </p:pic>
+          </mc:Fallback>
+        </mc:AlternateContent>
+        <mc:AlternateContent xmlns:mc="http://schemas.openxmlformats.org/markup-compatibility/2006">
+          <mc:Choice xmlns:p14="http://schemas.microsoft.com/office/powerpoint/2010/main" Requires="p14">
+            <p:contentPart p14:bwMode="auto" r:id="rId11">
+              <p14:nvContentPartPr>
+                <p14:cNvPr id="26" name="Freihand 25">
+                  <a:extLst>
+                    <a:ext uri="{FF2B5EF4-FFF2-40B4-BE49-F238E27FC236}">
+                      <a16:creationId xmlns:a16="http://schemas.microsoft.com/office/drawing/2014/main" id="{C4F17CD2-2304-7C9F-DF76-0B85E73A0A76}"/>
+                    </a:ext>
+                  </a:extLst>
+                </p14:cNvPr>
+                <p14:cNvContentPartPr/>
+                <p14:nvPr/>
+              </p14:nvContentPartPr>
+              <p14:xfrm>
+                <a:off x="3969720" y="3451470"/>
+                <a:ext cx="360" cy="360"/>
+              </p14:xfrm>
+            </p:contentPart>
+          </mc:Choice>
+          <mc:Fallback>
+            <p:pic>
+              <p:nvPicPr>
+                <p:cNvPr id="26" name="Freihand 25">
+                  <a:extLst>
+                    <a:ext uri="{FF2B5EF4-FFF2-40B4-BE49-F238E27FC236}">
+                      <a16:creationId xmlns:a16="http://schemas.microsoft.com/office/drawing/2014/main" id="{C4F17CD2-2304-7C9F-DF76-0B85E73A0A76}"/>
+                    </a:ext>
+                  </a:extLst>
+                </p:cNvPr>
+                <p:cNvPicPr/>
+                <p:nvPr/>
+              </p:nvPicPr>
+              <p:blipFill>
+                <a:blip r:embed="rId7"/>
+                <a:stretch>
+                  <a:fillRect/>
+                </a:stretch>
+              </p:blipFill>
+              <p:spPr>
+                <a:xfrm>
+                  <a:off x="3961080" y="3442830"/>
+                  <a:ext cx="18000" cy="18000"/>
+                </a:xfrm>
+                <a:prstGeom prst="rect">
+                  <a:avLst/>
+                </a:prstGeom>
+              </p:spPr>
+            </p:pic>
+          </mc:Fallback>
+        </mc:AlternateContent>
+        <mc:AlternateContent xmlns:mc="http://schemas.openxmlformats.org/markup-compatibility/2006">
+          <mc:Choice xmlns:p14="http://schemas.microsoft.com/office/powerpoint/2010/main" Requires="p14">
+            <p:contentPart p14:bwMode="auto" r:id="rId12">
+              <p14:nvContentPartPr>
+                <p14:cNvPr id="27" name="Freihand 26">
+                  <a:extLst>
+                    <a:ext uri="{FF2B5EF4-FFF2-40B4-BE49-F238E27FC236}">
+                      <a16:creationId xmlns:a16="http://schemas.microsoft.com/office/drawing/2014/main" id="{33A48D44-2DF0-2DDE-555B-25812E95A6B3}"/>
+                    </a:ext>
+                  </a:extLst>
+                </p14:cNvPr>
+                <p14:cNvContentPartPr/>
+                <p14:nvPr/>
+              </p14:nvContentPartPr>
+              <p14:xfrm>
+                <a:off x="3957480" y="3443910"/>
+                <a:ext cx="12600" cy="7920"/>
+              </p14:xfrm>
+            </p:contentPart>
+          </mc:Choice>
+          <mc:Fallback>
+            <p:pic>
+              <p:nvPicPr>
+                <p:cNvPr id="27" name="Freihand 26">
+                  <a:extLst>
+                    <a:ext uri="{FF2B5EF4-FFF2-40B4-BE49-F238E27FC236}">
+                      <a16:creationId xmlns:a16="http://schemas.microsoft.com/office/drawing/2014/main" id="{33A48D44-2DF0-2DDE-555B-25812E95A6B3}"/>
+                    </a:ext>
+                  </a:extLst>
+                </p:cNvPr>
+                <p:cNvPicPr/>
+                <p:nvPr/>
+              </p:nvPicPr>
+              <p:blipFill>
+                <a:blip r:embed="rId13"/>
+                <a:stretch>
+                  <a:fillRect/>
+                </a:stretch>
+              </p:blipFill>
+              <p:spPr>
+                <a:xfrm>
+                  <a:off x="3948840" y="3435270"/>
+                  <a:ext cx="30240" cy="25560"/>
+                </a:xfrm>
+                <a:prstGeom prst="rect">
+                  <a:avLst/>
+                </a:prstGeom>
+              </p:spPr>
+            </p:pic>
+          </mc:Fallback>
+        </mc:AlternateContent>
+        <mc:AlternateContent xmlns:mc="http://schemas.openxmlformats.org/markup-compatibility/2006">
+          <mc:Choice xmlns:p14="http://schemas.microsoft.com/office/powerpoint/2010/main" Requires="p14">
+            <p:contentPart p14:bwMode="auto" r:id="rId14">
+              <p14:nvContentPartPr>
+                <p14:cNvPr id="28" name="Freihand 27">
+                  <a:extLst>
+                    <a:ext uri="{FF2B5EF4-FFF2-40B4-BE49-F238E27FC236}">
+                      <a16:creationId xmlns:a16="http://schemas.microsoft.com/office/drawing/2014/main" id="{F8B5BC4E-9755-5FE2-7CA0-130C53AE8348}"/>
+                    </a:ext>
+                  </a:extLst>
+                </p14:cNvPr>
+                <p14:cNvContentPartPr/>
+                <p14:nvPr/>
+              </p14:nvContentPartPr>
+              <p14:xfrm>
+                <a:off x="3950640" y="3440310"/>
+                <a:ext cx="360" cy="360"/>
+              </p14:xfrm>
+            </p:contentPart>
+          </mc:Choice>
+          <mc:Fallback>
+            <p:pic>
+              <p:nvPicPr>
+                <p:cNvPr id="28" name="Freihand 27">
+                  <a:extLst>
+                    <a:ext uri="{FF2B5EF4-FFF2-40B4-BE49-F238E27FC236}">
+                      <a16:creationId xmlns:a16="http://schemas.microsoft.com/office/drawing/2014/main" id="{F8B5BC4E-9755-5FE2-7CA0-130C53AE8348}"/>
+                    </a:ext>
+                  </a:extLst>
+                </p:cNvPr>
+                <p:cNvPicPr/>
+                <p:nvPr/>
+              </p:nvPicPr>
+              <p:blipFill>
+                <a:blip r:embed="rId7"/>
+                <a:stretch>
+                  <a:fillRect/>
+                </a:stretch>
+              </p:blipFill>
+              <p:spPr>
+                <a:xfrm>
+                  <a:off x="3942000" y="3431310"/>
+                  <a:ext cx="18000" cy="18000"/>
+                </a:xfrm>
+                <a:prstGeom prst="rect">
+                  <a:avLst/>
+                </a:prstGeom>
+              </p:spPr>
+            </p:pic>
+          </mc:Fallback>
+        </mc:AlternateContent>
+        <mc:AlternateContent xmlns:mc="http://schemas.openxmlformats.org/markup-compatibility/2006">
+          <mc:Choice xmlns:p14="http://schemas.microsoft.com/office/powerpoint/2010/main" Requires="p14">
+            <p:contentPart p14:bwMode="auto" r:id="rId15">
+              <p14:nvContentPartPr>
+                <p14:cNvPr id="29" name="Freihand 28">
+                  <a:extLst>
+                    <a:ext uri="{FF2B5EF4-FFF2-40B4-BE49-F238E27FC236}">
+                      <a16:creationId xmlns:a16="http://schemas.microsoft.com/office/drawing/2014/main" id="{145701E6-B973-A6EC-4356-EEF88580074A}"/>
+                    </a:ext>
+                  </a:extLst>
+                </p14:cNvPr>
+                <p14:cNvContentPartPr/>
+                <p14:nvPr/>
+              </p14:nvContentPartPr>
+              <p14:xfrm>
+                <a:off x="3950640" y="3440310"/>
+                <a:ext cx="360" cy="360"/>
+              </p14:xfrm>
+            </p:contentPart>
+          </mc:Choice>
+          <mc:Fallback>
+            <p:pic>
+              <p:nvPicPr>
+                <p:cNvPr id="29" name="Freihand 28">
+                  <a:extLst>
+                    <a:ext uri="{FF2B5EF4-FFF2-40B4-BE49-F238E27FC236}">
+                      <a16:creationId xmlns:a16="http://schemas.microsoft.com/office/drawing/2014/main" id="{145701E6-B973-A6EC-4356-EEF88580074A}"/>
+                    </a:ext>
+                  </a:extLst>
+                </p:cNvPr>
+                <p:cNvPicPr/>
+                <p:nvPr/>
+              </p:nvPicPr>
+              <p:blipFill>
+                <a:blip r:embed="rId7"/>
+                <a:stretch>
+                  <a:fillRect/>
+                </a:stretch>
+              </p:blipFill>
+              <p:spPr>
+                <a:xfrm>
+                  <a:off x="3942000" y="3431310"/>
+                  <a:ext cx="18000" cy="18000"/>
+                </a:xfrm>
+                <a:prstGeom prst="rect">
+                  <a:avLst/>
+                </a:prstGeom>
+              </p:spPr>
+            </p:pic>
+          </mc:Fallback>
+        </mc:AlternateContent>
+        <mc:AlternateContent xmlns:mc="http://schemas.openxmlformats.org/markup-compatibility/2006">
+          <mc:Choice xmlns:p14="http://schemas.microsoft.com/office/powerpoint/2010/main" Requires="p14">
+            <p:contentPart p14:bwMode="auto" r:id="rId16">
+              <p14:nvContentPartPr>
+                <p14:cNvPr id="30" name="Freihand 29">
+                  <a:extLst>
+                    <a:ext uri="{FF2B5EF4-FFF2-40B4-BE49-F238E27FC236}">
+                      <a16:creationId xmlns:a16="http://schemas.microsoft.com/office/drawing/2014/main" id="{DCAC67DB-3D08-786C-3559-A5F5BC609CB4}"/>
+                    </a:ext>
+                  </a:extLst>
+                </p14:cNvPr>
+                <p14:cNvContentPartPr/>
+                <p14:nvPr/>
+              </p14:nvContentPartPr>
+              <p14:xfrm>
+                <a:off x="3909240" y="3424470"/>
+                <a:ext cx="63000" cy="46440"/>
+              </p14:xfrm>
+            </p:contentPart>
+          </mc:Choice>
+          <mc:Fallback>
+            <p:pic>
+              <p:nvPicPr>
+                <p:cNvPr id="30" name="Freihand 29">
+                  <a:extLst>
+                    <a:ext uri="{FF2B5EF4-FFF2-40B4-BE49-F238E27FC236}">
+                      <a16:creationId xmlns:a16="http://schemas.microsoft.com/office/drawing/2014/main" id="{DCAC67DB-3D08-786C-3559-A5F5BC609CB4}"/>
+                    </a:ext>
+                  </a:extLst>
+                </p:cNvPr>
+                <p:cNvPicPr/>
+                <p:nvPr/>
+              </p:nvPicPr>
+              <p:blipFill>
+                <a:blip r:embed="rId17"/>
+                <a:stretch>
+                  <a:fillRect/>
+                </a:stretch>
+              </p:blipFill>
+              <p:spPr>
+                <a:xfrm>
+                  <a:off x="3900600" y="3415830"/>
+                  <a:ext cx="80640" cy="64080"/>
+                </a:xfrm>
+                <a:prstGeom prst="rect">
+                  <a:avLst/>
+                </a:prstGeom>
+              </p:spPr>
+            </p:pic>
+          </mc:Fallback>
+        </mc:AlternateContent>
+        <mc:AlternateContent xmlns:mc="http://schemas.openxmlformats.org/markup-compatibility/2006">
+          <mc:Choice xmlns:p14="http://schemas.microsoft.com/office/powerpoint/2010/main" Requires="p14">
+            <p:contentPart p14:bwMode="auto" r:id="rId18">
+              <p14:nvContentPartPr>
+                <p14:cNvPr id="32" name="Freihand 31">
+                  <a:extLst>
+                    <a:ext uri="{FF2B5EF4-FFF2-40B4-BE49-F238E27FC236}">
+                      <a16:creationId xmlns:a16="http://schemas.microsoft.com/office/drawing/2014/main" id="{671FB32D-1D2F-705D-DF18-87DF1E46953D}"/>
+                    </a:ext>
+                  </a:extLst>
+                </p14:cNvPr>
+                <p14:cNvContentPartPr/>
+                <p14:nvPr/>
+              </p14:nvContentPartPr>
+              <p14:xfrm>
+                <a:off x="4068720" y="3447870"/>
+                <a:ext cx="360" cy="360"/>
+              </p14:xfrm>
+            </p:contentPart>
+          </mc:Choice>
+          <mc:Fallback>
+            <p:pic>
+              <p:nvPicPr>
+                <p:cNvPr id="32" name="Freihand 31">
+                  <a:extLst>
+                    <a:ext uri="{FF2B5EF4-FFF2-40B4-BE49-F238E27FC236}">
+                      <a16:creationId xmlns:a16="http://schemas.microsoft.com/office/drawing/2014/main" id="{671FB32D-1D2F-705D-DF18-87DF1E46953D}"/>
+                    </a:ext>
+                  </a:extLst>
+                </p:cNvPr>
+                <p:cNvPicPr/>
+                <p:nvPr/>
+              </p:nvPicPr>
+              <p:blipFill>
+                <a:blip r:embed="rId7"/>
+                <a:stretch>
+                  <a:fillRect/>
+                </a:stretch>
+              </p:blipFill>
+              <p:spPr>
+                <a:xfrm>
+                  <a:off x="4060080" y="3438870"/>
+                  <a:ext cx="18000" cy="18000"/>
+                </a:xfrm>
+                <a:prstGeom prst="rect">
+                  <a:avLst/>
+                </a:prstGeom>
+              </p:spPr>
+            </p:pic>
+          </mc:Fallback>
+        </mc:AlternateContent>
+        <mc:AlternateContent xmlns:mc="http://schemas.openxmlformats.org/markup-compatibility/2006">
+          <mc:Choice xmlns:p14="http://schemas.microsoft.com/office/powerpoint/2010/main" Requires="p14">
+            <p:contentPart p14:bwMode="auto" r:id="rId19">
+              <p14:nvContentPartPr>
+                <p14:cNvPr id="33" name="Freihand 32">
+                  <a:extLst>
+                    <a:ext uri="{FF2B5EF4-FFF2-40B4-BE49-F238E27FC236}">
+                      <a16:creationId xmlns:a16="http://schemas.microsoft.com/office/drawing/2014/main" id="{BD2F74BA-98F5-D595-289F-82F70AC63DEE}"/>
+                    </a:ext>
+                  </a:extLst>
+                </p14:cNvPr>
+                <p14:cNvContentPartPr/>
+                <p14:nvPr/>
+              </p14:nvContentPartPr>
+              <p14:xfrm>
+                <a:off x="4068720" y="3447870"/>
+                <a:ext cx="360" cy="360"/>
+              </p14:xfrm>
+            </p:contentPart>
+          </mc:Choice>
+          <mc:Fallback>
+            <p:pic>
+              <p:nvPicPr>
+                <p:cNvPr id="33" name="Freihand 32">
+                  <a:extLst>
+                    <a:ext uri="{FF2B5EF4-FFF2-40B4-BE49-F238E27FC236}">
+                      <a16:creationId xmlns:a16="http://schemas.microsoft.com/office/drawing/2014/main" id="{BD2F74BA-98F5-D595-289F-82F70AC63DEE}"/>
+                    </a:ext>
+                  </a:extLst>
+                </p:cNvPr>
+                <p:cNvPicPr/>
+                <p:nvPr/>
+              </p:nvPicPr>
+              <p:blipFill>
+                <a:blip r:embed="rId7"/>
+                <a:stretch>
+                  <a:fillRect/>
+                </a:stretch>
+              </p:blipFill>
+              <p:spPr>
+                <a:xfrm>
+                  <a:off x="4060080" y="3438870"/>
+                  <a:ext cx="18000" cy="18000"/>
+                </a:xfrm>
+                <a:prstGeom prst="rect">
+                  <a:avLst/>
+                </a:prstGeom>
+              </p:spPr>
+            </p:pic>
+          </mc:Fallback>
+        </mc:AlternateContent>
+        <mc:AlternateContent xmlns:mc="http://schemas.openxmlformats.org/markup-compatibility/2006">
+          <mc:Choice xmlns:p14="http://schemas.microsoft.com/office/powerpoint/2010/main" Requires="p14">
+            <p:contentPart p14:bwMode="auto" r:id="rId20">
+              <p14:nvContentPartPr>
+                <p14:cNvPr id="34" name="Freihand 33">
+                  <a:extLst>
+                    <a:ext uri="{FF2B5EF4-FFF2-40B4-BE49-F238E27FC236}">
+                      <a16:creationId xmlns:a16="http://schemas.microsoft.com/office/drawing/2014/main" id="{A416D167-1CC7-D442-BC31-E500DAAF6EE0}"/>
+                    </a:ext>
+                  </a:extLst>
+                </p14:cNvPr>
+                <p14:cNvContentPartPr/>
+                <p14:nvPr/>
+              </p14:nvContentPartPr>
+              <p14:xfrm>
+                <a:off x="4049640" y="3447870"/>
+                <a:ext cx="360" cy="360"/>
+              </p14:xfrm>
+            </p:contentPart>
+          </mc:Choice>
+          <mc:Fallback>
+            <p:pic>
+              <p:nvPicPr>
+                <p:cNvPr id="34" name="Freihand 33">
+                  <a:extLst>
+                    <a:ext uri="{FF2B5EF4-FFF2-40B4-BE49-F238E27FC236}">
+                      <a16:creationId xmlns:a16="http://schemas.microsoft.com/office/drawing/2014/main" id="{A416D167-1CC7-D442-BC31-E500DAAF6EE0}"/>
+                    </a:ext>
+                  </a:extLst>
+                </p:cNvPr>
+                <p:cNvPicPr/>
+                <p:nvPr/>
+              </p:nvPicPr>
+              <p:blipFill>
+                <a:blip r:embed="rId7"/>
+                <a:stretch>
+                  <a:fillRect/>
+                </a:stretch>
+              </p:blipFill>
+              <p:spPr>
+                <a:xfrm>
+                  <a:off x="4041000" y="3438870"/>
+                  <a:ext cx="18000" cy="18000"/>
+                </a:xfrm>
+                <a:prstGeom prst="rect">
+                  <a:avLst/>
+                </a:prstGeom>
+              </p:spPr>
+            </p:pic>
+          </mc:Fallback>
+        </mc:AlternateContent>
+        <mc:AlternateContent xmlns:mc="http://schemas.openxmlformats.org/markup-compatibility/2006">
+          <mc:Choice xmlns:p14="http://schemas.microsoft.com/office/powerpoint/2010/main" Requires="p14">
+            <p:contentPart p14:bwMode="auto" r:id="rId21">
+              <p14:nvContentPartPr>
+                <p14:cNvPr id="35" name="Freihand 34">
+                  <a:extLst>
+                    <a:ext uri="{FF2B5EF4-FFF2-40B4-BE49-F238E27FC236}">
+                      <a16:creationId xmlns:a16="http://schemas.microsoft.com/office/drawing/2014/main" id="{17416FB8-D9AE-2CE6-F672-A0262E204A7A}"/>
+                    </a:ext>
+                  </a:extLst>
+                </p14:cNvPr>
+                <p14:cNvContentPartPr/>
+                <p14:nvPr/>
+              </p14:nvContentPartPr>
+              <p14:xfrm>
+                <a:off x="4049640" y="3447870"/>
+                <a:ext cx="360" cy="360"/>
+              </p14:xfrm>
+            </p:contentPart>
+          </mc:Choice>
+          <mc:Fallback>
+            <p:pic>
+              <p:nvPicPr>
+                <p:cNvPr id="35" name="Freihand 34">
+                  <a:extLst>
+                    <a:ext uri="{FF2B5EF4-FFF2-40B4-BE49-F238E27FC236}">
+                      <a16:creationId xmlns:a16="http://schemas.microsoft.com/office/drawing/2014/main" id="{17416FB8-D9AE-2CE6-F672-A0262E204A7A}"/>
+                    </a:ext>
+                  </a:extLst>
+                </p:cNvPr>
+                <p:cNvPicPr/>
+                <p:nvPr/>
+              </p:nvPicPr>
+              <p:blipFill>
+                <a:blip r:embed="rId7"/>
+                <a:stretch>
+                  <a:fillRect/>
+                </a:stretch>
+              </p:blipFill>
+              <p:spPr>
+                <a:xfrm>
+                  <a:off x="4041000" y="3438870"/>
+                  <a:ext cx="18000" cy="18000"/>
+                </a:xfrm>
+                <a:prstGeom prst="rect">
+                  <a:avLst/>
+                </a:prstGeom>
+              </p:spPr>
+            </p:pic>
+          </mc:Fallback>
+        </mc:AlternateContent>
+        <mc:AlternateContent xmlns:mc="http://schemas.openxmlformats.org/markup-compatibility/2006">
+          <mc:Choice xmlns:p14="http://schemas.microsoft.com/office/powerpoint/2010/main" Requires="p14">
+            <p:contentPart p14:bwMode="auto" r:id="rId22">
+              <p14:nvContentPartPr>
+                <p14:cNvPr id="36" name="Freihand 35">
+                  <a:extLst>
+                    <a:ext uri="{FF2B5EF4-FFF2-40B4-BE49-F238E27FC236}">
+                      <a16:creationId xmlns:a16="http://schemas.microsoft.com/office/drawing/2014/main" id="{E65B39DF-D31B-116F-C43D-63BC4B4E49DD}"/>
+                    </a:ext>
+                  </a:extLst>
+                </p14:cNvPr>
+                <p14:cNvContentPartPr/>
+                <p14:nvPr/>
+              </p14:nvContentPartPr>
+              <p14:xfrm>
+                <a:off x="4061160" y="3447870"/>
+                <a:ext cx="360" cy="360"/>
+              </p14:xfrm>
+            </p:contentPart>
+          </mc:Choice>
+          <mc:Fallback>
+            <p:pic>
+              <p:nvPicPr>
+                <p:cNvPr id="36" name="Freihand 35">
+                  <a:extLst>
+                    <a:ext uri="{FF2B5EF4-FFF2-40B4-BE49-F238E27FC236}">
+                      <a16:creationId xmlns:a16="http://schemas.microsoft.com/office/drawing/2014/main" id="{E65B39DF-D31B-116F-C43D-63BC4B4E49DD}"/>
+                    </a:ext>
+                  </a:extLst>
+                </p:cNvPr>
+                <p:cNvPicPr/>
+                <p:nvPr/>
+              </p:nvPicPr>
+              <p:blipFill>
+                <a:blip r:embed="rId7"/>
+                <a:stretch>
+                  <a:fillRect/>
+                </a:stretch>
+              </p:blipFill>
+              <p:spPr>
+                <a:xfrm>
+                  <a:off x="4052520" y="3438870"/>
+                  <a:ext cx="18000" cy="18000"/>
+                </a:xfrm>
+                <a:prstGeom prst="rect">
+                  <a:avLst/>
+                </a:prstGeom>
+              </p:spPr>
+            </p:pic>
+          </mc:Fallback>
+        </mc:AlternateContent>
+        <mc:AlternateContent xmlns:mc="http://schemas.openxmlformats.org/markup-compatibility/2006">
+          <mc:Choice xmlns:p14="http://schemas.microsoft.com/office/powerpoint/2010/main" Requires="p14">
+            <p:contentPart p14:bwMode="auto" r:id="rId23">
+              <p14:nvContentPartPr>
+                <p14:cNvPr id="38" name="Freihand 37">
+                  <a:extLst>
+                    <a:ext uri="{FF2B5EF4-FFF2-40B4-BE49-F238E27FC236}">
+                      <a16:creationId xmlns:a16="http://schemas.microsoft.com/office/drawing/2014/main" id="{D43BEF3F-37C7-33EE-30D8-E69360732339}"/>
+                    </a:ext>
+                  </a:extLst>
+                </p14:cNvPr>
+                <p14:cNvContentPartPr/>
+                <p14:nvPr/>
+              </p14:nvContentPartPr>
+              <p14:xfrm>
+                <a:off x="4030560" y="3443910"/>
+                <a:ext cx="360" cy="360"/>
+              </p14:xfrm>
+            </p:contentPart>
+          </mc:Choice>
+          <mc:Fallback>
+            <p:pic>
+              <p:nvPicPr>
+                <p:cNvPr id="38" name="Freihand 37">
+                  <a:extLst>
+                    <a:ext uri="{FF2B5EF4-FFF2-40B4-BE49-F238E27FC236}">
+                      <a16:creationId xmlns:a16="http://schemas.microsoft.com/office/drawing/2014/main" id="{D43BEF3F-37C7-33EE-30D8-E69360732339}"/>
+                    </a:ext>
+                  </a:extLst>
+                </p:cNvPr>
+                <p:cNvPicPr/>
+                <p:nvPr/>
+              </p:nvPicPr>
+              <p:blipFill>
+                <a:blip r:embed="rId7"/>
+                <a:stretch>
+                  <a:fillRect/>
+                </a:stretch>
+              </p:blipFill>
+              <p:spPr>
+                <a:xfrm>
+                  <a:off x="4021920" y="3435270"/>
+                  <a:ext cx="18000" cy="18000"/>
+                </a:xfrm>
+                <a:prstGeom prst="rect">
+                  <a:avLst/>
+                </a:prstGeom>
+              </p:spPr>
+            </p:pic>
+          </mc:Fallback>
+        </mc:AlternateContent>
+        <mc:AlternateContent xmlns:mc="http://schemas.openxmlformats.org/markup-compatibility/2006">
+          <mc:Choice xmlns:p14="http://schemas.microsoft.com/office/powerpoint/2010/main" Requires="p14">
+            <p:contentPart p14:bwMode="auto" r:id="rId24">
+              <p14:nvContentPartPr>
+                <p14:cNvPr id="39" name="Freihand 38">
+                  <a:extLst>
+                    <a:ext uri="{FF2B5EF4-FFF2-40B4-BE49-F238E27FC236}">
+                      <a16:creationId xmlns:a16="http://schemas.microsoft.com/office/drawing/2014/main" id="{1F73115B-3141-1E5E-4BA8-CF7A530B61DE}"/>
+                    </a:ext>
+                  </a:extLst>
+                </p14:cNvPr>
+                <p14:cNvContentPartPr/>
+                <p14:nvPr/>
+              </p14:nvContentPartPr>
+              <p14:xfrm>
+                <a:off x="4011840" y="3451470"/>
+                <a:ext cx="360" cy="360"/>
+              </p14:xfrm>
+            </p:contentPart>
+          </mc:Choice>
+          <mc:Fallback>
+            <p:pic>
+              <p:nvPicPr>
+                <p:cNvPr id="39" name="Freihand 38">
+                  <a:extLst>
+                    <a:ext uri="{FF2B5EF4-FFF2-40B4-BE49-F238E27FC236}">
+                      <a16:creationId xmlns:a16="http://schemas.microsoft.com/office/drawing/2014/main" id="{1F73115B-3141-1E5E-4BA8-CF7A530B61DE}"/>
+                    </a:ext>
+                  </a:extLst>
+                </p:cNvPr>
+                <p:cNvPicPr/>
+                <p:nvPr/>
+              </p:nvPicPr>
+              <p:blipFill>
+                <a:blip r:embed="rId7"/>
+                <a:stretch>
+                  <a:fillRect/>
+                </a:stretch>
+              </p:blipFill>
+              <p:spPr>
+                <a:xfrm>
+                  <a:off x="4002840" y="3442830"/>
+                  <a:ext cx="18000" cy="18000"/>
+                </a:xfrm>
+                <a:prstGeom prst="rect">
+                  <a:avLst/>
+                </a:prstGeom>
+              </p:spPr>
+            </p:pic>
+          </mc:Fallback>
+        </mc:AlternateContent>
+        <mc:AlternateContent xmlns:mc="http://schemas.openxmlformats.org/markup-compatibility/2006">
+          <mc:Choice xmlns:p14="http://schemas.microsoft.com/office/powerpoint/2010/main" Requires="p14">
+            <p:contentPart p14:bwMode="auto" r:id="rId25">
+              <p14:nvContentPartPr>
+                <p14:cNvPr id="40" name="Freihand 39">
+                  <a:extLst>
+                    <a:ext uri="{FF2B5EF4-FFF2-40B4-BE49-F238E27FC236}">
+                      <a16:creationId xmlns:a16="http://schemas.microsoft.com/office/drawing/2014/main" id="{96687880-8C52-BD10-916F-047D942A0751}"/>
+                    </a:ext>
+                  </a:extLst>
+                </p14:cNvPr>
+                <p14:cNvContentPartPr/>
+                <p14:nvPr/>
+              </p14:nvContentPartPr>
+              <p14:xfrm>
+                <a:off x="4042080" y="3455430"/>
+                <a:ext cx="360" cy="360"/>
+              </p14:xfrm>
+            </p:contentPart>
+          </mc:Choice>
+          <mc:Fallback>
+            <p:pic>
+              <p:nvPicPr>
+                <p:cNvPr id="40" name="Freihand 39">
+                  <a:extLst>
+                    <a:ext uri="{FF2B5EF4-FFF2-40B4-BE49-F238E27FC236}">
+                      <a16:creationId xmlns:a16="http://schemas.microsoft.com/office/drawing/2014/main" id="{96687880-8C52-BD10-916F-047D942A0751}"/>
+                    </a:ext>
+                  </a:extLst>
+                </p:cNvPr>
+                <p:cNvPicPr/>
+                <p:nvPr/>
+              </p:nvPicPr>
+              <p:blipFill>
+                <a:blip r:embed="rId7"/>
+                <a:stretch>
+                  <a:fillRect/>
+                </a:stretch>
+              </p:blipFill>
+              <p:spPr>
+                <a:xfrm>
+                  <a:off x="4033440" y="3446430"/>
+                  <a:ext cx="18000" cy="18000"/>
+                </a:xfrm>
+                <a:prstGeom prst="rect">
+                  <a:avLst/>
+                </a:prstGeom>
+              </p:spPr>
+            </p:pic>
+          </mc:Fallback>
+        </mc:AlternateContent>
+        <mc:AlternateContent xmlns:mc="http://schemas.openxmlformats.org/markup-compatibility/2006">
+          <mc:Choice xmlns:p14="http://schemas.microsoft.com/office/powerpoint/2010/main" Requires="p14">
+            <p:contentPart p14:bwMode="auto" r:id="rId26">
+              <p14:nvContentPartPr>
+                <p14:cNvPr id="41" name="Freihand 40">
+                  <a:extLst>
+                    <a:ext uri="{FF2B5EF4-FFF2-40B4-BE49-F238E27FC236}">
+                      <a16:creationId xmlns:a16="http://schemas.microsoft.com/office/drawing/2014/main" id="{34974017-AFCD-269B-3F5D-499FA5582B93}"/>
+                    </a:ext>
+                  </a:extLst>
+                </p14:cNvPr>
+                <p14:cNvContentPartPr/>
+                <p14:nvPr/>
+              </p14:nvContentPartPr>
+              <p14:xfrm>
+                <a:off x="4057560" y="3455430"/>
+                <a:ext cx="360" cy="360"/>
+              </p14:xfrm>
+            </p:contentPart>
+          </mc:Choice>
+          <mc:Fallback>
+            <p:pic>
+              <p:nvPicPr>
+                <p:cNvPr id="41" name="Freihand 40">
+                  <a:extLst>
+                    <a:ext uri="{FF2B5EF4-FFF2-40B4-BE49-F238E27FC236}">
+                      <a16:creationId xmlns:a16="http://schemas.microsoft.com/office/drawing/2014/main" id="{34974017-AFCD-269B-3F5D-499FA5582B93}"/>
+                    </a:ext>
+                  </a:extLst>
+                </p:cNvPr>
+                <p:cNvPicPr/>
+                <p:nvPr/>
+              </p:nvPicPr>
+              <p:blipFill>
+                <a:blip r:embed="rId7"/>
+                <a:stretch>
+                  <a:fillRect/>
+                </a:stretch>
+              </p:blipFill>
+              <p:spPr>
+                <a:xfrm>
+                  <a:off x="4048560" y="3446430"/>
+                  <a:ext cx="18000" cy="18000"/>
+                </a:xfrm>
+                <a:prstGeom prst="rect">
+                  <a:avLst/>
+                </a:prstGeom>
+              </p:spPr>
+            </p:pic>
+          </mc:Fallback>
+        </mc:AlternateContent>
+        <mc:AlternateContent xmlns:mc="http://schemas.openxmlformats.org/markup-compatibility/2006">
+          <mc:Choice xmlns:p14="http://schemas.microsoft.com/office/powerpoint/2010/main" Requires="p14">
+            <p:contentPart p14:bwMode="auto" r:id="rId27">
+              <p14:nvContentPartPr>
+                <p14:cNvPr id="42" name="Freihand 41">
+                  <a:extLst>
+                    <a:ext uri="{FF2B5EF4-FFF2-40B4-BE49-F238E27FC236}">
+                      <a16:creationId xmlns:a16="http://schemas.microsoft.com/office/drawing/2014/main" id="{E903394A-F6DC-515C-7C3E-515A476142D8}"/>
+                    </a:ext>
+                  </a:extLst>
+                </p14:cNvPr>
+                <p14:cNvContentPartPr/>
+                <p14:nvPr/>
+              </p14:nvContentPartPr>
+              <p14:xfrm>
+                <a:off x="4057560" y="3455430"/>
+                <a:ext cx="360" cy="360"/>
+              </p14:xfrm>
+            </p:contentPart>
+          </mc:Choice>
+          <mc:Fallback>
+            <p:pic>
+              <p:nvPicPr>
+                <p:cNvPr id="42" name="Freihand 41">
+                  <a:extLst>
+                    <a:ext uri="{FF2B5EF4-FFF2-40B4-BE49-F238E27FC236}">
+                      <a16:creationId xmlns:a16="http://schemas.microsoft.com/office/drawing/2014/main" id="{E903394A-F6DC-515C-7C3E-515A476142D8}"/>
+                    </a:ext>
+                  </a:extLst>
+                </p:cNvPr>
+                <p:cNvPicPr/>
+                <p:nvPr/>
+              </p:nvPicPr>
+              <p:blipFill>
+                <a:blip r:embed="rId7"/>
+                <a:stretch>
+                  <a:fillRect/>
+                </a:stretch>
+              </p:blipFill>
+              <p:spPr>
+                <a:xfrm>
+                  <a:off x="4048560" y="3446430"/>
+                  <a:ext cx="18000" cy="18000"/>
+                </a:xfrm>
+                <a:prstGeom prst="rect">
+                  <a:avLst/>
+                </a:prstGeom>
+              </p:spPr>
+            </p:pic>
+          </mc:Fallback>
+        </mc:AlternateContent>
+        <mc:AlternateContent xmlns:mc="http://schemas.openxmlformats.org/markup-compatibility/2006">
+          <mc:Choice xmlns:p14="http://schemas.microsoft.com/office/powerpoint/2010/main" Requires="p14">
+            <p:contentPart p14:bwMode="auto" r:id="rId28">
+              <p14:nvContentPartPr>
+                <p14:cNvPr id="43" name="Freihand 42">
+                  <a:extLst>
+                    <a:ext uri="{FF2B5EF4-FFF2-40B4-BE49-F238E27FC236}">
+                      <a16:creationId xmlns:a16="http://schemas.microsoft.com/office/drawing/2014/main" id="{38A9B75F-24FD-34A8-942D-023C49E0BFCF}"/>
+                    </a:ext>
+                  </a:extLst>
+                </p14:cNvPr>
+                <p14:cNvContentPartPr/>
+                <p14:nvPr/>
+              </p14:nvContentPartPr>
+              <p14:xfrm>
+                <a:off x="4080240" y="3474510"/>
+                <a:ext cx="360" cy="360"/>
+              </p14:xfrm>
+            </p:contentPart>
+          </mc:Choice>
+          <mc:Fallback>
+            <p:pic>
+              <p:nvPicPr>
+                <p:cNvPr id="43" name="Freihand 42">
+                  <a:extLst>
+                    <a:ext uri="{FF2B5EF4-FFF2-40B4-BE49-F238E27FC236}">
+                      <a16:creationId xmlns:a16="http://schemas.microsoft.com/office/drawing/2014/main" id="{38A9B75F-24FD-34A8-942D-023C49E0BFCF}"/>
+                    </a:ext>
+                  </a:extLst>
+                </p:cNvPr>
+                <p:cNvPicPr/>
+                <p:nvPr/>
+              </p:nvPicPr>
+              <p:blipFill>
+                <a:blip r:embed="rId7"/>
+                <a:stretch>
+                  <a:fillRect/>
+                </a:stretch>
+              </p:blipFill>
+              <p:spPr>
+                <a:xfrm>
+                  <a:off x="4071600" y="3465510"/>
+                  <a:ext cx="18000" cy="18000"/>
+                </a:xfrm>
+                <a:prstGeom prst="rect">
+                  <a:avLst/>
+                </a:prstGeom>
+              </p:spPr>
+            </p:pic>
+          </mc:Fallback>
+        </mc:AlternateContent>
+        <mc:AlternateContent xmlns:mc="http://schemas.openxmlformats.org/markup-compatibility/2006">
+          <mc:Choice xmlns:p14="http://schemas.microsoft.com/office/powerpoint/2010/main" Requires="p14">
+            <p:contentPart p14:bwMode="auto" r:id="rId29">
+              <p14:nvContentPartPr>
+                <p14:cNvPr id="44" name="Freihand 43">
+                  <a:extLst>
+                    <a:ext uri="{FF2B5EF4-FFF2-40B4-BE49-F238E27FC236}">
+                      <a16:creationId xmlns:a16="http://schemas.microsoft.com/office/drawing/2014/main" id="{0AEF95C0-116D-8AB2-C321-AE173F1CBC6F}"/>
+                    </a:ext>
+                  </a:extLst>
+                </p14:cNvPr>
+                <p14:cNvContentPartPr/>
+                <p14:nvPr/>
+              </p14:nvContentPartPr>
+              <p14:xfrm>
+                <a:off x="4026960" y="3462990"/>
+                <a:ext cx="360" cy="360"/>
+              </p14:xfrm>
+            </p:contentPart>
+          </mc:Choice>
+          <mc:Fallback>
+            <p:pic>
+              <p:nvPicPr>
+                <p:cNvPr id="44" name="Freihand 43">
+                  <a:extLst>
+                    <a:ext uri="{FF2B5EF4-FFF2-40B4-BE49-F238E27FC236}">
+                      <a16:creationId xmlns:a16="http://schemas.microsoft.com/office/drawing/2014/main" id="{0AEF95C0-116D-8AB2-C321-AE173F1CBC6F}"/>
+                    </a:ext>
+                  </a:extLst>
+                </p:cNvPr>
+                <p:cNvPicPr/>
+                <p:nvPr/>
+              </p:nvPicPr>
+              <p:blipFill>
+                <a:blip r:embed="rId7"/>
+                <a:stretch>
+                  <a:fillRect/>
+                </a:stretch>
+              </p:blipFill>
+              <p:spPr>
+                <a:xfrm>
+                  <a:off x="4017960" y="3454350"/>
+                  <a:ext cx="18000" cy="18000"/>
+                </a:xfrm>
+                <a:prstGeom prst="rect">
+                  <a:avLst/>
+                </a:prstGeom>
+              </p:spPr>
+            </p:pic>
+          </mc:Fallback>
+        </mc:AlternateContent>
+        <mc:AlternateContent xmlns:mc="http://schemas.openxmlformats.org/markup-compatibility/2006">
+          <mc:Choice xmlns:p14="http://schemas.microsoft.com/office/powerpoint/2010/main" Requires="p14">
+            <p:contentPart p14:bwMode="auto" r:id="rId30">
+              <p14:nvContentPartPr>
+                <p14:cNvPr id="45" name="Freihand 44">
+                  <a:extLst>
+                    <a:ext uri="{FF2B5EF4-FFF2-40B4-BE49-F238E27FC236}">
+                      <a16:creationId xmlns:a16="http://schemas.microsoft.com/office/drawing/2014/main" id="{6D9B6E8C-4695-07B7-F565-3401AF879D4F}"/>
+                    </a:ext>
+                  </a:extLst>
+                </p14:cNvPr>
+                <p14:cNvContentPartPr/>
+                <p14:nvPr/>
+              </p14:nvContentPartPr>
+              <p14:xfrm>
+                <a:off x="4011840" y="3459390"/>
+                <a:ext cx="360" cy="360"/>
+              </p14:xfrm>
+            </p:contentPart>
+          </mc:Choice>
+          <mc:Fallback>
+            <p:pic>
+              <p:nvPicPr>
+                <p:cNvPr id="45" name="Freihand 44">
+                  <a:extLst>
+                    <a:ext uri="{FF2B5EF4-FFF2-40B4-BE49-F238E27FC236}">
+                      <a16:creationId xmlns:a16="http://schemas.microsoft.com/office/drawing/2014/main" id="{6D9B6E8C-4695-07B7-F565-3401AF879D4F}"/>
+                    </a:ext>
+                  </a:extLst>
+                </p:cNvPr>
+                <p:cNvPicPr/>
+                <p:nvPr/>
+              </p:nvPicPr>
+              <p:blipFill>
+                <a:blip r:embed="rId7"/>
+                <a:stretch>
+                  <a:fillRect/>
+                </a:stretch>
+              </p:blipFill>
+              <p:spPr>
+                <a:xfrm>
+                  <a:off x="4002840" y="3450390"/>
+                  <a:ext cx="18000" cy="18000"/>
+                </a:xfrm>
+                <a:prstGeom prst="rect">
+                  <a:avLst/>
+                </a:prstGeom>
+              </p:spPr>
+            </p:pic>
+          </mc:Fallback>
+        </mc:AlternateContent>
+        <mc:AlternateContent xmlns:mc="http://schemas.openxmlformats.org/markup-compatibility/2006">
+          <mc:Choice xmlns:p14="http://schemas.microsoft.com/office/powerpoint/2010/main" Requires="p14">
+            <p:contentPart p14:bwMode="auto" r:id="rId31">
+              <p14:nvContentPartPr>
+                <p14:cNvPr id="46" name="Freihand 45">
+                  <a:extLst>
+                    <a:ext uri="{FF2B5EF4-FFF2-40B4-BE49-F238E27FC236}">
+                      <a16:creationId xmlns:a16="http://schemas.microsoft.com/office/drawing/2014/main" id="{E7F6FD67-2897-7C17-E09A-D1AEF4279593}"/>
+                    </a:ext>
+                  </a:extLst>
+                </p14:cNvPr>
+                <p14:cNvContentPartPr/>
+                <p14:nvPr/>
+              </p14:nvContentPartPr>
+              <p14:xfrm>
+                <a:off x="4007880" y="3440310"/>
+                <a:ext cx="360" cy="360"/>
+              </p14:xfrm>
+            </p:contentPart>
+          </mc:Choice>
+          <mc:Fallback>
+            <p:pic>
+              <p:nvPicPr>
+                <p:cNvPr id="46" name="Freihand 45">
+                  <a:extLst>
+                    <a:ext uri="{FF2B5EF4-FFF2-40B4-BE49-F238E27FC236}">
+                      <a16:creationId xmlns:a16="http://schemas.microsoft.com/office/drawing/2014/main" id="{E7F6FD67-2897-7C17-E09A-D1AEF4279593}"/>
+                    </a:ext>
+                  </a:extLst>
+                </p:cNvPr>
+                <p:cNvPicPr/>
+                <p:nvPr/>
+              </p:nvPicPr>
+              <p:blipFill>
+                <a:blip r:embed="rId7"/>
+                <a:stretch>
+                  <a:fillRect/>
+                </a:stretch>
+              </p:blipFill>
+              <p:spPr>
+                <a:xfrm>
+                  <a:off x="3998880" y="3431310"/>
+                  <a:ext cx="18000" cy="18000"/>
+                </a:xfrm>
+                <a:prstGeom prst="rect">
+                  <a:avLst/>
+                </a:prstGeom>
+              </p:spPr>
+            </p:pic>
+          </mc:Fallback>
+        </mc:AlternateContent>
+        <mc:AlternateContent xmlns:mc="http://schemas.openxmlformats.org/markup-compatibility/2006">
+          <mc:Choice xmlns:p14="http://schemas.microsoft.com/office/powerpoint/2010/main" Requires="p14">
+            <p:contentPart p14:bwMode="auto" r:id="rId32">
+              <p14:nvContentPartPr>
+                <p14:cNvPr id="47" name="Freihand 46">
+                  <a:extLst>
+                    <a:ext uri="{FF2B5EF4-FFF2-40B4-BE49-F238E27FC236}">
+                      <a16:creationId xmlns:a16="http://schemas.microsoft.com/office/drawing/2014/main" id="{435F5DAE-896A-83E8-0AE1-AA2E1069D3EF}"/>
+                    </a:ext>
+                  </a:extLst>
+                </p14:cNvPr>
+                <p14:cNvContentPartPr/>
+                <p14:nvPr/>
+              </p14:nvContentPartPr>
+              <p14:xfrm>
+                <a:off x="4007880" y="3440310"/>
+                <a:ext cx="360" cy="360"/>
+              </p14:xfrm>
+            </p:contentPart>
+          </mc:Choice>
+          <mc:Fallback>
+            <p:pic>
+              <p:nvPicPr>
+                <p:cNvPr id="47" name="Freihand 46">
+                  <a:extLst>
+                    <a:ext uri="{FF2B5EF4-FFF2-40B4-BE49-F238E27FC236}">
+                      <a16:creationId xmlns:a16="http://schemas.microsoft.com/office/drawing/2014/main" id="{435F5DAE-896A-83E8-0AE1-AA2E1069D3EF}"/>
+                    </a:ext>
+                  </a:extLst>
+                </p:cNvPr>
+                <p:cNvPicPr/>
+                <p:nvPr/>
+              </p:nvPicPr>
+              <p:blipFill>
+                <a:blip r:embed="rId7"/>
+                <a:stretch>
+                  <a:fillRect/>
+                </a:stretch>
+              </p:blipFill>
+              <p:spPr>
+                <a:xfrm>
+                  <a:off x="3998880" y="3431310"/>
+                  <a:ext cx="18000" cy="18000"/>
+                </a:xfrm>
+                <a:prstGeom prst="rect">
+                  <a:avLst/>
+                </a:prstGeom>
+              </p:spPr>
+            </p:pic>
+          </mc:Fallback>
+        </mc:AlternateContent>
+        <mc:AlternateContent xmlns:mc="http://schemas.openxmlformats.org/markup-compatibility/2006">
+          <mc:Choice xmlns:p14="http://schemas.microsoft.com/office/powerpoint/2010/main" Requires="p14">
+            <p:contentPart p14:bwMode="auto" r:id="rId33">
+              <p14:nvContentPartPr>
+                <p14:cNvPr id="48" name="Freihand 47">
+                  <a:extLst>
+                    <a:ext uri="{FF2B5EF4-FFF2-40B4-BE49-F238E27FC236}">
+                      <a16:creationId xmlns:a16="http://schemas.microsoft.com/office/drawing/2014/main" id="{E96ABF37-192C-81FD-6420-D95321E5E4BB}"/>
+                    </a:ext>
+                  </a:extLst>
+                </p14:cNvPr>
+                <p14:cNvContentPartPr/>
+                <p14:nvPr/>
+              </p14:nvContentPartPr>
+              <p14:xfrm>
+                <a:off x="4007880" y="3440310"/>
+                <a:ext cx="360" cy="360"/>
+              </p14:xfrm>
+            </p:contentPart>
+          </mc:Choice>
+          <mc:Fallback>
+            <p:pic>
+              <p:nvPicPr>
+                <p:cNvPr id="48" name="Freihand 47">
+                  <a:extLst>
+                    <a:ext uri="{FF2B5EF4-FFF2-40B4-BE49-F238E27FC236}">
+                      <a16:creationId xmlns:a16="http://schemas.microsoft.com/office/drawing/2014/main" id="{E96ABF37-192C-81FD-6420-D95321E5E4BB}"/>
+                    </a:ext>
+                  </a:extLst>
+                </p:cNvPr>
+                <p:cNvPicPr/>
+                <p:nvPr/>
+              </p:nvPicPr>
+              <p:blipFill>
+                <a:blip r:embed="rId7"/>
+                <a:stretch>
+                  <a:fillRect/>
+                </a:stretch>
+              </p:blipFill>
+              <p:spPr>
+                <a:xfrm>
+                  <a:off x="3998880" y="3431310"/>
+                  <a:ext cx="18000" cy="18000"/>
+                </a:xfrm>
+                <a:prstGeom prst="rect">
+                  <a:avLst/>
+                </a:prstGeom>
+              </p:spPr>
+            </p:pic>
+          </mc:Fallback>
+        </mc:AlternateContent>
+        <mc:AlternateContent xmlns:mc="http://schemas.openxmlformats.org/markup-compatibility/2006">
+          <mc:Choice xmlns:p14="http://schemas.microsoft.com/office/powerpoint/2010/main" Requires="p14">
+            <p:contentPart p14:bwMode="auto" r:id="rId34">
+              <p14:nvContentPartPr>
+                <p14:cNvPr id="49" name="Freihand 48">
+                  <a:extLst>
+                    <a:ext uri="{FF2B5EF4-FFF2-40B4-BE49-F238E27FC236}">
+                      <a16:creationId xmlns:a16="http://schemas.microsoft.com/office/drawing/2014/main" id="{4E2BF06F-44DC-0E29-2FCB-497121ABBCDE}"/>
+                    </a:ext>
+                  </a:extLst>
+                </p14:cNvPr>
+                <p14:cNvContentPartPr/>
+                <p14:nvPr/>
+              </p14:nvContentPartPr>
+              <p14:xfrm>
+                <a:off x="3988800" y="3440310"/>
+                <a:ext cx="15480" cy="15480"/>
+              </p14:xfrm>
+            </p:contentPart>
+          </mc:Choice>
+          <mc:Fallback>
+            <p:pic>
+              <p:nvPicPr>
+                <p:cNvPr id="49" name="Freihand 48">
+                  <a:extLst>
+                    <a:ext uri="{FF2B5EF4-FFF2-40B4-BE49-F238E27FC236}">
+                      <a16:creationId xmlns:a16="http://schemas.microsoft.com/office/drawing/2014/main" id="{4E2BF06F-44DC-0E29-2FCB-497121ABBCDE}"/>
+                    </a:ext>
+                  </a:extLst>
+                </p:cNvPr>
+                <p:cNvPicPr/>
+                <p:nvPr/>
+              </p:nvPicPr>
+              <p:blipFill>
+                <a:blip r:embed="rId35"/>
+                <a:stretch>
+                  <a:fillRect/>
+                </a:stretch>
+              </p:blipFill>
+              <p:spPr>
+                <a:xfrm>
+                  <a:off x="3980160" y="3431310"/>
+                  <a:ext cx="33120" cy="33120"/>
+                </a:xfrm>
+                <a:prstGeom prst="rect">
+                  <a:avLst/>
+                </a:prstGeom>
+              </p:spPr>
+            </p:pic>
+          </mc:Fallback>
+        </mc:AlternateContent>
+        <mc:AlternateContent xmlns:mc="http://schemas.openxmlformats.org/markup-compatibility/2006">
+          <mc:Choice xmlns:p14="http://schemas.microsoft.com/office/powerpoint/2010/main" Requires="p14">
+            <p:contentPart p14:bwMode="auto" r:id="rId36">
+              <p14:nvContentPartPr>
+                <p14:cNvPr id="50" name="Freihand 49">
+                  <a:extLst>
+                    <a:ext uri="{FF2B5EF4-FFF2-40B4-BE49-F238E27FC236}">
+                      <a16:creationId xmlns:a16="http://schemas.microsoft.com/office/drawing/2014/main" id="{F49E807A-004F-4D0A-7620-98F2D2430908}"/>
+                    </a:ext>
+                  </a:extLst>
+                </p14:cNvPr>
+                <p14:cNvContentPartPr/>
+                <p14:nvPr/>
+              </p14:nvContentPartPr>
+              <p14:xfrm>
+                <a:off x="3992040" y="3443910"/>
+                <a:ext cx="1080" cy="360"/>
+              </p14:xfrm>
+            </p:contentPart>
+          </mc:Choice>
+          <mc:Fallback>
+            <p:pic>
+              <p:nvPicPr>
+                <p:cNvPr id="50" name="Freihand 49">
+                  <a:extLst>
+                    <a:ext uri="{FF2B5EF4-FFF2-40B4-BE49-F238E27FC236}">
+                      <a16:creationId xmlns:a16="http://schemas.microsoft.com/office/drawing/2014/main" id="{F49E807A-004F-4D0A-7620-98F2D2430908}"/>
+                    </a:ext>
+                  </a:extLst>
+                </p:cNvPr>
+                <p:cNvPicPr/>
+                <p:nvPr/>
+              </p:nvPicPr>
+              <p:blipFill>
+                <a:blip r:embed="rId7"/>
+                <a:stretch>
+                  <a:fillRect/>
+                </a:stretch>
+              </p:blipFill>
+              <p:spPr>
+                <a:xfrm>
+                  <a:off x="3983040" y="3435270"/>
+                  <a:ext cx="18720" cy="18000"/>
+                </a:xfrm>
+                <a:prstGeom prst="rect">
+                  <a:avLst/>
+                </a:prstGeom>
+              </p:spPr>
+            </p:pic>
+          </mc:Fallback>
+        </mc:AlternateContent>
+        <mc:AlternateContent xmlns:mc="http://schemas.openxmlformats.org/markup-compatibility/2006">
+          <mc:Choice xmlns:p14="http://schemas.microsoft.com/office/powerpoint/2010/main" Requires="p14">
+            <p:contentPart p14:bwMode="auto" r:id="rId37">
+              <p14:nvContentPartPr>
+                <p14:cNvPr id="51" name="Freihand 50">
+                  <a:extLst>
+                    <a:ext uri="{FF2B5EF4-FFF2-40B4-BE49-F238E27FC236}">
+                      <a16:creationId xmlns:a16="http://schemas.microsoft.com/office/drawing/2014/main" id="{4E248AFD-E3B3-CE62-0340-A160DA7F0712}"/>
+                    </a:ext>
+                  </a:extLst>
+                </p14:cNvPr>
+                <p14:cNvContentPartPr/>
+                <p14:nvPr/>
+              </p14:nvContentPartPr>
+              <p14:xfrm>
+                <a:off x="3988800" y="3493590"/>
+                <a:ext cx="360" cy="360"/>
+              </p14:xfrm>
+            </p:contentPart>
+          </mc:Choice>
+          <mc:Fallback>
+            <p:pic>
+              <p:nvPicPr>
+                <p:cNvPr id="51" name="Freihand 50">
+                  <a:extLst>
+                    <a:ext uri="{FF2B5EF4-FFF2-40B4-BE49-F238E27FC236}">
+                      <a16:creationId xmlns:a16="http://schemas.microsoft.com/office/drawing/2014/main" id="{4E248AFD-E3B3-CE62-0340-A160DA7F0712}"/>
+                    </a:ext>
+                  </a:extLst>
+                </p:cNvPr>
+                <p:cNvPicPr/>
+                <p:nvPr/>
+              </p:nvPicPr>
+              <p:blipFill>
+                <a:blip r:embed="rId7"/>
+                <a:stretch>
+                  <a:fillRect/>
+                </a:stretch>
+              </p:blipFill>
+              <p:spPr>
+                <a:xfrm>
+                  <a:off x="3980160" y="3484590"/>
+                  <a:ext cx="18000" cy="18000"/>
+                </a:xfrm>
+                <a:prstGeom prst="rect">
+                  <a:avLst/>
+                </a:prstGeom>
+              </p:spPr>
+            </p:pic>
+          </mc:Fallback>
+        </mc:AlternateContent>
+        <mc:AlternateContent xmlns:mc="http://schemas.openxmlformats.org/markup-compatibility/2006">
+          <mc:Choice xmlns:p14="http://schemas.microsoft.com/office/powerpoint/2010/main" Requires="p14">
+            <p:contentPart p14:bwMode="auto" r:id="rId38">
+              <p14:nvContentPartPr>
+                <p14:cNvPr id="52" name="Freihand 51">
+                  <a:extLst>
+                    <a:ext uri="{FF2B5EF4-FFF2-40B4-BE49-F238E27FC236}">
+                      <a16:creationId xmlns:a16="http://schemas.microsoft.com/office/drawing/2014/main" id="{879F4DE1-DF29-2609-1D8D-7F7209FC5440}"/>
+                    </a:ext>
+                  </a:extLst>
+                </p14:cNvPr>
+                <p14:cNvContentPartPr/>
+                <p14:nvPr/>
+              </p14:nvContentPartPr>
+              <p14:xfrm>
+                <a:off x="3988800" y="3432390"/>
+                <a:ext cx="4320" cy="28800"/>
+              </p14:xfrm>
+            </p:contentPart>
+          </mc:Choice>
+          <mc:Fallback>
+            <p:pic>
+              <p:nvPicPr>
+                <p:cNvPr id="52" name="Freihand 51">
+                  <a:extLst>
+                    <a:ext uri="{FF2B5EF4-FFF2-40B4-BE49-F238E27FC236}">
+                      <a16:creationId xmlns:a16="http://schemas.microsoft.com/office/drawing/2014/main" id="{879F4DE1-DF29-2609-1D8D-7F7209FC5440}"/>
+                    </a:ext>
+                  </a:extLst>
+                </p:cNvPr>
+                <p:cNvPicPr/>
+                <p:nvPr/>
+              </p:nvPicPr>
+              <p:blipFill>
+                <a:blip r:embed="rId39"/>
+                <a:stretch>
+                  <a:fillRect/>
+                </a:stretch>
+              </p:blipFill>
+              <p:spPr>
+                <a:xfrm>
+                  <a:off x="3980160" y="3423750"/>
+                  <a:ext cx="21960" cy="46440"/>
+                </a:xfrm>
+                <a:prstGeom prst="rect">
+                  <a:avLst/>
+                </a:prstGeom>
+              </p:spPr>
+            </p:pic>
+          </mc:Fallback>
+        </mc:AlternateContent>
+        <mc:AlternateContent xmlns:mc="http://schemas.openxmlformats.org/markup-compatibility/2006">
+          <mc:Choice xmlns:p14="http://schemas.microsoft.com/office/powerpoint/2010/main" Requires="p14">
+            <p:contentPart p14:bwMode="auto" r:id="rId40">
+              <p14:nvContentPartPr>
+                <p14:cNvPr id="53" name="Freihand 52">
+                  <a:extLst>
+                    <a:ext uri="{FF2B5EF4-FFF2-40B4-BE49-F238E27FC236}">
+                      <a16:creationId xmlns:a16="http://schemas.microsoft.com/office/drawing/2014/main" id="{D53A7F26-9904-3165-9532-1FB98BC8CD71}"/>
+                    </a:ext>
+                  </a:extLst>
+                </p14:cNvPr>
+                <p14:cNvContentPartPr/>
+                <p14:nvPr/>
+              </p14:nvContentPartPr>
+              <p14:xfrm>
+                <a:off x="3988800" y="3459390"/>
+                <a:ext cx="360" cy="360"/>
+              </p14:xfrm>
+            </p:contentPart>
+          </mc:Choice>
+          <mc:Fallback>
+            <p:pic>
+              <p:nvPicPr>
+                <p:cNvPr id="53" name="Freihand 52">
+                  <a:extLst>
+                    <a:ext uri="{FF2B5EF4-FFF2-40B4-BE49-F238E27FC236}">
+                      <a16:creationId xmlns:a16="http://schemas.microsoft.com/office/drawing/2014/main" id="{D53A7F26-9904-3165-9532-1FB98BC8CD71}"/>
+                    </a:ext>
+                  </a:extLst>
+                </p:cNvPr>
+                <p:cNvPicPr/>
+                <p:nvPr/>
+              </p:nvPicPr>
+              <p:blipFill>
+                <a:blip r:embed="rId7"/>
+                <a:stretch>
+                  <a:fillRect/>
+                </a:stretch>
+              </p:blipFill>
+              <p:spPr>
+                <a:xfrm>
+                  <a:off x="3980160" y="3450390"/>
+                  <a:ext cx="18000" cy="18000"/>
+                </a:xfrm>
+                <a:prstGeom prst="rect">
+                  <a:avLst/>
+                </a:prstGeom>
+              </p:spPr>
+            </p:pic>
+          </mc:Fallback>
+        </mc:AlternateContent>
+        <mc:AlternateContent xmlns:mc="http://schemas.openxmlformats.org/markup-compatibility/2006">
+          <mc:Choice xmlns:p14="http://schemas.microsoft.com/office/powerpoint/2010/main" Requires="p14">
+            <p:contentPart p14:bwMode="auto" r:id="rId41">
+              <p14:nvContentPartPr>
+                <p14:cNvPr id="54" name="Freihand 53">
+                  <a:extLst>
+                    <a:ext uri="{FF2B5EF4-FFF2-40B4-BE49-F238E27FC236}">
+                      <a16:creationId xmlns:a16="http://schemas.microsoft.com/office/drawing/2014/main" id="{DAD7A59F-9BEC-E4B6-297F-3FF8692BCD01}"/>
+                    </a:ext>
+                  </a:extLst>
+                </p14:cNvPr>
+                <p14:cNvContentPartPr/>
+                <p14:nvPr/>
+              </p14:nvContentPartPr>
+              <p14:xfrm>
+                <a:off x="3977280" y="3459390"/>
+                <a:ext cx="360" cy="360"/>
+              </p14:xfrm>
+            </p:contentPart>
+          </mc:Choice>
+          <mc:Fallback>
+            <p:pic>
+              <p:nvPicPr>
+                <p:cNvPr id="54" name="Freihand 53">
+                  <a:extLst>
+                    <a:ext uri="{FF2B5EF4-FFF2-40B4-BE49-F238E27FC236}">
+                      <a16:creationId xmlns:a16="http://schemas.microsoft.com/office/drawing/2014/main" id="{DAD7A59F-9BEC-E4B6-297F-3FF8692BCD01}"/>
+                    </a:ext>
+                  </a:extLst>
+                </p:cNvPr>
+                <p:cNvPicPr/>
+                <p:nvPr/>
+              </p:nvPicPr>
+              <p:blipFill>
+                <a:blip r:embed="rId7"/>
+                <a:stretch>
+                  <a:fillRect/>
+                </a:stretch>
+              </p:blipFill>
+              <p:spPr>
+                <a:xfrm>
+                  <a:off x="3968640" y="3450390"/>
+                  <a:ext cx="18000" cy="18000"/>
+                </a:xfrm>
+                <a:prstGeom prst="rect">
+                  <a:avLst/>
+                </a:prstGeom>
+              </p:spPr>
+            </p:pic>
+          </mc:Fallback>
+        </mc:AlternateContent>
+        <mc:AlternateContent xmlns:mc="http://schemas.openxmlformats.org/markup-compatibility/2006">
+          <mc:Choice xmlns:p14="http://schemas.microsoft.com/office/powerpoint/2010/main" Requires="p14">
+            <p:contentPart p14:bwMode="auto" r:id="rId42">
+              <p14:nvContentPartPr>
+                <p14:cNvPr id="55" name="Freihand 54">
+                  <a:extLst>
+                    <a:ext uri="{FF2B5EF4-FFF2-40B4-BE49-F238E27FC236}">
+                      <a16:creationId xmlns:a16="http://schemas.microsoft.com/office/drawing/2014/main" id="{3DC64307-CF14-913E-4D3E-901FA9BE5483}"/>
+                    </a:ext>
+                  </a:extLst>
+                </p14:cNvPr>
+                <p14:cNvContentPartPr/>
+                <p14:nvPr/>
+              </p14:nvContentPartPr>
+              <p14:xfrm>
+                <a:off x="3992760" y="3459390"/>
+                <a:ext cx="360" cy="360"/>
+              </p14:xfrm>
+            </p:contentPart>
+          </mc:Choice>
+          <mc:Fallback>
+            <p:pic>
+              <p:nvPicPr>
+                <p:cNvPr id="55" name="Freihand 54">
+                  <a:extLst>
+                    <a:ext uri="{FF2B5EF4-FFF2-40B4-BE49-F238E27FC236}">
+                      <a16:creationId xmlns:a16="http://schemas.microsoft.com/office/drawing/2014/main" id="{3DC64307-CF14-913E-4D3E-901FA9BE5483}"/>
+                    </a:ext>
+                  </a:extLst>
+                </p:cNvPr>
+                <p:cNvPicPr/>
+                <p:nvPr/>
+              </p:nvPicPr>
+              <p:blipFill>
+                <a:blip r:embed="rId7"/>
+                <a:stretch>
+                  <a:fillRect/>
+                </a:stretch>
+              </p:blipFill>
+              <p:spPr>
+                <a:xfrm>
+                  <a:off x="3983760" y="3450390"/>
+                  <a:ext cx="18000" cy="18000"/>
+                </a:xfrm>
+                <a:prstGeom prst="rect">
+                  <a:avLst/>
+                </a:prstGeom>
+              </p:spPr>
+            </p:pic>
+          </mc:Fallback>
+        </mc:AlternateContent>
+        <mc:AlternateContent xmlns:mc="http://schemas.openxmlformats.org/markup-compatibility/2006">
+          <mc:Choice xmlns:p14="http://schemas.microsoft.com/office/powerpoint/2010/main" Requires="p14">
+            <p:contentPart p14:bwMode="auto" r:id="rId43">
+              <p14:nvContentPartPr>
+                <p14:cNvPr id="56" name="Freihand 55">
+                  <a:extLst>
+                    <a:ext uri="{FF2B5EF4-FFF2-40B4-BE49-F238E27FC236}">
+                      <a16:creationId xmlns:a16="http://schemas.microsoft.com/office/drawing/2014/main" id="{6A8EE5BD-8E67-A770-2F91-01E640CB1333}"/>
+                    </a:ext>
+                  </a:extLst>
+                </p14:cNvPr>
+                <p14:cNvContentPartPr/>
+                <p14:nvPr/>
+              </p14:nvContentPartPr>
+              <p14:xfrm>
+                <a:off x="3958200" y="3447870"/>
+                <a:ext cx="360" cy="360"/>
+              </p14:xfrm>
+            </p:contentPart>
+          </mc:Choice>
+          <mc:Fallback>
+            <p:pic>
+              <p:nvPicPr>
+                <p:cNvPr id="56" name="Freihand 55">
+                  <a:extLst>
+                    <a:ext uri="{FF2B5EF4-FFF2-40B4-BE49-F238E27FC236}">
+                      <a16:creationId xmlns:a16="http://schemas.microsoft.com/office/drawing/2014/main" id="{6A8EE5BD-8E67-A770-2F91-01E640CB1333}"/>
+                    </a:ext>
+                  </a:extLst>
+                </p:cNvPr>
+                <p:cNvPicPr/>
+                <p:nvPr/>
+              </p:nvPicPr>
+              <p:blipFill>
+                <a:blip r:embed="rId7"/>
+                <a:stretch>
+                  <a:fillRect/>
+                </a:stretch>
+              </p:blipFill>
+              <p:spPr>
+                <a:xfrm>
+                  <a:off x="3949560" y="3438870"/>
+                  <a:ext cx="18000" cy="18000"/>
+                </a:xfrm>
+                <a:prstGeom prst="rect">
+                  <a:avLst/>
+                </a:prstGeom>
+              </p:spPr>
+            </p:pic>
+          </mc:Fallback>
+        </mc:AlternateContent>
+        <mc:AlternateContent xmlns:mc="http://schemas.openxmlformats.org/markup-compatibility/2006">
+          <mc:Choice xmlns:p14="http://schemas.microsoft.com/office/powerpoint/2010/main" Requires="p14">
+            <p:contentPart p14:bwMode="auto" r:id="rId44">
+              <p14:nvContentPartPr>
+                <p14:cNvPr id="57" name="Freihand 56">
+                  <a:extLst>
+                    <a:ext uri="{FF2B5EF4-FFF2-40B4-BE49-F238E27FC236}">
+                      <a16:creationId xmlns:a16="http://schemas.microsoft.com/office/drawing/2014/main" id="{87618DE7-30BB-8831-DA6B-6C54A8FB0767}"/>
+                    </a:ext>
+                  </a:extLst>
+                </p14:cNvPr>
+                <p14:cNvContentPartPr/>
+                <p14:nvPr/>
+              </p14:nvContentPartPr>
+              <p14:xfrm>
+                <a:off x="3973680" y="3462990"/>
+                <a:ext cx="360" cy="360"/>
+              </p14:xfrm>
+            </p:contentPart>
+          </mc:Choice>
+          <mc:Fallback>
+            <p:pic>
+              <p:nvPicPr>
+                <p:cNvPr id="57" name="Freihand 56">
+                  <a:extLst>
+                    <a:ext uri="{FF2B5EF4-FFF2-40B4-BE49-F238E27FC236}">
+                      <a16:creationId xmlns:a16="http://schemas.microsoft.com/office/drawing/2014/main" id="{87618DE7-30BB-8831-DA6B-6C54A8FB0767}"/>
+                    </a:ext>
+                  </a:extLst>
+                </p:cNvPr>
+                <p:cNvPicPr/>
+                <p:nvPr/>
+              </p:nvPicPr>
+              <p:blipFill>
+                <a:blip r:embed="rId7"/>
+                <a:stretch>
+                  <a:fillRect/>
+                </a:stretch>
+              </p:blipFill>
+              <p:spPr>
+                <a:xfrm>
+                  <a:off x="3964680" y="3454350"/>
+                  <a:ext cx="18000" cy="18000"/>
+                </a:xfrm>
+                <a:prstGeom prst="rect">
+                  <a:avLst/>
+                </a:prstGeom>
+              </p:spPr>
+            </p:pic>
+          </mc:Fallback>
+        </mc:AlternateContent>
+      </p:grpSp>
+      <mc:AlternateContent xmlns:mc="http://schemas.openxmlformats.org/markup-compatibility/2006">
+        <mc:Choice xmlns:p14="http://schemas.microsoft.com/office/powerpoint/2010/main" Requires="p14">
+          <p:contentPart p14:bwMode="auto" r:id="rId45">
+            <p14:nvContentPartPr>
+              <p14:cNvPr id="58" name="Freihand 57">
+                <a:extLst>
+                  <a:ext uri="{FF2B5EF4-FFF2-40B4-BE49-F238E27FC236}">
+                    <a16:creationId xmlns:a16="http://schemas.microsoft.com/office/drawing/2014/main" id="{5355678C-1EA1-FDE0-44CA-9EBAA051A485}"/>
+                  </a:ext>
+                </a:extLst>
+              </p14:cNvPr>
+              <p14:cNvContentPartPr/>
+              <p14:nvPr/>
+            </p14:nvContentPartPr>
+            <p14:xfrm>
+              <a:off x="3988800" y="3520230"/>
+              <a:ext cx="25560" cy="33840"/>
+            </p14:xfrm>
+          </p:contentPart>
+        </mc:Choice>
+        <mc:Fallback>
+          <p:pic>
+            <p:nvPicPr>
+              <p:cNvPr id="58" name="Freihand 57">
+                <a:extLst>
+                  <a:ext uri="{FF2B5EF4-FFF2-40B4-BE49-F238E27FC236}">
+                    <a16:creationId xmlns:a16="http://schemas.microsoft.com/office/drawing/2014/main" id="{5355678C-1EA1-FDE0-44CA-9EBAA051A485}"/>
+                  </a:ext>
+                </a:extLst>
+              </p:cNvPr>
+              <p:cNvPicPr/>
+              <p:nvPr/>
+            </p:nvPicPr>
+            <p:blipFill>
+              <a:blip r:embed="rId46"/>
+              <a:stretch>
+                <a:fillRect/>
+              </a:stretch>
+            </p:blipFill>
+            <p:spPr>
+              <a:xfrm>
+                <a:off x="3980160" y="3511230"/>
+                <a:ext cx="43200" cy="51480"/>
+              </a:xfrm>
+              <a:prstGeom prst="rect">
+                <a:avLst/>
+              </a:prstGeom>
+            </p:spPr>
+          </p:pic>
+        </mc:Fallback>
+      </mc:AlternateContent>
+      <p:sp>
+        <p:nvSpPr>
+          <p:cNvPr id="60" name="Rechteck 59">
+            <a:extLst>
+              <a:ext uri="{FF2B5EF4-FFF2-40B4-BE49-F238E27FC236}">
+                <a16:creationId xmlns:a16="http://schemas.microsoft.com/office/drawing/2014/main" id="{FEBF837E-7599-811D-0F1F-4C9A03FB9316}"/>
+              </a:ext>
+            </a:extLst>
+          </p:cNvPr>
+          <p:cNvSpPr/>
+          <p:nvPr/>
+        </p:nvSpPr>
+        <p:spPr>
+          <a:xfrm>
+            <a:off x="2552602" y="3187968"/>
+            <a:ext cx="1500555" cy="459890"/>
+          </a:xfrm>
+          <a:prstGeom prst="rect">
+            <a:avLst/>
+          </a:prstGeom>
+          <a:solidFill>
+            <a:schemeClr val="bg1"/>
+          </a:solidFill>
+          <a:ln>
+            <a:solidFill>
+              <a:schemeClr val="bg1"/>
+            </a:solidFill>
+          </a:ln>
+        </p:spPr>
+        <p:style>
+          <a:lnRef idx="2">
+            <a:schemeClr val="accent1">
+              <a:shade val="50000"/>
+            </a:schemeClr>
+          </a:lnRef>
+          <a:fillRef idx="1">
+            <a:schemeClr val="accent1"/>
+          </a:fillRef>
+          <a:effectRef idx="0">
+            <a:schemeClr val="accent1"/>
+          </a:effectRef>
+          <a:fontRef idx="minor">
+            <a:schemeClr val="lt1"/>
+          </a:fontRef>
+        </p:style>
+        <p:txBody>
+          <a:bodyPr rtlCol="0" anchor="ctr"/>
+          <a:lstStyle/>
+          <a:p>
+            <a:pPr algn="ctr"/>
+            <a:r>
+              <a:rPr lang="de-DE" sz="1600" b="1" dirty="0">
+                <a:solidFill>
+                  <a:schemeClr val="tx1"/>
+                </a:solidFill>
+              </a:rPr>
+              <a:t>Amplifikation</a:t>
+            </a:r>
+            <a:endParaRPr lang="de-DE" sz="1400" b="1" dirty="0">
+              <a:solidFill>
+                <a:schemeClr val="tx1"/>
+              </a:solidFill>
+            </a:endParaRPr>
+          </a:p>
+        </p:txBody>
+      </p:sp>
+      <p:sp>
+        <p:nvSpPr>
+          <p:cNvPr id="61" name="Rechteck 60">
+            <a:extLst>
+              <a:ext uri="{FF2B5EF4-FFF2-40B4-BE49-F238E27FC236}">
+                <a16:creationId xmlns:a16="http://schemas.microsoft.com/office/drawing/2014/main" id="{7127EA8A-3A05-597B-D2B5-C04CEE4FE7D6}"/>
+              </a:ext>
+            </a:extLst>
+          </p:cNvPr>
+          <p:cNvSpPr/>
+          <p:nvPr/>
+        </p:nvSpPr>
+        <p:spPr>
+          <a:xfrm>
+            <a:off x="2814320" y="3647858"/>
+            <a:ext cx="857048" cy="202782"/>
+          </a:xfrm>
+          <a:prstGeom prst="rect">
+            <a:avLst/>
+          </a:prstGeom>
+          <a:solidFill>
+            <a:schemeClr val="bg1"/>
+          </a:solidFill>
+          <a:ln>
+            <a:solidFill>
+              <a:schemeClr val="bg1"/>
+            </a:solidFill>
+          </a:ln>
+        </p:spPr>
+        <p:style>
+          <a:lnRef idx="2">
+            <a:schemeClr val="accent1">
+              <a:shade val="50000"/>
+            </a:schemeClr>
+          </a:lnRef>
+          <a:fillRef idx="1">
+            <a:schemeClr val="accent1"/>
+          </a:fillRef>
+          <a:effectRef idx="0">
+            <a:schemeClr val="accent1"/>
+          </a:effectRef>
+          <a:fontRef idx="minor">
+            <a:schemeClr val="lt1"/>
+          </a:fontRef>
+        </p:style>
+        <p:txBody>
+          <a:bodyPr rtlCol="0" anchor="ctr"/>
+          <a:lstStyle/>
+          <a:p>
+            <a:pPr algn="ctr"/>
+            <a:endParaRPr lang="de-DE"/>
+          </a:p>
+        </p:txBody>
+      </p:sp>
+      <p:sp>
+        <p:nvSpPr>
+          <p:cNvPr id="63" name="Rechteck 62">
+            <a:extLst>
+              <a:ext uri="{FF2B5EF4-FFF2-40B4-BE49-F238E27FC236}">
+                <a16:creationId xmlns:a16="http://schemas.microsoft.com/office/drawing/2014/main" id="{9367044B-BE6C-8145-E990-AF66F1C0BBAC}"/>
+              </a:ext>
+            </a:extLst>
+          </p:cNvPr>
+          <p:cNvSpPr/>
+          <p:nvPr/>
+        </p:nvSpPr>
+        <p:spPr>
+          <a:xfrm>
+            <a:off x="1520228" y="3417913"/>
+            <a:ext cx="681730" cy="459890"/>
+          </a:xfrm>
+          <a:prstGeom prst="rect">
+            <a:avLst/>
+          </a:prstGeom>
+          <a:solidFill>
+            <a:schemeClr val="bg1"/>
+          </a:solidFill>
+          <a:ln>
+            <a:solidFill>
+              <a:schemeClr val="bg1"/>
+            </a:solidFill>
+          </a:ln>
+        </p:spPr>
+        <p:style>
+          <a:lnRef idx="2">
+            <a:schemeClr val="accent1">
+              <a:shade val="50000"/>
+            </a:schemeClr>
+          </a:lnRef>
+          <a:fillRef idx="1">
+            <a:schemeClr val="accent1"/>
+          </a:fillRef>
+          <a:effectRef idx="0">
+            <a:schemeClr val="accent1"/>
+          </a:effectRef>
+          <a:fontRef idx="minor">
+            <a:schemeClr val="lt1"/>
+          </a:fontRef>
+        </p:style>
+        <p:txBody>
+          <a:bodyPr rtlCol="0" anchor="ctr"/>
+          <a:lstStyle/>
+          <a:p>
+            <a:pPr algn="ctr"/>
+            <a:r>
+              <a:rPr lang="de-DE" sz="1600" b="1" dirty="0">
+                <a:solidFill>
+                  <a:schemeClr val="tx1"/>
+                </a:solidFill>
+              </a:rPr>
+              <a:t>41 °C</a:t>
+            </a:r>
+            <a:endParaRPr lang="de-DE" sz="1400" b="1" dirty="0">
+              <a:solidFill>
+                <a:schemeClr val="tx1"/>
+              </a:solidFill>
+            </a:endParaRPr>
+          </a:p>
+        </p:txBody>
+      </p:sp>
+      <p:sp>
+        <p:nvSpPr>
+          <p:cNvPr id="64" name="Rechteck 63">
+            <a:extLst>
+              <a:ext uri="{FF2B5EF4-FFF2-40B4-BE49-F238E27FC236}">
+                <a16:creationId xmlns:a16="http://schemas.microsoft.com/office/drawing/2014/main" id="{44CE1DA4-412D-4E5F-B1FA-7AB5551672D0}"/>
+              </a:ext>
+            </a:extLst>
+          </p:cNvPr>
+          <p:cNvSpPr/>
+          <p:nvPr/>
+        </p:nvSpPr>
+        <p:spPr>
+          <a:xfrm>
+            <a:off x="769950" y="5222594"/>
+            <a:ext cx="1500555" cy="294286"/>
+          </a:xfrm>
+          <a:prstGeom prst="rect">
+            <a:avLst/>
+          </a:prstGeom>
+          <a:solidFill>
+            <a:schemeClr val="bg1"/>
+          </a:solidFill>
+          <a:ln>
+            <a:solidFill>
+              <a:schemeClr val="bg1"/>
+            </a:solidFill>
+          </a:ln>
+        </p:spPr>
+        <p:style>
+          <a:lnRef idx="2">
+            <a:schemeClr val="accent1">
+              <a:shade val="50000"/>
+            </a:schemeClr>
+          </a:lnRef>
+          <a:fillRef idx="1">
+            <a:schemeClr val="accent1"/>
+          </a:fillRef>
+          <a:effectRef idx="0">
+            <a:schemeClr val="accent1"/>
+          </a:effectRef>
+          <a:fontRef idx="minor">
+            <a:schemeClr val="lt1"/>
+          </a:fontRef>
+        </p:style>
+        <p:txBody>
+          <a:bodyPr rtlCol="0" anchor="ctr"/>
+          <a:lstStyle/>
+          <a:p>
+            <a:pPr algn="ctr"/>
+            <a:r>
+              <a:rPr lang="de-DE" sz="1400" b="1" dirty="0">
+                <a:solidFill>
+                  <a:schemeClr val="tx1"/>
+                </a:solidFill>
+              </a:rPr>
+              <a:t>Fluoreszenz</a:t>
+            </a:r>
+          </a:p>
+        </p:txBody>
+      </p:sp>
+      <p:sp>
+        <p:nvSpPr>
+          <p:cNvPr id="66" name="Rechteck 65">
+            <a:extLst>
+              <a:ext uri="{FF2B5EF4-FFF2-40B4-BE49-F238E27FC236}">
+                <a16:creationId xmlns:a16="http://schemas.microsoft.com/office/drawing/2014/main" id="{03EFFA06-478E-E44D-644D-CB75B5413386}"/>
+              </a:ext>
+            </a:extLst>
+          </p:cNvPr>
+          <p:cNvSpPr/>
+          <p:nvPr/>
+        </p:nvSpPr>
+        <p:spPr>
+          <a:xfrm>
+            <a:off x="3095626" y="4714875"/>
+            <a:ext cx="400050" cy="60960"/>
+          </a:xfrm>
+          <a:prstGeom prst="rect">
+            <a:avLst/>
+          </a:prstGeom>
+          <a:solidFill>
+            <a:srgbClr val="9EBFEA"/>
+          </a:solidFill>
+          <a:ln>
+            <a:noFill/>
+          </a:ln>
+        </p:spPr>
+        <p:style>
+          <a:lnRef idx="2">
+            <a:schemeClr val="accent1">
+              <a:shade val="50000"/>
+            </a:schemeClr>
+          </a:lnRef>
+          <a:fillRef idx="1">
+            <a:schemeClr val="accent1"/>
+          </a:fillRef>
+          <a:effectRef idx="0">
+            <a:schemeClr val="accent1"/>
+          </a:effectRef>
+          <a:fontRef idx="minor">
+            <a:schemeClr val="lt1"/>
+          </a:fontRef>
+        </p:style>
+        <p:txBody>
+          <a:bodyPr rtlCol="0" anchor="ctr"/>
+          <a:lstStyle/>
+          <a:p>
+            <a:pPr algn="ctr"/>
+            <a:endParaRPr lang="de-DE"/>
+          </a:p>
+        </p:txBody>
+      </p:sp>
+      <p:sp>
+        <p:nvSpPr>
+          <p:cNvPr id="67" name="Gleichschenkliges Dreieck 66">
+            <a:extLst>
+              <a:ext uri="{FF2B5EF4-FFF2-40B4-BE49-F238E27FC236}">
+                <a16:creationId xmlns:a16="http://schemas.microsoft.com/office/drawing/2014/main" id="{312C3938-08D5-6082-BD2C-31E5342B731F}"/>
+              </a:ext>
+            </a:extLst>
+          </p:cNvPr>
+          <p:cNvSpPr/>
+          <p:nvPr/>
+        </p:nvSpPr>
+        <p:spPr>
+          <a:xfrm rot="16200000">
+            <a:off x="2935606" y="4673444"/>
+            <a:ext cx="169544" cy="150497"/>
+          </a:xfrm>
+          <a:prstGeom prst="triangle">
+            <a:avLst/>
+          </a:prstGeom>
+          <a:solidFill>
+            <a:srgbClr val="9EBFEA"/>
+          </a:solidFill>
+          <a:ln>
+            <a:noFill/>
+          </a:ln>
+        </p:spPr>
+        <p:style>
+          <a:lnRef idx="2">
+            <a:schemeClr val="accent1">
+              <a:shade val="50000"/>
+            </a:schemeClr>
+          </a:lnRef>
+          <a:fillRef idx="1">
+            <a:schemeClr val="accent1"/>
+          </a:fillRef>
+          <a:effectRef idx="0">
+            <a:schemeClr val="accent1"/>
+          </a:effectRef>
+          <a:fontRef idx="minor">
+            <a:schemeClr val="lt1"/>
+          </a:fontRef>
+        </p:style>
+        <p:txBody>
+          <a:bodyPr rtlCol="0" anchor="ctr"/>
+          <a:lstStyle/>
+          <a:p>
+            <a:pPr algn="ctr"/>
+            <a:endParaRPr lang="de-DE"/>
+          </a:p>
+        </p:txBody>
+      </p:sp>
+      <p:sp>
+        <p:nvSpPr>
+          <p:cNvPr id="68" name="Rechteck 67">
+            <a:extLst>
+              <a:ext uri="{FF2B5EF4-FFF2-40B4-BE49-F238E27FC236}">
+                <a16:creationId xmlns:a16="http://schemas.microsoft.com/office/drawing/2014/main" id="{B761317F-0F4F-1FE1-36D5-653331C3F4C2}"/>
+              </a:ext>
+            </a:extLst>
+          </p:cNvPr>
+          <p:cNvSpPr/>
+          <p:nvPr/>
+        </p:nvSpPr>
+        <p:spPr>
+          <a:xfrm>
+            <a:off x="1153795" y="2179108"/>
+            <a:ext cx="443865" cy="53552"/>
+          </a:xfrm>
+          <a:prstGeom prst="rect">
+            <a:avLst/>
+          </a:prstGeom>
+          <a:solidFill>
+            <a:srgbClr val="FFC291"/>
+          </a:solidFill>
+          <a:ln>
+            <a:noFill/>
+          </a:ln>
+        </p:spPr>
+        <p:style>
+          <a:lnRef idx="2">
+            <a:schemeClr val="accent1">
+              <a:shade val="50000"/>
+            </a:schemeClr>
+          </a:lnRef>
+          <a:fillRef idx="1">
+            <a:schemeClr val="accent1"/>
+          </a:fillRef>
+          <a:effectRef idx="0">
+            <a:schemeClr val="accent1"/>
+          </a:effectRef>
+          <a:fontRef idx="minor">
+            <a:schemeClr val="lt1"/>
+          </a:fontRef>
+        </p:style>
+        <p:txBody>
+          <a:bodyPr rtlCol="0" anchor="ctr"/>
+          <a:lstStyle/>
+          <a:p>
+            <a:pPr algn="ctr"/>
+            <a:endParaRPr lang="de-DE"/>
+          </a:p>
+        </p:txBody>
+      </p:sp>
+      <p:sp>
+        <p:nvSpPr>
+          <p:cNvPr id="69" name="Rechteck 68">
+            <a:extLst>
+              <a:ext uri="{FF2B5EF4-FFF2-40B4-BE49-F238E27FC236}">
+                <a16:creationId xmlns:a16="http://schemas.microsoft.com/office/drawing/2014/main" id="{7F4AD27F-E7E5-6A84-AA3C-BFC5118B5255}"/>
+              </a:ext>
+            </a:extLst>
+          </p:cNvPr>
+          <p:cNvSpPr/>
+          <p:nvPr/>
+        </p:nvSpPr>
+        <p:spPr>
+          <a:xfrm>
+            <a:off x="3102624" y="2467398"/>
+            <a:ext cx="374229" cy="214842"/>
+          </a:xfrm>
+          <a:prstGeom prst="rect">
+            <a:avLst/>
+          </a:prstGeom>
+          <a:solidFill>
+            <a:schemeClr val="bg1"/>
+          </a:solidFill>
+          <a:ln>
+            <a:noFill/>
+          </a:ln>
+        </p:spPr>
+        <p:style>
+          <a:lnRef idx="2">
+            <a:schemeClr val="accent1">
+              <a:shade val="50000"/>
+            </a:schemeClr>
+          </a:lnRef>
+          <a:fillRef idx="1">
+            <a:schemeClr val="accent1"/>
+          </a:fillRef>
+          <a:effectRef idx="0">
+            <a:schemeClr val="accent1"/>
+          </a:effectRef>
+          <a:fontRef idx="minor">
+            <a:schemeClr val="lt1"/>
+          </a:fontRef>
+        </p:style>
+        <p:txBody>
+          <a:bodyPr rtlCol="0" anchor="ctr"/>
+          <a:lstStyle/>
+          <a:p>
+            <a:pPr algn="ctr"/>
+            <a:r>
+              <a:rPr lang="de-DE" sz="1400" b="1" dirty="0">
+                <a:solidFill>
+                  <a:schemeClr val="tx1"/>
+                </a:solidFill>
+              </a:rPr>
+              <a:t>P1</a:t>
+            </a:r>
+            <a:endParaRPr lang="de-DE" b="1" dirty="0">
+              <a:solidFill>
+                <a:schemeClr val="tx1"/>
+              </a:solidFill>
+            </a:endParaRPr>
+          </a:p>
+        </p:txBody>
+      </p:sp>
+      <p:sp>
+        <p:nvSpPr>
+          <p:cNvPr id="70" name="Rechteck 69">
+            <a:extLst>
+              <a:ext uri="{FF2B5EF4-FFF2-40B4-BE49-F238E27FC236}">
+                <a16:creationId xmlns:a16="http://schemas.microsoft.com/office/drawing/2014/main" id="{02330BE9-7243-ED6D-55A2-4835BF3A6DCE}"/>
+              </a:ext>
+            </a:extLst>
+          </p:cNvPr>
+          <p:cNvSpPr/>
+          <p:nvPr/>
+        </p:nvSpPr>
+        <p:spPr>
+          <a:xfrm>
+            <a:off x="1153795" y="4504713"/>
+            <a:ext cx="424124" cy="53552"/>
+          </a:xfrm>
+          <a:prstGeom prst="rect">
+            <a:avLst/>
+          </a:prstGeom>
+          <a:solidFill>
+            <a:srgbClr val="FFC291"/>
+          </a:solidFill>
+          <a:ln>
+            <a:noFill/>
+          </a:ln>
+        </p:spPr>
+        <p:style>
+          <a:lnRef idx="2">
+            <a:schemeClr val="accent1">
+              <a:shade val="50000"/>
+            </a:schemeClr>
+          </a:lnRef>
+          <a:fillRef idx="1">
+            <a:schemeClr val="accent1"/>
+          </a:fillRef>
+          <a:effectRef idx="0">
+            <a:schemeClr val="accent1"/>
+          </a:effectRef>
+          <a:fontRef idx="minor">
+            <a:schemeClr val="lt1"/>
+          </a:fontRef>
+        </p:style>
+        <p:txBody>
+          <a:bodyPr rtlCol="0" anchor="ctr"/>
+          <a:lstStyle/>
+          <a:p>
+            <a:pPr algn="ctr"/>
+            <a:endParaRPr lang="de-DE"/>
+          </a:p>
+        </p:txBody>
+      </p:sp>
+      <p:sp>
+        <p:nvSpPr>
+          <p:cNvPr id="71" name="Gleichschenkliges Dreieck 70">
+            <a:extLst>
+              <a:ext uri="{FF2B5EF4-FFF2-40B4-BE49-F238E27FC236}">
+                <a16:creationId xmlns:a16="http://schemas.microsoft.com/office/drawing/2014/main" id="{877F67A1-8818-6BC4-D71D-F0E52AD1FDAE}"/>
+              </a:ext>
+            </a:extLst>
+          </p:cNvPr>
+          <p:cNvSpPr/>
+          <p:nvPr/>
+        </p:nvSpPr>
+        <p:spPr>
+          <a:xfrm rot="5400000">
+            <a:off x="1566901" y="4456241"/>
+            <a:ext cx="169544" cy="150497"/>
+          </a:xfrm>
+          <a:prstGeom prst="triangle">
+            <a:avLst/>
+          </a:prstGeom>
+          <a:solidFill>
+            <a:srgbClr val="FFC291"/>
+          </a:solidFill>
+          <a:ln>
+            <a:noFill/>
+          </a:ln>
+        </p:spPr>
+        <p:style>
+          <a:lnRef idx="2">
+            <a:schemeClr val="accent1">
+              <a:shade val="50000"/>
+            </a:schemeClr>
+          </a:lnRef>
+          <a:fillRef idx="1">
+            <a:schemeClr val="accent1"/>
+          </a:fillRef>
+          <a:effectRef idx="0">
+            <a:schemeClr val="accent1"/>
+          </a:effectRef>
+          <a:fontRef idx="minor">
+            <a:schemeClr val="lt1"/>
+          </a:fontRef>
+        </p:style>
+        <p:txBody>
+          <a:bodyPr rtlCol="0" anchor="ctr"/>
+          <a:lstStyle/>
+          <a:p>
+            <a:pPr algn="ctr"/>
+            <a:endParaRPr lang="de-DE"/>
+          </a:p>
+        </p:txBody>
+      </p:sp>
+      <p:sp>
+        <p:nvSpPr>
+          <p:cNvPr id="72" name="Rechteck 71">
+            <a:extLst>
+              <a:ext uri="{FF2B5EF4-FFF2-40B4-BE49-F238E27FC236}">
+                <a16:creationId xmlns:a16="http://schemas.microsoft.com/office/drawing/2014/main" id="{89F7EF7B-8F2A-B689-A0E7-CAB7A4133F25}"/>
+              </a:ext>
+            </a:extLst>
+          </p:cNvPr>
+          <p:cNvSpPr/>
+          <p:nvPr/>
+        </p:nvSpPr>
+        <p:spPr>
+          <a:xfrm>
+            <a:off x="2660214" y="1603163"/>
+            <a:ext cx="967273" cy="277039"/>
+          </a:xfrm>
+          <a:prstGeom prst="rect">
+            <a:avLst/>
+          </a:prstGeom>
+          <a:solidFill>
+            <a:schemeClr val="bg1"/>
+          </a:solidFill>
+          <a:ln>
+            <a:solidFill>
+              <a:schemeClr val="bg1"/>
+            </a:solidFill>
+          </a:ln>
+        </p:spPr>
+        <p:style>
+          <a:lnRef idx="2">
+            <a:schemeClr val="accent1">
+              <a:shade val="50000"/>
+            </a:schemeClr>
+          </a:lnRef>
+          <a:fillRef idx="1">
+            <a:schemeClr val="accent1"/>
+          </a:fillRef>
+          <a:effectRef idx="0">
+            <a:schemeClr val="accent1"/>
+          </a:effectRef>
+          <a:fontRef idx="minor">
+            <a:schemeClr val="lt1"/>
+          </a:fontRef>
+        </p:style>
+        <p:txBody>
+          <a:bodyPr rtlCol="0" anchor="ctr"/>
+          <a:lstStyle/>
+          <a:p>
+            <a:pPr algn="ctr"/>
+            <a:r>
+              <a:rPr lang="de-DE" sz="1400" b="1" dirty="0" err="1">
+                <a:solidFill>
+                  <a:schemeClr val="tx1"/>
+                </a:solidFill>
+              </a:rPr>
+              <a:t>Quencher</a:t>
+            </a:r>
+            <a:endParaRPr lang="de-DE" sz="1400" b="1" dirty="0">
+              <a:solidFill>
+                <a:schemeClr val="tx1"/>
+              </a:solidFill>
+            </a:endParaRPr>
+          </a:p>
+        </p:txBody>
+      </p:sp>
+      <p:sp>
+        <p:nvSpPr>
+          <p:cNvPr id="73" name="Rechteck 72">
+            <a:extLst>
+              <a:ext uri="{FF2B5EF4-FFF2-40B4-BE49-F238E27FC236}">
+                <a16:creationId xmlns:a16="http://schemas.microsoft.com/office/drawing/2014/main" id="{CC9E5F9C-C1DA-4D98-395C-4B6219C38789}"/>
+              </a:ext>
+            </a:extLst>
+          </p:cNvPr>
+          <p:cNvSpPr/>
+          <p:nvPr/>
+        </p:nvSpPr>
+        <p:spPr>
+          <a:xfrm>
+            <a:off x="1119769" y="1639285"/>
+            <a:ext cx="1025773" cy="240917"/>
+          </a:xfrm>
+          <a:prstGeom prst="rect">
+            <a:avLst/>
+          </a:prstGeom>
+          <a:solidFill>
+            <a:schemeClr val="bg1"/>
+          </a:solidFill>
+          <a:ln>
+            <a:solidFill>
+              <a:schemeClr val="bg1"/>
+            </a:solidFill>
+          </a:ln>
+        </p:spPr>
+        <p:style>
+          <a:lnRef idx="2">
+            <a:schemeClr val="accent1">
+              <a:shade val="50000"/>
+            </a:schemeClr>
+          </a:lnRef>
+          <a:fillRef idx="1">
+            <a:schemeClr val="accent1"/>
+          </a:fillRef>
+          <a:effectRef idx="0">
+            <a:schemeClr val="accent1"/>
+          </a:effectRef>
+          <a:fontRef idx="minor">
+            <a:schemeClr val="lt1"/>
+          </a:fontRef>
+        </p:style>
+        <p:txBody>
+          <a:bodyPr rtlCol="0" anchor="ctr"/>
+          <a:lstStyle/>
+          <a:p>
+            <a:pPr algn="ctr"/>
+            <a:r>
+              <a:rPr lang="de-DE" sz="1400" b="1" dirty="0">
+                <a:solidFill>
+                  <a:schemeClr val="tx1"/>
+                </a:solidFill>
+              </a:rPr>
+              <a:t>Fluorophor</a:t>
+            </a:r>
+          </a:p>
+        </p:txBody>
+      </p:sp>
+      <p:sp>
+        <p:nvSpPr>
+          <p:cNvPr id="74" name="Rechteck 73">
+            <a:extLst>
+              <a:ext uri="{FF2B5EF4-FFF2-40B4-BE49-F238E27FC236}">
+                <a16:creationId xmlns:a16="http://schemas.microsoft.com/office/drawing/2014/main" id="{94092128-CA98-CCCB-A957-02696E81238B}"/>
+              </a:ext>
+            </a:extLst>
+          </p:cNvPr>
+          <p:cNvSpPr/>
+          <p:nvPr/>
+        </p:nvSpPr>
+        <p:spPr>
+          <a:xfrm>
+            <a:off x="1162191" y="1939396"/>
+            <a:ext cx="374229" cy="214842"/>
+          </a:xfrm>
+          <a:prstGeom prst="rect">
+            <a:avLst/>
+          </a:prstGeom>
+          <a:solidFill>
+            <a:schemeClr val="bg1"/>
+          </a:solidFill>
+          <a:ln>
+            <a:noFill/>
+          </a:ln>
+        </p:spPr>
+        <p:style>
+          <a:lnRef idx="2">
+            <a:schemeClr val="accent1">
+              <a:shade val="50000"/>
+            </a:schemeClr>
+          </a:lnRef>
+          <a:fillRef idx="1">
+            <a:schemeClr val="accent1"/>
+          </a:fillRef>
+          <a:effectRef idx="0">
+            <a:schemeClr val="accent1"/>
+          </a:effectRef>
+          <a:fontRef idx="minor">
+            <a:schemeClr val="lt1"/>
+          </a:fontRef>
+        </p:style>
+        <p:txBody>
+          <a:bodyPr rtlCol="0" anchor="ctr"/>
+          <a:lstStyle/>
+          <a:p>
+            <a:pPr algn="ctr"/>
+            <a:r>
+              <a:rPr lang="de-DE" sz="1400" b="1" dirty="0">
+                <a:solidFill>
+                  <a:schemeClr val="tx1"/>
+                </a:solidFill>
+              </a:rPr>
+              <a:t>P2</a:t>
+            </a:r>
+            <a:endParaRPr lang="de-DE" b="1" dirty="0">
+              <a:solidFill>
+                <a:schemeClr val="tx1"/>
+              </a:solidFill>
+            </a:endParaRPr>
+          </a:p>
+        </p:txBody>
+      </p:sp>
+      <p:sp>
+        <p:nvSpPr>
+          <p:cNvPr id="75" name="Rechteck 74">
+            <a:extLst>
+              <a:ext uri="{FF2B5EF4-FFF2-40B4-BE49-F238E27FC236}">
+                <a16:creationId xmlns:a16="http://schemas.microsoft.com/office/drawing/2014/main" id="{FA6D42F1-D003-8F48-5A07-249C80B20BEA}"/>
+              </a:ext>
+            </a:extLst>
+          </p:cNvPr>
+          <p:cNvSpPr/>
+          <p:nvPr/>
+        </p:nvSpPr>
+        <p:spPr>
+          <a:xfrm>
+            <a:off x="1671623" y="507000"/>
+            <a:ext cx="1500555" cy="459890"/>
+          </a:xfrm>
+          <a:prstGeom prst="rect">
+            <a:avLst/>
+          </a:prstGeom>
+          <a:solidFill>
+            <a:schemeClr val="bg1"/>
+          </a:solidFill>
+          <a:ln>
+            <a:solidFill>
+              <a:schemeClr val="bg1"/>
+            </a:solidFill>
+          </a:ln>
+        </p:spPr>
+        <p:style>
+          <a:lnRef idx="2">
+            <a:schemeClr val="accent1">
+              <a:shade val="50000"/>
+            </a:schemeClr>
+          </a:lnRef>
+          <a:fillRef idx="1">
+            <a:schemeClr val="accent1"/>
+          </a:fillRef>
+          <a:effectRef idx="0">
+            <a:schemeClr val="accent1"/>
+          </a:effectRef>
+          <a:fontRef idx="minor">
+            <a:schemeClr val="lt1"/>
+          </a:fontRef>
+        </p:style>
+        <p:txBody>
+          <a:bodyPr rtlCol="0" anchor="ctr"/>
+          <a:lstStyle/>
+          <a:p>
+            <a:pPr algn="ctr"/>
+            <a:r>
+              <a:rPr lang="de-DE" sz="1600" b="1" dirty="0" err="1">
+                <a:solidFill>
+                  <a:schemeClr val="tx1"/>
+                </a:solidFill>
+              </a:rPr>
+              <a:t>Molecular</a:t>
+            </a:r>
+            <a:r>
+              <a:rPr lang="de-DE" sz="1600" b="1" dirty="0">
+                <a:solidFill>
+                  <a:schemeClr val="tx1"/>
+                </a:solidFill>
+              </a:rPr>
+              <a:t> Beacon</a:t>
+            </a:r>
+            <a:endParaRPr lang="de-DE" sz="1400" b="1" dirty="0">
+              <a:solidFill>
+                <a:schemeClr val="tx1"/>
+              </a:solidFill>
+            </a:endParaRPr>
+          </a:p>
+        </p:txBody>
+      </p:sp>
+    </p:spTree>
+    <p:extLst>
+      <p:ext uri="{BB962C8B-B14F-4D97-AF65-F5344CB8AC3E}">
+        <p14:creationId xmlns:p14="http://schemas.microsoft.com/office/powerpoint/2010/main" val="2220403896"/>
       </p:ext>
     </p:extLst>
   </p:cSld>

--- a/Bilder/Microsoft PowerPoint-Präsentation (neu).pptx
+++ b/Bilder/Microsoft PowerPoint-Präsentation (neu).pptx
@@ -5,7 +5,7 @@
     <p:sldMasterId id="2147483648" r:id="rId1"/>
   </p:sldMasterIdLst>
   <p:notesMasterIdLst>
-    <p:notesMasterId r:id="rId24"/>
+    <p:notesMasterId r:id="rId25"/>
   </p:notesMasterIdLst>
   <p:sldIdLst>
     <p:sldId id="256" r:id="rId2"/>
@@ -30,6 +30,7 @@
     <p:sldId id="275" r:id="rId21"/>
     <p:sldId id="276" r:id="rId22"/>
     <p:sldId id="277" r:id="rId23"/>
+    <p:sldId id="278" r:id="rId24"/>
   </p:sldIdLst>
   <p:sldSz cx="12192000" cy="6858000"/>
   <p:notesSz cx="6858000" cy="9144000"/>
@@ -139,7 +140,7 @@
 <file path=ppt/revisionInfo.xml><?xml version="1.0" encoding="utf-8"?>
 <p1510:revInfo xmlns:a="http://schemas.openxmlformats.org/drawingml/2006/main" xmlns:r="http://schemas.openxmlformats.org/officeDocument/2006/relationships" xmlns:p1510="http://schemas.microsoft.com/office/powerpoint/2015/10/main">
   <p1510:revLst>
-    <p1510:client id="{D56AB027-329F-4E97-A5CB-D280E33427F3}" v="47" dt="2023-03-09T09:15:40.121"/>
+    <p1510:client id="{D56AB027-329F-4E97-A5CB-D280E33427F3}" v="54" dt="2023-03-17T07:31:00.885"/>
   </p1510:revLst>
 </p1510:revInfo>
 </file>
@@ -3188,7 +3189,7 @@
   <pc:docChgLst>
     <pc:chgData name="Julius Rublack" userId="745d74a4dee6b669" providerId="LiveId" clId="{D56AB027-329F-4E97-A5CB-D280E33427F3}"/>
     <pc:docChg chg="undo custSel addSld modSld">
-      <pc:chgData name="Julius Rublack" userId="745d74a4dee6b669" providerId="LiveId" clId="{D56AB027-329F-4E97-A5CB-D280E33427F3}" dt="2023-03-09T09:16:01.908" v="920" actId="1076"/>
+      <pc:chgData name="Julius Rublack" userId="745d74a4dee6b669" providerId="LiveId" clId="{D56AB027-329F-4E97-A5CB-D280E33427F3}" dt="2023-03-17T07:31:49.648" v="1051" actId="1076"/>
       <pc:docMkLst>
         <pc:docMk/>
       </pc:docMkLst>
@@ -4387,6 +4388,93 @@
             <ac:inkMk id="58" creationId="{5355678C-1EA1-FDE0-44CA-9EBAA051A485}"/>
           </ac:inkMkLst>
         </pc:inkChg>
+      </pc:sldChg>
+      <pc:sldChg chg="addSp delSp modSp new mod">
+        <pc:chgData name="Julius Rublack" userId="745d74a4dee6b669" providerId="LiveId" clId="{D56AB027-329F-4E97-A5CB-D280E33427F3}" dt="2023-03-17T07:31:49.648" v="1051" actId="1076"/>
+        <pc:sldMkLst>
+          <pc:docMk/>
+          <pc:sldMk cId="2924381277" sldId="278"/>
+        </pc:sldMkLst>
+        <pc:spChg chg="del">
+          <ac:chgData name="Julius Rublack" userId="745d74a4dee6b669" providerId="LiveId" clId="{D56AB027-329F-4E97-A5CB-D280E33427F3}" dt="2023-03-17T07:24:49.734" v="923" actId="478"/>
+          <ac:spMkLst>
+            <pc:docMk/>
+            <pc:sldMk cId="2924381277" sldId="278"/>
+            <ac:spMk id="2" creationId="{C6AA0594-1B19-D28A-7803-87F246F4D778}"/>
+          </ac:spMkLst>
+        </pc:spChg>
+        <pc:spChg chg="del">
+          <ac:chgData name="Julius Rublack" userId="745d74a4dee6b669" providerId="LiveId" clId="{D56AB027-329F-4E97-A5CB-D280E33427F3}" dt="2023-03-17T07:24:48.799" v="922" actId="478"/>
+          <ac:spMkLst>
+            <pc:docMk/>
+            <pc:sldMk cId="2924381277" sldId="278"/>
+            <ac:spMk id="3" creationId="{34D1A0EA-8A64-12EC-23CB-70776087148C}"/>
+          </ac:spMkLst>
+        </pc:spChg>
+        <pc:spChg chg="add mod">
+          <ac:chgData name="Julius Rublack" userId="745d74a4dee6b669" providerId="LiveId" clId="{D56AB027-329F-4E97-A5CB-D280E33427F3}" dt="2023-03-17T07:26:14.202" v="947" actId="1076"/>
+          <ac:spMkLst>
+            <pc:docMk/>
+            <pc:sldMk cId="2924381277" sldId="278"/>
+            <ac:spMk id="6" creationId="{50DB89DD-5B15-0442-B229-216B80DDB5D7}"/>
+          </ac:spMkLst>
+        </pc:spChg>
+        <pc:spChg chg="add mod">
+          <ac:chgData name="Julius Rublack" userId="745d74a4dee6b669" providerId="LiveId" clId="{D56AB027-329F-4E97-A5CB-D280E33427F3}" dt="2023-03-17T07:28:32.053" v="1013" actId="1076"/>
+          <ac:spMkLst>
+            <pc:docMk/>
+            <pc:sldMk cId="2924381277" sldId="278"/>
+            <ac:spMk id="7" creationId="{9A36856E-EE19-3A0D-C279-A496C388921E}"/>
+          </ac:spMkLst>
+        </pc:spChg>
+        <pc:spChg chg="add del mod">
+          <ac:chgData name="Julius Rublack" userId="745d74a4dee6b669" providerId="LiveId" clId="{D56AB027-329F-4E97-A5CB-D280E33427F3}" dt="2023-03-17T07:26:30.029" v="955"/>
+          <ac:spMkLst>
+            <pc:docMk/>
+            <pc:sldMk cId="2924381277" sldId="278"/>
+            <ac:spMk id="8" creationId="{68EB3E5D-E258-C107-32B5-6F1123AF32ED}"/>
+          </ac:spMkLst>
+        </pc:spChg>
+        <pc:spChg chg="add mod">
+          <ac:chgData name="Julius Rublack" userId="745d74a4dee6b669" providerId="LiveId" clId="{D56AB027-329F-4E97-A5CB-D280E33427F3}" dt="2023-03-17T07:26:56.920" v="980" actId="20577"/>
+          <ac:spMkLst>
+            <pc:docMk/>
+            <pc:sldMk cId="2924381277" sldId="278"/>
+            <ac:spMk id="9" creationId="{7F20DB17-3141-81F1-46CC-306B941E83E8}"/>
+          </ac:spMkLst>
+        </pc:spChg>
+        <pc:spChg chg="add mod">
+          <ac:chgData name="Julius Rublack" userId="745d74a4dee6b669" providerId="LiveId" clId="{D56AB027-329F-4E97-A5CB-D280E33427F3}" dt="2023-03-17T07:27:33.094" v="1012" actId="1076"/>
+          <ac:spMkLst>
+            <pc:docMk/>
+            <pc:sldMk cId="2924381277" sldId="278"/>
+            <ac:spMk id="10" creationId="{DFD45110-1997-FE5A-1857-5F90E8B8AEE2}"/>
+          </ac:spMkLst>
+        </pc:spChg>
+        <pc:spChg chg="add mod">
+          <ac:chgData name="Julius Rublack" userId="745d74a4dee6b669" providerId="LiveId" clId="{D56AB027-329F-4E97-A5CB-D280E33427F3}" dt="2023-03-17T07:30:57.435" v="1029" actId="1076"/>
+          <ac:spMkLst>
+            <pc:docMk/>
+            <pc:sldMk cId="2924381277" sldId="278"/>
+            <ac:spMk id="11" creationId="{6422F6E3-89C3-5B99-5893-FB8D5946EB75}"/>
+          </ac:spMkLst>
+        </pc:spChg>
+        <pc:spChg chg="add mod">
+          <ac:chgData name="Julius Rublack" userId="745d74a4dee6b669" providerId="LiveId" clId="{D56AB027-329F-4E97-A5CB-D280E33427F3}" dt="2023-03-17T07:31:49.648" v="1051" actId="1076"/>
+          <ac:spMkLst>
+            <pc:docMk/>
+            <pc:sldMk cId="2924381277" sldId="278"/>
+            <ac:spMk id="12" creationId="{9E706FF3-D4E6-409C-9FDC-D906C0E18B1B}"/>
+          </ac:spMkLst>
+        </pc:spChg>
+        <pc:picChg chg="add mod">
+          <ac:chgData name="Julius Rublack" userId="745d74a4dee6b669" providerId="LiveId" clId="{D56AB027-329F-4E97-A5CB-D280E33427F3}" dt="2023-03-17T07:26:49.106" v="975" actId="1076"/>
+          <ac:picMkLst>
+            <pc:docMk/>
+            <pc:sldMk cId="2924381277" sldId="278"/>
+            <ac:picMk id="5" creationId="{A976DC06-4B34-0C96-FB68-98BBCDACF274}"/>
+          </ac:picMkLst>
+        </pc:picChg>
       </pc:sldChg>
     </pc:docChg>
   </pc:docChgLst>
@@ -7574,7 +7662,7 @@
           <a:p>
             <a:fld id="{58DD7BC2-5202-4A01-B127-AE5D9A25CF15}" type="datetimeFigureOut">
               <a:rPr lang="de-DE" smtClean="0"/>
-              <a:t>09.03.2023</a:t>
+              <a:t>17.03.2023</a:t>
             </a:fld>
             <a:endParaRPr lang="de-DE"/>
           </a:p>
@@ -8072,7 +8160,7 @@
           <a:p>
             <a:fld id="{D89CC3C5-9081-43BE-A79D-C25876F2678F}" type="datetimeFigureOut">
               <a:rPr lang="de-DE" smtClean="0"/>
-              <a:t>09.03.2023</a:t>
+              <a:t>17.03.2023</a:t>
             </a:fld>
             <a:endParaRPr lang="de-DE"/>
           </a:p>
@@ -8270,7 +8358,7 @@
           <a:p>
             <a:fld id="{D89CC3C5-9081-43BE-A79D-C25876F2678F}" type="datetimeFigureOut">
               <a:rPr lang="de-DE" smtClean="0"/>
-              <a:t>09.03.2023</a:t>
+              <a:t>17.03.2023</a:t>
             </a:fld>
             <a:endParaRPr lang="de-DE"/>
           </a:p>
@@ -8478,7 +8566,7 @@
           <a:p>
             <a:fld id="{D89CC3C5-9081-43BE-A79D-C25876F2678F}" type="datetimeFigureOut">
               <a:rPr lang="de-DE" smtClean="0"/>
-              <a:t>09.03.2023</a:t>
+              <a:t>17.03.2023</a:t>
             </a:fld>
             <a:endParaRPr lang="de-DE"/>
           </a:p>
@@ -8676,7 +8764,7 @@
           <a:p>
             <a:fld id="{D89CC3C5-9081-43BE-A79D-C25876F2678F}" type="datetimeFigureOut">
               <a:rPr lang="de-DE" smtClean="0"/>
-              <a:t>09.03.2023</a:t>
+              <a:t>17.03.2023</a:t>
             </a:fld>
             <a:endParaRPr lang="de-DE"/>
           </a:p>
@@ -8951,7 +9039,7 @@
           <a:p>
             <a:fld id="{D89CC3C5-9081-43BE-A79D-C25876F2678F}" type="datetimeFigureOut">
               <a:rPr lang="de-DE" smtClean="0"/>
-              <a:t>09.03.2023</a:t>
+              <a:t>17.03.2023</a:t>
             </a:fld>
             <a:endParaRPr lang="de-DE"/>
           </a:p>
@@ -9216,7 +9304,7 @@
           <a:p>
             <a:fld id="{D89CC3C5-9081-43BE-A79D-C25876F2678F}" type="datetimeFigureOut">
               <a:rPr lang="de-DE" smtClean="0"/>
-              <a:t>09.03.2023</a:t>
+              <a:t>17.03.2023</a:t>
             </a:fld>
             <a:endParaRPr lang="de-DE"/>
           </a:p>
@@ -9628,7 +9716,7 @@
           <a:p>
             <a:fld id="{D89CC3C5-9081-43BE-A79D-C25876F2678F}" type="datetimeFigureOut">
               <a:rPr lang="de-DE" smtClean="0"/>
-              <a:t>09.03.2023</a:t>
+              <a:t>17.03.2023</a:t>
             </a:fld>
             <a:endParaRPr lang="de-DE"/>
           </a:p>
@@ -9769,7 +9857,7 @@
           <a:p>
             <a:fld id="{D89CC3C5-9081-43BE-A79D-C25876F2678F}" type="datetimeFigureOut">
               <a:rPr lang="de-DE" smtClean="0"/>
-              <a:t>09.03.2023</a:t>
+              <a:t>17.03.2023</a:t>
             </a:fld>
             <a:endParaRPr lang="de-DE"/>
           </a:p>
@@ -9882,7 +9970,7 @@
           <a:p>
             <a:fld id="{D89CC3C5-9081-43BE-A79D-C25876F2678F}" type="datetimeFigureOut">
               <a:rPr lang="de-DE" smtClean="0"/>
-              <a:t>09.03.2023</a:t>
+              <a:t>17.03.2023</a:t>
             </a:fld>
             <a:endParaRPr lang="de-DE"/>
           </a:p>
@@ -10193,7 +10281,7 @@
           <a:p>
             <a:fld id="{D89CC3C5-9081-43BE-A79D-C25876F2678F}" type="datetimeFigureOut">
               <a:rPr lang="de-DE" smtClean="0"/>
-              <a:t>09.03.2023</a:t>
+              <a:t>17.03.2023</a:t>
             </a:fld>
             <a:endParaRPr lang="de-DE"/>
           </a:p>
@@ -10481,7 +10569,7 @@
           <a:p>
             <a:fld id="{D89CC3C5-9081-43BE-A79D-C25876F2678F}" type="datetimeFigureOut">
               <a:rPr lang="de-DE" smtClean="0"/>
-              <a:t>09.03.2023</a:t>
+              <a:t>17.03.2023</a:t>
             </a:fld>
             <a:endParaRPr lang="de-DE"/>
           </a:p>
@@ -10722,7 +10810,7 @@
           <a:p>
             <a:fld id="{D89CC3C5-9081-43BE-A79D-C25876F2678F}" type="datetimeFigureOut">
               <a:rPr lang="de-DE" smtClean="0"/>
-              <a:t>09.03.2023</a:t>
+              <a:t>17.03.2023</a:t>
             </a:fld>
             <a:endParaRPr lang="de-DE"/>
           </a:p>
@@ -24637,8 +24725,8 @@
             <a:chExt cx="171360" cy="72720"/>
           </a:xfrm>
         </p:grpSpPr>
-        <mc:AlternateContent xmlns:mc="http://schemas.openxmlformats.org/markup-compatibility/2006">
-          <mc:Choice xmlns:p14="http://schemas.microsoft.com/office/powerpoint/2010/main" Requires="p14">
+        <mc:AlternateContent xmlns:mc="http://schemas.openxmlformats.org/markup-compatibility/2006" xmlns:p14="http://schemas.microsoft.com/office/powerpoint/2010/main">
+          <mc:Choice Requires="p14">
             <p:contentPart p14:bwMode="auto" r:id="rId4">
               <p14:nvContentPartPr>
                 <p14:cNvPr id="21" name="Freihand 20">
@@ -24657,7 +24745,7 @@
               </p14:xfrm>
             </p:contentPart>
           </mc:Choice>
-          <mc:Fallback>
+          <mc:Fallback xmlns="">
             <p:pic>
               <p:nvPicPr>
                 <p:cNvPr id="21" name="Freihand 20">
@@ -24688,8 +24776,8 @@
             </p:pic>
           </mc:Fallback>
         </mc:AlternateContent>
-        <mc:AlternateContent xmlns:mc="http://schemas.openxmlformats.org/markup-compatibility/2006">
-          <mc:Choice xmlns:p14="http://schemas.microsoft.com/office/powerpoint/2010/main" Requires="p14">
+        <mc:AlternateContent xmlns:mc="http://schemas.openxmlformats.org/markup-compatibility/2006" xmlns:p14="http://schemas.microsoft.com/office/powerpoint/2010/main">
+          <mc:Choice Requires="p14">
             <p:contentPart p14:bwMode="auto" r:id="rId6">
               <p14:nvContentPartPr>
                 <p14:cNvPr id="22" name="Freihand 21">
@@ -24708,7 +24796,7 @@
               </p14:xfrm>
             </p:contentPart>
           </mc:Choice>
-          <mc:Fallback>
+          <mc:Fallback xmlns="">
             <p:pic>
               <p:nvPicPr>
                 <p:cNvPr id="22" name="Freihand 21">
@@ -24739,8 +24827,8 @@
             </p:pic>
           </mc:Fallback>
         </mc:AlternateContent>
-        <mc:AlternateContent xmlns:mc="http://schemas.openxmlformats.org/markup-compatibility/2006">
-          <mc:Choice xmlns:p14="http://schemas.microsoft.com/office/powerpoint/2010/main" Requires="p14">
+        <mc:AlternateContent xmlns:mc="http://schemas.openxmlformats.org/markup-compatibility/2006" xmlns:p14="http://schemas.microsoft.com/office/powerpoint/2010/main">
+          <mc:Choice Requires="p14">
             <p:contentPart p14:bwMode="auto" r:id="rId8">
               <p14:nvContentPartPr>
                 <p14:cNvPr id="23" name="Freihand 22">
@@ -24759,7 +24847,7 @@
               </p14:xfrm>
             </p:contentPart>
           </mc:Choice>
-          <mc:Fallback>
+          <mc:Fallback xmlns="">
             <p:pic>
               <p:nvPicPr>
                 <p:cNvPr id="23" name="Freihand 22">
@@ -24790,8 +24878,8 @@
             </p:pic>
           </mc:Fallback>
         </mc:AlternateContent>
-        <mc:AlternateContent xmlns:mc="http://schemas.openxmlformats.org/markup-compatibility/2006">
-          <mc:Choice xmlns:p14="http://schemas.microsoft.com/office/powerpoint/2010/main" Requires="p14">
+        <mc:AlternateContent xmlns:mc="http://schemas.openxmlformats.org/markup-compatibility/2006" xmlns:p14="http://schemas.microsoft.com/office/powerpoint/2010/main">
+          <mc:Choice Requires="p14">
             <p:contentPart p14:bwMode="auto" r:id="rId9">
               <p14:nvContentPartPr>
                 <p14:cNvPr id="24" name="Freihand 23">
@@ -24810,7 +24898,7 @@
               </p14:xfrm>
             </p:contentPart>
           </mc:Choice>
-          <mc:Fallback>
+          <mc:Fallback xmlns="">
             <p:pic>
               <p:nvPicPr>
                 <p:cNvPr id="24" name="Freihand 23">
@@ -24841,8 +24929,8 @@
             </p:pic>
           </mc:Fallback>
         </mc:AlternateContent>
-        <mc:AlternateContent xmlns:mc="http://schemas.openxmlformats.org/markup-compatibility/2006">
-          <mc:Choice xmlns:p14="http://schemas.microsoft.com/office/powerpoint/2010/main" Requires="p14">
+        <mc:AlternateContent xmlns:mc="http://schemas.openxmlformats.org/markup-compatibility/2006" xmlns:p14="http://schemas.microsoft.com/office/powerpoint/2010/main">
+          <mc:Choice Requires="p14">
             <p:contentPart p14:bwMode="auto" r:id="rId10">
               <p14:nvContentPartPr>
                 <p14:cNvPr id="25" name="Freihand 24">
@@ -24861,7 +24949,7 @@
               </p14:xfrm>
             </p:contentPart>
           </mc:Choice>
-          <mc:Fallback>
+          <mc:Fallback xmlns="">
             <p:pic>
               <p:nvPicPr>
                 <p:cNvPr id="25" name="Freihand 24">
@@ -24892,8 +24980,8 @@
             </p:pic>
           </mc:Fallback>
         </mc:AlternateContent>
-        <mc:AlternateContent xmlns:mc="http://schemas.openxmlformats.org/markup-compatibility/2006">
-          <mc:Choice xmlns:p14="http://schemas.microsoft.com/office/powerpoint/2010/main" Requires="p14">
+        <mc:AlternateContent xmlns:mc="http://schemas.openxmlformats.org/markup-compatibility/2006" xmlns:p14="http://schemas.microsoft.com/office/powerpoint/2010/main">
+          <mc:Choice Requires="p14">
             <p:contentPart p14:bwMode="auto" r:id="rId11">
               <p14:nvContentPartPr>
                 <p14:cNvPr id="26" name="Freihand 25">
@@ -24912,7 +25000,7 @@
               </p14:xfrm>
             </p:contentPart>
           </mc:Choice>
-          <mc:Fallback>
+          <mc:Fallback xmlns="">
             <p:pic>
               <p:nvPicPr>
                 <p:cNvPr id="26" name="Freihand 25">
@@ -24943,8 +25031,8 @@
             </p:pic>
           </mc:Fallback>
         </mc:AlternateContent>
-        <mc:AlternateContent xmlns:mc="http://schemas.openxmlformats.org/markup-compatibility/2006">
-          <mc:Choice xmlns:p14="http://schemas.microsoft.com/office/powerpoint/2010/main" Requires="p14">
+        <mc:AlternateContent xmlns:mc="http://schemas.openxmlformats.org/markup-compatibility/2006" xmlns:p14="http://schemas.microsoft.com/office/powerpoint/2010/main">
+          <mc:Choice Requires="p14">
             <p:contentPart p14:bwMode="auto" r:id="rId12">
               <p14:nvContentPartPr>
                 <p14:cNvPr id="27" name="Freihand 26">
@@ -24963,7 +25051,7 @@
               </p14:xfrm>
             </p:contentPart>
           </mc:Choice>
-          <mc:Fallback>
+          <mc:Fallback xmlns="">
             <p:pic>
               <p:nvPicPr>
                 <p:cNvPr id="27" name="Freihand 26">
@@ -24994,8 +25082,8 @@
             </p:pic>
           </mc:Fallback>
         </mc:AlternateContent>
-        <mc:AlternateContent xmlns:mc="http://schemas.openxmlformats.org/markup-compatibility/2006">
-          <mc:Choice xmlns:p14="http://schemas.microsoft.com/office/powerpoint/2010/main" Requires="p14">
+        <mc:AlternateContent xmlns:mc="http://schemas.openxmlformats.org/markup-compatibility/2006" xmlns:p14="http://schemas.microsoft.com/office/powerpoint/2010/main">
+          <mc:Choice Requires="p14">
             <p:contentPart p14:bwMode="auto" r:id="rId14">
               <p14:nvContentPartPr>
                 <p14:cNvPr id="28" name="Freihand 27">
@@ -25014,7 +25102,7 @@
               </p14:xfrm>
             </p:contentPart>
           </mc:Choice>
-          <mc:Fallback>
+          <mc:Fallback xmlns="">
             <p:pic>
               <p:nvPicPr>
                 <p:cNvPr id="28" name="Freihand 27">
@@ -25045,8 +25133,8 @@
             </p:pic>
           </mc:Fallback>
         </mc:AlternateContent>
-        <mc:AlternateContent xmlns:mc="http://schemas.openxmlformats.org/markup-compatibility/2006">
-          <mc:Choice xmlns:p14="http://schemas.microsoft.com/office/powerpoint/2010/main" Requires="p14">
+        <mc:AlternateContent xmlns:mc="http://schemas.openxmlformats.org/markup-compatibility/2006" xmlns:p14="http://schemas.microsoft.com/office/powerpoint/2010/main">
+          <mc:Choice Requires="p14">
             <p:contentPart p14:bwMode="auto" r:id="rId15">
               <p14:nvContentPartPr>
                 <p14:cNvPr id="29" name="Freihand 28">
@@ -25065,7 +25153,7 @@
               </p14:xfrm>
             </p:contentPart>
           </mc:Choice>
-          <mc:Fallback>
+          <mc:Fallback xmlns="">
             <p:pic>
               <p:nvPicPr>
                 <p:cNvPr id="29" name="Freihand 28">
@@ -25096,8 +25184,8 @@
             </p:pic>
           </mc:Fallback>
         </mc:AlternateContent>
-        <mc:AlternateContent xmlns:mc="http://schemas.openxmlformats.org/markup-compatibility/2006">
-          <mc:Choice xmlns:p14="http://schemas.microsoft.com/office/powerpoint/2010/main" Requires="p14">
+        <mc:AlternateContent xmlns:mc="http://schemas.openxmlformats.org/markup-compatibility/2006" xmlns:p14="http://schemas.microsoft.com/office/powerpoint/2010/main">
+          <mc:Choice Requires="p14">
             <p:contentPart p14:bwMode="auto" r:id="rId16">
               <p14:nvContentPartPr>
                 <p14:cNvPr id="30" name="Freihand 29">
@@ -25116,7 +25204,7 @@
               </p14:xfrm>
             </p:contentPart>
           </mc:Choice>
-          <mc:Fallback>
+          <mc:Fallback xmlns="">
             <p:pic>
               <p:nvPicPr>
                 <p:cNvPr id="30" name="Freihand 29">
@@ -25147,8 +25235,8 @@
             </p:pic>
           </mc:Fallback>
         </mc:AlternateContent>
-        <mc:AlternateContent xmlns:mc="http://schemas.openxmlformats.org/markup-compatibility/2006">
-          <mc:Choice xmlns:p14="http://schemas.microsoft.com/office/powerpoint/2010/main" Requires="p14">
+        <mc:AlternateContent xmlns:mc="http://schemas.openxmlformats.org/markup-compatibility/2006" xmlns:p14="http://schemas.microsoft.com/office/powerpoint/2010/main">
+          <mc:Choice Requires="p14">
             <p:contentPart p14:bwMode="auto" r:id="rId18">
               <p14:nvContentPartPr>
                 <p14:cNvPr id="32" name="Freihand 31">
@@ -25167,7 +25255,7 @@
               </p14:xfrm>
             </p:contentPart>
           </mc:Choice>
-          <mc:Fallback>
+          <mc:Fallback xmlns="">
             <p:pic>
               <p:nvPicPr>
                 <p:cNvPr id="32" name="Freihand 31">
@@ -25198,8 +25286,8 @@
             </p:pic>
           </mc:Fallback>
         </mc:AlternateContent>
-        <mc:AlternateContent xmlns:mc="http://schemas.openxmlformats.org/markup-compatibility/2006">
-          <mc:Choice xmlns:p14="http://schemas.microsoft.com/office/powerpoint/2010/main" Requires="p14">
+        <mc:AlternateContent xmlns:mc="http://schemas.openxmlformats.org/markup-compatibility/2006" xmlns:p14="http://schemas.microsoft.com/office/powerpoint/2010/main">
+          <mc:Choice Requires="p14">
             <p:contentPart p14:bwMode="auto" r:id="rId19">
               <p14:nvContentPartPr>
                 <p14:cNvPr id="33" name="Freihand 32">
@@ -25218,7 +25306,7 @@
               </p14:xfrm>
             </p:contentPart>
           </mc:Choice>
-          <mc:Fallback>
+          <mc:Fallback xmlns="">
             <p:pic>
               <p:nvPicPr>
                 <p:cNvPr id="33" name="Freihand 32">
@@ -25249,8 +25337,8 @@
             </p:pic>
           </mc:Fallback>
         </mc:AlternateContent>
-        <mc:AlternateContent xmlns:mc="http://schemas.openxmlformats.org/markup-compatibility/2006">
-          <mc:Choice xmlns:p14="http://schemas.microsoft.com/office/powerpoint/2010/main" Requires="p14">
+        <mc:AlternateContent xmlns:mc="http://schemas.openxmlformats.org/markup-compatibility/2006" xmlns:p14="http://schemas.microsoft.com/office/powerpoint/2010/main">
+          <mc:Choice Requires="p14">
             <p:contentPart p14:bwMode="auto" r:id="rId20">
               <p14:nvContentPartPr>
                 <p14:cNvPr id="34" name="Freihand 33">
@@ -25269,7 +25357,7 @@
               </p14:xfrm>
             </p:contentPart>
           </mc:Choice>
-          <mc:Fallback>
+          <mc:Fallback xmlns="">
             <p:pic>
               <p:nvPicPr>
                 <p:cNvPr id="34" name="Freihand 33">
@@ -25300,8 +25388,8 @@
             </p:pic>
           </mc:Fallback>
         </mc:AlternateContent>
-        <mc:AlternateContent xmlns:mc="http://schemas.openxmlformats.org/markup-compatibility/2006">
-          <mc:Choice xmlns:p14="http://schemas.microsoft.com/office/powerpoint/2010/main" Requires="p14">
+        <mc:AlternateContent xmlns:mc="http://schemas.openxmlformats.org/markup-compatibility/2006" xmlns:p14="http://schemas.microsoft.com/office/powerpoint/2010/main">
+          <mc:Choice Requires="p14">
             <p:contentPart p14:bwMode="auto" r:id="rId21">
               <p14:nvContentPartPr>
                 <p14:cNvPr id="35" name="Freihand 34">
@@ -25320,7 +25408,7 @@
               </p14:xfrm>
             </p:contentPart>
           </mc:Choice>
-          <mc:Fallback>
+          <mc:Fallback xmlns="">
             <p:pic>
               <p:nvPicPr>
                 <p:cNvPr id="35" name="Freihand 34">
@@ -25351,8 +25439,8 @@
             </p:pic>
           </mc:Fallback>
         </mc:AlternateContent>
-        <mc:AlternateContent xmlns:mc="http://schemas.openxmlformats.org/markup-compatibility/2006">
-          <mc:Choice xmlns:p14="http://schemas.microsoft.com/office/powerpoint/2010/main" Requires="p14">
+        <mc:AlternateContent xmlns:mc="http://schemas.openxmlformats.org/markup-compatibility/2006" xmlns:p14="http://schemas.microsoft.com/office/powerpoint/2010/main">
+          <mc:Choice Requires="p14">
             <p:contentPart p14:bwMode="auto" r:id="rId22">
               <p14:nvContentPartPr>
                 <p14:cNvPr id="36" name="Freihand 35">
@@ -25371,7 +25459,7 @@
               </p14:xfrm>
             </p:contentPart>
           </mc:Choice>
-          <mc:Fallback>
+          <mc:Fallback xmlns="">
             <p:pic>
               <p:nvPicPr>
                 <p:cNvPr id="36" name="Freihand 35">
@@ -25402,8 +25490,8 @@
             </p:pic>
           </mc:Fallback>
         </mc:AlternateContent>
-        <mc:AlternateContent xmlns:mc="http://schemas.openxmlformats.org/markup-compatibility/2006">
-          <mc:Choice xmlns:p14="http://schemas.microsoft.com/office/powerpoint/2010/main" Requires="p14">
+        <mc:AlternateContent xmlns:mc="http://schemas.openxmlformats.org/markup-compatibility/2006" xmlns:p14="http://schemas.microsoft.com/office/powerpoint/2010/main">
+          <mc:Choice Requires="p14">
             <p:contentPart p14:bwMode="auto" r:id="rId23">
               <p14:nvContentPartPr>
                 <p14:cNvPr id="38" name="Freihand 37">
@@ -25422,7 +25510,7 @@
               </p14:xfrm>
             </p:contentPart>
           </mc:Choice>
-          <mc:Fallback>
+          <mc:Fallback xmlns="">
             <p:pic>
               <p:nvPicPr>
                 <p:cNvPr id="38" name="Freihand 37">
@@ -25453,8 +25541,8 @@
             </p:pic>
           </mc:Fallback>
         </mc:AlternateContent>
-        <mc:AlternateContent xmlns:mc="http://schemas.openxmlformats.org/markup-compatibility/2006">
-          <mc:Choice xmlns:p14="http://schemas.microsoft.com/office/powerpoint/2010/main" Requires="p14">
+        <mc:AlternateContent xmlns:mc="http://schemas.openxmlformats.org/markup-compatibility/2006" xmlns:p14="http://schemas.microsoft.com/office/powerpoint/2010/main">
+          <mc:Choice Requires="p14">
             <p:contentPart p14:bwMode="auto" r:id="rId24">
               <p14:nvContentPartPr>
                 <p14:cNvPr id="39" name="Freihand 38">
@@ -25473,7 +25561,7 @@
               </p14:xfrm>
             </p:contentPart>
           </mc:Choice>
-          <mc:Fallback>
+          <mc:Fallback xmlns="">
             <p:pic>
               <p:nvPicPr>
                 <p:cNvPr id="39" name="Freihand 38">
@@ -25504,8 +25592,8 @@
             </p:pic>
           </mc:Fallback>
         </mc:AlternateContent>
-        <mc:AlternateContent xmlns:mc="http://schemas.openxmlformats.org/markup-compatibility/2006">
-          <mc:Choice xmlns:p14="http://schemas.microsoft.com/office/powerpoint/2010/main" Requires="p14">
+        <mc:AlternateContent xmlns:mc="http://schemas.openxmlformats.org/markup-compatibility/2006" xmlns:p14="http://schemas.microsoft.com/office/powerpoint/2010/main">
+          <mc:Choice Requires="p14">
             <p:contentPart p14:bwMode="auto" r:id="rId25">
               <p14:nvContentPartPr>
                 <p14:cNvPr id="40" name="Freihand 39">
@@ -25524,7 +25612,7 @@
               </p14:xfrm>
             </p:contentPart>
           </mc:Choice>
-          <mc:Fallback>
+          <mc:Fallback xmlns="">
             <p:pic>
               <p:nvPicPr>
                 <p:cNvPr id="40" name="Freihand 39">
@@ -25555,8 +25643,8 @@
             </p:pic>
           </mc:Fallback>
         </mc:AlternateContent>
-        <mc:AlternateContent xmlns:mc="http://schemas.openxmlformats.org/markup-compatibility/2006">
-          <mc:Choice xmlns:p14="http://schemas.microsoft.com/office/powerpoint/2010/main" Requires="p14">
+        <mc:AlternateContent xmlns:mc="http://schemas.openxmlformats.org/markup-compatibility/2006" xmlns:p14="http://schemas.microsoft.com/office/powerpoint/2010/main">
+          <mc:Choice Requires="p14">
             <p:contentPart p14:bwMode="auto" r:id="rId26">
               <p14:nvContentPartPr>
                 <p14:cNvPr id="41" name="Freihand 40">
@@ -25575,7 +25663,7 @@
               </p14:xfrm>
             </p:contentPart>
           </mc:Choice>
-          <mc:Fallback>
+          <mc:Fallback xmlns="">
             <p:pic>
               <p:nvPicPr>
                 <p:cNvPr id="41" name="Freihand 40">
@@ -25606,8 +25694,8 @@
             </p:pic>
           </mc:Fallback>
         </mc:AlternateContent>
-        <mc:AlternateContent xmlns:mc="http://schemas.openxmlformats.org/markup-compatibility/2006">
-          <mc:Choice xmlns:p14="http://schemas.microsoft.com/office/powerpoint/2010/main" Requires="p14">
+        <mc:AlternateContent xmlns:mc="http://schemas.openxmlformats.org/markup-compatibility/2006" xmlns:p14="http://schemas.microsoft.com/office/powerpoint/2010/main">
+          <mc:Choice Requires="p14">
             <p:contentPart p14:bwMode="auto" r:id="rId27">
               <p14:nvContentPartPr>
                 <p14:cNvPr id="42" name="Freihand 41">
@@ -25626,7 +25714,7 @@
               </p14:xfrm>
             </p:contentPart>
           </mc:Choice>
-          <mc:Fallback>
+          <mc:Fallback xmlns="">
             <p:pic>
               <p:nvPicPr>
                 <p:cNvPr id="42" name="Freihand 41">
@@ -25657,8 +25745,8 @@
             </p:pic>
           </mc:Fallback>
         </mc:AlternateContent>
-        <mc:AlternateContent xmlns:mc="http://schemas.openxmlformats.org/markup-compatibility/2006">
-          <mc:Choice xmlns:p14="http://schemas.microsoft.com/office/powerpoint/2010/main" Requires="p14">
+        <mc:AlternateContent xmlns:mc="http://schemas.openxmlformats.org/markup-compatibility/2006" xmlns:p14="http://schemas.microsoft.com/office/powerpoint/2010/main">
+          <mc:Choice Requires="p14">
             <p:contentPart p14:bwMode="auto" r:id="rId28">
               <p14:nvContentPartPr>
                 <p14:cNvPr id="43" name="Freihand 42">
@@ -25677,7 +25765,7 @@
               </p14:xfrm>
             </p:contentPart>
           </mc:Choice>
-          <mc:Fallback>
+          <mc:Fallback xmlns="">
             <p:pic>
               <p:nvPicPr>
                 <p:cNvPr id="43" name="Freihand 42">
@@ -25708,8 +25796,8 @@
             </p:pic>
           </mc:Fallback>
         </mc:AlternateContent>
-        <mc:AlternateContent xmlns:mc="http://schemas.openxmlformats.org/markup-compatibility/2006">
-          <mc:Choice xmlns:p14="http://schemas.microsoft.com/office/powerpoint/2010/main" Requires="p14">
+        <mc:AlternateContent xmlns:mc="http://schemas.openxmlformats.org/markup-compatibility/2006" xmlns:p14="http://schemas.microsoft.com/office/powerpoint/2010/main">
+          <mc:Choice Requires="p14">
             <p:contentPart p14:bwMode="auto" r:id="rId29">
               <p14:nvContentPartPr>
                 <p14:cNvPr id="44" name="Freihand 43">
@@ -25728,7 +25816,7 @@
               </p14:xfrm>
             </p:contentPart>
           </mc:Choice>
-          <mc:Fallback>
+          <mc:Fallback xmlns="">
             <p:pic>
               <p:nvPicPr>
                 <p:cNvPr id="44" name="Freihand 43">
@@ -25759,8 +25847,8 @@
             </p:pic>
           </mc:Fallback>
         </mc:AlternateContent>
-        <mc:AlternateContent xmlns:mc="http://schemas.openxmlformats.org/markup-compatibility/2006">
-          <mc:Choice xmlns:p14="http://schemas.microsoft.com/office/powerpoint/2010/main" Requires="p14">
+        <mc:AlternateContent xmlns:mc="http://schemas.openxmlformats.org/markup-compatibility/2006" xmlns:p14="http://schemas.microsoft.com/office/powerpoint/2010/main">
+          <mc:Choice Requires="p14">
             <p:contentPart p14:bwMode="auto" r:id="rId30">
               <p14:nvContentPartPr>
                 <p14:cNvPr id="45" name="Freihand 44">
@@ -25779,7 +25867,7 @@
               </p14:xfrm>
             </p:contentPart>
           </mc:Choice>
-          <mc:Fallback>
+          <mc:Fallback xmlns="">
             <p:pic>
               <p:nvPicPr>
                 <p:cNvPr id="45" name="Freihand 44">
@@ -25810,8 +25898,8 @@
             </p:pic>
           </mc:Fallback>
         </mc:AlternateContent>
-        <mc:AlternateContent xmlns:mc="http://schemas.openxmlformats.org/markup-compatibility/2006">
-          <mc:Choice xmlns:p14="http://schemas.microsoft.com/office/powerpoint/2010/main" Requires="p14">
+        <mc:AlternateContent xmlns:mc="http://schemas.openxmlformats.org/markup-compatibility/2006" xmlns:p14="http://schemas.microsoft.com/office/powerpoint/2010/main">
+          <mc:Choice Requires="p14">
             <p:contentPart p14:bwMode="auto" r:id="rId31">
               <p14:nvContentPartPr>
                 <p14:cNvPr id="46" name="Freihand 45">
@@ -25830,7 +25918,7 @@
               </p14:xfrm>
             </p:contentPart>
           </mc:Choice>
-          <mc:Fallback>
+          <mc:Fallback xmlns="">
             <p:pic>
               <p:nvPicPr>
                 <p:cNvPr id="46" name="Freihand 45">
@@ -25861,8 +25949,8 @@
             </p:pic>
           </mc:Fallback>
         </mc:AlternateContent>
-        <mc:AlternateContent xmlns:mc="http://schemas.openxmlformats.org/markup-compatibility/2006">
-          <mc:Choice xmlns:p14="http://schemas.microsoft.com/office/powerpoint/2010/main" Requires="p14">
+        <mc:AlternateContent xmlns:mc="http://schemas.openxmlformats.org/markup-compatibility/2006" xmlns:p14="http://schemas.microsoft.com/office/powerpoint/2010/main">
+          <mc:Choice Requires="p14">
             <p:contentPart p14:bwMode="auto" r:id="rId32">
               <p14:nvContentPartPr>
                 <p14:cNvPr id="47" name="Freihand 46">
@@ -25881,7 +25969,7 @@
               </p14:xfrm>
             </p:contentPart>
           </mc:Choice>
-          <mc:Fallback>
+          <mc:Fallback xmlns="">
             <p:pic>
               <p:nvPicPr>
                 <p:cNvPr id="47" name="Freihand 46">
@@ -25912,8 +26000,8 @@
             </p:pic>
           </mc:Fallback>
         </mc:AlternateContent>
-        <mc:AlternateContent xmlns:mc="http://schemas.openxmlformats.org/markup-compatibility/2006">
-          <mc:Choice xmlns:p14="http://schemas.microsoft.com/office/powerpoint/2010/main" Requires="p14">
+        <mc:AlternateContent xmlns:mc="http://schemas.openxmlformats.org/markup-compatibility/2006" xmlns:p14="http://schemas.microsoft.com/office/powerpoint/2010/main">
+          <mc:Choice Requires="p14">
             <p:contentPart p14:bwMode="auto" r:id="rId33">
               <p14:nvContentPartPr>
                 <p14:cNvPr id="48" name="Freihand 47">
@@ -25932,7 +26020,7 @@
               </p14:xfrm>
             </p:contentPart>
           </mc:Choice>
-          <mc:Fallback>
+          <mc:Fallback xmlns="">
             <p:pic>
               <p:nvPicPr>
                 <p:cNvPr id="48" name="Freihand 47">
@@ -25963,8 +26051,8 @@
             </p:pic>
           </mc:Fallback>
         </mc:AlternateContent>
-        <mc:AlternateContent xmlns:mc="http://schemas.openxmlformats.org/markup-compatibility/2006">
-          <mc:Choice xmlns:p14="http://schemas.microsoft.com/office/powerpoint/2010/main" Requires="p14">
+        <mc:AlternateContent xmlns:mc="http://schemas.openxmlformats.org/markup-compatibility/2006" xmlns:p14="http://schemas.microsoft.com/office/powerpoint/2010/main">
+          <mc:Choice Requires="p14">
             <p:contentPart p14:bwMode="auto" r:id="rId34">
               <p14:nvContentPartPr>
                 <p14:cNvPr id="49" name="Freihand 48">
@@ -25983,7 +26071,7 @@
               </p14:xfrm>
             </p:contentPart>
           </mc:Choice>
-          <mc:Fallback>
+          <mc:Fallback xmlns="">
             <p:pic>
               <p:nvPicPr>
                 <p:cNvPr id="49" name="Freihand 48">
@@ -26014,8 +26102,8 @@
             </p:pic>
           </mc:Fallback>
         </mc:AlternateContent>
-        <mc:AlternateContent xmlns:mc="http://schemas.openxmlformats.org/markup-compatibility/2006">
-          <mc:Choice xmlns:p14="http://schemas.microsoft.com/office/powerpoint/2010/main" Requires="p14">
+        <mc:AlternateContent xmlns:mc="http://schemas.openxmlformats.org/markup-compatibility/2006" xmlns:p14="http://schemas.microsoft.com/office/powerpoint/2010/main">
+          <mc:Choice Requires="p14">
             <p:contentPart p14:bwMode="auto" r:id="rId36">
               <p14:nvContentPartPr>
                 <p14:cNvPr id="50" name="Freihand 49">
@@ -26034,7 +26122,7 @@
               </p14:xfrm>
             </p:contentPart>
           </mc:Choice>
-          <mc:Fallback>
+          <mc:Fallback xmlns="">
             <p:pic>
               <p:nvPicPr>
                 <p:cNvPr id="50" name="Freihand 49">
@@ -26065,8 +26153,8 @@
             </p:pic>
           </mc:Fallback>
         </mc:AlternateContent>
-        <mc:AlternateContent xmlns:mc="http://schemas.openxmlformats.org/markup-compatibility/2006">
-          <mc:Choice xmlns:p14="http://schemas.microsoft.com/office/powerpoint/2010/main" Requires="p14">
+        <mc:AlternateContent xmlns:mc="http://schemas.openxmlformats.org/markup-compatibility/2006" xmlns:p14="http://schemas.microsoft.com/office/powerpoint/2010/main">
+          <mc:Choice Requires="p14">
             <p:contentPart p14:bwMode="auto" r:id="rId37">
               <p14:nvContentPartPr>
                 <p14:cNvPr id="51" name="Freihand 50">
@@ -26085,7 +26173,7 @@
               </p14:xfrm>
             </p:contentPart>
           </mc:Choice>
-          <mc:Fallback>
+          <mc:Fallback xmlns="">
             <p:pic>
               <p:nvPicPr>
                 <p:cNvPr id="51" name="Freihand 50">
@@ -26116,8 +26204,8 @@
             </p:pic>
           </mc:Fallback>
         </mc:AlternateContent>
-        <mc:AlternateContent xmlns:mc="http://schemas.openxmlformats.org/markup-compatibility/2006">
-          <mc:Choice xmlns:p14="http://schemas.microsoft.com/office/powerpoint/2010/main" Requires="p14">
+        <mc:AlternateContent xmlns:mc="http://schemas.openxmlformats.org/markup-compatibility/2006" xmlns:p14="http://schemas.microsoft.com/office/powerpoint/2010/main">
+          <mc:Choice Requires="p14">
             <p:contentPart p14:bwMode="auto" r:id="rId38">
               <p14:nvContentPartPr>
                 <p14:cNvPr id="52" name="Freihand 51">
@@ -26136,7 +26224,7 @@
               </p14:xfrm>
             </p:contentPart>
           </mc:Choice>
-          <mc:Fallback>
+          <mc:Fallback xmlns="">
             <p:pic>
               <p:nvPicPr>
                 <p:cNvPr id="52" name="Freihand 51">
@@ -26167,8 +26255,8 @@
             </p:pic>
           </mc:Fallback>
         </mc:AlternateContent>
-        <mc:AlternateContent xmlns:mc="http://schemas.openxmlformats.org/markup-compatibility/2006">
-          <mc:Choice xmlns:p14="http://schemas.microsoft.com/office/powerpoint/2010/main" Requires="p14">
+        <mc:AlternateContent xmlns:mc="http://schemas.openxmlformats.org/markup-compatibility/2006" xmlns:p14="http://schemas.microsoft.com/office/powerpoint/2010/main">
+          <mc:Choice Requires="p14">
             <p:contentPart p14:bwMode="auto" r:id="rId40">
               <p14:nvContentPartPr>
                 <p14:cNvPr id="53" name="Freihand 52">
@@ -26187,7 +26275,7 @@
               </p14:xfrm>
             </p:contentPart>
           </mc:Choice>
-          <mc:Fallback>
+          <mc:Fallback xmlns="">
             <p:pic>
               <p:nvPicPr>
                 <p:cNvPr id="53" name="Freihand 52">
@@ -26218,8 +26306,8 @@
             </p:pic>
           </mc:Fallback>
         </mc:AlternateContent>
-        <mc:AlternateContent xmlns:mc="http://schemas.openxmlformats.org/markup-compatibility/2006">
-          <mc:Choice xmlns:p14="http://schemas.microsoft.com/office/powerpoint/2010/main" Requires="p14">
+        <mc:AlternateContent xmlns:mc="http://schemas.openxmlformats.org/markup-compatibility/2006" xmlns:p14="http://schemas.microsoft.com/office/powerpoint/2010/main">
+          <mc:Choice Requires="p14">
             <p:contentPart p14:bwMode="auto" r:id="rId41">
               <p14:nvContentPartPr>
                 <p14:cNvPr id="54" name="Freihand 53">
@@ -26238,7 +26326,7 @@
               </p14:xfrm>
             </p:contentPart>
           </mc:Choice>
-          <mc:Fallback>
+          <mc:Fallback xmlns="">
             <p:pic>
               <p:nvPicPr>
                 <p:cNvPr id="54" name="Freihand 53">
@@ -26269,8 +26357,8 @@
             </p:pic>
           </mc:Fallback>
         </mc:AlternateContent>
-        <mc:AlternateContent xmlns:mc="http://schemas.openxmlformats.org/markup-compatibility/2006">
-          <mc:Choice xmlns:p14="http://schemas.microsoft.com/office/powerpoint/2010/main" Requires="p14">
+        <mc:AlternateContent xmlns:mc="http://schemas.openxmlformats.org/markup-compatibility/2006" xmlns:p14="http://schemas.microsoft.com/office/powerpoint/2010/main">
+          <mc:Choice Requires="p14">
             <p:contentPart p14:bwMode="auto" r:id="rId42">
               <p14:nvContentPartPr>
                 <p14:cNvPr id="55" name="Freihand 54">
@@ -26289,7 +26377,7 @@
               </p14:xfrm>
             </p:contentPart>
           </mc:Choice>
-          <mc:Fallback>
+          <mc:Fallback xmlns="">
             <p:pic>
               <p:nvPicPr>
                 <p:cNvPr id="55" name="Freihand 54">
@@ -26320,8 +26408,8 @@
             </p:pic>
           </mc:Fallback>
         </mc:AlternateContent>
-        <mc:AlternateContent xmlns:mc="http://schemas.openxmlformats.org/markup-compatibility/2006">
-          <mc:Choice xmlns:p14="http://schemas.microsoft.com/office/powerpoint/2010/main" Requires="p14">
+        <mc:AlternateContent xmlns:mc="http://schemas.openxmlformats.org/markup-compatibility/2006" xmlns:p14="http://schemas.microsoft.com/office/powerpoint/2010/main">
+          <mc:Choice Requires="p14">
             <p:contentPart p14:bwMode="auto" r:id="rId43">
               <p14:nvContentPartPr>
                 <p14:cNvPr id="56" name="Freihand 55">
@@ -26340,7 +26428,7 @@
               </p14:xfrm>
             </p:contentPart>
           </mc:Choice>
-          <mc:Fallback>
+          <mc:Fallback xmlns="">
             <p:pic>
               <p:nvPicPr>
                 <p:cNvPr id="56" name="Freihand 55">
@@ -26371,8 +26459,8 @@
             </p:pic>
           </mc:Fallback>
         </mc:AlternateContent>
-        <mc:AlternateContent xmlns:mc="http://schemas.openxmlformats.org/markup-compatibility/2006">
-          <mc:Choice xmlns:p14="http://schemas.microsoft.com/office/powerpoint/2010/main" Requires="p14">
+        <mc:AlternateContent xmlns:mc="http://schemas.openxmlformats.org/markup-compatibility/2006" xmlns:p14="http://schemas.microsoft.com/office/powerpoint/2010/main">
+          <mc:Choice Requires="p14">
             <p:contentPart p14:bwMode="auto" r:id="rId44">
               <p14:nvContentPartPr>
                 <p14:cNvPr id="57" name="Freihand 56">
@@ -26391,7 +26479,7 @@
               </p14:xfrm>
             </p:contentPart>
           </mc:Choice>
-          <mc:Fallback>
+          <mc:Fallback xmlns="">
             <p:pic>
               <p:nvPicPr>
                 <p:cNvPr id="57" name="Freihand 56">
@@ -26423,8 +26511,8 @@
           </mc:Fallback>
         </mc:AlternateContent>
       </p:grpSp>
-      <mc:AlternateContent xmlns:mc="http://schemas.openxmlformats.org/markup-compatibility/2006">
-        <mc:Choice xmlns:p14="http://schemas.microsoft.com/office/powerpoint/2010/main" Requires="p14">
+      <mc:AlternateContent xmlns:mc="http://schemas.openxmlformats.org/markup-compatibility/2006" xmlns:p14="http://schemas.microsoft.com/office/powerpoint/2010/main">
+        <mc:Choice Requires="p14">
           <p:contentPart p14:bwMode="auto" r:id="rId45">
             <p14:nvContentPartPr>
               <p14:cNvPr id="58" name="Freihand 57">
@@ -26443,7 +26531,7 @@
             </p14:xfrm>
           </p:contentPart>
         </mc:Choice>
-        <mc:Fallback>
+        <mc:Fallback xmlns="">
           <p:pic>
             <p:nvPicPr>
               <p:cNvPr id="58" name="Freihand 57">
@@ -27314,6 +27402,280 @@
     <p:extLst>
       <p:ext uri="{BB962C8B-B14F-4D97-AF65-F5344CB8AC3E}">
         <p14:creationId xmlns:p14="http://schemas.microsoft.com/office/powerpoint/2010/main" val="2220403896"/>
+      </p:ext>
+    </p:extLst>
+  </p:cSld>
+  <p:clrMapOvr>
+    <a:masterClrMapping/>
+  </p:clrMapOvr>
+</p:sld>
+</file>
+
+<file path=ppt/slides/slide23.xml><?xml version="1.0" encoding="utf-8"?>
+<p:sld xmlns:a="http://schemas.openxmlformats.org/drawingml/2006/main" xmlns:r="http://schemas.openxmlformats.org/officeDocument/2006/relationships" xmlns:p="http://schemas.openxmlformats.org/presentationml/2006/main">
+  <p:cSld>
+    <p:spTree>
+      <p:nvGrpSpPr>
+        <p:cNvPr id="1" name=""/>
+        <p:cNvGrpSpPr/>
+        <p:nvPr/>
+      </p:nvGrpSpPr>
+      <p:grpSpPr>
+        <a:xfrm>
+          <a:off x="0" y="0"/>
+          <a:ext cx="0" cy="0"/>
+          <a:chOff x="0" y="0"/>
+          <a:chExt cx="0" cy="0"/>
+        </a:xfrm>
+      </p:grpSpPr>
+      <p:pic>
+        <p:nvPicPr>
+          <p:cNvPr id="5" name="Grafik 4">
+            <a:extLst>
+              <a:ext uri="{FF2B5EF4-FFF2-40B4-BE49-F238E27FC236}">
+                <a16:creationId xmlns:a16="http://schemas.microsoft.com/office/drawing/2014/main" id="{A976DC06-4B34-0C96-FB68-98BBCDACF274}"/>
+              </a:ext>
+            </a:extLst>
+          </p:cNvPr>
+          <p:cNvPicPr>
+            <a:picLocks noChangeAspect="1"/>
+          </p:cNvPicPr>
+          <p:nvPr/>
+        </p:nvPicPr>
+        <p:blipFill>
+          <a:blip r:embed="rId2"/>
+          <a:stretch>
+            <a:fillRect/>
+          </a:stretch>
+        </p:blipFill>
+        <p:spPr>
+          <a:xfrm>
+            <a:off x="0" y="2258094"/>
+            <a:ext cx="12192000" cy="2341812"/>
+          </a:xfrm>
+          <a:prstGeom prst="rect">
+            <a:avLst/>
+          </a:prstGeom>
+        </p:spPr>
+      </p:pic>
+      <p:sp>
+        <p:nvSpPr>
+          <p:cNvPr id="6" name="Textfeld 5">
+            <a:extLst>
+              <a:ext uri="{FF2B5EF4-FFF2-40B4-BE49-F238E27FC236}">
+                <a16:creationId xmlns:a16="http://schemas.microsoft.com/office/drawing/2014/main" id="{50DB89DD-5B15-0442-B229-216B80DDB5D7}"/>
+              </a:ext>
+            </a:extLst>
+          </p:cNvPr>
+          <p:cNvSpPr txBox="1"/>
+          <p:nvPr/>
+        </p:nvSpPr>
+        <p:spPr>
+          <a:xfrm>
+            <a:off x="5402669" y="1888762"/>
+            <a:ext cx="1386662" cy="369332"/>
+          </a:xfrm>
+          <a:prstGeom prst="rect">
+            <a:avLst/>
+          </a:prstGeom>
+          <a:noFill/>
+        </p:spPr>
+        <p:txBody>
+          <a:bodyPr wrap="none" rtlCol="0">
+            <a:spAutoFit/>
+          </a:bodyPr>
+          <a:lstStyle/>
+          <a:p>
+            <a:r>
+              <a:rPr lang="de-DE" b="1" dirty="0"/>
+              <a:t>sense Strang</a:t>
+            </a:r>
+          </a:p>
+        </p:txBody>
+      </p:sp>
+      <p:sp>
+        <p:nvSpPr>
+          <p:cNvPr id="7" name="Textfeld 6">
+            <a:extLst>
+              <a:ext uri="{FF2B5EF4-FFF2-40B4-BE49-F238E27FC236}">
+                <a16:creationId xmlns:a16="http://schemas.microsoft.com/office/drawing/2014/main" id="{9A36856E-EE19-3A0D-C279-A496C388921E}"/>
+              </a:ext>
+            </a:extLst>
+          </p:cNvPr>
+          <p:cNvSpPr txBox="1"/>
+          <p:nvPr/>
+        </p:nvSpPr>
+        <p:spPr>
+          <a:xfrm>
+            <a:off x="5216977" y="4493394"/>
+            <a:ext cx="1758045" cy="369332"/>
+          </a:xfrm>
+          <a:prstGeom prst="rect">
+            <a:avLst/>
+          </a:prstGeom>
+          <a:noFill/>
+        </p:spPr>
+        <p:txBody>
+          <a:bodyPr wrap="none" rtlCol="0">
+            <a:spAutoFit/>
+          </a:bodyPr>
+          <a:lstStyle/>
+          <a:p>
+            <a:r>
+              <a:rPr lang="de-DE" b="1" dirty="0"/>
+              <a:t>antisense Strang</a:t>
+            </a:r>
+          </a:p>
+        </p:txBody>
+      </p:sp>
+      <p:sp>
+        <p:nvSpPr>
+          <p:cNvPr id="9" name="Textfeld 8">
+            <a:extLst>
+              <a:ext uri="{FF2B5EF4-FFF2-40B4-BE49-F238E27FC236}">
+                <a16:creationId xmlns:a16="http://schemas.microsoft.com/office/drawing/2014/main" id="{7F20DB17-3141-81F1-46CC-306B941E83E8}"/>
+              </a:ext>
+            </a:extLst>
+          </p:cNvPr>
+          <p:cNvSpPr txBox="1"/>
+          <p:nvPr/>
+        </p:nvSpPr>
+        <p:spPr>
+          <a:xfrm>
+            <a:off x="0" y="2783623"/>
+            <a:ext cx="1645579" cy="369332"/>
+          </a:xfrm>
+          <a:prstGeom prst="rect">
+            <a:avLst/>
+          </a:prstGeom>
+          <a:noFill/>
+        </p:spPr>
+        <p:txBody>
+          <a:bodyPr wrap="none" rtlCol="0">
+            <a:spAutoFit/>
+          </a:bodyPr>
+          <a:lstStyle/>
+          <a:p>
+            <a:r>
+              <a:rPr lang="de-DE" b="1" dirty="0" err="1"/>
+              <a:t>forward</a:t>
+            </a:r>
+            <a:r>
+              <a:rPr lang="de-DE" b="1" dirty="0"/>
+              <a:t> Primer</a:t>
+            </a:r>
+          </a:p>
+        </p:txBody>
+      </p:sp>
+      <p:sp>
+        <p:nvSpPr>
+          <p:cNvPr id="10" name="Textfeld 9">
+            <a:extLst>
+              <a:ext uri="{FF2B5EF4-FFF2-40B4-BE49-F238E27FC236}">
+                <a16:creationId xmlns:a16="http://schemas.microsoft.com/office/drawing/2014/main" id="{DFD45110-1997-FE5A-1857-5F90E8B8AEE2}"/>
+              </a:ext>
+            </a:extLst>
+          </p:cNvPr>
+          <p:cNvSpPr txBox="1"/>
+          <p:nvPr/>
+        </p:nvSpPr>
+        <p:spPr>
+          <a:xfrm>
+            <a:off x="10492154" y="3564267"/>
+            <a:ext cx="1585049" cy="369332"/>
+          </a:xfrm>
+          <a:prstGeom prst="rect">
+            <a:avLst/>
+          </a:prstGeom>
+          <a:noFill/>
+        </p:spPr>
+        <p:txBody>
+          <a:bodyPr wrap="none" rtlCol="0">
+            <a:spAutoFit/>
+          </a:bodyPr>
+          <a:lstStyle/>
+          <a:p>
+            <a:r>
+              <a:rPr lang="de-DE" b="1" dirty="0"/>
+              <a:t>reverse Primer</a:t>
+            </a:r>
+          </a:p>
+        </p:txBody>
+      </p:sp>
+      <p:sp>
+        <p:nvSpPr>
+          <p:cNvPr id="11" name="Textfeld 10">
+            <a:extLst>
+              <a:ext uri="{FF2B5EF4-FFF2-40B4-BE49-F238E27FC236}">
+                <a16:creationId xmlns:a16="http://schemas.microsoft.com/office/drawing/2014/main" id="{6422F6E3-89C3-5B99-5893-FB8D5946EB75}"/>
+              </a:ext>
+            </a:extLst>
+          </p:cNvPr>
+          <p:cNvSpPr txBox="1"/>
+          <p:nvPr/>
+        </p:nvSpPr>
+        <p:spPr>
+          <a:xfrm>
+            <a:off x="5767754" y="3561815"/>
+            <a:ext cx="1298753" cy="369332"/>
+          </a:xfrm>
+          <a:prstGeom prst="rect">
+            <a:avLst/>
+          </a:prstGeom>
+          <a:noFill/>
+        </p:spPr>
+        <p:txBody>
+          <a:bodyPr wrap="none" rtlCol="0">
+            <a:spAutoFit/>
+          </a:bodyPr>
+          <a:lstStyle/>
+          <a:p>
+            <a:r>
+              <a:rPr lang="de-DE" b="1" dirty="0"/>
+              <a:t>neue Sonde</a:t>
+            </a:r>
+          </a:p>
+        </p:txBody>
+      </p:sp>
+      <p:sp>
+        <p:nvSpPr>
+          <p:cNvPr id="12" name="Textfeld 11">
+            <a:extLst>
+              <a:ext uri="{FF2B5EF4-FFF2-40B4-BE49-F238E27FC236}">
+                <a16:creationId xmlns:a16="http://schemas.microsoft.com/office/drawing/2014/main" id="{9E706FF3-D4E6-409C-9FDC-D906C0E18B1B}"/>
+              </a:ext>
+            </a:extLst>
+          </p:cNvPr>
+          <p:cNvSpPr txBox="1"/>
+          <p:nvPr/>
+        </p:nvSpPr>
+        <p:spPr>
+          <a:xfrm>
+            <a:off x="5470877" y="2807111"/>
+            <a:ext cx="1892506" cy="369332"/>
+          </a:xfrm>
+          <a:prstGeom prst="rect">
+            <a:avLst/>
+          </a:prstGeom>
+          <a:noFill/>
+        </p:spPr>
+        <p:txBody>
+          <a:bodyPr wrap="none" rtlCol="0">
+            <a:spAutoFit/>
+          </a:bodyPr>
+          <a:lstStyle/>
+          <a:p>
+            <a:r>
+              <a:rPr lang="de-DE" b="1" dirty="0"/>
+              <a:t>Influenza B Sonde</a:t>
+            </a:r>
+          </a:p>
+        </p:txBody>
+      </p:sp>
+    </p:spTree>
+    <p:extLst>
+      <p:ext uri="{BB962C8B-B14F-4D97-AF65-F5344CB8AC3E}">
+        <p14:creationId xmlns:p14="http://schemas.microsoft.com/office/powerpoint/2010/main" val="2924381277"/>
       </p:ext>
     </p:extLst>
   </p:cSld>
